--- a/Ng-Byte.pptx
+++ b/Ng-Byte.pptx
@@ -5,7 +5,7 @@
     <p:sldMasterId id="2147483648" r:id="rId1"/>
   </p:sldMasterIdLst>
   <p:notesMasterIdLst>
-    <p:notesMasterId r:id="rId89"/>
+    <p:notesMasterId r:id="rId84"/>
   </p:notesMasterIdLst>
   <p:sldIdLst>
     <p:sldId id="257" r:id="rId2"/>
@@ -76,25 +76,20 @@
     <p:sldId id="529" r:id="rId67"/>
     <p:sldId id="431" r:id="rId68"/>
     <p:sldId id="432" r:id="rId69"/>
-    <p:sldId id="363" r:id="rId70"/>
-    <p:sldId id="530" r:id="rId71"/>
-    <p:sldId id="531" r:id="rId72"/>
-    <p:sldId id="532" r:id="rId73"/>
-    <p:sldId id="533" r:id="rId74"/>
-    <p:sldId id="534" r:id="rId75"/>
-    <p:sldId id="453" r:id="rId76"/>
-    <p:sldId id="454" r:id="rId77"/>
-    <p:sldId id="451" r:id="rId78"/>
-    <p:sldId id="456" r:id="rId79"/>
-    <p:sldId id="535" r:id="rId80"/>
-    <p:sldId id="536" r:id="rId81"/>
-    <p:sldId id="537" r:id="rId82"/>
-    <p:sldId id="538" r:id="rId83"/>
-    <p:sldId id="458" r:id="rId84"/>
-    <p:sldId id="308" r:id="rId85"/>
-    <p:sldId id="459" r:id="rId86"/>
-    <p:sldId id="364" r:id="rId87"/>
-    <p:sldId id="301" r:id="rId88"/>
+    <p:sldId id="530" r:id="rId70"/>
+    <p:sldId id="531" r:id="rId71"/>
+    <p:sldId id="532" r:id="rId72"/>
+    <p:sldId id="533" r:id="rId73"/>
+    <p:sldId id="534" r:id="rId74"/>
+    <p:sldId id="535" r:id="rId75"/>
+    <p:sldId id="536" r:id="rId76"/>
+    <p:sldId id="537" r:id="rId77"/>
+    <p:sldId id="538" r:id="rId78"/>
+    <p:sldId id="458" r:id="rId79"/>
+    <p:sldId id="308" r:id="rId80"/>
+    <p:sldId id="459" r:id="rId81"/>
+    <p:sldId id="364" r:id="rId82"/>
+    <p:sldId id="301" r:id="rId83"/>
   </p:sldIdLst>
   <p:sldSz cx="12192000" cy="6858000"/>
   <p:notesSz cx="6858000" cy="9144000"/>
@@ -1731,788 +1726,6 @@
 </file>
 
 <file path=ppt/diagrams/colors3.xml><?xml version="1.0" encoding="utf-8"?>
-<dgm:colorsDef xmlns:dgm="http://schemas.openxmlformats.org/drawingml/2006/diagram" xmlns:a="http://schemas.openxmlformats.org/drawingml/2006/main" uniqueId="urn:microsoft.com/office/officeart/2005/8/colors/colorful5">
-  <dgm:title val=""/>
-  <dgm:desc val=""/>
-  <dgm:catLst>
-    <dgm:cat type="colorful" pri="10500"/>
-  </dgm:catLst>
-  <dgm:styleLbl name="node0">
-    <dgm:fillClrLst meth="repeat">
-      <a:schemeClr val="accent4"/>
-    </dgm:fillClrLst>
-    <dgm:linClrLst meth="repeat">
-      <a:schemeClr val="lt1"/>
-    </dgm:linClrLst>
-    <dgm:effectClrLst/>
-    <dgm:txLinClrLst/>
-    <dgm:txFillClrLst/>
-    <dgm:txEffectClrLst/>
-  </dgm:styleLbl>
-  <dgm:styleLbl name="node1">
-    <dgm:fillClrLst>
-      <a:schemeClr val="accent5"/>
-      <a:schemeClr val="accent6"/>
-    </dgm:fillClrLst>
-    <dgm:linClrLst meth="repeat">
-      <a:schemeClr val="lt1"/>
-    </dgm:linClrLst>
-    <dgm:effectClrLst/>
-    <dgm:txLinClrLst/>
-    <dgm:txFillClrLst/>
-    <dgm:txEffectClrLst/>
-  </dgm:styleLbl>
-  <dgm:styleLbl name="alignNode1">
-    <dgm:fillClrLst>
-      <a:schemeClr val="accent5"/>
-      <a:schemeClr val="accent6"/>
-    </dgm:fillClrLst>
-    <dgm:linClrLst>
-      <a:schemeClr val="accent5"/>
-      <a:schemeClr val="accent6"/>
-    </dgm:linClrLst>
-    <dgm:effectClrLst/>
-    <dgm:txLinClrLst/>
-    <dgm:txFillClrLst/>
-    <dgm:txEffectClrLst/>
-  </dgm:styleLbl>
-  <dgm:styleLbl name="lnNode1">
-    <dgm:fillClrLst>
-      <a:schemeClr val="accent5"/>
-      <a:schemeClr val="accent6"/>
-    </dgm:fillClrLst>
-    <dgm:linClrLst meth="repeat">
-      <a:schemeClr val="lt1"/>
-    </dgm:linClrLst>
-    <dgm:effectClrLst/>
-    <dgm:txLinClrLst/>
-    <dgm:txFillClrLst/>
-    <dgm:txEffectClrLst/>
-  </dgm:styleLbl>
-  <dgm:styleLbl name="vennNode1">
-    <dgm:fillClrLst>
-      <a:schemeClr val="accent5">
-        <a:alpha val="50000"/>
-      </a:schemeClr>
-      <a:schemeClr val="accent6">
-        <a:alpha val="50000"/>
-      </a:schemeClr>
-    </dgm:fillClrLst>
-    <dgm:linClrLst meth="repeat">
-      <a:schemeClr val="lt1"/>
-    </dgm:linClrLst>
-    <dgm:effectClrLst/>
-    <dgm:txLinClrLst/>
-    <dgm:txFillClrLst/>
-    <dgm:txEffectClrLst/>
-  </dgm:styleLbl>
-  <dgm:styleLbl name="node2">
-    <dgm:fillClrLst>
-      <a:schemeClr val="accent6"/>
-    </dgm:fillClrLst>
-    <dgm:linClrLst meth="repeat">
-      <a:schemeClr val="lt1"/>
-    </dgm:linClrLst>
-    <dgm:effectClrLst/>
-    <dgm:txLinClrLst/>
-    <dgm:txFillClrLst/>
-    <dgm:txEffectClrLst/>
-  </dgm:styleLbl>
-  <dgm:styleLbl name="node3">
-    <dgm:fillClrLst>
-      <a:schemeClr val="accent1"/>
-    </dgm:fillClrLst>
-    <dgm:linClrLst meth="repeat">
-      <a:schemeClr val="lt1"/>
-    </dgm:linClrLst>
-    <dgm:effectClrLst/>
-    <dgm:txLinClrLst/>
-    <dgm:txFillClrLst/>
-    <dgm:txEffectClrLst/>
-  </dgm:styleLbl>
-  <dgm:styleLbl name="node4">
-    <dgm:fillClrLst>
-      <a:schemeClr val="accent2"/>
-    </dgm:fillClrLst>
-    <dgm:linClrLst meth="repeat">
-      <a:schemeClr val="lt1"/>
-    </dgm:linClrLst>
-    <dgm:effectClrLst/>
-    <dgm:txLinClrLst/>
-    <dgm:txFillClrLst/>
-    <dgm:txEffectClrLst/>
-  </dgm:styleLbl>
-  <dgm:styleLbl name="fgImgPlace1">
-    <dgm:fillClrLst>
-      <a:schemeClr val="accent5">
-        <a:tint val="50000"/>
-      </a:schemeClr>
-      <a:schemeClr val="accent6">
-        <a:tint val="50000"/>
-      </a:schemeClr>
-    </dgm:fillClrLst>
-    <dgm:linClrLst meth="repeat">
-      <a:schemeClr val="lt1"/>
-    </dgm:linClrLst>
-    <dgm:effectClrLst/>
-    <dgm:txLinClrLst/>
-    <dgm:txFillClrLst meth="repeat">
-      <a:schemeClr val="lt1"/>
-    </dgm:txFillClrLst>
-    <dgm:txEffectClrLst/>
-  </dgm:styleLbl>
-  <dgm:styleLbl name="alignImgPlace1">
-    <dgm:fillClrLst>
-      <a:schemeClr val="accent5">
-        <a:tint val="50000"/>
-      </a:schemeClr>
-      <a:schemeClr val="accent6">
-        <a:tint val="20000"/>
-      </a:schemeClr>
-    </dgm:fillClrLst>
-    <dgm:linClrLst meth="repeat">
-      <a:schemeClr val="lt1"/>
-    </dgm:linClrLst>
-    <dgm:effectClrLst/>
-    <dgm:txLinClrLst/>
-    <dgm:txFillClrLst meth="repeat">
-      <a:schemeClr val="lt1"/>
-    </dgm:txFillClrLst>
-    <dgm:txEffectClrLst/>
-  </dgm:styleLbl>
-  <dgm:styleLbl name="bgImgPlace1">
-    <dgm:fillClrLst>
-      <a:schemeClr val="accent5">
-        <a:tint val="50000"/>
-      </a:schemeClr>
-      <a:schemeClr val="accent6">
-        <a:tint val="20000"/>
-      </a:schemeClr>
-    </dgm:fillClrLst>
-    <dgm:linClrLst meth="repeat">
-      <a:schemeClr val="lt1"/>
-    </dgm:linClrLst>
-    <dgm:effectClrLst/>
-    <dgm:txLinClrLst/>
-    <dgm:txFillClrLst meth="repeat">
-      <a:schemeClr val="lt1"/>
-    </dgm:txFillClrLst>
-    <dgm:txEffectClrLst/>
-  </dgm:styleLbl>
-  <dgm:styleLbl name="sibTrans2D1">
-    <dgm:fillClrLst>
-      <a:schemeClr val="accent5"/>
-      <a:schemeClr val="accent6"/>
-    </dgm:fillClrLst>
-    <dgm:linClrLst meth="repeat">
-      <a:schemeClr val="lt1"/>
-    </dgm:linClrLst>
-    <dgm:effectClrLst/>
-    <dgm:txLinClrLst/>
-    <dgm:txFillClrLst/>
-    <dgm:txEffectClrLst/>
-  </dgm:styleLbl>
-  <dgm:styleLbl name="fgSibTrans2D1">
-    <dgm:fillClrLst>
-      <a:schemeClr val="accent5"/>
-      <a:schemeClr val="accent6"/>
-    </dgm:fillClrLst>
-    <dgm:linClrLst meth="repeat">
-      <a:schemeClr val="lt1"/>
-    </dgm:linClrLst>
-    <dgm:effectClrLst/>
-    <dgm:txLinClrLst/>
-    <dgm:txFillClrLst meth="repeat">
-      <a:schemeClr val="lt1"/>
-    </dgm:txFillClrLst>
-    <dgm:txEffectClrLst/>
-  </dgm:styleLbl>
-  <dgm:styleLbl name="bgSibTrans2D1">
-    <dgm:fillClrLst>
-      <a:schemeClr val="accent5"/>
-      <a:schemeClr val="accent6"/>
-    </dgm:fillClrLst>
-    <dgm:linClrLst meth="repeat">
-      <a:schemeClr val="lt1"/>
-    </dgm:linClrLst>
-    <dgm:effectClrLst/>
-    <dgm:txLinClrLst/>
-    <dgm:txFillClrLst meth="repeat">
-      <a:schemeClr val="lt1"/>
-    </dgm:txFillClrLst>
-    <dgm:txEffectClrLst/>
-  </dgm:styleLbl>
-  <dgm:styleLbl name="sibTrans1D1">
-    <dgm:fillClrLst/>
-    <dgm:linClrLst>
-      <a:schemeClr val="accent5"/>
-      <a:schemeClr val="accent6"/>
-    </dgm:linClrLst>
-    <dgm:effectClrLst/>
-    <dgm:txLinClrLst/>
-    <dgm:txFillClrLst meth="repeat">
-      <a:schemeClr val="tx1"/>
-    </dgm:txFillClrLst>
-    <dgm:txEffectClrLst/>
-  </dgm:styleLbl>
-  <dgm:styleLbl name="callout">
-    <dgm:fillClrLst meth="repeat">
-      <a:schemeClr val="accent5"/>
-    </dgm:fillClrLst>
-    <dgm:linClrLst meth="repeat">
-      <a:schemeClr val="accent5">
-        <a:tint val="50000"/>
-      </a:schemeClr>
-    </dgm:linClrLst>
-    <dgm:effectClrLst/>
-    <dgm:txLinClrLst/>
-    <dgm:txFillClrLst meth="repeat">
-      <a:schemeClr val="tx1"/>
-    </dgm:txFillClrLst>
-    <dgm:txEffectClrLst/>
-  </dgm:styleLbl>
-  <dgm:styleLbl name="asst0">
-    <dgm:fillClrLst meth="repeat">
-      <a:schemeClr val="accent5"/>
-    </dgm:fillClrLst>
-    <dgm:linClrLst meth="repeat">
-      <a:schemeClr val="lt1">
-        <a:shade val="80000"/>
-      </a:schemeClr>
-    </dgm:linClrLst>
-    <dgm:effectClrLst/>
-    <dgm:txLinClrLst/>
-    <dgm:txFillClrLst/>
-    <dgm:txEffectClrLst/>
-  </dgm:styleLbl>
-  <dgm:styleLbl name="asst1">
-    <dgm:fillClrLst meth="repeat">
-      <a:schemeClr val="accent6"/>
-    </dgm:fillClrLst>
-    <dgm:linClrLst meth="repeat">
-      <a:schemeClr val="lt1">
-        <a:shade val="80000"/>
-      </a:schemeClr>
-    </dgm:linClrLst>
-    <dgm:effectClrLst/>
-    <dgm:txLinClrLst/>
-    <dgm:txFillClrLst/>
-    <dgm:txEffectClrLst/>
-  </dgm:styleLbl>
-  <dgm:styleLbl name="asst2">
-    <dgm:fillClrLst>
-      <a:schemeClr val="accent1"/>
-    </dgm:fillClrLst>
-    <dgm:linClrLst meth="repeat">
-      <a:schemeClr val="lt1"/>
-    </dgm:linClrLst>
-    <dgm:effectClrLst/>
-    <dgm:txLinClrLst/>
-    <dgm:txFillClrLst/>
-    <dgm:txEffectClrLst/>
-  </dgm:styleLbl>
-  <dgm:styleLbl name="asst3">
-    <dgm:fillClrLst>
-      <a:schemeClr val="accent2"/>
-    </dgm:fillClrLst>
-    <dgm:linClrLst meth="repeat">
-      <a:schemeClr val="lt1"/>
-    </dgm:linClrLst>
-    <dgm:effectClrLst/>
-    <dgm:txLinClrLst/>
-    <dgm:txFillClrLst/>
-    <dgm:txEffectClrLst/>
-  </dgm:styleLbl>
-  <dgm:styleLbl name="asst4">
-    <dgm:fillClrLst>
-      <a:schemeClr val="accent3"/>
-    </dgm:fillClrLst>
-    <dgm:linClrLst meth="repeat">
-      <a:schemeClr val="lt1"/>
-    </dgm:linClrLst>
-    <dgm:effectClrLst/>
-    <dgm:txLinClrLst/>
-    <dgm:txFillClrLst/>
-    <dgm:txEffectClrLst/>
-  </dgm:styleLbl>
-  <dgm:styleLbl name="parChTrans2D1">
-    <dgm:fillClrLst meth="repeat">
-      <a:schemeClr val="accent5"/>
-    </dgm:fillClrLst>
-    <dgm:linClrLst meth="repeat">
-      <a:schemeClr val="lt1"/>
-    </dgm:linClrLst>
-    <dgm:effectClrLst/>
-    <dgm:txLinClrLst/>
-    <dgm:txFillClrLst meth="repeat">
-      <a:schemeClr val="lt1"/>
-    </dgm:txFillClrLst>
-    <dgm:txEffectClrLst/>
-  </dgm:styleLbl>
-  <dgm:styleLbl name="parChTrans2D2">
-    <dgm:fillClrLst meth="repeat">
-      <a:schemeClr val="accent6"/>
-    </dgm:fillClrLst>
-    <dgm:linClrLst meth="repeat">
-      <a:schemeClr val="lt1"/>
-    </dgm:linClrLst>
-    <dgm:effectClrLst/>
-    <dgm:txLinClrLst/>
-    <dgm:txFillClrLst/>
-    <dgm:txEffectClrLst/>
-  </dgm:styleLbl>
-  <dgm:styleLbl name="parChTrans2D3">
-    <dgm:fillClrLst meth="repeat">
-      <a:schemeClr val="accent6"/>
-    </dgm:fillClrLst>
-    <dgm:linClrLst meth="repeat">
-      <a:schemeClr val="lt1"/>
-    </dgm:linClrLst>
-    <dgm:effectClrLst/>
-    <dgm:txLinClrLst/>
-    <dgm:txFillClrLst/>
-    <dgm:txEffectClrLst/>
-  </dgm:styleLbl>
-  <dgm:styleLbl name="parChTrans2D4">
-    <dgm:fillClrLst meth="repeat">
-      <a:schemeClr val="accent1"/>
-    </dgm:fillClrLst>
-    <dgm:linClrLst meth="repeat">
-      <a:schemeClr val="lt1"/>
-    </dgm:linClrLst>
-    <dgm:effectClrLst/>
-    <dgm:txLinClrLst/>
-    <dgm:txFillClrLst meth="repeat">
-      <a:schemeClr val="lt1"/>
-    </dgm:txFillClrLst>
-    <dgm:txEffectClrLst/>
-  </dgm:styleLbl>
-  <dgm:styleLbl name="parChTrans1D1">
-    <dgm:fillClrLst meth="repeat">
-      <a:schemeClr val="accent5"/>
-    </dgm:fillClrLst>
-    <dgm:linClrLst meth="repeat">
-      <a:schemeClr val="accent5"/>
-    </dgm:linClrLst>
-    <dgm:effectClrLst/>
-    <dgm:txLinClrLst/>
-    <dgm:txFillClrLst meth="repeat">
-      <a:schemeClr val="tx1"/>
-    </dgm:txFillClrLst>
-    <dgm:txEffectClrLst/>
-  </dgm:styleLbl>
-  <dgm:styleLbl name="parChTrans1D2">
-    <dgm:fillClrLst meth="repeat">
-      <a:schemeClr val="accent6">
-        <a:tint val="90000"/>
-      </a:schemeClr>
-    </dgm:fillClrLst>
-    <dgm:linClrLst meth="repeat">
-      <a:schemeClr val="accent6"/>
-    </dgm:linClrLst>
-    <dgm:effectClrLst/>
-    <dgm:txLinClrLst/>
-    <dgm:txFillClrLst meth="repeat">
-      <a:schemeClr val="tx1"/>
-    </dgm:txFillClrLst>
-    <dgm:txEffectClrLst/>
-  </dgm:styleLbl>
-  <dgm:styleLbl name="parChTrans1D3">
-    <dgm:fillClrLst meth="repeat">
-      <a:schemeClr val="accent6">
-        <a:tint val="70000"/>
-      </a:schemeClr>
-    </dgm:fillClrLst>
-    <dgm:linClrLst meth="repeat">
-      <a:schemeClr val="accent1"/>
-    </dgm:linClrLst>
-    <dgm:effectClrLst/>
-    <dgm:txLinClrLst/>
-    <dgm:txFillClrLst meth="repeat">
-      <a:schemeClr val="tx1"/>
-    </dgm:txFillClrLst>
-    <dgm:txEffectClrLst/>
-  </dgm:styleLbl>
-  <dgm:styleLbl name="parChTrans1D4">
-    <dgm:fillClrLst meth="repeat">
-      <a:schemeClr val="accent6">
-        <a:tint val="50000"/>
-      </a:schemeClr>
-    </dgm:fillClrLst>
-    <dgm:linClrLst meth="repeat">
-      <a:schemeClr val="accent2"/>
-    </dgm:linClrLst>
-    <dgm:effectClrLst/>
-    <dgm:txLinClrLst/>
-    <dgm:txFillClrLst meth="repeat">
-      <a:schemeClr val="tx1"/>
-    </dgm:txFillClrLst>
-    <dgm:txEffectClrLst/>
-  </dgm:styleLbl>
-  <dgm:styleLbl name="fgAcc1">
-    <dgm:fillClrLst meth="repeat">
-      <a:schemeClr val="lt1">
-        <a:alpha val="90000"/>
-      </a:schemeClr>
-    </dgm:fillClrLst>
-    <dgm:linClrLst>
-      <a:schemeClr val="accent5"/>
-      <a:schemeClr val="accent6"/>
-    </dgm:linClrLst>
-    <dgm:effectClrLst/>
-    <dgm:txLinClrLst/>
-    <dgm:txFillClrLst meth="repeat">
-      <a:schemeClr val="dk1"/>
-    </dgm:txFillClrLst>
-    <dgm:txEffectClrLst/>
-  </dgm:styleLbl>
-  <dgm:styleLbl name="conFgAcc1">
-    <dgm:fillClrLst meth="repeat">
-      <a:schemeClr val="lt1">
-        <a:alpha val="90000"/>
-      </a:schemeClr>
-    </dgm:fillClrLst>
-    <dgm:linClrLst>
-      <a:schemeClr val="accent5"/>
-      <a:schemeClr val="accent6"/>
-    </dgm:linClrLst>
-    <dgm:effectClrLst/>
-    <dgm:txLinClrLst/>
-    <dgm:txFillClrLst meth="repeat">
-      <a:schemeClr val="dk1"/>
-    </dgm:txFillClrLst>
-    <dgm:txEffectClrLst/>
-  </dgm:styleLbl>
-  <dgm:styleLbl name="alignAcc1">
-    <dgm:fillClrLst meth="repeat">
-      <a:schemeClr val="lt1">
-        <a:alpha val="90000"/>
-      </a:schemeClr>
-    </dgm:fillClrLst>
-    <dgm:linClrLst>
-      <a:schemeClr val="accent5"/>
-      <a:schemeClr val="accent6"/>
-    </dgm:linClrLst>
-    <dgm:effectClrLst/>
-    <dgm:txLinClrLst/>
-    <dgm:txFillClrLst meth="repeat">
-      <a:schemeClr val="dk1"/>
-    </dgm:txFillClrLst>
-    <dgm:txEffectClrLst/>
-  </dgm:styleLbl>
-  <dgm:styleLbl name="trAlignAcc1">
-    <dgm:fillClrLst meth="repeat">
-      <a:schemeClr val="lt1">
-        <a:alpha val="40000"/>
-      </a:schemeClr>
-    </dgm:fillClrLst>
-    <dgm:linClrLst meth="repeat">
-      <a:schemeClr val="accent5"/>
-    </dgm:linClrLst>
-    <dgm:effectClrLst/>
-    <dgm:txLinClrLst/>
-    <dgm:txFillClrLst meth="repeat">
-      <a:schemeClr val="dk1"/>
-    </dgm:txFillClrLst>
-    <dgm:txEffectClrLst/>
-  </dgm:styleLbl>
-  <dgm:styleLbl name="bgAcc1">
-    <dgm:fillClrLst meth="repeat">
-      <a:schemeClr val="lt1">
-        <a:alpha val="90000"/>
-      </a:schemeClr>
-    </dgm:fillClrLst>
-    <dgm:linClrLst>
-      <a:schemeClr val="accent5"/>
-      <a:schemeClr val="accent6"/>
-    </dgm:linClrLst>
-    <dgm:effectClrLst/>
-    <dgm:txLinClrLst/>
-    <dgm:txFillClrLst meth="repeat">
-      <a:schemeClr val="dk1"/>
-    </dgm:txFillClrLst>
-    <dgm:txEffectClrLst/>
-  </dgm:styleLbl>
-  <dgm:styleLbl name="solidFgAcc1">
-    <dgm:fillClrLst meth="repeat">
-      <a:schemeClr val="lt1"/>
-    </dgm:fillClrLst>
-    <dgm:linClrLst>
-      <a:schemeClr val="accent5"/>
-      <a:schemeClr val="accent6"/>
-    </dgm:linClrLst>
-    <dgm:effectClrLst/>
-    <dgm:txLinClrLst/>
-    <dgm:txFillClrLst meth="repeat">
-      <a:schemeClr val="dk1"/>
-    </dgm:txFillClrLst>
-    <dgm:txEffectClrLst/>
-  </dgm:styleLbl>
-  <dgm:styleLbl name="solidAlignAcc1">
-    <dgm:fillClrLst meth="repeat">
-      <a:schemeClr val="lt1"/>
-    </dgm:fillClrLst>
-    <dgm:linClrLst>
-      <a:schemeClr val="accent5"/>
-      <a:schemeClr val="accent6"/>
-    </dgm:linClrLst>
-    <dgm:effectClrLst/>
-    <dgm:txLinClrLst/>
-    <dgm:txFillClrLst meth="repeat">
-      <a:schemeClr val="dk1"/>
-    </dgm:txFillClrLst>
-    <dgm:txEffectClrLst/>
-  </dgm:styleLbl>
-  <dgm:styleLbl name="solidBgAcc1">
-    <dgm:fillClrLst meth="repeat">
-      <a:schemeClr val="lt1"/>
-    </dgm:fillClrLst>
-    <dgm:linClrLst>
-      <a:schemeClr val="accent5"/>
-      <a:schemeClr val="accent6"/>
-    </dgm:linClrLst>
-    <dgm:effectClrLst/>
-    <dgm:txLinClrLst/>
-    <dgm:txFillClrLst meth="repeat">
-      <a:schemeClr val="dk1"/>
-    </dgm:txFillClrLst>
-    <dgm:txEffectClrLst/>
-  </dgm:styleLbl>
-  <dgm:styleLbl name="fgAccFollowNode1">
-    <dgm:fillClrLst>
-      <a:schemeClr val="accent5">
-        <a:tint val="40000"/>
-        <a:alpha val="90000"/>
-      </a:schemeClr>
-      <a:schemeClr val="accent6">
-        <a:tint val="40000"/>
-        <a:alpha val="90000"/>
-      </a:schemeClr>
-    </dgm:fillClrLst>
-    <dgm:linClrLst>
-      <a:schemeClr val="accent5">
-        <a:tint val="40000"/>
-        <a:alpha val="90000"/>
-      </a:schemeClr>
-      <a:schemeClr val="accent5">
-        <a:tint val="40000"/>
-        <a:alpha val="90000"/>
-      </a:schemeClr>
-    </dgm:linClrLst>
-    <dgm:effectClrLst/>
-    <dgm:txLinClrLst/>
-    <dgm:txFillClrLst meth="repeat">
-      <a:schemeClr val="dk1"/>
-    </dgm:txFillClrLst>
-    <dgm:txEffectClrLst/>
-  </dgm:styleLbl>
-  <dgm:styleLbl name="alignAccFollowNode1">
-    <dgm:fillClrLst>
-      <a:schemeClr val="accent5">
-        <a:tint val="40000"/>
-        <a:alpha val="90000"/>
-      </a:schemeClr>
-      <a:schemeClr val="accent6">
-        <a:tint val="40000"/>
-        <a:alpha val="90000"/>
-      </a:schemeClr>
-    </dgm:fillClrLst>
-    <dgm:linClrLst>
-      <a:schemeClr val="accent5">
-        <a:tint val="40000"/>
-        <a:alpha val="90000"/>
-      </a:schemeClr>
-      <a:schemeClr val="accent6">
-        <a:tint val="40000"/>
-        <a:alpha val="90000"/>
-      </a:schemeClr>
-    </dgm:linClrLst>
-    <dgm:effectClrLst/>
-    <dgm:txLinClrLst/>
-    <dgm:txFillClrLst meth="repeat">
-      <a:schemeClr val="dk1"/>
-    </dgm:txFillClrLst>
-    <dgm:txEffectClrLst/>
-  </dgm:styleLbl>
-  <dgm:styleLbl name="bgAccFollowNode1">
-    <dgm:fillClrLst>
-      <a:schemeClr val="accent5">
-        <a:tint val="40000"/>
-        <a:alpha val="90000"/>
-      </a:schemeClr>
-      <a:schemeClr val="accent6">
-        <a:tint val="40000"/>
-        <a:alpha val="90000"/>
-      </a:schemeClr>
-    </dgm:fillClrLst>
-    <dgm:linClrLst>
-      <a:schemeClr val="accent5">
-        <a:tint val="40000"/>
-        <a:alpha val="90000"/>
-      </a:schemeClr>
-      <a:schemeClr val="accent6">
-        <a:tint val="40000"/>
-        <a:alpha val="90000"/>
-      </a:schemeClr>
-    </dgm:linClrLst>
-    <dgm:effectClrLst/>
-    <dgm:txLinClrLst/>
-    <dgm:txFillClrLst meth="repeat">
-      <a:schemeClr val="dk1"/>
-    </dgm:txFillClrLst>
-    <dgm:txEffectClrLst/>
-  </dgm:styleLbl>
-  <dgm:styleLbl name="fgAcc0">
-    <dgm:fillClrLst meth="repeat">
-      <a:schemeClr val="lt1">
-        <a:alpha val="90000"/>
-      </a:schemeClr>
-    </dgm:fillClrLst>
-    <dgm:linClrLst>
-      <a:schemeClr val="accent4"/>
-    </dgm:linClrLst>
-    <dgm:effectClrLst/>
-    <dgm:txLinClrLst/>
-    <dgm:txFillClrLst meth="repeat">
-      <a:schemeClr val="dk1"/>
-    </dgm:txFillClrLst>
-    <dgm:txEffectClrLst/>
-  </dgm:styleLbl>
-  <dgm:styleLbl name="fgAcc2">
-    <dgm:fillClrLst meth="repeat">
-      <a:schemeClr val="lt1">
-        <a:alpha val="90000"/>
-      </a:schemeClr>
-    </dgm:fillClrLst>
-    <dgm:linClrLst>
-      <a:schemeClr val="accent6"/>
-    </dgm:linClrLst>
-    <dgm:effectClrLst/>
-    <dgm:txLinClrLst/>
-    <dgm:txFillClrLst meth="repeat">
-      <a:schemeClr val="dk1"/>
-    </dgm:txFillClrLst>
-    <dgm:txEffectClrLst/>
-  </dgm:styleLbl>
-  <dgm:styleLbl name="fgAcc3">
-    <dgm:fillClrLst meth="repeat">
-      <a:schemeClr val="lt1">
-        <a:alpha val="90000"/>
-      </a:schemeClr>
-    </dgm:fillClrLst>
-    <dgm:linClrLst>
-      <a:schemeClr val="accent1"/>
-    </dgm:linClrLst>
-    <dgm:effectClrLst/>
-    <dgm:txLinClrLst/>
-    <dgm:txFillClrLst meth="repeat">
-      <a:schemeClr val="dk1"/>
-    </dgm:txFillClrLst>
-    <dgm:txEffectClrLst/>
-  </dgm:styleLbl>
-  <dgm:styleLbl name="fgAcc4">
-    <dgm:fillClrLst meth="repeat">
-      <a:schemeClr val="lt1">
-        <a:alpha val="90000"/>
-      </a:schemeClr>
-    </dgm:fillClrLst>
-    <dgm:linClrLst>
-      <a:schemeClr val="accent2"/>
-    </dgm:linClrLst>
-    <dgm:effectClrLst/>
-    <dgm:txLinClrLst/>
-    <dgm:txFillClrLst meth="repeat">
-      <a:schemeClr val="dk1"/>
-    </dgm:txFillClrLst>
-    <dgm:txEffectClrLst/>
-  </dgm:styleLbl>
-  <dgm:styleLbl name="bgShp">
-    <dgm:fillClrLst meth="repeat">
-      <a:schemeClr val="accent5">
-        <a:tint val="40000"/>
-      </a:schemeClr>
-    </dgm:fillClrLst>
-    <dgm:linClrLst meth="repeat">
-      <a:schemeClr val="dk1"/>
-    </dgm:linClrLst>
-    <dgm:effectClrLst/>
-    <dgm:txLinClrLst/>
-    <dgm:txFillClrLst meth="repeat">
-      <a:schemeClr val="dk1"/>
-    </dgm:txFillClrLst>
-    <dgm:txEffectClrLst/>
-  </dgm:styleLbl>
-  <dgm:styleLbl name="dkBgShp">
-    <dgm:fillClrLst meth="repeat">
-      <a:schemeClr val="accent5">
-        <a:shade val="90000"/>
-      </a:schemeClr>
-    </dgm:fillClrLst>
-    <dgm:linClrLst meth="repeat">
-      <a:schemeClr val="dk1"/>
-    </dgm:linClrLst>
-    <dgm:effectClrLst/>
-    <dgm:txLinClrLst/>
-    <dgm:txFillClrLst meth="repeat">
-      <a:schemeClr val="lt1"/>
-    </dgm:txFillClrLst>
-    <dgm:txEffectClrLst/>
-  </dgm:styleLbl>
-  <dgm:styleLbl name="trBgShp">
-    <dgm:fillClrLst meth="repeat">
-      <a:schemeClr val="accent5">
-        <a:tint val="50000"/>
-        <a:alpha val="40000"/>
-      </a:schemeClr>
-    </dgm:fillClrLst>
-    <dgm:linClrLst meth="repeat">
-      <a:schemeClr val="accent5"/>
-    </dgm:linClrLst>
-    <dgm:effectClrLst/>
-    <dgm:txLinClrLst/>
-    <dgm:txFillClrLst meth="repeat">
-      <a:schemeClr val="lt1"/>
-    </dgm:txFillClrLst>
-    <dgm:txEffectClrLst/>
-  </dgm:styleLbl>
-  <dgm:styleLbl name="fgShp">
-    <dgm:fillClrLst meth="repeat">
-      <a:schemeClr val="accent5">
-        <a:tint val="40000"/>
-      </a:schemeClr>
-    </dgm:fillClrLst>
-    <dgm:linClrLst meth="repeat">
-      <a:schemeClr val="lt1"/>
-    </dgm:linClrLst>
-    <dgm:effectClrLst/>
-    <dgm:txLinClrLst/>
-    <dgm:txFillClrLst meth="repeat">
-      <a:schemeClr val="dk1"/>
-    </dgm:txFillClrLst>
-    <dgm:txEffectClrLst/>
-  </dgm:styleLbl>
-  <dgm:styleLbl name="revTx">
-    <dgm:fillClrLst meth="repeat">
-      <a:schemeClr val="lt1">
-        <a:alpha val="0"/>
-      </a:schemeClr>
-    </dgm:fillClrLst>
-    <dgm:linClrLst meth="repeat">
-      <a:schemeClr val="dk1">
-        <a:alpha val="0"/>
-      </a:schemeClr>
-    </dgm:linClrLst>
-    <dgm:effectClrLst/>
-    <dgm:txLinClrLst/>
-    <dgm:txFillClrLst meth="repeat">
-      <a:schemeClr val="tx1"/>
-    </dgm:txFillClrLst>
-    <dgm:txEffectClrLst/>
-  </dgm:styleLbl>
-</dgm:colorsDef>
-</file>
-
-<file path=ppt/diagrams/colors4.xml><?xml version="1.0" encoding="utf-8"?>
 <dgm:colorsDef xmlns:dgm="http://schemas.openxmlformats.org/drawingml/2006/diagram" xmlns:a="http://schemas.openxmlformats.org/drawingml/2006/main" uniqueId="urn:microsoft.com/office/officeart/2005/8/colors/accent5_2">
   <dgm:title val=""/>
   <dgm:desc val=""/>
@@ -3876,429 +3089,6 @@
 <file path=ppt/diagrams/data3.xml><?xml version="1.0" encoding="utf-8"?>
 <dgm:dataModel xmlns:dgm="http://schemas.openxmlformats.org/drawingml/2006/diagram" xmlns:a="http://schemas.openxmlformats.org/drawingml/2006/main">
   <dgm:ptLst>
-    <dgm:pt modelId="{50D5ADF9-FA81-4901-A248-AD1847B184D0}" type="doc">
-      <dgm:prSet loTypeId="urn:microsoft.com/office/officeart/2005/8/layout/vList2" loCatId="list" qsTypeId="urn:microsoft.com/office/officeart/2005/8/quickstyle/simple1" qsCatId="simple" csTypeId="urn:microsoft.com/office/officeart/2005/8/colors/colorful5" csCatId="colorful" phldr="1"/>
-      <dgm:spPr/>
-      <dgm:t>
-        <a:bodyPr/>
-        <a:lstStyle/>
-        <a:p>
-          <a:endParaRPr lang="en-US"/>
-        </a:p>
-      </dgm:t>
-    </dgm:pt>
-    <dgm:pt modelId="{AAA0B164-E3B8-4FD1-9B46-2035491EE2E3}">
-      <dgm:prSet/>
-      <dgm:spPr/>
-      <dgm:t>
-        <a:bodyPr/>
-        <a:lstStyle/>
-        <a:p>
-          <a:r>
-            <a:rPr lang="en-IN"/>
-            <a:t>Quick Loading Time</a:t>
-          </a:r>
-          <a:endParaRPr lang="en-US"/>
-        </a:p>
-      </dgm:t>
-    </dgm:pt>
-    <dgm:pt modelId="{EAF76764-2CFC-49EE-9443-CE61E2C1AAEE}" type="parTrans" cxnId="{BD7ABA76-BB88-4A37-9BFE-F5DEF7FDB964}">
-      <dgm:prSet/>
-      <dgm:spPr/>
-      <dgm:t>
-        <a:bodyPr/>
-        <a:lstStyle/>
-        <a:p>
-          <a:endParaRPr lang="en-US"/>
-        </a:p>
-      </dgm:t>
-    </dgm:pt>
-    <dgm:pt modelId="{AE7E2588-46F7-482F-AC42-F86ADAAF993F}" type="sibTrans" cxnId="{BD7ABA76-BB88-4A37-9BFE-F5DEF7FDB964}">
-      <dgm:prSet/>
-      <dgm:spPr/>
-      <dgm:t>
-        <a:bodyPr/>
-        <a:lstStyle/>
-        <a:p>
-          <a:pPr>
-            <a:lnSpc>
-              <a:spcPct val="100000"/>
-            </a:lnSpc>
-          </a:pPr>
-          <a:endParaRPr lang="en-US"/>
-        </a:p>
-      </dgm:t>
-    </dgm:pt>
-    <dgm:pt modelId="{34B8D842-1812-4A4F-AD26-554D8457444A}">
-      <dgm:prSet/>
-      <dgm:spPr/>
-      <dgm:t>
-        <a:bodyPr/>
-        <a:lstStyle/>
-        <a:p>
-          <a:endParaRPr lang="en-US"/>
-        </a:p>
-      </dgm:t>
-    </dgm:pt>
-    <dgm:pt modelId="{EED4C378-CC16-4C95-9D0C-240ADEC56074}" type="parTrans" cxnId="{3C166B99-F4C7-45E6-ABAE-16146E949960}">
-      <dgm:prSet/>
-      <dgm:spPr/>
-      <dgm:t>
-        <a:bodyPr/>
-        <a:lstStyle/>
-        <a:p>
-          <a:endParaRPr lang="en-US"/>
-        </a:p>
-      </dgm:t>
-    </dgm:pt>
-    <dgm:pt modelId="{A7A91574-1011-4847-A9BD-79F9DC88F03A}" type="sibTrans" cxnId="{3C166B99-F4C7-45E6-ABAE-16146E949960}">
-      <dgm:prSet/>
-      <dgm:spPr/>
-      <dgm:t>
-        <a:bodyPr/>
-        <a:lstStyle/>
-        <a:p>
-          <a:endParaRPr lang="en-US"/>
-        </a:p>
-      </dgm:t>
-    </dgm:pt>
-    <dgm:pt modelId="{586D6629-2AEB-49A3-8161-74B07E86AFCE}">
-      <dgm:prSet/>
-      <dgm:spPr/>
-      <dgm:t>
-        <a:bodyPr/>
-        <a:lstStyle/>
-        <a:p>
-          <a:r>
-            <a:rPr lang="en-IN"/>
-            <a:t>Seamless User Experience</a:t>
-          </a:r>
-          <a:endParaRPr lang="en-US"/>
-        </a:p>
-      </dgm:t>
-    </dgm:pt>
-    <dgm:pt modelId="{3E581DC8-FE84-448A-AD2B-669A95052653}" type="parTrans" cxnId="{F63E6A9D-EB4E-4E31-B192-D3AC5B851A19}">
-      <dgm:prSet/>
-      <dgm:spPr/>
-      <dgm:t>
-        <a:bodyPr/>
-        <a:lstStyle/>
-        <a:p>
-          <a:endParaRPr lang="en-US"/>
-        </a:p>
-      </dgm:t>
-    </dgm:pt>
-    <dgm:pt modelId="{1ABC4408-0055-4B6E-BBB5-37E7A448C69B}" type="sibTrans" cxnId="{F63E6A9D-EB4E-4E31-B192-D3AC5B851A19}">
-      <dgm:prSet/>
-      <dgm:spPr/>
-      <dgm:t>
-        <a:bodyPr/>
-        <a:lstStyle/>
-        <a:p>
-          <a:pPr>
-            <a:lnSpc>
-              <a:spcPct val="100000"/>
-            </a:lnSpc>
-          </a:pPr>
-          <a:endParaRPr lang="en-US"/>
-        </a:p>
-      </dgm:t>
-    </dgm:pt>
-    <dgm:pt modelId="{82CB3DFD-2055-4FCB-A03A-4A16CDAD6D17}">
-      <dgm:prSet/>
-      <dgm:spPr/>
-      <dgm:t>
-        <a:bodyPr/>
-        <a:lstStyle/>
-        <a:p>
-          <a:endParaRPr lang="en-US"/>
-        </a:p>
-      </dgm:t>
-    </dgm:pt>
-    <dgm:pt modelId="{20B07FF1-FB48-4FA7-B066-F2E7D6D18373}" type="parTrans" cxnId="{FD38F800-BFA7-42A2-AE55-F53B2046B38B}">
-      <dgm:prSet/>
-      <dgm:spPr/>
-      <dgm:t>
-        <a:bodyPr/>
-        <a:lstStyle/>
-        <a:p>
-          <a:endParaRPr lang="en-US"/>
-        </a:p>
-      </dgm:t>
-    </dgm:pt>
-    <dgm:pt modelId="{8BCA39C0-2487-498E-9B00-D87EB9047D2C}" type="sibTrans" cxnId="{FD38F800-BFA7-42A2-AE55-F53B2046B38B}">
-      <dgm:prSet/>
-      <dgm:spPr/>
-      <dgm:t>
-        <a:bodyPr/>
-        <a:lstStyle/>
-        <a:p>
-          <a:endParaRPr lang="en-US"/>
-        </a:p>
-      </dgm:t>
-    </dgm:pt>
-    <dgm:pt modelId="{C3A46C6E-835D-4972-A2E4-5ABACD5111C0}">
-      <dgm:prSet/>
-      <dgm:spPr/>
-      <dgm:t>
-        <a:bodyPr/>
-        <a:lstStyle/>
-        <a:p>
-          <a:r>
-            <a:rPr lang="en-US"/>
-            <a:t>Ease in Building Feature-rich Apps</a:t>
-          </a:r>
-        </a:p>
-      </dgm:t>
-    </dgm:pt>
-    <dgm:pt modelId="{70117BF0-9336-43C2-AA8B-BA72460A4D64}" type="parTrans" cxnId="{481E38A2-9E9F-4FD5-A305-D4A8FE4AFAC3}">
-      <dgm:prSet/>
-      <dgm:spPr/>
-      <dgm:t>
-        <a:bodyPr/>
-        <a:lstStyle/>
-        <a:p>
-          <a:endParaRPr lang="en-US"/>
-        </a:p>
-      </dgm:t>
-    </dgm:pt>
-    <dgm:pt modelId="{9056A2F0-4F2D-47DC-9866-E827ABCB56A4}" type="sibTrans" cxnId="{481E38A2-9E9F-4FD5-A305-D4A8FE4AFAC3}">
-      <dgm:prSet/>
-      <dgm:spPr/>
-      <dgm:t>
-        <a:bodyPr/>
-        <a:lstStyle/>
-        <a:p>
-          <a:pPr>
-            <a:lnSpc>
-              <a:spcPct val="100000"/>
-            </a:lnSpc>
-          </a:pPr>
-          <a:endParaRPr lang="en-US"/>
-        </a:p>
-      </dgm:t>
-    </dgm:pt>
-    <dgm:pt modelId="{37205212-5763-486E-83D3-5AB8414F16F1}">
-      <dgm:prSet/>
-      <dgm:spPr/>
-      <dgm:t>
-        <a:bodyPr/>
-        <a:lstStyle/>
-        <a:p>
-          <a:endParaRPr lang="en-US"/>
-        </a:p>
-      </dgm:t>
-    </dgm:pt>
-    <dgm:pt modelId="{1F8D4ABC-E85F-4D76-833D-8B10FB44B1D7}" type="parTrans" cxnId="{EC40957D-A25A-439F-BD73-0F4310A63EB5}">
-      <dgm:prSet/>
-      <dgm:spPr/>
-      <dgm:t>
-        <a:bodyPr/>
-        <a:lstStyle/>
-        <a:p>
-          <a:endParaRPr lang="en-US"/>
-        </a:p>
-      </dgm:t>
-    </dgm:pt>
-    <dgm:pt modelId="{09A09C6E-F780-4863-81AD-688D9850FAD8}" type="sibTrans" cxnId="{EC40957D-A25A-439F-BD73-0F4310A63EB5}">
-      <dgm:prSet/>
-      <dgm:spPr/>
-      <dgm:t>
-        <a:bodyPr/>
-        <a:lstStyle/>
-        <a:p>
-          <a:endParaRPr lang="en-US"/>
-        </a:p>
-      </dgm:t>
-    </dgm:pt>
-    <dgm:pt modelId="{E42DD993-AEEC-4251-B62B-5DFBAF74980E}">
-      <dgm:prSet/>
-      <dgm:spPr/>
-      <dgm:t>
-        <a:bodyPr/>
-        <a:lstStyle/>
-        <a:p>
-          <a:r>
-            <a:rPr lang="en-IN"/>
-            <a:t>Uses Less Bandwidth</a:t>
-          </a:r>
-          <a:endParaRPr lang="en-US"/>
-        </a:p>
-      </dgm:t>
-    </dgm:pt>
-    <dgm:pt modelId="{B69C0366-649C-4EB7-A71B-BD1DD3D23C67}" type="parTrans" cxnId="{A8023E0F-AEDB-43A6-ACF2-7814959855A5}">
-      <dgm:prSet/>
-      <dgm:spPr/>
-      <dgm:t>
-        <a:bodyPr/>
-        <a:lstStyle/>
-        <a:p>
-          <a:endParaRPr lang="en-US"/>
-        </a:p>
-      </dgm:t>
-    </dgm:pt>
-    <dgm:pt modelId="{2878EB0B-763D-4813-8486-E79C43F8E483}" type="sibTrans" cxnId="{A8023E0F-AEDB-43A6-ACF2-7814959855A5}">
-      <dgm:prSet/>
-      <dgm:spPr/>
-      <dgm:t>
-        <a:bodyPr/>
-        <a:lstStyle/>
-        <a:p>
-          <a:endParaRPr lang="en-US"/>
-        </a:p>
-      </dgm:t>
-    </dgm:pt>
-    <dgm:pt modelId="{6CB5FF09-7C4F-4945-A144-72C9C18A315B}">
-      <dgm:prSet/>
-      <dgm:spPr/>
-      <dgm:t>
-        <a:bodyPr/>
-        <a:lstStyle/>
-        <a:p>
-          <a:endParaRPr lang="en-US"/>
-        </a:p>
-      </dgm:t>
-    </dgm:pt>
-    <dgm:pt modelId="{900738CD-EBA0-4EA7-A182-2ADC1E40F8CA}" type="parTrans" cxnId="{D2A72BBA-6BCA-4416-92D6-7AE8626A80C6}">
-      <dgm:prSet/>
-      <dgm:spPr/>
-      <dgm:t>
-        <a:bodyPr/>
-        <a:lstStyle/>
-        <a:p>
-          <a:endParaRPr lang="en-US"/>
-        </a:p>
-      </dgm:t>
-    </dgm:pt>
-    <dgm:pt modelId="{CCD43A28-7C8C-4618-A0C6-22EF098D80AA}" type="sibTrans" cxnId="{D2A72BBA-6BCA-4416-92D6-7AE8626A80C6}">
-      <dgm:prSet/>
-      <dgm:spPr/>
-      <dgm:t>
-        <a:bodyPr/>
-        <a:lstStyle/>
-        <a:p>
-          <a:endParaRPr lang="en-US"/>
-        </a:p>
-      </dgm:t>
-    </dgm:pt>
-    <dgm:pt modelId="{507336DD-8986-454A-8BA5-BC7B248BA24E}" type="pres">
-      <dgm:prSet presAssocID="{50D5ADF9-FA81-4901-A248-AD1847B184D0}" presName="linear" presStyleCnt="0">
-        <dgm:presLayoutVars>
-          <dgm:animLvl val="lvl"/>
-          <dgm:resizeHandles val="exact"/>
-        </dgm:presLayoutVars>
-      </dgm:prSet>
-      <dgm:spPr/>
-    </dgm:pt>
-    <dgm:pt modelId="{A462923F-10CC-4898-B21D-D35A036CFB60}" type="pres">
-      <dgm:prSet presAssocID="{AAA0B164-E3B8-4FD1-9B46-2035491EE2E3}" presName="parentText" presStyleLbl="node1" presStyleIdx="0" presStyleCnt="4">
-        <dgm:presLayoutVars>
-          <dgm:chMax val="0"/>
-          <dgm:bulletEnabled val="1"/>
-        </dgm:presLayoutVars>
-      </dgm:prSet>
-      <dgm:spPr/>
-    </dgm:pt>
-    <dgm:pt modelId="{DE66AC20-CEA3-4CB8-B269-412668F69CCA}" type="pres">
-      <dgm:prSet presAssocID="{AAA0B164-E3B8-4FD1-9B46-2035491EE2E3}" presName="childText" presStyleLbl="revTx" presStyleIdx="0" presStyleCnt="4">
-        <dgm:presLayoutVars>
-          <dgm:bulletEnabled val="1"/>
-        </dgm:presLayoutVars>
-      </dgm:prSet>
-      <dgm:spPr/>
-    </dgm:pt>
-    <dgm:pt modelId="{DAB901B1-5264-4BA1-8874-D2A9D3C7DA30}" type="pres">
-      <dgm:prSet presAssocID="{586D6629-2AEB-49A3-8161-74B07E86AFCE}" presName="parentText" presStyleLbl="node1" presStyleIdx="1" presStyleCnt="4">
-        <dgm:presLayoutVars>
-          <dgm:chMax val="0"/>
-          <dgm:bulletEnabled val="1"/>
-        </dgm:presLayoutVars>
-      </dgm:prSet>
-      <dgm:spPr/>
-    </dgm:pt>
-    <dgm:pt modelId="{19092326-4E18-4A31-8746-02E1A15BBFB6}" type="pres">
-      <dgm:prSet presAssocID="{586D6629-2AEB-49A3-8161-74B07E86AFCE}" presName="childText" presStyleLbl="revTx" presStyleIdx="1" presStyleCnt="4">
-        <dgm:presLayoutVars>
-          <dgm:bulletEnabled val="1"/>
-        </dgm:presLayoutVars>
-      </dgm:prSet>
-      <dgm:spPr/>
-    </dgm:pt>
-    <dgm:pt modelId="{7E238E0B-BC81-453A-A6A0-F362CBB49766}" type="pres">
-      <dgm:prSet presAssocID="{C3A46C6E-835D-4972-A2E4-5ABACD5111C0}" presName="parentText" presStyleLbl="node1" presStyleIdx="2" presStyleCnt="4">
-        <dgm:presLayoutVars>
-          <dgm:chMax val="0"/>
-          <dgm:bulletEnabled val="1"/>
-        </dgm:presLayoutVars>
-      </dgm:prSet>
-      <dgm:spPr/>
-    </dgm:pt>
-    <dgm:pt modelId="{76B00C47-52DE-4476-AECC-FD109F3502D6}" type="pres">
-      <dgm:prSet presAssocID="{C3A46C6E-835D-4972-A2E4-5ABACD5111C0}" presName="childText" presStyleLbl="revTx" presStyleIdx="2" presStyleCnt="4">
-        <dgm:presLayoutVars>
-          <dgm:bulletEnabled val="1"/>
-        </dgm:presLayoutVars>
-      </dgm:prSet>
-      <dgm:spPr/>
-    </dgm:pt>
-    <dgm:pt modelId="{08F6659B-C9F5-4259-BD7B-2F5A42166929}" type="pres">
-      <dgm:prSet presAssocID="{E42DD993-AEEC-4251-B62B-5DFBAF74980E}" presName="parentText" presStyleLbl="node1" presStyleIdx="3" presStyleCnt="4">
-        <dgm:presLayoutVars>
-          <dgm:chMax val="0"/>
-          <dgm:bulletEnabled val="1"/>
-        </dgm:presLayoutVars>
-      </dgm:prSet>
-      <dgm:spPr/>
-    </dgm:pt>
-    <dgm:pt modelId="{ED390239-9E07-402B-A9D6-D535F73AD1E7}" type="pres">
-      <dgm:prSet presAssocID="{E42DD993-AEEC-4251-B62B-5DFBAF74980E}" presName="childText" presStyleLbl="revTx" presStyleIdx="3" presStyleCnt="4">
-        <dgm:presLayoutVars>
-          <dgm:bulletEnabled val="1"/>
-        </dgm:presLayoutVars>
-      </dgm:prSet>
-      <dgm:spPr/>
-    </dgm:pt>
-  </dgm:ptLst>
-  <dgm:cxnLst>
-    <dgm:cxn modelId="{FD38F800-BFA7-42A2-AE55-F53B2046B38B}" srcId="{586D6629-2AEB-49A3-8161-74B07E86AFCE}" destId="{82CB3DFD-2055-4FCB-A03A-4A16CDAD6D17}" srcOrd="0" destOrd="0" parTransId="{20B07FF1-FB48-4FA7-B066-F2E7D6D18373}" sibTransId="{8BCA39C0-2487-498E-9B00-D87EB9047D2C}"/>
-    <dgm:cxn modelId="{6C88DC03-D496-49BD-9299-3B37D45EF92E}" type="presOf" srcId="{82CB3DFD-2055-4FCB-A03A-4A16CDAD6D17}" destId="{19092326-4E18-4A31-8746-02E1A15BBFB6}" srcOrd="0" destOrd="0" presId="urn:microsoft.com/office/officeart/2005/8/layout/vList2"/>
-    <dgm:cxn modelId="{A8023E0F-AEDB-43A6-ACF2-7814959855A5}" srcId="{50D5ADF9-FA81-4901-A248-AD1847B184D0}" destId="{E42DD993-AEEC-4251-B62B-5DFBAF74980E}" srcOrd="3" destOrd="0" parTransId="{B69C0366-649C-4EB7-A71B-BD1DD3D23C67}" sibTransId="{2878EB0B-763D-4813-8486-E79C43F8E483}"/>
-    <dgm:cxn modelId="{AF505566-1A17-4EF7-AB81-EF0A4633C74C}" type="presOf" srcId="{34B8D842-1812-4A4F-AD26-554D8457444A}" destId="{DE66AC20-CEA3-4CB8-B269-412668F69CCA}" srcOrd="0" destOrd="0" presId="urn:microsoft.com/office/officeart/2005/8/layout/vList2"/>
-    <dgm:cxn modelId="{BD7ABA76-BB88-4A37-9BFE-F5DEF7FDB964}" srcId="{50D5ADF9-FA81-4901-A248-AD1847B184D0}" destId="{AAA0B164-E3B8-4FD1-9B46-2035491EE2E3}" srcOrd="0" destOrd="0" parTransId="{EAF76764-2CFC-49EE-9443-CE61E2C1AAEE}" sibTransId="{AE7E2588-46F7-482F-AC42-F86ADAAF993F}"/>
-    <dgm:cxn modelId="{EC40957D-A25A-439F-BD73-0F4310A63EB5}" srcId="{C3A46C6E-835D-4972-A2E4-5ABACD5111C0}" destId="{37205212-5763-486E-83D3-5AB8414F16F1}" srcOrd="0" destOrd="0" parTransId="{1F8D4ABC-E85F-4D76-833D-8B10FB44B1D7}" sibTransId="{09A09C6E-F780-4863-81AD-688D9850FAD8}"/>
-    <dgm:cxn modelId="{504D8E81-E6CA-4306-ACF8-FCFB1B66612A}" type="presOf" srcId="{586D6629-2AEB-49A3-8161-74B07E86AFCE}" destId="{DAB901B1-5264-4BA1-8874-D2A9D3C7DA30}" srcOrd="0" destOrd="0" presId="urn:microsoft.com/office/officeart/2005/8/layout/vList2"/>
-    <dgm:cxn modelId="{528EA581-EF33-4A06-92AB-77F7DF220CAC}" type="presOf" srcId="{AAA0B164-E3B8-4FD1-9B46-2035491EE2E3}" destId="{A462923F-10CC-4898-B21D-D35A036CFB60}" srcOrd="0" destOrd="0" presId="urn:microsoft.com/office/officeart/2005/8/layout/vList2"/>
-    <dgm:cxn modelId="{3C166B99-F4C7-45E6-ABAE-16146E949960}" srcId="{AAA0B164-E3B8-4FD1-9B46-2035491EE2E3}" destId="{34B8D842-1812-4A4F-AD26-554D8457444A}" srcOrd="0" destOrd="0" parTransId="{EED4C378-CC16-4C95-9D0C-240ADEC56074}" sibTransId="{A7A91574-1011-4847-A9BD-79F9DC88F03A}"/>
-    <dgm:cxn modelId="{89F7CC99-2377-4149-A8E7-295DFB97F15B}" type="presOf" srcId="{E42DD993-AEEC-4251-B62B-5DFBAF74980E}" destId="{08F6659B-C9F5-4259-BD7B-2F5A42166929}" srcOrd="0" destOrd="0" presId="urn:microsoft.com/office/officeart/2005/8/layout/vList2"/>
-    <dgm:cxn modelId="{F63E6A9D-EB4E-4E31-B192-D3AC5B851A19}" srcId="{50D5ADF9-FA81-4901-A248-AD1847B184D0}" destId="{586D6629-2AEB-49A3-8161-74B07E86AFCE}" srcOrd="1" destOrd="0" parTransId="{3E581DC8-FE84-448A-AD2B-669A95052653}" sibTransId="{1ABC4408-0055-4B6E-BBB5-37E7A448C69B}"/>
-    <dgm:cxn modelId="{481E38A2-9E9F-4FD5-A305-D4A8FE4AFAC3}" srcId="{50D5ADF9-FA81-4901-A248-AD1847B184D0}" destId="{C3A46C6E-835D-4972-A2E4-5ABACD5111C0}" srcOrd="2" destOrd="0" parTransId="{70117BF0-9336-43C2-AA8B-BA72460A4D64}" sibTransId="{9056A2F0-4F2D-47DC-9866-E827ABCB56A4}"/>
-    <dgm:cxn modelId="{F84F64B1-57D8-435C-8DA3-184B2AE436CF}" type="presOf" srcId="{50D5ADF9-FA81-4901-A248-AD1847B184D0}" destId="{507336DD-8986-454A-8BA5-BC7B248BA24E}" srcOrd="0" destOrd="0" presId="urn:microsoft.com/office/officeart/2005/8/layout/vList2"/>
-    <dgm:cxn modelId="{D2A72BBA-6BCA-4416-92D6-7AE8626A80C6}" srcId="{E42DD993-AEEC-4251-B62B-5DFBAF74980E}" destId="{6CB5FF09-7C4F-4945-A144-72C9C18A315B}" srcOrd="0" destOrd="0" parTransId="{900738CD-EBA0-4EA7-A182-2ADC1E40F8CA}" sibTransId="{CCD43A28-7C8C-4618-A0C6-22EF098D80AA}"/>
-    <dgm:cxn modelId="{F4767CBA-C308-4A9E-9736-A1B500613404}" type="presOf" srcId="{37205212-5763-486E-83D3-5AB8414F16F1}" destId="{76B00C47-52DE-4476-AECC-FD109F3502D6}" srcOrd="0" destOrd="0" presId="urn:microsoft.com/office/officeart/2005/8/layout/vList2"/>
-    <dgm:cxn modelId="{961BE9C3-9286-46A6-A725-AC9A6A78EEF2}" type="presOf" srcId="{C3A46C6E-835D-4972-A2E4-5ABACD5111C0}" destId="{7E238E0B-BC81-453A-A6A0-F362CBB49766}" srcOrd="0" destOrd="0" presId="urn:microsoft.com/office/officeart/2005/8/layout/vList2"/>
-    <dgm:cxn modelId="{8CF5BFDB-006F-4B27-9CC9-F776E3330738}" type="presOf" srcId="{6CB5FF09-7C4F-4945-A144-72C9C18A315B}" destId="{ED390239-9E07-402B-A9D6-D535F73AD1E7}" srcOrd="0" destOrd="0" presId="urn:microsoft.com/office/officeart/2005/8/layout/vList2"/>
-    <dgm:cxn modelId="{24294C70-A16A-47C2-AEC9-B78FDC3403CC}" type="presParOf" srcId="{507336DD-8986-454A-8BA5-BC7B248BA24E}" destId="{A462923F-10CC-4898-B21D-D35A036CFB60}" srcOrd="0" destOrd="0" presId="urn:microsoft.com/office/officeart/2005/8/layout/vList2"/>
-    <dgm:cxn modelId="{6C5A49C3-F41F-41E7-923F-54B365D38A59}" type="presParOf" srcId="{507336DD-8986-454A-8BA5-BC7B248BA24E}" destId="{DE66AC20-CEA3-4CB8-B269-412668F69CCA}" srcOrd="1" destOrd="0" presId="urn:microsoft.com/office/officeart/2005/8/layout/vList2"/>
-    <dgm:cxn modelId="{E86E237F-D7BA-4BB2-B6A6-AD49E9406B79}" type="presParOf" srcId="{507336DD-8986-454A-8BA5-BC7B248BA24E}" destId="{DAB901B1-5264-4BA1-8874-D2A9D3C7DA30}" srcOrd="2" destOrd="0" presId="urn:microsoft.com/office/officeart/2005/8/layout/vList2"/>
-    <dgm:cxn modelId="{7AF56E98-2259-4DEF-B9A3-2B1B16037719}" type="presParOf" srcId="{507336DD-8986-454A-8BA5-BC7B248BA24E}" destId="{19092326-4E18-4A31-8746-02E1A15BBFB6}" srcOrd="3" destOrd="0" presId="urn:microsoft.com/office/officeart/2005/8/layout/vList2"/>
-    <dgm:cxn modelId="{9026C6E7-462D-450E-AD02-AABFB05DFA92}" type="presParOf" srcId="{507336DD-8986-454A-8BA5-BC7B248BA24E}" destId="{7E238E0B-BC81-453A-A6A0-F362CBB49766}" srcOrd="4" destOrd="0" presId="urn:microsoft.com/office/officeart/2005/8/layout/vList2"/>
-    <dgm:cxn modelId="{2AF22F6A-4C93-41FB-8E83-2B4CDFCD5B61}" type="presParOf" srcId="{507336DD-8986-454A-8BA5-BC7B248BA24E}" destId="{76B00C47-52DE-4476-AECC-FD109F3502D6}" srcOrd="5" destOrd="0" presId="urn:microsoft.com/office/officeart/2005/8/layout/vList2"/>
-    <dgm:cxn modelId="{13A1A8A3-327F-4F33-9787-03D43DB5E5D2}" type="presParOf" srcId="{507336DD-8986-454A-8BA5-BC7B248BA24E}" destId="{08F6659B-C9F5-4259-BD7B-2F5A42166929}" srcOrd="6" destOrd="0" presId="urn:microsoft.com/office/officeart/2005/8/layout/vList2"/>
-    <dgm:cxn modelId="{65BA8737-CAE6-41F9-A7DA-2796967E2731}" type="presParOf" srcId="{507336DD-8986-454A-8BA5-BC7B248BA24E}" destId="{ED390239-9E07-402B-A9D6-D535F73AD1E7}" srcOrd="7" destOrd="0" presId="urn:microsoft.com/office/officeart/2005/8/layout/vList2"/>
-  </dgm:cxnLst>
-  <dgm:bg/>
-  <dgm:whole/>
-  <dgm:extLst>
-    <a:ext uri="http://schemas.microsoft.com/office/drawing/2008/diagram">
-      <dsp:dataModelExt xmlns:dsp="http://schemas.microsoft.com/office/drawing/2008/diagram" relId="rId7" minVer="http://schemas.openxmlformats.org/drawingml/2006/diagram"/>
-    </a:ext>
-  </dgm:extLst>
-</dgm:dataModel>
-</file>
-
-<file path=ppt/diagrams/data4.xml><?xml version="1.0" encoding="utf-8"?>
-<dgm:dataModel xmlns:dgm="http://schemas.openxmlformats.org/drawingml/2006/diagram" xmlns:a="http://schemas.openxmlformats.org/drawingml/2006/main">
-  <dgm:ptLst>
     <dgm:pt modelId="{749CFC44-69C4-4B17-B8F2-7FF9091A454F}" type="doc">
       <dgm:prSet loTypeId="urn:microsoft.com/office/officeart/2008/layout/LinedList" loCatId="list" qsTypeId="urn:microsoft.com/office/officeart/2005/8/quickstyle/simple2" qsCatId="simple" csTypeId="urn:microsoft.com/office/officeart/2005/8/colors/accent5_2" csCatId="accent5"/>
       <dgm:spPr/>
@@ -5387,561 +4177,6 @@
       <dsp:cNvGrpSpPr/>
     </dsp:nvGrpSpPr>
     <dsp:grpSpPr/>
-    <dsp:sp modelId="{A462923F-10CC-4898-B21D-D35A036CFB60}">
-      <dsp:nvSpPr>
-        <dsp:cNvPr id="0" name=""/>
-        <dsp:cNvSpPr/>
-      </dsp:nvSpPr>
-      <dsp:spPr>
-        <a:xfrm>
-          <a:off x="0" y="118703"/>
-          <a:ext cx="6245265" cy="791505"/>
-        </a:xfrm>
-        <a:prstGeom prst="roundRect">
-          <a:avLst/>
-        </a:prstGeom>
-        <a:solidFill>
-          <a:schemeClr val="accent5">
-            <a:hueOff val="0"/>
-            <a:satOff val="0"/>
-            <a:lumOff val="0"/>
-            <a:alphaOff val="0"/>
-          </a:schemeClr>
-        </a:solidFill>
-        <a:ln w="12700" cap="flat" cmpd="sng" algn="ctr">
-          <a:solidFill>
-            <a:schemeClr val="lt1">
-              <a:hueOff val="0"/>
-              <a:satOff val="0"/>
-              <a:lumOff val="0"/>
-              <a:alphaOff val="0"/>
-            </a:schemeClr>
-          </a:solidFill>
-          <a:prstDash val="solid"/>
-          <a:miter lim="800000"/>
-        </a:ln>
-        <a:effectLst/>
-      </dsp:spPr>
-      <dsp:style>
-        <a:lnRef idx="2">
-          <a:scrgbClr r="0" g="0" b="0"/>
-        </a:lnRef>
-        <a:fillRef idx="1">
-          <a:scrgbClr r="0" g="0" b="0"/>
-        </a:fillRef>
-        <a:effectRef idx="0">
-          <a:scrgbClr r="0" g="0" b="0"/>
-        </a:effectRef>
-        <a:fontRef idx="minor">
-          <a:schemeClr val="lt1"/>
-        </a:fontRef>
-      </dsp:style>
-      <dsp:txBody>
-        <a:bodyPr spcFirstLastPara="0" vert="horz" wrap="square" lIns="125730" tIns="125730" rIns="125730" bIns="125730" numCol="1" spcCol="1270" anchor="ctr" anchorCtr="0">
-          <a:noAutofit/>
-        </a:bodyPr>
-        <a:lstStyle/>
-        <a:p>
-          <a:pPr marL="0" lvl="0" indent="0" algn="l" defTabSz="1466850">
-            <a:lnSpc>
-              <a:spcPct val="90000"/>
-            </a:lnSpc>
-            <a:spcBef>
-              <a:spcPct val="0"/>
-            </a:spcBef>
-            <a:spcAft>
-              <a:spcPct val="35000"/>
-            </a:spcAft>
-            <a:buNone/>
-          </a:pPr>
-          <a:r>
-            <a:rPr lang="en-IN" sz="3300" kern="1200"/>
-            <a:t>Quick Loading Time</a:t>
-          </a:r>
-          <a:endParaRPr lang="en-US" sz="3300" kern="1200"/>
-        </a:p>
-      </dsp:txBody>
-      <dsp:txXfrm>
-        <a:off x="38638" y="157341"/>
-        <a:ext cx="6167989" cy="714229"/>
-      </dsp:txXfrm>
-    </dsp:sp>
-    <dsp:sp modelId="{DE66AC20-CEA3-4CB8-B269-412668F69CCA}">
-      <dsp:nvSpPr>
-        <dsp:cNvPr id="0" name=""/>
-        <dsp:cNvSpPr/>
-      </dsp:nvSpPr>
-      <dsp:spPr>
-        <a:xfrm>
-          <a:off x="0" y="910208"/>
-          <a:ext cx="6245265" cy="546480"/>
-        </a:xfrm>
-        <a:prstGeom prst="rect">
-          <a:avLst/>
-        </a:prstGeom>
-        <a:noFill/>
-        <a:ln>
-          <a:noFill/>
-        </a:ln>
-        <a:effectLst/>
-      </dsp:spPr>
-      <dsp:style>
-        <a:lnRef idx="0">
-          <a:scrgbClr r="0" g="0" b="0"/>
-        </a:lnRef>
-        <a:fillRef idx="0">
-          <a:scrgbClr r="0" g="0" b="0"/>
-        </a:fillRef>
-        <a:effectRef idx="0">
-          <a:scrgbClr r="0" g="0" b="0"/>
-        </a:effectRef>
-        <a:fontRef idx="minor"/>
-      </dsp:style>
-      <dsp:txBody>
-        <a:bodyPr spcFirstLastPara="0" vert="horz" wrap="square" lIns="198287" tIns="41910" rIns="234696" bIns="41910" numCol="1" spcCol="1270" anchor="t" anchorCtr="0">
-          <a:noAutofit/>
-        </a:bodyPr>
-        <a:lstStyle/>
-        <a:p>
-          <a:pPr marL="228600" lvl="1" indent="-228600" algn="l" defTabSz="1155700">
-            <a:lnSpc>
-              <a:spcPct val="90000"/>
-            </a:lnSpc>
-            <a:spcBef>
-              <a:spcPct val="0"/>
-            </a:spcBef>
-            <a:spcAft>
-              <a:spcPct val="20000"/>
-            </a:spcAft>
-            <a:buChar char="•"/>
-          </a:pPr>
-          <a:endParaRPr lang="en-US" sz="2600" kern="1200"/>
-        </a:p>
-      </dsp:txBody>
-      <dsp:txXfrm>
-        <a:off x="0" y="910208"/>
-        <a:ext cx="6245265" cy="546480"/>
-      </dsp:txXfrm>
-    </dsp:sp>
-    <dsp:sp modelId="{DAB901B1-5264-4BA1-8874-D2A9D3C7DA30}">
-      <dsp:nvSpPr>
-        <dsp:cNvPr id="0" name=""/>
-        <dsp:cNvSpPr/>
-      </dsp:nvSpPr>
-      <dsp:spPr>
-        <a:xfrm>
-          <a:off x="0" y="1456688"/>
-          <a:ext cx="6245265" cy="791505"/>
-        </a:xfrm>
-        <a:prstGeom prst="roundRect">
-          <a:avLst/>
-        </a:prstGeom>
-        <a:solidFill>
-          <a:schemeClr val="accent5">
-            <a:hueOff val="-2252848"/>
-            <a:satOff val="-5806"/>
-            <a:lumOff val="-3922"/>
-            <a:alphaOff val="0"/>
-          </a:schemeClr>
-        </a:solidFill>
-        <a:ln w="12700" cap="flat" cmpd="sng" algn="ctr">
-          <a:solidFill>
-            <a:schemeClr val="lt1">
-              <a:hueOff val="0"/>
-              <a:satOff val="0"/>
-              <a:lumOff val="0"/>
-              <a:alphaOff val="0"/>
-            </a:schemeClr>
-          </a:solidFill>
-          <a:prstDash val="solid"/>
-          <a:miter lim="800000"/>
-        </a:ln>
-        <a:effectLst/>
-      </dsp:spPr>
-      <dsp:style>
-        <a:lnRef idx="2">
-          <a:scrgbClr r="0" g="0" b="0"/>
-        </a:lnRef>
-        <a:fillRef idx="1">
-          <a:scrgbClr r="0" g="0" b="0"/>
-        </a:fillRef>
-        <a:effectRef idx="0">
-          <a:scrgbClr r="0" g="0" b="0"/>
-        </a:effectRef>
-        <a:fontRef idx="minor">
-          <a:schemeClr val="lt1"/>
-        </a:fontRef>
-      </dsp:style>
-      <dsp:txBody>
-        <a:bodyPr spcFirstLastPara="0" vert="horz" wrap="square" lIns="125730" tIns="125730" rIns="125730" bIns="125730" numCol="1" spcCol="1270" anchor="ctr" anchorCtr="0">
-          <a:noAutofit/>
-        </a:bodyPr>
-        <a:lstStyle/>
-        <a:p>
-          <a:pPr marL="0" lvl="0" indent="0" algn="l" defTabSz="1466850">
-            <a:lnSpc>
-              <a:spcPct val="90000"/>
-            </a:lnSpc>
-            <a:spcBef>
-              <a:spcPct val="0"/>
-            </a:spcBef>
-            <a:spcAft>
-              <a:spcPct val="35000"/>
-            </a:spcAft>
-            <a:buNone/>
-          </a:pPr>
-          <a:r>
-            <a:rPr lang="en-IN" sz="3300" kern="1200"/>
-            <a:t>Seamless User Experience</a:t>
-          </a:r>
-          <a:endParaRPr lang="en-US" sz="3300" kern="1200"/>
-        </a:p>
-      </dsp:txBody>
-      <dsp:txXfrm>
-        <a:off x="38638" y="1495326"/>
-        <a:ext cx="6167989" cy="714229"/>
-      </dsp:txXfrm>
-    </dsp:sp>
-    <dsp:sp modelId="{19092326-4E18-4A31-8746-02E1A15BBFB6}">
-      <dsp:nvSpPr>
-        <dsp:cNvPr id="0" name=""/>
-        <dsp:cNvSpPr/>
-      </dsp:nvSpPr>
-      <dsp:spPr>
-        <a:xfrm>
-          <a:off x="0" y="2248193"/>
-          <a:ext cx="6245265" cy="546480"/>
-        </a:xfrm>
-        <a:prstGeom prst="rect">
-          <a:avLst/>
-        </a:prstGeom>
-        <a:noFill/>
-        <a:ln>
-          <a:noFill/>
-        </a:ln>
-        <a:effectLst/>
-      </dsp:spPr>
-      <dsp:style>
-        <a:lnRef idx="0">
-          <a:scrgbClr r="0" g="0" b="0"/>
-        </a:lnRef>
-        <a:fillRef idx="0">
-          <a:scrgbClr r="0" g="0" b="0"/>
-        </a:fillRef>
-        <a:effectRef idx="0">
-          <a:scrgbClr r="0" g="0" b="0"/>
-        </a:effectRef>
-        <a:fontRef idx="minor"/>
-      </dsp:style>
-      <dsp:txBody>
-        <a:bodyPr spcFirstLastPara="0" vert="horz" wrap="square" lIns="198287" tIns="41910" rIns="234696" bIns="41910" numCol="1" spcCol="1270" anchor="t" anchorCtr="0">
-          <a:noAutofit/>
-        </a:bodyPr>
-        <a:lstStyle/>
-        <a:p>
-          <a:pPr marL="228600" lvl="1" indent="-228600" algn="l" defTabSz="1155700">
-            <a:lnSpc>
-              <a:spcPct val="90000"/>
-            </a:lnSpc>
-            <a:spcBef>
-              <a:spcPct val="0"/>
-            </a:spcBef>
-            <a:spcAft>
-              <a:spcPct val="20000"/>
-            </a:spcAft>
-            <a:buChar char="•"/>
-          </a:pPr>
-          <a:endParaRPr lang="en-US" sz="2600" kern="1200"/>
-        </a:p>
-      </dsp:txBody>
-      <dsp:txXfrm>
-        <a:off x="0" y="2248193"/>
-        <a:ext cx="6245265" cy="546480"/>
-      </dsp:txXfrm>
-    </dsp:sp>
-    <dsp:sp modelId="{7E238E0B-BC81-453A-A6A0-F362CBB49766}">
-      <dsp:nvSpPr>
-        <dsp:cNvPr id="0" name=""/>
-        <dsp:cNvSpPr/>
-      </dsp:nvSpPr>
-      <dsp:spPr>
-        <a:xfrm>
-          <a:off x="0" y="2794673"/>
-          <a:ext cx="6245265" cy="791505"/>
-        </a:xfrm>
-        <a:prstGeom prst="roundRect">
-          <a:avLst/>
-        </a:prstGeom>
-        <a:solidFill>
-          <a:schemeClr val="accent5">
-            <a:hueOff val="-4505695"/>
-            <a:satOff val="-11613"/>
-            <a:lumOff val="-7843"/>
-            <a:alphaOff val="0"/>
-          </a:schemeClr>
-        </a:solidFill>
-        <a:ln w="12700" cap="flat" cmpd="sng" algn="ctr">
-          <a:solidFill>
-            <a:schemeClr val="lt1">
-              <a:hueOff val="0"/>
-              <a:satOff val="0"/>
-              <a:lumOff val="0"/>
-              <a:alphaOff val="0"/>
-            </a:schemeClr>
-          </a:solidFill>
-          <a:prstDash val="solid"/>
-          <a:miter lim="800000"/>
-        </a:ln>
-        <a:effectLst/>
-      </dsp:spPr>
-      <dsp:style>
-        <a:lnRef idx="2">
-          <a:scrgbClr r="0" g="0" b="0"/>
-        </a:lnRef>
-        <a:fillRef idx="1">
-          <a:scrgbClr r="0" g="0" b="0"/>
-        </a:fillRef>
-        <a:effectRef idx="0">
-          <a:scrgbClr r="0" g="0" b="0"/>
-        </a:effectRef>
-        <a:fontRef idx="minor">
-          <a:schemeClr val="lt1"/>
-        </a:fontRef>
-      </dsp:style>
-      <dsp:txBody>
-        <a:bodyPr spcFirstLastPara="0" vert="horz" wrap="square" lIns="125730" tIns="125730" rIns="125730" bIns="125730" numCol="1" spcCol="1270" anchor="ctr" anchorCtr="0">
-          <a:noAutofit/>
-        </a:bodyPr>
-        <a:lstStyle/>
-        <a:p>
-          <a:pPr marL="0" lvl="0" indent="0" algn="l" defTabSz="1466850">
-            <a:lnSpc>
-              <a:spcPct val="90000"/>
-            </a:lnSpc>
-            <a:spcBef>
-              <a:spcPct val="0"/>
-            </a:spcBef>
-            <a:spcAft>
-              <a:spcPct val="35000"/>
-            </a:spcAft>
-            <a:buNone/>
-          </a:pPr>
-          <a:r>
-            <a:rPr lang="en-US" sz="3300" kern="1200"/>
-            <a:t>Ease in Building Feature-rich Apps</a:t>
-          </a:r>
-        </a:p>
-      </dsp:txBody>
-      <dsp:txXfrm>
-        <a:off x="38638" y="2833311"/>
-        <a:ext cx="6167989" cy="714229"/>
-      </dsp:txXfrm>
-    </dsp:sp>
-    <dsp:sp modelId="{76B00C47-52DE-4476-AECC-FD109F3502D6}">
-      <dsp:nvSpPr>
-        <dsp:cNvPr id="0" name=""/>
-        <dsp:cNvSpPr/>
-      </dsp:nvSpPr>
-      <dsp:spPr>
-        <a:xfrm>
-          <a:off x="0" y="3586178"/>
-          <a:ext cx="6245265" cy="546480"/>
-        </a:xfrm>
-        <a:prstGeom prst="rect">
-          <a:avLst/>
-        </a:prstGeom>
-        <a:noFill/>
-        <a:ln>
-          <a:noFill/>
-        </a:ln>
-        <a:effectLst/>
-      </dsp:spPr>
-      <dsp:style>
-        <a:lnRef idx="0">
-          <a:scrgbClr r="0" g="0" b="0"/>
-        </a:lnRef>
-        <a:fillRef idx="0">
-          <a:scrgbClr r="0" g="0" b="0"/>
-        </a:fillRef>
-        <a:effectRef idx="0">
-          <a:scrgbClr r="0" g="0" b="0"/>
-        </a:effectRef>
-        <a:fontRef idx="minor"/>
-      </dsp:style>
-      <dsp:txBody>
-        <a:bodyPr spcFirstLastPara="0" vert="horz" wrap="square" lIns="198287" tIns="41910" rIns="234696" bIns="41910" numCol="1" spcCol="1270" anchor="t" anchorCtr="0">
-          <a:noAutofit/>
-        </a:bodyPr>
-        <a:lstStyle/>
-        <a:p>
-          <a:pPr marL="228600" lvl="1" indent="-228600" algn="l" defTabSz="1155700">
-            <a:lnSpc>
-              <a:spcPct val="90000"/>
-            </a:lnSpc>
-            <a:spcBef>
-              <a:spcPct val="0"/>
-            </a:spcBef>
-            <a:spcAft>
-              <a:spcPct val="20000"/>
-            </a:spcAft>
-            <a:buChar char="•"/>
-          </a:pPr>
-          <a:endParaRPr lang="en-US" sz="2600" kern="1200"/>
-        </a:p>
-      </dsp:txBody>
-      <dsp:txXfrm>
-        <a:off x="0" y="3586178"/>
-        <a:ext cx="6245265" cy="546480"/>
-      </dsp:txXfrm>
-    </dsp:sp>
-    <dsp:sp modelId="{08F6659B-C9F5-4259-BD7B-2F5A42166929}">
-      <dsp:nvSpPr>
-        <dsp:cNvPr id="0" name=""/>
-        <dsp:cNvSpPr/>
-      </dsp:nvSpPr>
-      <dsp:spPr>
-        <a:xfrm>
-          <a:off x="0" y="4132658"/>
-          <a:ext cx="6245265" cy="791505"/>
-        </a:xfrm>
-        <a:prstGeom prst="roundRect">
-          <a:avLst/>
-        </a:prstGeom>
-        <a:solidFill>
-          <a:schemeClr val="accent5">
-            <a:hueOff val="-6758543"/>
-            <a:satOff val="-17419"/>
-            <a:lumOff val="-11765"/>
-            <a:alphaOff val="0"/>
-          </a:schemeClr>
-        </a:solidFill>
-        <a:ln w="12700" cap="flat" cmpd="sng" algn="ctr">
-          <a:solidFill>
-            <a:schemeClr val="lt1">
-              <a:hueOff val="0"/>
-              <a:satOff val="0"/>
-              <a:lumOff val="0"/>
-              <a:alphaOff val="0"/>
-            </a:schemeClr>
-          </a:solidFill>
-          <a:prstDash val="solid"/>
-          <a:miter lim="800000"/>
-        </a:ln>
-        <a:effectLst/>
-      </dsp:spPr>
-      <dsp:style>
-        <a:lnRef idx="2">
-          <a:scrgbClr r="0" g="0" b="0"/>
-        </a:lnRef>
-        <a:fillRef idx="1">
-          <a:scrgbClr r="0" g="0" b="0"/>
-        </a:fillRef>
-        <a:effectRef idx="0">
-          <a:scrgbClr r="0" g="0" b="0"/>
-        </a:effectRef>
-        <a:fontRef idx="minor">
-          <a:schemeClr val="lt1"/>
-        </a:fontRef>
-      </dsp:style>
-      <dsp:txBody>
-        <a:bodyPr spcFirstLastPara="0" vert="horz" wrap="square" lIns="125730" tIns="125730" rIns="125730" bIns="125730" numCol="1" spcCol="1270" anchor="ctr" anchorCtr="0">
-          <a:noAutofit/>
-        </a:bodyPr>
-        <a:lstStyle/>
-        <a:p>
-          <a:pPr marL="0" lvl="0" indent="0" algn="l" defTabSz="1466850">
-            <a:lnSpc>
-              <a:spcPct val="90000"/>
-            </a:lnSpc>
-            <a:spcBef>
-              <a:spcPct val="0"/>
-            </a:spcBef>
-            <a:spcAft>
-              <a:spcPct val="35000"/>
-            </a:spcAft>
-            <a:buNone/>
-          </a:pPr>
-          <a:r>
-            <a:rPr lang="en-IN" sz="3300" kern="1200"/>
-            <a:t>Uses Less Bandwidth</a:t>
-          </a:r>
-          <a:endParaRPr lang="en-US" sz="3300" kern="1200"/>
-        </a:p>
-      </dsp:txBody>
-      <dsp:txXfrm>
-        <a:off x="38638" y="4171296"/>
-        <a:ext cx="6167989" cy="714229"/>
-      </dsp:txXfrm>
-    </dsp:sp>
-    <dsp:sp modelId="{ED390239-9E07-402B-A9D6-D535F73AD1E7}">
-      <dsp:nvSpPr>
-        <dsp:cNvPr id="0" name=""/>
-        <dsp:cNvSpPr/>
-      </dsp:nvSpPr>
-      <dsp:spPr>
-        <a:xfrm>
-          <a:off x="0" y="4924163"/>
-          <a:ext cx="6245265" cy="546480"/>
-        </a:xfrm>
-        <a:prstGeom prst="rect">
-          <a:avLst/>
-        </a:prstGeom>
-        <a:noFill/>
-        <a:ln>
-          <a:noFill/>
-        </a:ln>
-        <a:effectLst/>
-      </dsp:spPr>
-      <dsp:style>
-        <a:lnRef idx="0">
-          <a:scrgbClr r="0" g="0" b="0"/>
-        </a:lnRef>
-        <a:fillRef idx="0">
-          <a:scrgbClr r="0" g="0" b="0"/>
-        </a:fillRef>
-        <a:effectRef idx="0">
-          <a:scrgbClr r="0" g="0" b="0"/>
-        </a:effectRef>
-        <a:fontRef idx="minor"/>
-      </dsp:style>
-      <dsp:txBody>
-        <a:bodyPr spcFirstLastPara="0" vert="horz" wrap="square" lIns="198287" tIns="41910" rIns="234696" bIns="41910" numCol="1" spcCol="1270" anchor="t" anchorCtr="0">
-          <a:noAutofit/>
-        </a:bodyPr>
-        <a:lstStyle/>
-        <a:p>
-          <a:pPr marL="228600" lvl="1" indent="-228600" algn="l" defTabSz="1155700">
-            <a:lnSpc>
-              <a:spcPct val="90000"/>
-            </a:lnSpc>
-            <a:spcBef>
-              <a:spcPct val="0"/>
-            </a:spcBef>
-            <a:spcAft>
-              <a:spcPct val="20000"/>
-            </a:spcAft>
-            <a:buChar char="•"/>
-          </a:pPr>
-          <a:endParaRPr lang="en-US" sz="2600" kern="1200"/>
-        </a:p>
-      </dsp:txBody>
-      <dsp:txXfrm>
-        <a:off x="0" y="4924163"/>
-        <a:ext cx="6245265" cy="546480"/>
-      </dsp:txXfrm>
-    </dsp:sp>
-  </dsp:spTree>
-</dsp:drawing>
-</file>
-
-<file path=ppt/diagrams/drawing4.xml><?xml version="1.0" encoding="utf-8"?>
-<dsp:drawing xmlns:dgm="http://schemas.openxmlformats.org/drawingml/2006/diagram" xmlns:dsp="http://schemas.microsoft.com/office/drawing/2008/diagram" xmlns:a="http://schemas.openxmlformats.org/drawingml/2006/main">
-  <dsp:spTree>
-    <dsp:nvGrpSpPr>
-      <dsp:cNvPr id="0" name=""/>
-      <dsp:cNvGrpSpPr/>
-    </dsp:nvGrpSpPr>
-    <dsp:grpSpPr/>
     <dsp:sp modelId="{3C8D01C0-1E73-44AB-BAB2-46CEA7F2AE01}">
       <dsp:nvSpPr>
         <dsp:cNvPr id="0" name=""/>
@@ -6733,173 +4968,6 @@
 </file>
 
 <file path=ppt/diagrams/layout3.xml><?xml version="1.0" encoding="utf-8"?>
-<dgm:layoutDef xmlns:dgm="http://schemas.openxmlformats.org/drawingml/2006/diagram" xmlns:a="http://schemas.openxmlformats.org/drawingml/2006/main" uniqueId="urn:microsoft.com/office/officeart/2005/8/layout/vList2">
-  <dgm:title val=""/>
-  <dgm:desc val=""/>
-  <dgm:catLst>
-    <dgm:cat type="list" pri="3000"/>
-    <dgm:cat type="convert" pri="1000"/>
-  </dgm:catLst>
-  <dgm:sampData>
-    <dgm:dataModel>
-      <dgm:ptLst>
-        <dgm:pt modelId="0" type="doc"/>
-        <dgm:pt modelId="1">
-          <dgm:prSet phldr="1"/>
-        </dgm:pt>
-        <dgm:pt modelId="11">
-          <dgm:prSet phldr="1"/>
-        </dgm:pt>
-        <dgm:pt modelId="2">
-          <dgm:prSet phldr="1"/>
-        </dgm:pt>
-        <dgm:pt modelId="21">
-          <dgm:prSet phldr="1"/>
-        </dgm:pt>
-      </dgm:ptLst>
-      <dgm:cxnLst>
-        <dgm:cxn modelId="4" srcId="0" destId="1" srcOrd="0" destOrd="0"/>
-        <dgm:cxn modelId="5" srcId="0" destId="2" srcOrd="1" destOrd="0"/>
-        <dgm:cxn modelId="12" srcId="1" destId="11" srcOrd="0" destOrd="0"/>
-        <dgm:cxn modelId="23" srcId="2" destId="21" srcOrd="0" destOrd="0"/>
-      </dgm:cxnLst>
-      <dgm:bg/>
-      <dgm:whole/>
-    </dgm:dataModel>
-  </dgm:sampData>
-  <dgm:styleData>
-    <dgm:dataModel>
-      <dgm:ptLst>
-        <dgm:pt modelId="0" type="doc"/>
-        <dgm:pt modelId="1"/>
-        <dgm:pt modelId="2"/>
-      </dgm:ptLst>
-      <dgm:cxnLst>
-        <dgm:cxn modelId="3" srcId="0" destId="1" srcOrd="0" destOrd="0"/>
-        <dgm:cxn modelId="4" srcId="0" destId="2" srcOrd="1" destOrd="0"/>
-      </dgm:cxnLst>
-      <dgm:bg/>
-      <dgm:whole/>
-    </dgm:dataModel>
-  </dgm:styleData>
-  <dgm:clrData>
-    <dgm:dataModel>
-      <dgm:ptLst>
-        <dgm:pt modelId="0" type="doc"/>
-        <dgm:pt modelId="1"/>
-        <dgm:pt modelId="2"/>
-        <dgm:pt modelId="3"/>
-        <dgm:pt modelId="4"/>
-      </dgm:ptLst>
-      <dgm:cxnLst>
-        <dgm:cxn modelId="5" srcId="0" destId="1" srcOrd="0" destOrd="0"/>
-        <dgm:cxn modelId="6" srcId="0" destId="2" srcOrd="1" destOrd="0"/>
-        <dgm:cxn modelId="7" srcId="0" destId="3" srcOrd="2" destOrd="0"/>
-        <dgm:cxn modelId="8" srcId="0" destId="4" srcOrd="3" destOrd="0"/>
-      </dgm:cxnLst>
-      <dgm:bg/>
-      <dgm:whole/>
-    </dgm:dataModel>
-  </dgm:clrData>
-  <dgm:layoutNode name="linear">
-    <dgm:varLst>
-      <dgm:animLvl val="lvl"/>
-      <dgm:resizeHandles val="exact"/>
-    </dgm:varLst>
-    <dgm:alg type="lin">
-      <dgm:param type="linDir" val="fromT"/>
-      <dgm:param type="vertAlign" val="mid"/>
-    </dgm:alg>
-    <dgm:shape xmlns:r="http://schemas.openxmlformats.org/officeDocument/2006/relationships" r:blip="">
-      <dgm:adjLst/>
-    </dgm:shape>
-    <dgm:presOf/>
-    <dgm:constrLst>
-      <dgm:constr type="w" for="ch" forName="parentText" refType="w"/>
-      <dgm:constr type="h" for="ch" forName="parentText" refType="primFontSz" refFor="ch" refForName="parentText" fact="0.52"/>
-      <dgm:constr type="w" for="ch" forName="childText" refType="w"/>
-      <dgm:constr type="h" for="ch" forName="childText" refType="primFontSz" refFor="ch" refForName="parentText" fact="0.46"/>
-      <dgm:constr type="h" for="ch" forName="parentText" op="equ"/>
-      <dgm:constr type="primFontSz" for="ch" forName="parentText" op="equ" val="65"/>
-      <dgm:constr type="primFontSz" for="ch" forName="childText" refType="primFontSz" refFor="ch" refForName="parentText" op="equ"/>
-      <dgm:constr type="h" for="ch" forName="spacer" refType="primFontSz" refFor="ch" refForName="parentText" fact="0.08"/>
-    </dgm:constrLst>
-    <dgm:ruleLst>
-      <dgm:rule type="primFontSz" for="ch" forName="parentText" val="5" fact="NaN" max="NaN"/>
-    </dgm:ruleLst>
-    <dgm:forEach name="Name0" axis="ch" ptType="node">
-      <dgm:layoutNode name="parentText" styleLbl="node1">
-        <dgm:varLst>
-          <dgm:chMax val="0"/>
-          <dgm:bulletEnabled val="1"/>
-        </dgm:varLst>
-        <dgm:alg type="tx">
-          <dgm:param type="parTxLTRAlign" val="l"/>
-          <dgm:param type="parTxRTLAlign" val="r"/>
-        </dgm:alg>
-        <dgm:shape xmlns:r="http://schemas.openxmlformats.org/officeDocument/2006/relationships" type="roundRect" r:blip="">
-          <dgm:adjLst/>
-        </dgm:shape>
-        <dgm:presOf axis="self"/>
-        <dgm:constrLst>
-          <dgm:constr type="tMarg" refType="primFontSz" fact="0.3"/>
-          <dgm:constr type="bMarg" refType="primFontSz" fact="0.3"/>
-          <dgm:constr type="lMarg" refType="primFontSz" fact="0.3"/>
-          <dgm:constr type="rMarg" refType="primFontSz" fact="0.3"/>
-        </dgm:constrLst>
-        <dgm:ruleLst>
-          <dgm:rule type="h" val="INF" fact="NaN" max="NaN"/>
-        </dgm:ruleLst>
-      </dgm:layoutNode>
-      <dgm:choose name="Name1">
-        <dgm:if name="Name2" axis="ch" ptType="node" func="cnt" op="gte" val="1">
-          <dgm:layoutNode name="childText" styleLbl="revTx">
-            <dgm:varLst>
-              <dgm:bulletEnabled val="1"/>
-            </dgm:varLst>
-            <dgm:alg type="tx">
-              <dgm:param type="stBulletLvl" val="1"/>
-              <dgm:param type="lnSpAfChP" val="20"/>
-            </dgm:alg>
-            <dgm:shape xmlns:r="http://schemas.openxmlformats.org/officeDocument/2006/relationships" type="rect" r:blip="">
-              <dgm:adjLst/>
-            </dgm:shape>
-            <dgm:presOf axis="des" ptType="node"/>
-            <dgm:constrLst>
-              <dgm:constr type="tMarg" refType="primFontSz" fact="0.1"/>
-              <dgm:constr type="bMarg" refType="primFontSz" fact="0.1"/>
-              <dgm:constr type="lMarg" refType="w" fact="0.09"/>
-            </dgm:constrLst>
-            <dgm:ruleLst>
-              <dgm:rule type="h" val="INF" fact="NaN" max="NaN"/>
-            </dgm:ruleLst>
-          </dgm:layoutNode>
-        </dgm:if>
-        <dgm:else name="Name3">
-          <dgm:choose name="Name4">
-            <dgm:if name="Name5" axis="par ch" ptType="doc node" func="cnt" op="gte" val="2">
-              <dgm:forEach name="Name6" axis="followSib" ptType="sibTrans" cnt="1">
-                <dgm:layoutNode name="spacer">
-                  <dgm:alg type="sp"/>
-                  <dgm:shape xmlns:r="http://schemas.openxmlformats.org/officeDocument/2006/relationships" r:blip="">
-                    <dgm:adjLst/>
-                  </dgm:shape>
-                  <dgm:presOf/>
-                  <dgm:constrLst/>
-                  <dgm:ruleLst/>
-                </dgm:layoutNode>
-              </dgm:forEach>
-            </dgm:if>
-            <dgm:else name="Name7"/>
-          </dgm:choose>
-        </dgm:else>
-      </dgm:choose>
-    </dgm:forEach>
-  </dgm:layoutNode>
-</dgm:layoutDef>
-</file>
-
-<file path=ppt/diagrams/layout4.xml><?xml version="1.0" encoding="utf-8"?>
 <dgm:layoutDef xmlns:dgm="http://schemas.openxmlformats.org/drawingml/2006/diagram" xmlns:a="http://schemas.openxmlformats.org/drawingml/2006/main" uniqueId="urn:microsoft.com/office/officeart/2008/layout/LinedList">
   <dgm:title val=""/>
   <dgm:desc val=""/>
@@ -9434,1040 +7502,6 @@
 </file>
 
 <file path=ppt/diagrams/quickStyle3.xml><?xml version="1.0" encoding="utf-8"?>
-<dgm:styleDef xmlns:dgm="http://schemas.openxmlformats.org/drawingml/2006/diagram" xmlns:a="http://schemas.openxmlformats.org/drawingml/2006/main" uniqueId="urn:microsoft.com/office/officeart/2005/8/quickstyle/simple1">
-  <dgm:title val=""/>
-  <dgm:desc val=""/>
-  <dgm:catLst>
-    <dgm:cat type="simple" pri="10100"/>
-  </dgm:catLst>
-  <dgm:scene3d>
-    <a:camera prst="orthographicFront"/>
-    <a:lightRig rig="threePt" dir="t"/>
-  </dgm:scene3d>
-  <dgm:styleLbl name="node0">
-    <dgm:scene3d>
-      <a:camera prst="orthographicFront"/>
-      <a:lightRig rig="threePt" dir="t"/>
-    </dgm:scene3d>
-    <dgm:sp3d/>
-    <dgm:txPr/>
-    <dgm:style>
-      <a:lnRef idx="2">
-        <a:scrgbClr r="0" g="0" b="0"/>
-      </a:lnRef>
-      <a:fillRef idx="1">
-        <a:scrgbClr r="0" g="0" b="0"/>
-      </a:fillRef>
-      <a:effectRef idx="0">
-        <a:scrgbClr r="0" g="0" b="0"/>
-      </a:effectRef>
-      <a:fontRef idx="minor">
-        <a:schemeClr val="lt1"/>
-      </a:fontRef>
-    </dgm:style>
-  </dgm:styleLbl>
-  <dgm:styleLbl name="lnNode1">
-    <dgm:scene3d>
-      <a:camera prst="orthographicFront"/>
-      <a:lightRig rig="threePt" dir="t"/>
-    </dgm:scene3d>
-    <dgm:sp3d/>
-    <dgm:txPr/>
-    <dgm:style>
-      <a:lnRef idx="2">
-        <a:scrgbClr r="0" g="0" b="0"/>
-      </a:lnRef>
-      <a:fillRef idx="1">
-        <a:scrgbClr r="0" g="0" b="0"/>
-      </a:fillRef>
-      <a:effectRef idx="0">
-        <a:scrgbClr r="0" g="0" b="0"/>
-      </a:effectRef>
-      <a:fontRef idx="minor">
-        <a:schemeClr val="lt1"/>
-      </a:fontRef>
-    </dgm:style>
-  </dgm:styleLbl>
-  <dgm:styleLbl name="vennNode1">
-    <dgm:scene3d>
-      <a:camera prst="orthographicFront"/>
-      <a:lightRig rig="threePt" dir="t"/>
-    </dgm:scene3d>
-    <dgm:sp3d/>
-    <dgm:txPr/>
-    <dgm:style>
-      <a:lnRef idx="2">
-        <a:scrgbClr r="0" g="0" b="0"/>
-      </a:lnRef>
-      <a:fillRef idx="1">
-        <a:scrgbClr r="0" g="0" b="0"/>
-      </a:fillRef>
-      <a:effectRef idx="0">
-        <a:scrgbClr r="0" g="0" b="0"/>
-      </a:effectRef>
-      <a:fontRef idx="minor">
-        <a:schemeClr val="tx1"/>
-      </a:fontRef>
-    </dgm:style>
-  </dgm:styleLbl>
-  <dgm:styleLbl name="alignNode1">
-    <dgm:scene3d>
-      <a:camera prst="orthographicFront"/>
-      <a:lightRig rig="threePt" dir="t"/>
-    </dgm:scene3d>
-    <dgm:sp3d/>
-    <dgm:txPr/>
-    <dgm:style>
-      <a:lnRef idx="2">
-        <a:scrgbClr r="0" g="0" b="0"/>
-      </a:lnRef>
-      <a:fillRef idx="1">
-        <a:scrgbClr r="0" g="0" b="0"/>
-      </a:fillRef>
-      <a:effectRef idx="0">
-        <a:scrgbClr r="0" g="0" b="0"/>
-      </a:effectRef>
-      <a:fontRef idx="minor">
-        <a:schemeClr val="lt1"/>
-      </a:fontRef>
-    </dgm:style>
-  </dgm:styleLbl>
-  <dgm:styleLbl name="node1">
-    <dgm:scene3d>
-      <a:camera prst="orthographicFront"/>
-      <a:lightRig rig="threePt" dir="t"/>
-    </dgm:scene3d>
-    <dgm:sp3d/>
-    <dgm:txPr/>
-    <dgm:style>
-      <a:lnRef idx="2">
-        <a:scrgbClr r="0" g="0" b="0"/>
-      </a:lnRef>
-      <a:fillRef idx="1">
-        <a:scrgbClr r="0" g="0" b="0"/>
-      </a:fillRef>
-      <a:effectRef idx="0">
-        <a:scrgbClr r="0" g="0" b="0"/>
-      </a:effectRef>
-      <a:fontRef idx="minor">
-        <a:schemeClr val="lt1"/>
-      </a:fontRef>
-    </dgm:style>
-  </dgm:styleLbl>
-  <dgm:styleLbl name="node2">
-    <dgm:scene3d>
-      <a:camera prst="orthographicFront"/>
-      <a:lightRig rig="threePt" dir="t"/>
-    </dgm:scene3d>
-    <dgm:sp3d/>
-    <dgm:txPr/>
-    <dgm:style>
-      <a:lnRef idx="2">
-        <a:scrgbClr r="0" g="0" b="0"/>
-      </a:lnRef>
-      <a:fillRef idx="1">
-        <a:scrgbClr r="0" g="0" b="0"/>
-      </a:fillRef>
-      <a:effectRef idx="0">
-        <a:scrgbClr r="0" g="0" b="0"/>
-      </a:effectRef>
-      <a:fontRef idx="minor">
-        <a:schemeClr val="lt1"/>
-      </a:fontRef>
-    </dgm:style>
-  </dgm:styleLbl>
-  <dgm:styleLbl name="node3">
-    <dgm:scene3d>
-      <a:camera prst="orthographicFront"/>
-      <a:lightRig rig="threePt" dir="t"/>
-    </dgm:scene3d>
-    <dgm:sp3d/>
-    <dgm:txPr/>
-    <dgm:style>
-      <a:lnRef idx="2">
-        <a:scrgbClr r="0" g="0" b="0"/>
-      </a:lnRef>
-      <a:fillRef idx="1">
-        <a:scrgbClr r="0" g="0" b="0"/>
-      </a:fillRef>
-      <a:effectRef idx="0">
-        <a:scrgbClr r="0" g="0" b="0"/>
-      </a:effectRef>
-      <a:fontRef idx="minor">
-        <a:schemeClr val="lt1"/>
-      </a:fontRef>
-    </dgm:style>
-  </dgm:styleLbl>
-  <dgm:styleLbl name="node4">
-    <dgm:scene3d>
-      <a:camera prst="orthographicFront"/>
-      <a:lightRig rig="threePt" dir="t"/>
-    </dgm:scene3d>
-    <dgm:sp3d/>
-    <dgm:txPr/>
-    <dgm:style>
-      <a:lnRef idx="2">
-        <a:scrgbClr r="0" g="0" b="0"/>
-      </a:lnRef>
-      <a:fillRef idx="1">
-        <a:scrgbClr r="0" g="0" b="0"/>
-      </a:fillRef>
-      <a:effectRef idx="0">
-        <a:scrgbClr r="0" g="0" b="0"/>
-      </a:effectRef>
-      <a:fontRef idx="minor">
-        <a:schemeClr val="lt1"/>
-      </a:fontRef>
-    </dgm:style>
-  </dgm:styleLbl>
-  <dgm:styleLbl name="fgImgPlace1">
-    <dgm:scene3d>
-      <a:camera prst="orthographicFront"/>
-      <a:lightRig rig="threePt" dir="t"/>
-    </dgm:scene3d>
-    <dgm:sp3d/>
-    <dgm:txPr/>
-    <dgm:style>
-      <a:lnRef idx="2">
-        <a:scrgbClr r="0" g="0" b="0"/>
-      </a:lnRef>
-      <a:fillRef idx="1">
-        <a:scrgbClr r="0" g="0" b="0"/>
-      </a:fillRef>
-      <a:effectRef idx="0">
-        <a:scrgbClr r="0" g="0" b="0"/>
-      </a:effectRef>
-      <a:fontRef idx="minor"/>
-    </dgm:style>
-  </dgm:styleLbl>
-  <dgm:styleLbl name="alignImgPlace1">
-    <dgm:scene3d>
-      <a:camera prst="orthographicFront"/>
-      <a:lightRig rig="threePt" dir="t"/>
-    </dgm:scene3d>
-    <dgm:sp3d/>
-    <dgm:txPr/>
-    <dgm:style>
-      <a:lnRef idx="2">
-        <a:scrgbClr r="0" g="0" b="0"/>
-      </a:lnRef>
-      <a:fillRef idx="1">
-        <a:scrgbClr r="0" g="0" b="0"/>
-      </a:fillRef>
-      <a:effectRef idx="0">
-        <a:scrgbClr r="0" g="0" b="0"/>
-      </a:effectRef>
-      <a:fontRef idx="minor"/>
-    </dgm:style>
-  </dgm:styleLbl>
-  <dgm:styleLbl name="bgImgPlace1">
-    <dgm:scene3d>
-      <a:camera prst="orthographicFront"/>
-      <a:lightRig rig="threePt" dir="t"/>
-    </dgm:scene3d>
-    <dgm:sp3d/>
-    <dgm:txPr/>
-    <dgm:style>
-      <a:lnRef idx="2">
-        <a:scrgbClr r="0" g="0" b="0"/>
-      </a:lnRef>
-      <a:fillRef idx="1">
-        <a:scrgbClr r="0" g="0" b="0"/>
-      </a:fillRef>
-      <a:effectRef idx="0">
-        <a:scrgbClr r="0" g="0" b="0"/>
-      </a:effectRef>
-      <a:fontRef idx="minor"/>
-    </dgm:style>
-  </dgm:styleLbl>
-  <dgm:styleLbl name="sibTrans2D1">
-    <dgm:scene3d>
-      <a:camera prst="orthographicFront"/>
-      <a:lightRig rig="threePt" dir="t"/>
-    </dgm:scene3d>
-    <dgm:sp3d/>
-    <dgm:txPr/>
-    <dgm:style>
-      <a:lnRef idx="0">
-        <a:scrgbClr r="0" g="0" b="0"/>
-      </a:lnRef>
-      <a:fillRef idx="1">
-        <a:scrgbClr r="0" g="0" b="0"/>
-      </a:fillRef>
-      <a:effectRef idx="0">
-        <a:scrgbClr r="0" g="0" b="0"/>
-      </a:effectRef>
-      <a:fontRef idx="minor">
-        <a:schemeClr val="lt1"/>
-      </a:fontRef>
-    </dgm:style>
-  </dgm:styleLbl>
-  <dgm:styleLbl name="fgSibTrans2D1">
-    <dgm:scene3d>
-      <a:camera prst="orthographicFront"/>
-      <a:lightRig rig="threePt" dir="t"/>
-    </dgm:scene3d>
-    <dgm:sp3d/>
-    <dgm:txPr/>
-    <dgm:style>
-      <a:lnRef idx="0">
-        <a:scrgbClr r="0" g="0" b="0"/>
-      </a:lnRef>
-      <a:fillRef idx="1">
-        <a:scrgbClr r="0" g="0" b="0"/>
-      </a:fillRef>
-      <a:effectRef idx="0">
-        <a:scrgbClr r="0" g="0" b="0"/>
-      </a:effectRef>
-      <a:fontRef idx="minor">
-        <a:schemeClr val="lt1"/>
-      </a:fontRef>
-    </dgm:style>
-  </dgm:styleLbl>
-  <dgm:styleLbl name="bgSibTrans2D1">
-    <dgm:scene3d>
-      <a:camera prst="orthographicFront"/>
-      <a:lightRig rig="threePt" dir="t"/>
-    </dgm:scene3d>
-    <dgm:sp3d/>
-    <dgm:txPr/>
-    <dgm:style>
-      <a:lnRef idx="0">
-        <a:scrgbClr r="0" g="0" b="0"/>
-      </a:lnRef>
-      <a:fillRef idx="1">
-        <a:scrgbClr r="0" g="0" b="0"/>
-      </a:fillRef>
-      <a:effectRef idx="0">
-        <a:scrgbClr r="0" g="0" b="0"/>
-      </a:effectRef>
-      <a:fontRef idx="minor">
-        <a:schemeClr val="lt1"/>
-      </a:fontRef>
-    </dgm:style>
-  </dgm:styleLbl>
-  <dgm:styleLbl name="sibTrans1D1">
-    <dgm:scene3d>
-      <a:camera prst="orthographicFront"/>
-      <a:lightRig rig="threePt" dir="t"/>
-    </dgm:scene3d>
-    <dgm:sp3d/>
-    <dgm:txPr/>
-    <dgm:style>
-      <a:lnRef idx="1">
-        <a:scrgbClr r="0" g="0" b="0"/>
-      </a:lnRef>
-      <a:fillRef idx="0">
-        <a:scrgbClr r="0" g="0" b="0"/>
-      </a:fillRef>
-      <a:effectRef idx="0">
-        <a:scrgbClr r="0" g="0" b="0"/>
-      </a:effectRef>
-      <a:fontRef idx="minor"/>
-    </dgm:style>
-  </dgm:styleLbl>
-  <dgm:styleLbl name="callout">
-    <dgm:scene3d>
-      <a:camera prst="orthographicFront"/>
-      <a:lightRig rig="threePt" dir="t"/>
-    </dgm:scene3d>
-    <dgm:sp3d/>
-    <dgm:txPr/>
-    <dgm:style>
-      <a:lnRef idx="2">
-        <a:scrgbClr r="0" g="0" b="0"/>
-      </a:lnRef>
-      <a:fillRef idx="1">
-        <a:scrgbClr r="0" g="0" b="0"/>
-      </a:fillRef>
-      <a:effectRef idx="0">
-        <a:scrgbClr r="0" g="0" b="0"/>
-      </a:effectRef>
-      <a:fontRef idx="minor"/>
-    </dgm:style>
-  </dgm:styleLbl>
-  <dgm:styleLbl name="asst0">
-    <dgm:scene3d>
-      <a:camera prst="orthographicFront"/>
-      <a:lightRig rig="threePt" dir="t"/>
-    </dgm:scene3d>
-    <dgm:sp3d/>
-    <dgm:txPr/>
-    <dgm:style>
-      <a:lnRef idx="2">
-        <a:scrgbClr r="0" g="0" b="0"/>
-      </a:lnRef>
-      <a:fillRef idx="1">
-        <a:scrgbClr r="0" g="0" b="0"/>
-      </a:fillRef>
-      <a:effectRef idx="0">
-        <a:scrgbClr r="0" g="0" b="0"/>
-      </a:effectRef>
-      <a:fontRef idx="minor">
-        <a:schemeClr val="lt1"/>
-      </a:fontRef>
-    </dgm:style>
-  </dgm:styleLbl>
-  <dgm:styleLbl name="asst1">
-    <dgm:scene3d>
-      <a:camera prst="orthographicFront"/>
-      <a:lightRig rig="threePt" dir="t"/>
-    </dgm:scene3d>
-    <dgm:sp3d/>
-    <dgm:txPr/>
-    <dgm:style>
-      <a:lnRef idx="2">
-        <a:scrgbClr r="0" g="0" b="0"/>
-      </a:lnRef>
-      <a:fillRef idx="1">
-        <a:scrgbClr r="0" g="0" b="0"/>
-      </a:fillRef>
-      <a:effectRef idx="0">
-        <a:scrgbClr r="0" g="0" b="0"/>
-      </a:effectRef>
-      <a:fontRef idx="minor">
-        <a:schemeClr val="lt1"/>
-      </a:fontRef>
-    </dgm:style>
-  </dgm:styleLbl>
-  <dgm:styleLbl name="asst2">
-    <dgm:scene3d>
-      <a:camera prst="orthographicFront"/>
-      <a:lightRig rig="threePt" dir="t"/>
-    </dgm:scene3d>
-    <dgm:sp3d/>
-    <dgm:txPr/>
-    <dgm:style>
-      <a:lnRef idx="2">
-        <a:scrgbClr r="0" g="0" b="0"/>
-      </a:lnRef>
-      <a:fillRef idx="1">
-        <a:scrgbClr r="0" g="0" b="0"/>
-      </a:fillRef>
-      <a:effectRef idx="0">
-        <a:scrgbClr r="0" g="0" b="0"/>
-      </a:effectRef>
-      <a:fontRef idx="minor">
-        <a:schemeClr val="lt1"/>
-      </a:fontRef>
-    </dgm:style>
-  </dgm:styleLbl>
-  <dgm:styleLbl name="asst3">
-    <dgm:scene3d>
-      <a:camera prst="orthographicFront"/>
-      <a:lightRig rig="threePt" dir="t"/>
-    </dgm:scene3d>
-    <dgm:sp3d/>
-    <dgm:txPr/>
-    <dgm:style>
-      <a:lnRef idx="2">
-        <a:scrgbClr r="0" g="0" b="0"/>
-      </a:lnRef>
-      <a:fillRef idx="1">
-        <a:scrgbClr r="0" g="0" b="0"/>
-      </a:fillRef>
-      <a:effectRef idx="0">
-        <a:scrgbClr r="0" g="0" b="0"/>
-      </a:effectRef>
-      <a:fontRef idx="minor">
-        <a:schemeClr val="lt1"/>
-      </a:fontRef>
-    </dgm:style>
-  </dgm:styleLbl>
-  <dgm:styleLbl name="asst4">
-    <dgm:scene3d>
-      <a:camera prst="orthographicFront"/>
-      <a:lightRig rig="threePt" dir="t"/>
-    </dgm:scene3d>
-    <dgm:sp3d/>
-    <dgm:txPr/>
-    <dgm:style>
-      <a:lnRef idx="2">
-        <a:scrgbClr r="0" g="0" b="0"/>
-      </a:lnRef>
-      <a:fillRef idx="1">
-        <a:scrgbClr r="0" g="0" b="0"/>
-      </a:fillRef>
-      <a:effectRef idx="0">
-        <a:scrgbClr r="0" g="0" b="0"/>
-      </a:effectRef>
-      <a:fontRef idx="minor">
-        <a:schemeClr val="lt1"/>
-      </a:fontRef>
-    </dgm:style>
-  </dgm:styleLbl>
-  <dgm:styleLbl name="parChTrans2D1">
-    <dgm:scene3d>
-      <a:camera prst="orthographicFront"/>
-      <a:lightRig rig="threePt" dir="t"/>
-    </dgm:scene3d>
-    <dgm:sp3d/>
-    <dgm:txPr/>
-    <dgm:style>
-      <a:lnRef idx="2">
-        <a:scrgbClr r="0" g="0" b="0"/>
-      </a:lnRef>
-      <a:fillRef idx="1">
-        <a:scrgbClr r="0" g="0" b="0"/>
-      </a:fillRef>
-      <a:effectRef idx="0">
-        <a:scrgbClr r="0" g="0" b="0"/>
-      </a:effectRef>
-      <a:fontRef idx="minor">
-        <a:schemeClr val="lt1"/>
-      </a:fontRef>
-    </dgm:style>
-  </dgm:styleLbl>
-  <dgm:styleLbl name="parChTrans2D2">
-    <dgm:scene3d>
-      <a:camera prst="orthographicFront"/>
-      <a:lightRig rig="threePt" dir="t"/>
-    </dgm:scene3d>
-    <dgm:sp3d/>
-    <dgm:txPr/>
-    <dgm:style>
-      <a:lnRef idx="2">
-        <a:scrgbClr r="0" g="0" b="0"/>
-      </a:lnRef>
-      <a:fillRef idx="1">
-        <a:scrgbClr r="0" g="0" b="0"/>
-      </a:fillRef>
-      <a:effectRef idx="0">
-        <a:scrgbClr r="0" g="0" b="0"/>
-      </a:effectRef>
-      <a:fontRef idx="minor">
-        <a:schemeClr val="lt1"/>
-      </a:fontRef>
-    </dgm:style>
-  </dgm:styleLbl>
-  <dgm:styleLbl name="parChTrans2D3">
-    <dgm:scene3d>
-      <a:camera prst="orthographicFront"/>
-      <a:lightRig rig="threePt" dir="t"/>
-    </dgm:scene3d>
-    <dgm:sp3d/>
-    <dgm:txPr/>
-    <dgm:style>
-      <a:lnRef idx="2">
-        <a:scrgbClr r="0" g="0" b="0"/>
-      </a:lnRef>
-      <a:fillRef idx="1">
-        <a:scrgbClr r="0" g="0" b="0"/>
-      </a:fillRef>
-      <a:effectRef idx="0">
-        <a:scrgbClr r="0" g="0" b="0"/>
-      </a:effectRef>
-      <a:fontRef idx="minor">
-        <a:schemeClr val="lt1"/>
-      </a:fontRef>
-    </dgm:style>
-  </dgm:styleLbl>
-  <dgm:styleLbl name="parChTrans2D4">
-    <dgm:scene3d>
-      <a:camera prst="orthographicFront"/>
-      <a:lightRig rig="threePt" dir="t"/>
-    </dgm:scene3d>
-    <dgm:sp3d/>
-    <dgm:txPr/>
-    <dgm:style>
-      <a:lnRef idx="2">
-        <a:scrgbClr r="0" g="0" b="0"/>
-      </a:lnRef>
-      <a:fillRef idx="1">
-        <a:scrgbClr r="0" g="0" b="0"/>
-      </a:fillRef>
-      <a:effectRef idx="0">
-        <a:scrgbClr r="0" g="0" b="0"/>
-      </a:effectRef>
-      <a:fontRef idx="minor">
-        <a:schemeClr val="lt1"/>
-      </a:fontRef>
-    </dgm:style>
-  </dgm:styleLbl>
-  <dgm:styleLbl name="parChTrans1D1">
-    <dgm:scene3d>
-      <a:camera prst="orthographicFront"/>
-      <a:lightRig rig="threePt" dir="t"/>
-    </dgm:scene3d>
-    <dgm:sp3d/>
-    <dgm:txPr/>
-    <dgm:style>
-      <a:lnRef idx="2">
-        <a:scrgbClr r="0" g="0" b="0"/>
-      </a:lnRef>
-      <a:fillRef idx="0">
-        <a:scrgbClr r="0" g="0" b="0"/>
-      </a:fillRef>
-      <a:effectRef idx="0">
-        <a:scrgbClr r="0" g="0" b="0"/>
-      </a:effectRef>
-      <a:fontRef idx="minor"/>
-    </dgm:style>
-  </dgm:styleLbl>
-  <dgm:styleLbl name="parChTrans1D2">
-    <dgm:scene3d>
-      <a:camera prst="orthographicFront"/>
-      <a:lightRig rig="threePt" dir="t"/>
-    </dgm:scene3d>
-    <dgm:sp3d/>
-    <dgm:txPr/>
-    <dgm:style>
-      <a:lnRef idx="2">
-        <a:scrgbClr r="0" g="0" b="0"/>
-      </a:lnRef>
-      <a:fillRef idx="0">
-        <a:scrgbClr r="0" g="0" b="0"/>
-      </a:fillRef>
-      <a:effectRef idx="0">
-        <a:scrgbClr r="0" g="0" b="0"/>
-      </a:effectRef>
-      <a:fontRef idx="minor"/>
-    </dgm:style>
-  </dgm:styleLbl>
-  <dgm:styleLbl name="parChTrans1D3">
-    <dgm:scene3d>
-      <a:camera prst="orthographicFront"/>
-      <a:lightRig rig="threePt" dir="t"/>
-    </dgm:scene3d>
-    <dgm:sp3d/>
-    <dgm:txPr/>
-    <dgm:style>
-      <a:lnRef idx="2">
-        <a:scrgbClr r="0" g="0" b="0"/>
-      </a:lnRef>
-      <a:fillRef idx="0">
-        <a:scrgbClr r="0" g="0" b="0"/>
-      </a:fillRef>
-      <a:effectRef idx="0">
-        <a:scrgbClr r="0" g="0" b="0"/>
-      </a:effectRef>
-      <a:fontRef idx="minor"/>
-    </dgm:style>
-  </dgm:styleLbl>
-  <dgm:styleLbl name="parChTrans1D4">
-    <dgm:scene3d>
-      <a:camera prst="orthographicFront"/>
-      <a:lightRig rig="threePt" dir="t"/>
-    </dgm:scene3d>
-    <dgm:sp3d/>
-    <dgm:txPr/>
-    <dgm:style>
-      <a:lnRef idx="2">
-        <a:scrgbClr r="0" g="0" b="0"/>
-      </a:lnRef>
-      <a:fillRef idx="0">
-        <a:scrgbClr r="0" g="0" b="0"/>
-      </a:fillRef>
-      <a:effectRef idx="0">
-        <a:scrgbClr r="0" g="0" b="0"/>
-      </a:effectRef>
-      <a:fontRef idx="minor"/>
-    </dgm:style>
-  </dgm:styleLbl>
-  <dgm:styleLbl name="fgAcc1">
-    <dgm:scene3d>
-      <a:camera prst="orthographicFront"/>
-      <a:lightRig rig="threePt" dir="t"/>
-    </dgm:scene3d>
-    <dgm:sp3d/>
-    <dgm:txPr/>
-    <dgm:style>
-      <a:lnRef idx="2">
-        <a:scrgbClr r="0" g="0" b="0"/>
-      </a:lnRef>
-      <a:fillRef idx="1">
-        <a:scrgbClr r="0" g="0" b="0"/>
-      </a:fillRef>
-      <a:effectRef idx="0">
-        <a:scrgbClr r="0" g="0" b="0"/>
-      </a:effectRef>
-      <a:fontRef idx="minor"/>
-    </dgm:style>
-  </dgm:styleLbl>
-  <dgm:styleLbl name="conFgAcc1">
-    <dgm:scene3d>
-      <a:camera prst="orthographicFront"/>
-      <a:lightRig rig="threePt" dir="t"/>
-    </dgm:scene3d>
-    <dgm:sp3d/>
-    <dgm:txPr/>
-    <dgm:style>
-      <a:lnRef idx="2">
-        <a:scrgbClr r="0" g="0" b="0"/>
-      </a:lnRef>
-      <a:fillRef idx="1">
-        <a:scrgbClr r="0" g="0" b="0"/>
-      </a:fillRef>
-      <a:effectRef idx="0">
-        <a:scrgbClr r="0" g="0" b="0"/>
-      </a:effectRef>
-      <a:fontRef idx="minor"/>
-    </dgm:style>
-  </dgm:styleLbl>
-  <dgm:styleLbl name="alignAcc1">
-    <dgm:scene3d>
-      <a:camera prst="orthographicFront"/>
-      <a:lightRig rig="threePt" dir="t"/>
-    </dgm:scene3d>
-    <dgm:sp3d/>
-    <dgm:txPr/>
-    <dgm:style>
-      <a:lnRef idx="2">
-        <a:scrgbClr r="0" g="0" b="0"/>
-      </a:lnRef>
-      <a:fillRef idx="1">
-        <a:scrgbClr r="0" g="0" b="0"/>
-      </a:fillRef>
-      <a:effectRef idx="0">
-        <a:scrgbClr r="0" g="0" b="0"/>
-      </a:effectRef>
-      <a:fontRef idx="minor"/>
-    </dgm:style>
-  </dgm:styleLbl>
-  <dgm:styleLbl name="trAlignAcc1">
-    <dgm:scene3d>
-      <a:camera prst="orthographicFront"/>
-      <a:lightRig rig="threePt" dir="t"/>
-    </dgm:scene3d>
-    <dgm:sp3d/>
-    <dgm:txPr/>
-    <dgm:style>
-      <a:lnRef idx="1">
-        <a:scrgbClr r="0" g="0" b="0"/>
-      </a:lnRef>
-      <a:fillRef idx="1">
-        <a:scrgbClr r="0" g="0" b="0"/>
-      </a:fillRef>
-      <a:effectRef idx="0">
-        <a:scrgbClr r="0" g="0" b="0"/>
-      </a:effectRef>
-      <a:fontRef idx="minor"/>
-    </dgm:style>
-  </dgm:styleLbl>
-  <dgm:styleLbl name="bgAcc1">
-    <dgm:scene3d>
-      <a:camera prst="orthographicFront"/>
-      <a:lightRig rig="threePt" dir="t"/>
-    </dgm:scene3d>
-    <dgm:sp3d/>
-    <dgm:txPr/>
-    <dgm:style>
-      <a:lnRef idx="2">
-        <a:scrgbClr r="0" g="0" b="0"/>
-      </a:lnRef>
-      <a:fillRef idx="1">
-        <a:scrgbClr r="0" g="0" b="0"/>
-      </a:fillRef>
-      <a:effectRef idx="0">
-        <a:scrgbClr r="0" g="0" b="0"/>
-      </a:effectRef>
-      <a:fontRef idx="minor"/>
-    </dgm:style>
-  </dgm:styleLbl>
-  <dgm:styleLbl name="solidFgAcc1">
-    <dgm:scene3d>
-      <a:camera prst="orthographicFront"/>
-      <a:lightRig rig="threePt" dir="t"/>
-    </dgm:scene3d>
-    <dgm:sp3d/>
-    <dgm:txPr/>
-    <dgm:style>
-      <a:lnRef idx="2">
-        <a:scrgbClr r="0" g="0" b="0"/>
-      </a:lnRef>
-      <a:fillRef idx="1">
-        <a:scrgbClr r="0" g="0" b="0"/>
-      </a:fillRef>
-      <a:effectRef idx="0">
-        <a:scrgbClr r="0" g="0" b="0"/>
-      </a:effectRef>
-      <a:fontRef idx="minor"/>
-    </dgm:style>
-  </dgm:styleLbl>
-  <dgm:styleLbl name="solidAlignAcc1">
-    <dgm:scene3d>
-      <a:camera prst="orthographicFront"/>
-      <a:lightRig rig="threePt" dir="t"/>
-    </dgm:scene3d>
-    <dgm:sp3d/>
-    <dgm:txPr/>
-    <dgm:style>
-      <a:lnRef idx="2">
-        <a:scrgbClr r="0" g="0" b="0"/>
-      </a:lnRef>
-      <a:fillRef idx="1">
-        <a:scrgbClr r="0" g="0" b="0"/>
-      </a:fillRef>
-      <a:effectRef idx="0">
-        <a:scrgbClr r="0" g="0" b="0"/>
-      </a:effectRef>
-      <a:fontRef idx="minor"/>
-    </dgm:style>
-  </dgm:styleLbl>
-  <dgm:styleLbl name="solidBgAcc1">
-    <dgm:scene3d>
-      <a:camera prst="orthographicFront"/>
-      <a:lightRig rig="threePt" dir="t"/>
-    </dgm:scene3d>
-    <dgm:sp3d/>
-    <dgm:txPr/>
-    <dgm:style>
-      <a:lnRef idx="2">
-        <a:scrgbClr r="0" g="0" b="0"/>
-      </a:lnRef>
-      <a:fillRef idx="1">
-        <a:scrgbClr r="0" g="0" b="0"/>
-      </a:fillRef>
-      <a:effectRef idx="0">
-        <a:scrgbClr r="0" g="0" b="0"/>
-      </a:effectRef>
-      <a:fontRef idx="minor"/>
-    </dgm:style>
-  </dgm:styleLbl>
-  <dgm:styleLbl name="fgAccFollowNode1">
-    <dgm:scene3d>
-      <a:camera prst="orthographicFront"/>
-      <a:lightRig rig="threePt" dir="t"/>
-    </dgm:scene3d>
-    <dgm:sp3d/>
-    <dgm:txPr/>
-    <dgm:style>
-      <a:lnRef idx="2">
-        <a:scrgbClr r="0" g="0" b="0"/>
-      </a:lnRef>
-      <a:fillRef idx="1">
-        <a:scrgbClr r="0" g="0" b="0"/>
-      </a:fillRef>
-      <a:effectRef idx="0">
-        <a:scrgbClr r="0" g="0" b="0"/>
-      </a:effectRef>
-      <a:fontRef idx="minor"/>
-    </dgm:style>
-  </dgm:styleLbl>
-  <dgm:styleLbl name="alignAccFollowNode1">
-    <dgm:scene3d>
-      <a:camera prst="orthographicFront"/>
-      <a:lightRig rig="threePt" dir="t"/>
-    </dgm:scene3d>
-    <dgm:sp3d/>
-    <dgm:txPr/>
-    <dgm:style>
-      <a:lnRef idx="2">
-        <a:scrgbClr r="0" g="0" b="0"/>
-      </a:lnRef>
-      <a:fillRef idx="1">
-        <a:scrgbClr r="0" g="0" b="0"/>
-      </a:fillRef>
-      <a:effectRef idx="0">
-        <a:scrgbClr r="0" g="0" b="0"/>
-      </a:effectRef>
-      <a:fontRef idx="minor"/>
-    </dgm:style>
-  </dgm:styleLbl>
-  <dgm:styleLbl name="bgAccFollowNode1">
-    <dgm:scene3d>
-      <a:camera prst="orthographicFront"/>
-      <a:lightRig rig="threePt" dir="t"/>
-    </dgm:scene3d>
-    <dgm:sp3d/>
-    <dgm:txPr/>
-    <dgm:style>
-      <a:lnRef idx="2">
-        <a:scrgbClr r="0" g="0" b="0"/>
-      </a:lnRef>
-      <a:fillRef idx="1">
-        <a:scrgbClr r="0" g="0" b="0"/>
-      </a:fillRef>
-      <a:effectRef idx="0">
-        <a:scrgbClr r="0" g="0" b="0"/>
-      </a:effectRef>
-      <a:fontRef idx="minor"/>
-    </dgm:style>
-  </dgm:styleLbl>
-  <dgm:styleLbl name="fgAcc0">
-    <dgm:scene3d>
-      <a:camera prst="orthographicFront"/>
-      <a:lightRig rig="threePt" dir="t"/>
-    </dgm:scene3d>
-    <dgm:sp3d/>
-    <dgm:txPr/>
-    <dgm:style>
-      <a:lnRef idx="2">
-        <a:scrgbClr r="0" g="0" b="0"/>
-      </a:lnRef>
-      <a:fillRef idx="1">
-        <a:scrgbClr r="0" g="0" b="0"/>
-      </a:fillRef>
-      <a:effectRef idx="0">
-        <a:scrgbClr r="0" g="0" b="0"/>
-      </a:effectRef>
-      <a:fontRef idx="minor"/>
-    </dgm:style>
-  </dgm:styleLbl>
-  <dgm:styleLbl name="fgAcc2">
-    <dgm:scene3d>
-      <a:camera prst="orthographicFront"/>
-      <a:lightRig rig="threePt" dir="t"/>
-    </dgm:scene3d>
-    <dgm:sp3d/>
-    <dgm:txPr/>
-    <dgm:style>
-      <a:lnRef idx="2">
-        <a:scrgbClr r="0" g="0" b="0"/>
-      </a:lnRef>
-      <a:fillRef idx="1">
-        <a:scrgbClr r="0" g="0" b="0"/>
-      </a:fillRef>
-      <a:effectRef idx="0">
-        <a:scrgbClr r="0" g="0" b="0"/>
-      </a:effectRef>
-      <a:fontRef idx="minor"/>
-    </dgm:style>
-  </dgm:styleLbl>
-  <dgm:styleLbl name="fgAcc3">
-    <dgm:scene3d>
-      <a:camera prst="orthographicFront"/>
-      <a:lightRig rig="threePt" dir="t"/>
-    </dgm:scene3d>
-    <dgm:sp3d/>
-    <dgm:txPr/>
-    <dgm:style>
-      <a:lnRef idx="2">
-        <a:scrgbClr r="0" g="0" b="0"/>
-      </a:lnRef>
-      <a:fillRef idx="1">
-        <a:scrgbClr r="0" g="0" b="0"/>
-      </a:fillRef>
-      <a:effectRef idx="0">
-        <a:scrgbClr r="0" g="0" b="0"/>
-      </a:effectRef>
-      <a:fontRef idx="minor"/>
-    </dgm:style>
-  </dgm:styleLbl>
-  <dgm:styleLbl name="fgAcc4">
-    <dgm:scene3d>
-      <a:camera prst="orthographicFront"/>
-      <a:lightRig rig="threePt" dir="t"/>
-    </dgm:scene3d>
-    <dgm:sp3d/>
-    <dgm:txPr/>
-    <dgm:style>
-      <a:lnRef idx="2">
-        <a:scrgbClr r="0" g="0" b="0"/>
-      </a:lnRef>
-      <a:fillRef idx="1">
-        <a:scrgbClr r="0" g="0" b="0"/>
-      </a:fillRef>
-      <a:effectRef idx="0">
-        <a:scrgbClr r="0" g="0" b="0"/>
-      </a:effectRef>
-      <a:fontRef idx="minor"/>
-    </dgm:style>
-  </dgm:styleLbl>
-  <dgm:styleLbl name="bgShp">
-    <dgm:scene3d>
-      <a:camera prst="orthographicFront"/>
-      <a:lightRig rig="threePt" dir="t"/>
-    </dgm:scene3d>
-    <dgm:sp3d/>
-    <dgm:txPr/>
-    <dgm:style>
-      <a:lnRef idx="0">
-        <a:scrgbClr r="0" g="0" b="0"/>
-      </a:lnRef>
-      <a:fillRef idx="1">
-        <a:scrgbClr r="0" g="0" b="0"/>
-      </a:fillRef>
-      <a:effectRef idx="0">
-        <a:scrgbClr r="0" g="0" b="0"/>
-      </a:effectRef>
-      <a:fontRef idx="minor"/>
-    </dgm:style>
-  </dgm:styleLbl>
-  <dgm:styleLbl name="dkBgShp">
-    <dgm:scene3d>
-      <a:camera prst="orthographicFront"/>
-      <a:lightRig rig="threePt" dir="t"/>
-    </dgm:scene3d>
-    <dgm:sp3d/>
-    <dgm:txPr/>
-    <dgm:style>
-      <a:lnRef idx="0">
-        <a:scrgbClr r="0" g="0" b="0"/>
-      </a:lnRef>
-      <a:fillRef idx="1">
-        <a:scrgbClr r="0" g="0" b="0"/>
-      </a:fillRef>
-      <a:effectRef idx="0">
-        <a:scrgbClr r="0" g="0" b="0"/>
-      </a:effectRef>
-      <a:fontRef idx="minor"/>
-    </dgm:style>
-  </dgm:styleLbl>
-  <dgm:styleLbl name="trBgShp">
-    <dgm:scene3d>
-      <a:camera prst="orthographicFront"/>
-      <a:lightRig rig="threePt" dir="t"/>
-    </dgm:scene3d>
-    <dgm:sp3d/>
-    <dgm:txPr/>
-    <dgm:style>
-      <a:lnRef idx="0">
-        <a:scrgbClr r="0" g="0" b="0"/>
-      </a:lnRef>
-      <a:fillRef idx="1">
-        <a:scrgbClr r="0" g="0" b="0"/>
-      </a:fillRef>
-      <a:effectRef idx="0">
-        <a:scrgbClr r="0" g="0" b="0"/>
-      </a:effectRef>
-      <a:fontRef idx="minor"/>
-    </dgm:style>
-  </dgm:styleLbl>
-  <dgm:styleLbl name="fgShp">
-    <dgm:scene3d>
-      <a:camera prst="orthographicFront"/>
-      <a:lightRig rig="threePt" dir="t"/>
-    </dgm:scene3d>
-    <dgm:sp3d/>
-    <dgm:txPr/>
-    <dgm:style>
-      <a:lnRef idx="2">
-        <a:scrgbClr r="0" g="0" b="0"/>
-      </a:lnRef>
-      <a:fillRef idx="1">
-        <a:scrgbClr r="0" g="0" b="0"/>
-      </a:fillRef>
-      <a:effectRef idx="0">
-        <a:scrgbClr r="0" g="0" b="0"/>
-      </a:effectRef>
-      <a:fontRef idx="minor"/>
-    </dgm:style>
-  </dgm:styleLbl>
-  <dgm:styleLbl name="revTx">
-    <dgm:scene3d>
-      <a:camera prst="orthographicFront"/>
-      <a:lightRig rig="threePt" dir="t"/>
-    </dgm:scene3d>
-    <dgm:sp3d/>
-    <dgm:txPr/>
-    <dgm:style>
-      <a:lnRef idx="0">
-        <a:scrgbClr r="0" g="0" b="0"/>
-      </a:lnRef>
-      <a:fillRef idx="0">
-        <a:scrgbClr r="0" g="0" b="0"/>
-      </a:fillRef>
-      <a:effectRef idx="0">
-        <a:scrgbClr r="0" g="0" b="0"/>
-      </a:effectRef>
-      <a:fontRef idx="minor"/>
-    </dgm:style>
-  </dgm:styleLbl>
-</dgm:styleDef>
-</file>
-
-<file path=ppt/diagrams/quickStyle4.xml><?xml version="1.0" encoding="utf-8"?>
 <dgm:styleDef xmlns:dgm="http://schemas.openxmlformats.org/drawingml/2006/diagram" xmlns:a="http://schemas.openxmlformats.org/drawingml/2006/main" uniqueId="urn:microsoft.com/office/officeart/2005/8/quickstyle/simple2">
   <dgm:title val=""/>
   <dgm:desc val=""/>
@@ -12132,90 +9166,6 @@
           <a:bodyPr/>
           <a:lstStyle/>
           <a:p>
-            <a:fld id="{9812F2FE-08F6-4495-9A9C-167C1A58C6CC}" type="slidenum">
-              <a:rPr lang="en-IN" smtClean="0"/>
-              <a:t>75</a:t>
-            </a:fld>
-            <a:endParaRPr lang="en-IN"/>
-          </a:p>
-        </p:txBody>
-      </p:sp>
-    </p:spTree>
-    <p:extLst>
-      <p:ext uri="{BB962C8B-B14F-4D97-AF65-F5344CB8AC3E}">
-        <p14:creationId xmlns:p14="http://schemas.microsoft.com/office/powerpoint/2010/main" val="3388370066"/>
-      </p:ext>
-    </p:extLst>
-  </p:cSld>
-  <p:clrMapOvr>
-    <a:masterClrMapping/>
-  </p:clrMapOvr>
-</p:notes>
-</file>
-
-<file path=ppt/notesSlides/notesSlide3.xml><?xml version="1.0" encoding="utf-8"?>
-<p:notes xmlns:a="http://schemas.openxmlformats.org/drawingml/2006/main" xmlns:r="http://schemas.openxmlformats.org/officeDocument/2006/relationships" xmlns:p="http://schemas.openxmlformats.org/presentationml/2006/main">
-  <p:cSld>
-    <p:spTree>
-      <p:nvGrpSpPr>
-        <p:cNvPr id="1" name=""/>
-        <p:cNvGrpSpPr/>
-        <p:nvPr/>
-      </p:nvGrpSpPr>
-      <p:grpSpPr>
-        <a:xfrm>
-          <a:off x="0" y="0"/>
-          <a:ext cx="0" cy="0"/>
-          <a:chOff x="0" y="0"/>
-          <a:chExt cx="0" cy="0"/>
-        </a:xfrm>
-      </p:grpSpPr>
-      <p:sp>
-        <p:nvSpPr>
-          <p:cNvPr id="2" name="Slide Image Placeholder 1"/>
-          <p:cNvSpPr>
-            <a:spLocks noGrp="1" noRot="1" noChangeAspect="1"/>
-          </p:cNvSpPr>
-          <p:nvPr>
-            <p:ph type="sldImg"/>
-          </p:nvPr>
-        </p:nvSpPr>
-        <p:spPr/>
-      </p:sp>
-      <p:sp>
-        <p:nvSpPr>
-          <p:cNvPr id="3" name="Notes Placeholder 2"/>
-          <p:cNvSpPr>
-            <a:spLocks noGrp="1"/>
-          </p:cNvSpPr>
-          <p:nvPr>
-            <p:ph type="body" idx="1"/>
-          </p:nvPr>
-        </p:nvSpPr>
-        <p:spPr/>
-        <p:txBody>
-          <a:bodyPr/>
-          <a:lstStyle/>
-          <a:p>
-            <a:endParaRPr lang="en-IN"/>
-          </a:p>
-        </p:txBody>
-      </p:sp>
-      <p:sp>
-        <p:nvSpPr>
-          <p:cNvPr id="4" name="Slide Number Placeholder 3"/>
-          <p:cNvSpPr>
-            <a:spLocks noGrp="1"/>
-          </p:cNvSpPr>
-          <p:nvPr>
-            <p:ph type="sldNum" sz="quarter" idx="5"/>
-          </p:nvPr>
-        </p:nvSpPr>
-        <p:spPr/>
-        <p:txBody>
-          <a:bodyPr/>
-          <a:lstStyle/>
-          <a:p>
             <a:pPr marL="0" marR="0" lvl="0" indent="0" algn="r" defTabSz="914400" rtl="0" eaLnBrk="1" fontAlgn="auto" latinLnBrk="0" hangingPunct="1">
               <a:lnSpc>
                 <a:spcPct val="100000"/>
@@ -12265,7 +9215,7 @@
                 <a:tabLst/>
                 <a:defRPr/>
               </a:pPr>
-              <a:t>79</a:t>
+              <a:t>74</a:t>
             </a:fld>
             <a:endParaRPr kumimoji="0" lang="en-IN" sz="1200" b="0" i="0" u="none" strike="noStrike" kern="1200" cap="none" spc="0" normalizeH="0" baseline="0" noProof="0">
               <a:ln>
@@ -29934,399 +26884,6 @@
       </p:grpSpPr>
       <p:sp>
         <p:nvSpPr>
-          <p:cNvPr id="2" name="Title 1">
-            <a:extLst>
-              <a:ext uri="{FF2B5EF4-FFF2-40B4-BE49-F238E27FC236}">
-                <a16:creationId xmlns:a16="http://schemas.microsoft.com/office/drawing/2014/main" id="{860DB3A1-6111-41BF-B432-766686AD2705}"/>
-              </a:ext>
-            </a:extLst>
-          </p:cNvPr>
-          <p:cNvSpPr>
-            <a:spLocks noGrp="1"/>
-          </p:cNvSpPr>
-          <p:nvPr>
-            <p:ph type="title"/>
-          </p:nvPr>
-        </p:nvSpPr>
-        <p:spPr/>
-        <p:txBody>
-          <a:bodyPr/>
-          <a:lstStyle/>
-          <a:p>
-            <a:r>
-              <a:rPr lang="en-IN" dirty="0"/>
-              <a:t>Steps to run the webpack application</a:t>
-            </a:r>
-            <a:endParaRPr lang="en-US" dirty="0"/>
-          </a:p>
-        </p:txBody>
-      </p:sp>
-      <p:sp>
-        <p:nvSpPr>
-          <p:cNvPr id="3" name="Content Placeholder 2">
-            <a:extLst>
-              <a:ext uri="{FF2B5EF4-FFF2-40B4-BE49-F238E27FC236}">
-                <a16:creationId xmlns:a16="http://schemas.microsoft.com/office/drawing/2014/main" id="{932EFFB2-78BE-4AAE-8461-5C7A6F32CADD}"/>
-              </a:ext>
-            </a:extLst>
-          </p:cNvPr>
-          <p:cNvSpPr>
-            <a:spLocks noGrp="1"/>
-          </p:cNvSpPr>
-          <p:nvPr>
-            <p:ph idx="1"/>
-          </p:nvPr>
-        </p:nvSpPr>
-        <p:spPr/>
-        <p:txBody>
-          <a:bodyPr/>
-          <a:lstStyle/>
-          <a:p>
-            <a:r>
-              <a:rPr lang="en-US" dirty="0"/>
-              <a:t>Download and Extract the zip file.</a:t>
-            </a:r>
-          </a:p>
-          <a:p>
-            <a:r>
-              <a:rPr lang="en-US" dirty="0"/>
-              <a:t>Open the extracted folder in Visual Studio Code</a:t>
-            </a:r>
-          </a:p>
-          <a:p>
-            <a:r>
-              <a:rPr lang="en-US" dirty="0"/>
-              <a:t>Open the terminal window on the folder path and execute the following command</a:t>
-            </a:r>
-          </a:p>
-          <a:p>
-            <a:pPr lvl="1"/>
-            <a:r>
-              <a:rPr lang="en-US" dirty="0" err="1"/>
-              <a:t>npm</a:t>
-            </a:r>
-            <a:r>
-              <a:rPr lang="en-US" dirty="0"/>
-              <a:t> install</a:t>
-            </a:r>
-          </a:p>
-          <a:p>
-            <a:r>
-              <a:rPr lang="en-US" dirty="0"/>
-              <a:t>After the installation completes, execute the following command</a:t>
-            </a:r>
-          </a:p>
-          <a:p>
-            <a:pPr lvl="1"/>
-            <a:r>
-              <a:rPr lang="en-US" err="1"/>
-              <a:t>npm</a:t>
-            </a:r>
-            <a:r>
-              <a:rPr lang="en-US"/>
-              <a:t> start– </a:t>
-            </a:r>
-            <a:r>
-              <a:rPr lang="en-US" dirty="0"/>
-              <a:t>To start the development server</a:t>
-            </a:r>
-          </a:p>
-          <a:p>
-            <a:pPr lvl="1"/>
-            <a:r>
-              <a:rPr lang="en-US" dirty="0" err="1"/>
-              <a:t>npm</a:t>
-            </a:r>
-            <a:r>
-              <a:rPr lang="en-US" dirty="0"/>
-              <a:t> run build – To create the distributable folder with production build</a:t>
-            </a:r>
-          </a:p>
-        </p:txBody>
-      </p:sp>
-    </p:spTree>
-    <p:extLst>
-      <p:ext uri="{BB962C8B-B14F-4D97-AF65-F5344CB8AC3E}">
-        <p14:creationId xmlns:p14="http://schemas.microsoft.com/office/powerpoint/2010/main" val="3963583470"/>
-      </p:ext>
-    </p:extLst>
-  </p:cSld>
-  <p:clrMapOvr>
-    <a:masterClrMapping/>
-  </p:clrMapOvr>
-</p:sld>
-</file>
-
-<file path=ppt/slides/slide7.xml><?xml version="1.0" encoding="utf-8"?>
-<p:sld xmlns:a="http://schemas.openxmlformats.org/drawingml/2006/main" xmlns:r="http://schemas.openxmlformats.org/officeDocument/2006/relationships" xmlns:p="http://schemas.openxmlformats.org/presentationml/2006/main">
-  <p:cSld>
-    <p:spTree>
-      <p:nvGrpSpPr>
-        <p:cNvPr id="1" name=""/>
-        <p:cNvGrpSpPr/>
-        <p:nvPr/>
-      </p:nvGrpSpPr>
-      <p:grpSpPr>
-        <a:xfrm>
-          <a:off x="0" y="0"/>
-          <a:ext cx="0" cy="0"/>
-          <a:chOff x="0" y="0"/>
-          <a:chExt cx="0" cy="0"/>
-        </a:xfrm>
-      </p:grpSpPr>
-      <p:sp>
-        <p:nvSpPr>
-          <p:cNvPr id="2" name="Title 1">
-            <a:extLst>
-              <a:ext uri="{FF2B5EF4-FFF2-40B4-BE49-F238E27FC236}">
-                <a16:creationId xmlns:a16="http://schemas.microsoft.com/office/drawing/2014/main" id="{5FB41E39-5F1E-CFEC-9ED0-B12A58E3A866}"/>
-              </a:ext>
-            </a:extLst>
-          </p:cNvPr>
-          <p:cNvSpPr>
-            <a:spLocks noGrp="1"/>
-          </p:cNvSpPr>
-          <p:nvPr>
-            <p:ph type="title"/>
-          </p:nvPr>
-        </p:nvSpPr>
-        <p:spPr/>
-        <p:txBody>
-          <a:bodyPr/>
-          <a:lstStyle/>
-          <a:p>
-            <a:r>
-              <a:rPr lang="en-IN" dirty="0"/>
-              <a:t>How to install typescript?</a:t>
-            </a:r>
-          </a:p>
-        </p:txBody>
-      </p:sp>
-      <p:sp>
-        <p:nvSpPr>
-          <p:cNvPr id="3" name="Content Placeholder 2">
-            <a:extLst>
-              <a:ext uri="{FF2B5EF4-FFF2-40B4-BE49-F238E27FC236}">
-                <a16:creationId xmlns:a16="http://schemas.microsoft.com/office/drawing/2014/main" id="{7DEC0402-431D-5DB4-77D0-C0E8A1104B45}"/>
-              </a:ext>
-            </a:extLst>
-          </p:cNvPr>
-          <p:cNvSpPr>
-            <a:spLocks noGrp="1"/>
-          </p:cNvSpPr>
-          <p:nvPr>
-            <p:ph idx="1"/>
-          </p:nvPr>
-        </p:nvSpPr>
-        <p:spPr/>
-        <p:txBody>
-          <a:bodyPr>
-            <a:normAutofit fontScale="92500" lnSpcReduction="20000"/>
-          </a:bodyPr>
-          <a:lstStyle/>
-          <a:p>
-            <a:r>
-              <a:rPr lang="en-US" dirty="0"/>
-              <a:t>Global Installation</a:t>
-            </a:r>
-          </a:p>
-          <a:p>
-            <a:pPr lvl="1"/>
-            <a:r>
-              <a:rPr lang="en-US" dirty="0" err="1"/>
-              <a:t>npm</a:t>
-            </a:r>
-            <a:r>
-              <a:rPr lang="en-US" dirty="0"/>
-              <a:t> install -g typescript</a:t>
-            </a:r>
-          </a:p>
-          <a:p>
-            <a:pPr marL="457200" lvl="1" indent="0">
-              <a:buNone/>
-            </a:pPr>
-            <a:r>
-              <a:rPr lang="en-US" dirty="0"/>
-              <a:t>	OR</a:t>
-            </a:r>
-          </a:p>
-          <a:p>
-            <a:pPr lvl="1"/>
-            <a:r>
-              <a:rPr lang="en-US" dirty="0" err="1"/>
-              <a:t>npm</a:t>
-            </a:r>
-            <a:r>
-              <a:rPr lang="en-US" dirty="0"/>
-              <a:t> </a:t>
-            </a:r>
-            <a:r>
-              <a:rPr lang="en-US" dirty="0" err="1"/>
-              <a:t>i</a:t>
-            </a:r>
-            <a:r>
-              <a:rPr lang="en-US" dirty="0"/>
-              <a:t> -g typescript</a:t>
-            </a:r>
-          </a:p>
-          <a:p>
-            <a:pPr lvl="1"/>
-            <a:r>
-              <a:rPr lang="en-US" dirty="0"/>
-              <a:t>Check the TypeScript Compiler version installed</a:t>
-            </a:r>
-          </a:p>
-          <a:p>
-            <a:pPr lvl="2"/>
-            <a:r>
-              <a:rPr lang="en-US" dirty="0" err="1"/>
-              <a:t>tsc</a:t>
-            </a:r>
-            <a:r>
-              <a:rPr lang="en-US" dirty="0"/>
-              <a:t> -v</a:t>
-            </a:r>
-          </a:p>
-          <a:p>
-            <a:pPr lvl="1"/>
-            <a:r>
-              <a:rPr lang="en-US" dirty="0"/>
-              <a:t>Compile a TypeScript File to JavaScript output</a:t>
-            </a:r>
-          </a:p>
-          <a:p>
-            <a:pPr lvl="2"/>
-            <a:r>
-              <a:rPr lang="en-US" dirty="0" err="1"/>
-              <a:t>tsc</a:t>
-            </a:r>
-            <a:r>
-              <a:rPr lang="en-US" dirty="0"/>
-              <a:t> &lt;full path of </a:t>
-            </a:r>
-            <a:r>
-              <a:rPr lang="en-US" dirty="0" err="1"/>
-              <a:t>ts</a:t>
-            </a:r>
-            <a:r>
-              <a:rPr lang="en-US" dirty="0"/>
-              <a:t> file&gt; e.g. </a:t>
-            </a:r>
-            <a:r>
-              <a:rPr lang="en-US" dirty="0" err="1"/>
-              <a:t>tsc</a:t>
-            </a:r>
-            <a:r>
-              <a:rPr lang="en-US" dirty="0"/>
-              <a:t> demo3.ts</a:t>
-            </a:r>
-          </a:p>
-          <a:p>
-            <a:pPr lvl="2"/>
-            <a:r>
-              <a:rPr lang="en-US" dirty="0" err="1"/>
-              <a:t>tsc</a:t>
-            </a:r>
-            <a:r>
-              <a:rPr lang="en-US" dirty="0"/>
-              <a:t> &lt;full path of </a:t>
-            </a:r>
-            <a:r>
-              <a:rPr lang="en-US" dirty="0" err="1"/>
-              <a:t>ts</a:t>
-            </a:r>
-            <a:r>
-              <a:rPr lang="en-US" dirty="0"/>
-              <a:t> file&gt; -t es2015 e.g. </a:t>
-            </a:r>
-            <a:r>
-              <a:rPr lang="en-US" dirty="0" err="1"/>
-              <a:t>tsc</a:t>
-            </a:r>
-            <a:r>
-              <a:rPr lang="en-US" dirty="0"/>
-              <a:t> demo3.ts -t es2015</a:t>
-            </a:r>
-          </a:p>
-          <a:p>
-            <a:r>
-              <a:rPr lang="en-IN" dirty="0"/>
-              <a:t>Local Installation</a:t>
-            </a:r>
-          </a:p>
-          <a:p>
-            <a:pPr lvl="1"/>
-            <a:r>
-              <a:rPr lang="en-US" dirty="0" err="1"/>
-              <a:t>npm</a:t>
-            </a:r>
-            <a:r>
-              <a:rPr lang="en-US" dirty="0"/>
-              <a:t> install --save-dev typescript</a:t>
-            </a:r>
-          </a:p>
-          <a:p>
-            <a:pPr marL="457200" lvl="1" indent="0">
-              <a:buNone/>
-            </a:pPr>
-            <a:r>
-              <a:rPr lang="en-US" dirty="0"/>
-              <a:t>	OR</a:t>
-            </a:r>
-          </a:p>
-          <a:p>
-            <a:pPr lvl="1"/>
-            <a:r>
-              <a:rPr lang="en-US" dirty="0" err="1"/>
-              <a:t>npm</a:t>
-            </a:r>
-            <a:r>
-              <a:rPr lang="en-US" dirty="0"/>
-              <a:t> </a:t>
-            </a:r>
-            <a:r>
-              <a:rPr lang="en-US" dirty="0" err="1"/>
-              <a:t>i</a:t>
-            </a:r>
-            <a:r>
-              <a:rPr lang="en-US" dirty="0"/>
-              <a:t> -D typescript</a:t>
-            </a:r>
-          </a:p>
-        </p:txBody>
-      </p:sp>
-    </p:spTree>
-    <p:extLst>
-      <p:ext uri="{BB962C8B-B14F-4D97-AF65-F5344CB8AC3E}">
-        <p14:creationId xmlns:p14="http://schemas.microsoft.com/office/powerpoint/2010/main" val="1341655775"/>
-      </p:ext>
-    </p:extLst>
-  </p:cSld>
-  <p:clrMapOvr>
-    <a:masterClrMapping/>
-  </p:clrMapOvr>
-</p:sld>
-</file>
-
-<file path=ppt/slides/slide70.xml><?xml version="1.0" encoding="utf-8"?>
-<p:sld xmlns:a="http://schemas.openxmlformats.org/drawingml/2006/main" xmlns:r="http://schemas.openxmlformats.org/officeDocument/2006/relationships" xmlns:p="http://schemas.openxmlformats.org/presentationml/2006/main">
-  <p:cSld>
-    <p:spTree>
-      <p:nvGrpSpPr>
-        <p:cNvPr id="1" name=""/>
-        <p:cNvGrpSpPr/>
-        <p:nvPr/>
-      </p:nvGrpSpPr>
-      <p:grpSpPr>
-        <a:xfrm>
-          <a:off x="0" y="0"/>
-          <a:ext cx="0" cy="0"/>
-          <a:chOff x="0" y="0"/>
-          <a:chExt cx="0" cy="0"/>
-        </a:xfrm>
-      </p:grpSpPr>
-      <p:sp>
-        <p:nvSpPr>
           <p:cNvPr id="6" name="Rectangle 5">
             <a:extLst>
               <a:ext uri="{FF2B5EF4-FFF2-40B4-BE49-F238E27FC236}">
@@ -30592,7 +27149,258 @@
 </p:sld>
 </file>
 
-<file path=ppt/slides/slide71.xml><?xml version="1.0" encoding="utf-8"?>
+<file path=ppt/slides/slide7.xml><?xml version="1.0" encoding="utf-8"?>
+<p:sld xmlns:a="http://schemas.openxmlformats.org/drawingml/2006/main" xmlns:r="http://schemas.openxmlformats.org/officeDocument/2006/relationships" xmlns:p="http://schemas.openxmlformats.org/presentationml/2006/main">
+  <p:cSld>
+    <p:spTree>
+      <p:nvGrpSpPr>
+        <p:cNvPr id="1" name=""/>
+        <p:cNvGrpSpPr/>
+        <p:nvPr/>
+      </p:nvGrpSpPr>
+      <p:grpSpPr>
+        <a:xfrm>
+          <a:off x="0" y="0"/>
+          <a:ext cx="0" cy="0"/>
+          <a:chOff x="0" y="0"/>
+          <a:chExt cx="0" cy="0"/>
+        </a:xfrm>
+      </p:grpSpPr>
+      <p:sp>
+        <p:nvSpPr>
+          <p:cNvPr id="2" name="Title 1">
+            <a:extLst>
+              <a:ext uri="{FF2B5EF4-FFF2-40B4-BE49-F238E27FC236}">
+                <a16:creationId xmlns:a16="http://schemas.microsoft.com/office/drawing/2014/main" id="{5FB41E39-5F1E-CFEC-9ED0-B12A58E3A866}"/>
+              </a:ext>
+            </a:extLst>
+          </p:cNvPr>
+          <p:cNvSpPr>
+            <a:spLocks noGrp="1"/>
+          </p:cNvSpPr>
+          <p:nvPr>
+            <p:ph type="title"/>
+          </p:nvPr>
+        </p:nvSpPr>
+        <p:spPr/>
+        <p:txBody>
+          <a:bodyPr/>
+          <a:lstStyle/>
+          <a:p>
+            <a:r>
+              <a:rPr lang="en-IN" dirty="0"/>
+              <a:t>How to install typescript?</a:t>
+            </a:r>
+          </a:p>
+        </p:txBody>
+      </p:sp>
+      <p:sp>
+        <p:nvSpPr>
+          <p:cNvPr id="3" name="Content Placeholder 2">
+            <a:extLst>
+              <a:ext uri="{FF2B5EF4-FFF2-40B4-BE49-F238E27FC236}">
+                <a16:creationId xmlns:a16="http://schemas.microsoft.com/office/drawing/2014/main" id="{7DEC0402-431D-5DB4-77D0-C0E8A1104B45}"/>
+              </a:ext>
+            </a:extLst>
+          </p:cNvPr>
+          <p:cNvSpPr>
+            <a:spLocks noGrp="1"/>
+          </p:cNvSpPr>
+          <p:nvPr>
+            <p:ph idx="1"/>
+          </p:nvPr>
+        </p:nvSpPr>
+        <p:spPr/>
+        <p:txBody>
+          <a:bodyPr>
+            <a:normAutofit fontScale="92500" lnSpcReduction="20000"/>
+          </a:bodyPr>
+          <a:lstStyle/>
+          <a:p>
+            <a:r>
+              <a:rPr lang="en-US" dirty="0"/>
+              <a:t>Global Installation</a:t>
+            </a:r>
+          </a:p>
+          <a:p>
+            <a:pPr lvl="1"/>
+            <a:r>
+              <a:rPr lang="en-US" dirty="0" err="1"/>
+              <a:t>npm</a:t>
+            </a:r>
+            <a:r>
+              <a:rPr lang="en-US" dirty="0"/>
+              <a:t> install -g typescript</a:t>
+            </a:r>
+          </a:p>
+          <a:p>
+            <a:pPr marL="457200" lvl="1" indent="0">
+              <a:buNone/>
+            </a:pPr>
+            <a:r>
+              <a:rPr lang="en-US" dirty="0"/>
+              <a:t>	OR</a:t>
+            </a:r>
+          </a:p>
+          <a:p>
+            <a:pPr lvl="1"/>
+            <a:r>
+              <a:rPr lang="en-US" dirty="0" err="1"/>
+              <a:t>npm</a:t>
+            </a:r>
+            <a:r>
+              <a:rPr lang="en-US" dirty="0"/>
+              <a:t> </a:t>
+            </a:r>
+            <a:r>
+              <a:rPr lang="en-US" dirty="0" err="1"/>
+              <a:t>i</a:t>
+            </a:r>
+            <a:r>
+              <a:rPr lang="en-US" dirty="0"/>
+              <a:t> -g typescript</a:t>
+            </a:r>
+          </a:p>
+          <a:p>
+            <a:pPr lvl="1"/>
+            <a:r>
+              <a:rPr lang="en-US" dirty="0"/>
+              <a:t>Check the TypeScript Compiler version installed</a:t>
+            </a:r>
+          </a:p>
+          <a:p>
+            <a:pPr lvl="2"/>
+            <a:r>
+              <a:rPr lang="en-US" dirty="0" err="1"/>
+              <a:t>tsc</a:t>
+            </a:r>
+            <a:r>
+              <a:rPr lang="en-US" dirty="0"/>
+              <a:t> -v</a:t>
+            </a:r>
+          </a:p>
+          <a:p>
+            <a:pPr lvl="1"/>
+            <a:r>
+              <a:rPr lang="en-US" dirty="0"/>
+              <a:t>Compile a TypeScript File to JavaScript output</a:t>
+            </a:r>
+          </a:p>
+          <a:p>
+            <a:pPr lvl="2"/>
+            <a:r>
+              <a:rPr lang="en-US" dirty="0" err="1"/>
+              <a:t>tsc</a:t>
+            </a:r>
+            <a:r>
+              <a:rPr lang="en-US" dirty="0"/>
+              <a:t> &lt;full path of </a:t>
+            </a:r>
+            <a:r>
+              <a:rPr lang="en-US" dirty="0" err="1"/>
+              <a:t>ts</a:t>
+            </a:r>
+            <a:r>
+              <a:rPr lang="en-US" dirty="0"/>
+              <a:t> file&gt; e.g. </a:t>
+            </a:r>
+            <a:r>
+              <a:rPr lang="en-US" dirty="0" err="1"/>
+              <a:t>tsc</a:t>
+            </a:r>
+            <a:r>
+              <a:rPr lang="en-US" dirty="0"/>
+              <a:t> demo3.ts</a:t>
+            </a:r>
+          </a:p>
+          <a:p>
+            <a:pPr lvl="2"/>
+            <a:r>
+              <a:rPr lang="en-US" dirty="0" err="1"/>
+              <a:t>tsc</a:t>
+            </a:r>
+            <a:r>
+              <a:rPr lang="en-US" dirty="0"/>
+              <a:t> &lt;full path of </a:t>
+            </a:r>
+            <a:r>
+              <a:rPr lang="en-US" dirty="0" err="1"/>
+              <a:t>ts</a:t>
+            </a:r>
+            <a:r>
+              <a:rPr lang="en-US" dirty="0"/>
+              <a:t> file&gt; -t es2015 e.g. </a:t>
+            </a:r>
+            <a:r>
+              <a:rPr lang="en-US" dirty="0" err="1"/>
+              <a:t>tsc</a:t>
+            </a:r>
+            <a:r>
+              <a:rPr lang="en-US" dirty="0"/>
+              <a:t> demo3.ts -t es2015</a:t>
+            </a:r>
+          </a:p>
+          <a:p>
+            <a:r>
+              <a:rPr lang="en-IN" dirty="0"/>
+              <a:t>Local Installation</a:t>
+            </a:r>
+          </a:p>
+          <a:p>
+            <a:pPr lvl="1"/>
+            <a:r>
+              <a:rPr lang="en-US" dirty="0" err="1"/>
+              <a:t>npm</a:t>
+            </a:r>
+            <a:r>
+              <a:rPr lang="en-US" dirty="0"/>
+              <a:t> install --save-dev typescript</a:t>
+            </a:r>
+          </a:p>
+          <a:p>
+            <a:pPr marL="457200" lvl="1" indent="0">
+              <a:buNone/>
+            </a:pPr>
+            <a:r>
+              <a:rPr lang="en-US" dirty="0"/>
+              <a:t>	OR</a:t>
+            </a:r>
+          </a:p>
+          <a:p>
+            <a:pPr lvl="1"/>
+            <a:r>
+              <a:rPr lang="en-US" dirty="0" err="1"/>
+              <a:t>npm</a:t>
+            </a:r>
+            <a:r>
+              <a:rPr lang="en-US" dirty="0"/>
+              <a:t> </a:t>
+            </a:r>
+            <a:r>
+              <a:rPr lang="en-US" dirty="0" err="1"/>
+              <a:t>i</a:t>
+            </a:r>
+            <a:r>
+              <a:rPr lang="en-US" dirty="0"/>
+              <a:t> -D typescript</a:t>
+            </a:r>
+          </a:p>
+        </p:txBody>
+      </p:sp>
+    </p:spTree>
+    <p:extLst>
+      <p:ext uri="{BB962C8B-B14F-4D97-AF65-F5344CB8AC3E}">
+        <p14:creationId xmlns:p14="http://schemas.microsoft.com/office/powerpoint/2010/main" val="1341655775"/>
+      </p:ext>
+    </p:extLst>
+  </p:cSld>
+  <p:clrMapOvr>
+    <a:masterClrMapping/>
+  </p:clrMapOvr>
+</p:sld>
+</file>
+
+<file path=ppt/slides/slide70.xml><?xml version="1.0" encoding="utf-8"?>
 <p:sld xmlns:a="http://schemas.openxmlformats.org/drawingml/2006/main" xmlns:r="http://schemas.openxmlformats.org/officeDocument/2006/relationships" xmlns:p="http://schemas.openxmlformats.org/presentationml/2006/main">
   <p:cSld>
     <p:spTree>
@@ -31604,7 +28412,7 @@
 </p:sld>
 </file>
 
-<file path=ppt/slides/slide72.xml><?xml version="1.0" encoding="utf-8"?>
+<file path=ppt/slides/slide71.xml><?xml version="1.0" encoding="utf-8"?>
 <p:sld xmlns:a="http://schemas.openxmlformats.org/drawingml/2006/main" xmlns:r="http://schemas.openxmlformats.org/officeDocument/2006/relationships" xmlns:p="http://schemas.openxmlformats.org/presentationml/2006/main">
   <p:cSld>
     <p:spTree>
@@ -32870,7 +29678,7 @@
 </p:sld>
 </file>
 
-<file path=ppt/slides/slide73.xml><?xml version="1.0" encoding="utf-8"?>
+<file path=ppt/slides/slide72.xml><?xml version="1.0" encoding="utf-8"?>
 <p:sld xmlns:a="http://schemas.openxmlformats.org/drawingml/2006/main" xmlns:r="http://schemas.openxmlformats.org/officeDocument/2006/relationships" xmlns:p="http://schemas.openxmlformats.org/presentationml/2006/main">
   <p:cSld>
     <p:spTree>
@@ -34281,7 +31089,7 @@
 </p:sld>
 </file>
 
-<file path=ppt/slides/slide74.xml><?xml version="1.0" encoding="utf-8"?>
+<file path=ppt/slides/slide73.xml><?xml version="1.0" encoding="utf-8"?>
 <p:sld xmlns:a="http://schemas.openxmlformats.org/drawingml/2006/main" xmlns:r="http://schemas.openxmlformats.org/officeDocument/2006/relationships" xmlns:p="http://schemas.openxmlformats.org/presentationml/2006/main">
   <p:cSld>
     <p:spTree>
@@ -36082,389 +32890,7 @@
 </p:sld>
 </file>
 
-<file path=ppt/slides/slide75.xml><?xml version="1.0" encoding="utf-8"?>
-<p:sld xmlns:a="http://schemas.openxmlformats.org/drawingml/2006/main" xmlns:r="http://schemas.openxmlformats.org/officeDocument/2006/relationships" xmlns:p="http://schemas.openxmlformats.org/presentationml/2006/main">
-  <p:cSld>
-    <p:spTree>
-      <p:nvGrpSpPr>
-        <p:cNvPr id="1" name=""/>
-        <p:cNvGrpSpPr/>
-        <p:nvPr/>
-      </p:nvGrpSpPr>
-      <p:grpSpPr>
-        <a:xfrm>
-          <a:off x="0" y="0"/>
-          <a:ext cx="0" cy="0"/>
-          <a:chOff x="0" y="0"/>
-          <a:chExt cx="0" cy="0"/>
-        </a:xfrm>
-      </p:grpSpPr>
-      <p:sp>
-        <p:nvSpPr>
-          <p:cNvPr id="2" name="Title 1">
-            <a:extLst>
-              <a:ext uri="{FF2B5EF4-FFF2-40B4-BE49-F238E27FC236}">
-                <a16:creationId xmlns:a16="http://schemas.microsoft.com/office/drawing/2014/main" id="{A6C1BEA8-3274-8FFC-3E9B-9FE973B76EBB}"/>
-              </a:ext>
-            </a:extLst>
-          </p:cNvPr>
-          <p:cNvSpPr>
-            <a:spLocks noGrp="1"/>
-          </p:cNvSpPr>
-          <p:nvPr>
-            <p:ph type="title"/>
-          </p:nvPr>
-        </p:nvSpPr>
-        <p:spPr>
-          <a:xfrm>
-            <a:off x="479394" y="1070800"/>
-            <a:ext cx="3939688" cy="5583126"/>
-          </a:xfrm>
-        </p:spPr>
-        <p:txBody>
-          <a:bodyPr>
-            <a:normAutofit/>
-          </a:bodyPr>
-          <a:lstStyle/>
-          <a:p>
-            <a:pPr algn="r"/>
-            <a:r>
-              <a:rPr lang="en-IN" sz="6200" dirty="0"/>
-              <a:t>Single Page Application Pros - CSR</a:t>
-            </a:r>
-          </a:p>
-        </p:txBody>
-      </p:sp>
-      <p:graphicFrame>
-        <p:nvGraphicFramePr>
-          <p:cNvPr id="66" name="Content Placeholder 2">
-            <a:extLst>
-              <a:ext uri="{FF2B5EF4-FFF2-40B4-BE49-F238E27FC236}">
-                <a16:creationId xmlns:a16="http://schemas.microsoft.com/office/drawing/2014/main" id="{6CA41C74-D2B8-8356-2086-B11010D25600}"/>
-              </a:ext>
-            </a:extLst>
-          </p:cNvPr>
-          <p:cNvGraphicFramePr>
-            <a:graphicFrameLocks noGrp="1"/>
-          </p:cNvGraphicFramePr>
-          <p:nvPr>
-            <p:ph idx="1"/>
-          </p:nvPr>
-        </p:nvGraphicFramePr>
-        <p:xfrm>
-          <a:off x="5108535" y="1070800"/>
-          <a:ext cx="6245265" cy="5589347"/>
-        </p:xfrm>
-        <a:graphic>
-          <a:graphicData uri="http://schemas.openxmlformats.org/drawingml/2006/diagram">
-            <dgm:relIds xmlns:dgm="http://schemas.openxmlformats.org/drawingml/2006/diagram" xmlns:r="http://schemas.openxmlformats.org/officeDocument/2006/relationships" r:dm="rId3" r:lo="rId4" r:qs="rId5" r:cs="rId6"/>
-          </a:graphicData>
-        </a:graphic>
-      </p:graphicFrame>
-    </p:spTree>
-    <p:extLst>
-      <p:ext uri="{BB962C8B-B14F-4D97-AF65-F5344CB8AC3E}">
-        <p14:creationId xmlns:p14="http://schemas.microsoft.com/office/powerpoint/2010/main" val="721619654"/>
-      </p:ext>
-    </p:extLst>
-  </p:cSld>
-  <p:clrMapOvr>
-    <a:masterClrMapping/>
-  </p:clrMapOvr>
-</p:sld>
-</file>
-
-<file path=ppt/slides/slide76.xml><?xml version="1.0" encoding="utf-8"?>
-<p:sld xmlns:a="http://schemas.openxmlformats.org/drawingml/2006/main" xmlns:r="http://schemas.openxmlformats.org/officeDocument/2006/relationships" xmlns:p="http://schemas.openxmlformats.org/presentationml/2006/main">
-  <p:cSld>
-    <p:spTree>
-      <p:nvGrpSpPr>
-        <p:cNvPr id="1" name=""/>
-        <p:cNvGrpSpPr/>
-        <p:nvPr/>
-      </p:nvGrpSpPr>
-      <p:grpSpPr>
-        <a:xfrm>
-          <a:off x="0" y="0"/>
-          <a:ext cx="0" cy="0"/>
-          <a:chOff x="0" y="0"/>
-          <a:chExt cx="0" cy="0"/>
-        </a:xfrm>
-      </p:grpSpPr>
-      <p:pic>
-        <p:nvPicPr>
-          <p:cNvPr id="2050" name="Picture 2" descr="react server-side rendering integration">
-            <a:extLst>
-              <a:ext uri="{FF2B5EF4-FFF2-40B4-BE49-F238E27FC236}">
-                <a16:creationId xmlns:a16="http://schemas.microsoft.com/office/drawing/2014/main" id="{517107C1-1A66-842A-CC26-C0699A5431D5}"/>
-              </a:ext>
-            </a:extLst>
-          </p:cNvPr>
-          <p:cNvPicPr>
-            <a:picLocks noGrp="1" noChangeAspect="1" noChangeArrowheads="1"/>
-          </p:cNvPicPr>
-          <p:nvPr>
-            <p:ph idx="1"/>
-          </p:nvPr>
-        </p:nvPicPr>
-        <p:blipFill rotWithShape="1">
-          <a:blip r:embed="rId2">
-            <a:extLst>
-              <a:ext uri="{28A0092B-C50C-407E-A947-70E740481C1C}">
-                <a14:useLocalDpi xmlns:a14="http://schemas.microsoft.com/office/drawing/2010/main" val="0"/>
-              </a:ext>
-            </a:extLst>
-          </a:blip>
-          <a:srcRect b="1028"/>
-          <a:stretch/>
-        </p:blipFill>
-        <p:spPr bwMode="auto">
-          <a:xfrm>
-            <a:off x="457200" y="457200"/>
-            <a:ext cx="11277600" cy="5943600"/>
-          </a:xfrm>
-          <a:prstGeom prst="rect">
-            <a:avLst/>
-          </a:prstGeom>
-          <a:noFill/>
-          <a:extLst>
-            <a:ext uri="{909E8E84-426E-40DD-AFC4-6F175D3DCCD1}">
-              <a14:hiddenFill xmlns:a14="http://schemas.microsoft.com/office/drawing/2010/main">
-                <a:solidFill>
-                  <a:srgbClr val="FFFFFF"/>
-                </a:solidFill>
-              </a14:hiddenFill>
-            </a:ext>
-          </a:extLst>
-        </p:spPr>
-      </p:pic>
-    </p:spTree>
-    <p:extLst>
-      <p:ext uri="{BB962C8B-B14F-4D97-AF65-F5344CB8AC3E}">
-        <p14:creationId xmlns:p14="http://schemas.microsoft.com/office/powerpoint/2010/main" val="778852520"/>
-      </p:ext>
-    </p:extLst>
-  </p:cSld>
-  <p:clrMapOvr>
-    <a:masterClrMapping/>
-  </p:clrMapOvr>
-</p:sld>
-</file>
-
-<file path=ppt/slides/slide77.xml><?xml version="1.0" encoding="utf-8"?>
-<p:sld xmlns:a="http://schemas.openxmlformats.org/drawingml/2006/main" xmlns:r="http://schemas.openxmlformats.org/officeDocument/2006/relationships" xmlns:p="http://schemas.openxmlformats.org/presentationml/2006/main">
-  <p:cSld>
-    <p:spTree>
-      <p:nvGrpSpPr>
-        <p:cNvPr id="1" name=""/>
-        <p:cNvGrpSpPr/>
-        <p:nvPr/>
-      </p:nvGrpSpPr>
-      <p:grpSpPr>
-        <a:xfrm>
-          <a:off x="0" y="0"/>
-          <a:ext cx="0" cy="0"/>
-          <a:chOff x="0" y="0"/>
-          <a:chExt cx="0" cy="0"/>
-        </a:xfrm>
-      </p:grpSpPr>
-      <p:pic>
-        <p:nvPicPr>
-          <p:cNvPr id="1026" name="Picture 2" descr="Traditional Page Cycle vs SPA Lifecycle | Single Page Applications">
-            <a:extLst>
-              <a:ext uri="{FF2B5EF4-FFF2-40B4-BE49-F238E27FC236}">
-                <a16:creationId xmlns:a16="http://schemas.microsoft.com/office/drawing/2014/main" id="{D11BAB91-4487-D9EB-5CE5-113B0AD25742}"/>
-              </a:ext>
-            </a:extLst>
-          </p:cNvPr>
-          <p:cNvPicPr>
-            <a:picLocks noChangeAspect="1" noChangeArrowheads="1"/>
-          </p:cNvPicPr>
-          <p:nvPr/>
-        </p:nvPicPr>
-        <p:blipFill rotWithShape="1">
-          <a:blip r:embed="rId2">
-            <a:extLst>
-              <a:ext uri="{28A0092B-C50C-407E-A947-70E740481C1C}">
-                <a14:useLocalDpi xmlns:a14="http://schemas.microsoft.com/office/drawing/2010/main" val="0"/>
-              </a:ext>
-            </a:extLst>
-          </a:blip>
-          <a:srcRect b="12522"/>
-          <a:stretch/>
-        </p:blipFill>
-        <p:spPr bwMode="auto">
-          <a:xfrm>
-            <a:off x="1289558" y="643466"/>
-            <a:ext cx="9612883" cy="5571067"/>
-          </a:xfrm>
-          <a:prstGeom prst="rect">
-            <a:avLst/>
-          </a:prstGeom>
-          <a:noFill/>
-          <a:extLst>
-            <a:ext uri="{909E8E84-426E-40DD-AFC4-6F175D3DCCD1}">
-              <a14:hiddenFill xmlns:a14="http://schemas.microsoft.com/office/drawing/2010/main">
-                <a:solidFill>
-                  <a:srgbClr val="FFFFFF"/>
-                </a:solidFill>
-              </a14:hiddenFill>
-            </a:ext>
-          </a:extLst>
-        </p:spPr>
-      </p:pic>
-    </p:spTree>
-    <p:extLst>
-      <p:ext uri="{BB962C8B-B14F-4D97-AF65-F5344CB8AC3E}">
-        <p14:creationId xmlns:p14="http://schemas.microsoft.com/office/powerpoint/2010/main" val="2232520977"/>
-      </p:ext>
-    </p:extLst>
-  </p:cSld>
-  <p:clrMapOvr>
-    <a:masterClrMapping/>
-  </p:clrMapOvr>
-</p:sld>
-</file>
-
-<file path=ppt/slides/slide78.xml><?xml version="1.0" encoding="utf-8"?>
-<p:sld xmlns:a="http://schemas.openxmlformats.org/drawingml/2006/main" xmlns:r="http://schemas.openxmlformats.org/officeDocument/2006/relationships" xmlns:p="http://schemas.openxmlformats.org/presentationml/2006/main">
-  <p:cSld>
-    <p:spTree>
-      <p:nvGrpSpPr>
-        <p:cNvPr id="1" name=""/>
-        <p:cNvGrpSpPr/>
-        <p:nvPr/>
-      </p:nvGrpSpPr>
-      <p:grpSpPr>
-        <a:xfrm>
-          <a:off x="0" y="0"/>
-          <a:ext cx="0" cy="0"/>
-          <a:chOff x="0" y="0"/>
-          <a:chExt cx="0" cy="0"/>
-        </a:xfrm>
-      </p:grpSpPr>
-      <p:sp>
-        <p:nvSpPr>
-          <p:cNvPr id="2" name="Title 1">
-            <a:extLst>
-              <a:ext uri="{FF2B5EF4-FFF2-40B4-BE49-F238E27FC236}">
-                <a16:creationId xmlns:a16="http://schemas.microsoft.com/office/drawing/2014/main" id="{92344086-22FE-8975-105C-22E303C16A92}"/>
-              </a:ext>
-            </a:extLst>
-          </p:cNvPr>
-          <p:cNvSpPr>
-            <a:spLocks noGrp="1"/>
-          </p:cNvSpPr>
-          <p:nvPr>
-            <p:ph type="title"/>
-          </p:nvPr>
-        </p:nvSpPr>
-        <p:spPr>
-          <a:xfrm>
-            <a:off x="686834" y="1153572"/>
-            <a:ext cx="3200400" cy="4461163"/>
-          </a:xfrm>
-        </p:spPr>
-        <p:txBody>
-          <a:bodyPr>
-            <a:normAutofit/>
-          </a:bodyPr>
-          <a:lstStyle/>
-          <a:p>
-            <a:r>
-              <a:rPr lang="en-IN">
-                <a:solidFill>
-                  <a:srgbClr val="FFFFFF"/>
-                </a:solidFill>
-              </a:rPr>
-              <a:t>Single Page Application Cons (Purely CSR)</a:t>
-            </a:r>
-          </a:p>
-        </p:txBody>
-      </p:sp>
-      <p:sp>
-        <p:nvSpPr>
-          <p:cNvPr id="29" name="Content Placeholder 2">
-            <a:extLst>
-              <a:ext uri="{FF2B5EF4-FFF2-40B4-BE49-F238E27FC236}">
-                <a16:creationId xmlns:a16="http://schemas.microsoft.com/office/drawing/2014/main" id="{8B504747-86D6-B622-356E-2E2BD157B137}"/>
-              </a:ext>
-            </a:extLst>
-          </p:cNvPr>
-          <p:cNvSpPr>
-            <a:spLocks noGrp="1"/>
-          </p:cNvSpPr>
-          <p:nvPr>
-            <p:ph idx="1"/>
-          </p:nvPr>
-        </p:nvSpPr>
-        <p:spPr>
-          <a:xfrm>
-            <a:off x="4447308" y="591344"/>
-            <a:ext cx="6906491" cy="5585619"/>
-          </a:xfrm>
-        </p:spPr>
-        <p:txBody>
-          <a:bodyPr anchor="ctr">
-            <a:normAutofit/>
-          </a:bodyPr>
-          <a:lstStyle/>
-          <a:p>
-            <a:r>
-              <a:rPr lang="en-US" dirty="0"/>
-              <a:t>Doesn’t Perform Well With SEO</a:t>
-            </a:r>
-          </a:p>
-          <a:p>
-            <a:pPr lvl="1"/>
-            <a:r>
-              <a:rPr lang="en-US" dirty="0"/>
-              <a:t>One of the metrics that search engines use is the number of pages a website has. However, since SPAs only load a single page, it serves as a disadvantage when ranking on search engines</a:t>
-            </a:r>
-          </a:p>
-          <a:p>
-            <a:r>
-              <a:rPr lang="en-US" dirty="0"/>
-              <a:t>Uses a Lot of Browser Resources</a:t>
-            </a:r>
-          </a:p>
-          <a:p>
-            <a:pPr lvl="1"/>
-            <a:r>
-              <a:rPr lang="en-US" dirty="0"/>
-              <a:t>SPAs require many resources from the web browser since the browser is doing most of the tasks for the SPAs.</a:t>
-            </a:r>
-          </a:p>
-          <a:p>
-            <a:r>
-              <a:rPr lang="en-IN" dirty="0"/>
-              <a:t>Security Issues</a:t>
-            </a:r>
-          </a:p>
-          <a:p>
-            <a:pPr lvl="1"/>
-            <a:r>
-              <a:rPr lang="en-US" dirty="0"/>
-              <a:t>As compared to multi-page apps, SPAs are more prone to cross-site scripting attacks. </a:t>
-            </a:r>
-            <a:endParaRPr lang="en-IN" dirty="0"/>
-          </a:p>
-        </p:txBody>
-      </p:sp>
-    </p:spTree>
-    <p:extLst>
-      <p:ext uri="{BB962C8B-B14F-4D97-AF65-F5344CB8AC3E}">
-        <p14:creationId xmlns:p14="http://schemas.microsoft.com/office/powerpoint/2010/main" val="2662589359"/>
-      </p:ext>
-    </p:extLst>
-  </p:cSld>
-  <p:clrMapOvr>
-    <a:masterClrMapping/>
-  </p:clrMapOvr>
-</p:sld>
-</file>
-
-<file path=ppt/slides/slide79.xml><?xml version="1.0" encoding="utf-8"?>
+<file path=ppt/slides/slide74.xml><?xml version="1.0" encoding="utf-8"?>
 <p:sld xmlns:a="http://schemas.openxmlformats.org/drawingml/2006/main" xmlns:r="http://schemas.openxmlformats.org/officeDocument/2006/relationships" xmlns:p="http://schemas.openxmlformats.org/presentationml/2006/main">
   <p:cSld>
     <p:spTree>
@@ -36556,206 +32982,7 @@
 </p:sld>
 </file>
 
-<file path=ppt/slides/slide8.xml><?xml version="1.0" encoding="utf-8"?>
-<p:sld xmlns:a="http://schemas.openxmlformats.org/drawingml/2006/main" xmlns:r="http://schemas.openxmlformats.org/officeDocument/2006/relationships" xmlns:p="http://schemas.openxmlformats.org/presentationml/2006/main">
-  <p:cSld>
-    <p:spTree>
-      <p:nvGrpSpPr>
-        <p:cNvPr id="1" name=""/>
-        <p:cNvGrpSpPr/>
-        <p:nvPr/>
-      </p:nvGrpSpPr>
-      <p:grpSpPr>
-        <a:xfrm>
-          <a:off x="0" y="0"/>
-          <a:ext cx="0" cy="0"/>
-          <a:chOff x="0" y="0"/>
-          <a:chExt cx="0" cy="0"/>
-        </a:xfrm>
-      </p:grpSpPr>
-      <p:sp>
-        <p:nvSpPr>
-          <p:cNvPr id="2" name="Title 1">
-            <a:extLst>
-              <a:ext uri="{FF2B5EF4-FFF2-40B4-BE49-F238E27FC236}">
-                <a16:creationId xmlns:a16="http://schemas.microsoft.com/office/drawing/2014/main" id="{D691312D-2B96-0CEB-16FE-CDA97C1FCA31}"/>
-              </a:ext>
-            </a:extLst>
-          </p:cNvPr>
-          <p:cNvSpPr>
-            <a:spLocks noGrp="1"/>
-          </p:cNvSpPr>
-          <p:nvPr>
-            <p:ph type="title"/>
-          </p:nvPr>
-        </p:nvSpPr>
-        <p:spPr/>
-        <p:txBody>
-          <a:bodyPr/>
-          <a:lstStyle/>
-          <a:p>
-            <a:r>
-              <a:rPr lang="en-US" dirty="0"/>
-              <a:t>Local Installation – New Project</a:t>
-            </a:r>
-            <a:endParaRPr lang="en-IN" dirty="0"/>
-          </a:p>
-        </p:txBody>
-      </p:sp>
-      <p:sp>
-        <p:nvSpPr>
-          <p:cNvPr id="3" name="Content Placeholder 2">
-            <a:extLst>
-              <a:ext uri="{FF2B5EF4-FFF2-40B4-BE49-F238E27FC236}">
-                <a16:creationId xmlns:a16="http://schemas.microsoft.com/office/drawing/2014/main" id="{A455D418-8F09-558C-3DB0-02F0B86EBC3D}"/>
-              </a:ext>
-            </a:extLst>
-          </p:cNvPr>
-          <p:cNvSpPr>
-            <a:spLocks noGrp="1"/>
-          </p:cNvSpPr>
-          <p:nvPr>
-            <p:ph idx="1"/>
-          </p:nvPr>
-        </p:nvSpPr>
-        <p:spPr/>
-        <p:txBody>
-          <a:bodyPr/>
-          <a:lstStyle/>
-          <a:p>
-            <a:pPr marL="514350" indent="-514350">
-              <a:buFont typeface="+mj-lt"/>
-              <a:buAutoNum type="arabicPeriod"/>
-            </a:pPr>
-            <a:r>
-              <a:rPr lang="en-US" dirty="0"/>
-              <a:t>Create a new folder</a:t>
-            </a:r>
-          </a:p>
-          <a:p>
-            <a:pPr marL="514350" indent="-514350">
-              <a:buFont typeface="+mj-lt"/>
-              <a:buAutoNum type="arabicPeriod"/>
-            </a:pPr>
-            <a:r>
-              <a:rPr lang="en-US" dirty="0"/>
-              <a:t>Open the folder path in terminal window</a:t>
-            </a:r>
-          </a:p>
-          <a:p>
-            <a:pPr marL="514350" indent="-514350">
-              <a:buFont typeface="+mj-lt"/>
-              <a:buAutoNum type="arabicPeriod"/>
-            </a:pPr>
-            <a:r>
-              <a:rPr lang="en-US" dirty="0" err="1"/>
-              <a:t>npm</a:t>
-            </a:r>
-            <a:r>
-              <a:rPr lang="en-US" dirty="0"/>
-              <a:t> </a:t>
-            </a:r>
-            <a:r>
-              <a:rPr lang="en-US" dirty="0" err="1"/>
-              <a:t>init</a:t>
-            </a:r>
-            <a:r>
-              <a:rPr lang="en-US" dirty="0"/>
-              <a:t> -y</a:t>
-            </a:r>
-          </a:p>
-          <a:p>
-            <a:pPr marL="514350" indent="-514350">
-              <a:buFont typeface="+mj-lt"/>
-              <a:buAutoNum type="arabicPeriod"/>
-            </a:pPr>
-            <a:r>
-              <a:rPr lang="en-IN" dirty="0"/>
-              <a:t>Change the </a:t>
-            </a:r>
-            <a:r>
-              <a:rPr lang="en-IN" dirty="0" err="1"/>
-              <a:t>package.json</a:t>
-            </a:r>
-            <a:r>
-              <a:rPr lang="en-IN" dirty="0"/>
-              <a:t> file as required &amp; add the compile script</a:t>
-            </a:r>
-          </a:p>
-          <a:p>
-            <a:pPr marL="514350" indent="-514350">
-              <a:buFont typeface="+mj-lt"/>
-              <a:buAutoNum type="arabicPeriod"/>
-            </a:pPr>
-            <a:r>
-              <a:rPr lang="en-IN" dirty="0" err="1"/>
-              <a:t>npm</a:t>
-            </a:r>
-            <a:r>
-              <a:rPr lang="en-IN" dirty="0"/>
-              <a:t> </a:t>
-            </a:r>
-            <a:r>
-              <a:rPr lang="en-IN" dirty="0" err="1"/>
-              <a:t>i</a:t>
-            </a:r>
-            <a:r>
-              <a:rPr lang="en-IN" dirty="0"/>
-              <a:t> -D </a:t>
-            </a:r>
-            <a:r>
-              <a:rPr lang="en-IN" dirty="0">
-                <a:hlinkClick r:id="rId2"/>
-              </a:rPr>
-              <a:t>typescript@4.8.4</a:t>
-            </a:r>
-            <a:endParaRPr lang="en-IN" dirty="0"/>
-          </a:p>
-          <a:p>
-            <a:pPr marL="514350" indent="-514350">
-              <a:buFont typeface="+mj-lt"/>
-              <a:buAutoNum type="arabicPeriod"/>
-            </a:pPr>
-            <a:r>
-              <a:rPr lang="en-US" dirty="0"/>
-              <a:t>Check the TypeScript Compiler version installed</a:t>
-            </a:r>
-          </a:p>
-          <a:p>
-            <a:pPr lvl="1"/>
-            <a:r>
-              <a:rPr lang="en-IN" dirty="0" err="1"/>
-              <a:t>npx</a:t>
-            </a:r>
-            <a:r>
-              <a:rPr lang="en-IN" dirty="0"/>
-              <a:t> </a:t>
-            </a:r>
-            <a:r>
-              <a:rPr lang="en-IN" dirty="0" err="1"/>
-              <a:t>tsc</a:t>
-            </a:r>
-            <a:r>
-              <a:rPr lang="en-IN" dirty="0"/>
-              <a:t> -v</a:t>
-            </a:r>
-          </a:p>
-        </p:txBody>
-      </p:sp>
-    </p:spTree>
-    <p:extLst>
-      <p:ext uri="{BB962C8B-B14F-4D97-AF65-F5344CB8AC3E}">
-        <p14:creationId xmlns:p14="http://schemas.microsoft.com/office/powerpoint/2010/main" val="1362508813"/>
-      </p:ext>
-    </p:extLst>
-  </p:cSld>
-  <p:clrMapOvr>
-    <a:masterClrMapping/>
-  </p:clrMapOvr>
-</p:sld>
-</file>
-
-<file path=ppt/slides/slide80.xml><?xml version="1.0" encoding="utf-8"?>
+<file path=ppt/slides/slide75.xml><?xml version="1.0" encoding="utf-8"?>
 <p:sld xmlns:a="http://schemas.openxmlformats.org/drawingml/2006/main" xmlns:r="http://schemas.openxmlformats.org/officeDocument/2006/relationships" xmlns:p="http://schemas.openxmlformats.org/presentationml/2006/main">
   <p:cSld>
     <p:spTree>
@@ -36832,7 +33059,7 @@
 </p:sld>
 </file>
 
-<file path=ppt/slides/slide81.xml><?xml version="1.0" encoding="utf-8"?>
+<file path=ppt/slides/slide76.xml><?xml version="1.0" encoding="utf-8"?>
 <p:sld xmlns:a="http://schemas.openxmlformats.org/drawingml/2006/main" xmlns:r="http://schemas.openxmlformats.org/officeDocument/2006/relationships" xmlns:p="http://schemas.openxmlformats.org/presentationml/2006/main">
   <p:cSld>
     <p:spTree>
@@ -36907,7 +33134,7 @@
 </p:sld>
 </file>
 
-<file path=ppt/slides/slide82.xml><?xml version="1.0" encoding="utf-8"?>
+<file path=ppt/slides/slide77.xml><?xml version="1.0" encoding="utf-8"?>
 <p:sld xmlns:a="http://schemas.openxmlformats.org/drawingml/2006/main" xmlns:r="http://schemas.openxmlformats.org/officeDocument/2006/relationships" xmlns:p="http://schemas.openxmlformats.org/presentationml/2006/main">
   <p:cSld>
     <p:bg>
@@ -37395,7 +33622,7 @@
 </p:sld>
 </file>
 
-<file path=ppt/slides/slide83.xml><?xml version="1.0" encoding="utf-8"?>
+<file path=ppt/slides/slide78.xml><?xml version="1.0" encoding="utf-8"?>
 <p:sld xmlns:a="http://schemas.openxmlformats.org/drawingml/2006/main" xmlns:r="http://schemas.openxmlformats.org/officeDocument/2006/relationships" xmlns:p="http://schemas.openxmlformats.org/presentationml/2006/main">
   <p:cSld>
     <p:spTree>
@@ -39643,7 +35870,7 @@
 </p:sld>
 </file>
 
-<file path=ppt/slides/slide84.xml><?xml version="1.0" encoding="utf-8"?>
+<file path=ppt/slides/slide79.xml><?xml version="1.0" encoding="utf-8"?>
 <p:sld xmlns:a="http://schemas.openxmlformats.org/drawingml/2006/main" xmlns:r="http://schemas.openxmlformats.org/officeDocument/2006/relationships" xmlns:p="http://schemas.openxmlformats.org/presentationml/2006/main">
   <p:cSld>
     <p:spTree>
@@ -39853,7 +36080,206 @@
 </p:sld>
 </file>
 
-<file path=ppt/slides/slide85.xml><?xml version="1.0" encoding="utf-8"?>
+<file path=ppt/slides/slide8.xml><?xml version="1.0" encoding="utf-8"?>
+<p:sld xmlns:a="http://schemas.openxmlformats.org/drawingml/2006/main" xmlns:r="http://schemas.openxmlformats.org/officeDocument/2006/relationships" xmlns:p="http://schemas.openxmlformats.org/presentationml/2006/main">
+  <p:cSld>
+    <p:spTree>
+      <p:nvGrpSpPr>
+        <p:cNvPr id="1" name=""/>
+        <p:cNvGrpSpPr/>
+        <p:nvPr/>
+      </p:nvGrpSpPr>
+      <p:grpSpPr>
+        <a:xfrm>
+          <a:off x="0" y="0"/>
+          <a:ext cx="0" cy="0"/>
+          <a:chOff x="0" y="0"/>
+          <a:chExt cx="0" cy="0"/>
+        </a:xfrm>
+      </p:grpSpPr>
+      <p:sp>
+        <p:nvSpPr>
+          <p:cNvPr id="2" name="Title 1">
+            <a:extLst>
+              <a:ext uri="{FF2B5EF4-FFF2-40B4-BE49-F238E27FC236}">
+                <a16:creationId xmlns:a16="http://schemas.microsoft.com/office/drawing/2014/main" id="{D691312D-2B96-0CEB-16FE-CDA97C1FCA31}"/>
+              </a:ext>
+            </a:extLst>
+          </p:cNvPr>
+          <p:cNvSpPr>
+            <a:spLocks noGrp="1"/>
+          </p:cNvSpPr>
+          <p:nvPr>
+            <p:ph type="title"/>
+          </p:nvPr>
+        </p:nvSpPr>
+        <p:spPr/>
+        <p:txBody>
+          <a:bodyPr/>
+          <a:lstStyle/>
+          <a:p>
+            <a:r>
+              <a:rPr lang="en-US" dirty="0"/>
+              <a:t>Local Installation – New Project</a:t>
+            </a:r>
+            <a:endParaRPr lang="en-IN" dirty="0"/>
+          </a:p>
+        </p:txBody>
+      </p:sp>
+      <p:sp>
+        <p:nvSpPr>
+          <p:cNvPr id="3" name="Content Placeholder 2">
+            <a:extLst>
+              <a:ext uri="{FF2B5EF4-FFF2-40B4-BE49-F238E27FC236}">
+                <a16:creationId xmlns:a16="http://schemas.microsoft.com/office/drawing/2014/main" id="{A455D418-8F09-558C-3DB0-02F0B86EBC3D}"/>
+              </a:ext>
+            </a:extLst>
+          </p:cNvPr>
+          <p:cNvSpPr>
+            <a:spLocks noGrp="1"/>
+          </p:cNvSpPr>
+          <p:nvPr>
+            <p:ph idx="1"/>
+          </p:nvPr>
+        </p:nvSpPr>
+        <p:spPr/>
+        <p:txBody>
+          <a:bodyPr/>
+          <a:lstStyle/>
+          <a:p>
+            <a:pPr marL="514350" indent="-514350">
+              <a:buFont typeface="+mj-lt"/>
+              <a:buAutoNum type="arabicPeriod"/>
+            </a:pPr>
+            <a:r>
+              <a:rPr lang="en-US" dirty="0"/>
+              <a:t>Create a new folder</a:t>
+            </a:r>
+          </a:p>
+          <a:p>
+            <a:pPr marL="514350" indent="-514350">
+              <a:buFont typeface="+mj-lt"/>
+              <a:buAutoNum type="arabicPeriod"/>
+            </a:pPr>
+            <a:r>
+              <a:rPr lang="en-US" dirty="0"/>
+              <a:t>Open the folder path in terminal window</a:t>
+            </a:r>
+          </a:p>
+          <a:p>
+            <a:pPr marL="514350" indent="-514350">
+              <a:buFont typeface="+mj-lt"/>
+              <a:buAutoNum type="arabicPeriod"/>
+            </a:pPr>
+            <a:r>
+              <a:rPr lang="en-US" dirty="0" err="1"/>
+              <a:t>npm</a:t>
+            </a:r>
+            <a:r>
+              <a:rPr lang="en-US" dirty="0"/>
+              <a:t> </a:t>
+            </a:r>
+            <a:r>
+              <a:rPr lang="en-US" dirty="0" err="1"/>
+              <a:t>init</a:t>
+            </a:r>
+            <a:r>
+              <a:rPr lang="en-US" dirty="0"/>
+              <a:t> -y</a:t>
+            </a:r>
+          </a:p>
+          <a:p>
+            <a:pPr marL="514350" indent="-514350">
+              <a:buFont typeface="+mj-lt"/>
+              <a:buAutoNum type="arabicPeriod"/>
+            </a:pPr>
+            <a:r>
+              <a:rPr lang="en-IN" dirty="0"/>
+              <a:t>Change the </a:t>
+            </a:r>
+            <a:r>
+              <a:rPr lang="en-IN" dirty="0" err="1"/>
+              <a:t>package.json</a:t>
+            </a:r>
+            <a:r>
+              <a:rPr lang="en-IN" dirty="0"/>
+              <a:t> file as required &amp; add the compile script</a:t>
+            </a:r>
+          </a:p>
+          <a:p>
+            <a:pPr marL="514350" indent="-514350">
+              <a:buFont typeface="+mj-lt"/>
+              <a:buAutoNum type="arabicPeriod"/>
+            </a:pPr>
+            <a:r>
+              <a:rPr lang="en-IN" dirty="0" err="1"/>
+              <a:t>npm</a:t>
+            </a:r>
+            <a:r>
+              <a:rPr lang="en-IN" dirty="0"/>
+              <a:t> </a:t>
+            </a:r>
+            <a:r>
+              <a:rPr lang="en-IN" dirty="0" err="1"/>
+              <a:t>i</a:t>
+            </a:r>
+            <a:r>
+              <a:rPr lang="en-IN" dirty="0"/>
+              <a:t> -D </a:t>
+            </a:r>
+            <a:r>
+              <a:rPr lang="en-IN" dirty="0">
+                <a:hlinkClick r:id="rId2"/>
+              </a:rPr>
+              <a:t>typescript@4.8.4</a:t>
+            </a:r>
+            <a:endParaRPr lang="en-IN" dirty="0"/>
+          </a:p>
+          <a:p>
+            <a:pPr marL="514350" indent="-514350">
+              <a:buFont typeface="+mj-lt"/>
+              <a:buAutoNum type="arabicPeriod"/>
+            </a:pPr>
+            <a:r>
+              <a:rPr lang="en-US" dirty="0"/>
+              <a:t>Check the TypeScript Compiler version installed</a:t>
+            </a:r>
+          </a:p>
+          <a:p>
+            <a:pPr lvl="1"/>
+            <a:r>
+              <a:rPr lang="en-IN" dirty="0" err="1"/>
+              <a:t>npx</a:t>
+            </a:r>
+            <a:r>
+              <a:rPr lang="en-IN" dirty="0"/>
+              <a:t> </a:t>
+            </a:r>
+            <a:r>
+              <a:rPr lang="en-IN" dirty="0" err="1"/>
+              <a:t>tsc</a:t>
+            </a:r>
+            <a:r>
+              <a:rPr lang="en-IN" dirty="0"/>
+              <a:t> -v</a:t>
+            </a:r>
+          </a:p>
+        </p:txBody>
+      </p:sp>
+    </p:spTree>
+    <p:extLst>
+      <p:ext uri="{BB962C8B-B14F-4D97-AF65-F5344CB8AC3E}">
+        <p14:creationId xmlns:p14="http://schemas.microsoft.com/office/powerpoint/2010/main" val="1362508813"/>
+      </p:ext>
+    </p:extLst>
+  </p:cSld>
+  <p:clrMapOvr>
+    <a:masterClrMapping/>
+  </p:clrMapOvr>
+</p:sld>
+</file>
+
+<file path=ppt/slides/slide80.xml><?xml version="1.0" encoding="utf-8"?>
 <p:sld xmlns:a="http://schemas.openxmlformats.org/drawingml/2006/main" xmlns:r="http://schemas.openxmlformats.org/officeDocument/2006/relationships" xmlns:p="http://schemas.openxmlformats.org/presentationml/2006/main">
   <p:cSld>
     <p:spTree>
@@ -41085,7 +37511,7 @@
 </p:sld>
 </file>
 
-<file path=ppt/slides/slide86.xml><?xml version="1.0" encoding="utf-8"?>
+<file path=ppt/slides/slide81.xml><?xml version="1.0" encoding="utf-8"?>
 <p:sld xmlns:a="http://schemas.openxmlformats.org/drawingml/2006/main" xmlns:r="http://schemas.openxmlformats.org/officeDocument/2006/relationships" xmlns:p="http://schemas.openxmlformats.org/presentationml/2006/main">
   <p:cSld>
     <p:spTree>
@@ -41244,7 +37670,7 @@
 </p:sld>
 </file>
 
-<file path=ppt/slides/slide87.xml><?xml version="1.0" encoding="utf-8"?>
+<file path=ppt/slides/slide82.xml><?xml version="1.0" encoding="utf-8"?>
 <p:sld xmlns:a="http://schemas.openxmlformats.org/drawingml/2006/main" xmlns:r="http://schemas.openxmlformats.org/officeDocument/2006/relationships" xmlns:p="http://schemas.openxmlformats.org/presentationml/2006/main">
   <p:cSld>
     <p:bg>

--- a/Ng-Byte.pptx
+++ b/Ng-Byte.pptx
@@ -5,7 +5,7 @@
     <p:sldMasterId id="2147483648" r:id="rId1"/>
   </p:sldMasterIdLst>
   <p:notesMasterIdLst>
-    <p:notesMasterId r:id="rId84"/>
+    <p:notesMasterId r:id="rId90"/>
   </p:notesMasterIdLst>
   <p:sldIdLst>
     <p:sldId id="257" r:id="rId2"/>
@@ -89,7 +89,13 @@
     <p:sldId id="308" r:id="rId80"/>
     <p:sldId id="459" r:id="rId81"/>
     <p:sldId id="364" r:id="rId82"/>
-    <p:sldId id="301" r:id="rId83"/>
+    <p:sldId id="539" r:id="rId83"/>
+    <p:sldId id="379" r:id="rId84"/>
+    <p:sldId id="540" r:id="rId85"/>
+    <p:sldId id="378" r:id="rId86"/>
+    <p:sldId id="282" r:id="rId87"/>
+    <p:sldId id="460" r:id="rId88"/>
+    <p:sldId id="301" r:id="rId89"/>
   </p:sldIdLst>
   <p:sldSz cx="12192000" cy="6858000"/>
   <p:notesSz cx="6858000" cy="9144000"/>
@@ -8617,7 +8623,7 @@
           <a:p>
             <a:fld id="{71294FA1-AFAA-4215-99D0-544C2090ADBF}" type="datetimeFigureOut">
               <a:rPr lang="en-IN" smtClean="0"/>
-              <a:t>26-07-2023</a:t>
+              <a:t>27-07-2023</a:t>
             </a:fld>
             <a:endParaRPr lang="en-IN"/>
           </a:p>
@@ -9394,7 +9400,7 @@
           <a:p>
             <a:fld id="{AC383B1E-3E1F-4FB8-B611-6F0F06E0FE57}" type="datetimeFigureOut">
               <a:rPr lang="en-US" smtClean="0"/>
-              <a:t>7/26/2023</a:t>
+              <a:t>7/27/2023</a:t>
             </a:fld>
             <a:endParaRPr lang="en-US"/>
           </a:p>
@@ -9592,7 +9598,7 @@
           <a:p>
             <a:fld id="{AC383B1E-3E1F-4FB8-B611-6F0F06E0FE57}" type="datetimeFigureOut">
               <a:rPr lang="en-US" smtClean="0"/>
-              <a:t>7/26/2023</a:t>
+              <a:t>7/27/2023</a:t>
             </a:fld>
             <a:endParaRPr lang="en-US"/>
           </a:p>
@@ -9800,7 +9806,7 @@
           <a:p>
             <a:fld id="{AC383B1E-3E1F-4FB8-B611-6F0F06E0FE57}" type="datetimeFigureOut">
               <a:rPr lang="en-US" smtClean="0"/>
-              <a:t>7/26/2023</a:t>
+              <a:t>7/27/2023</a:t>
             </a:fld>
             <a:endParaRPr lang="en-US"/>
           </a:p>
@@ -9998,7 +10004,7 @@
           <a:p>
             <a:fld id="{AC383B1E-3E1F-4FB8-B611-6F0F06E0FE57}" type="datetimeFigureOut">
               <a:rPr lang="en-US" smtClean="0"/>
-              <a:t>7/26/2023</a:t>
+              <a:t>7/27/2023</a:t>
             </a:fld>
             <a:endParaRPr lang="en-US"/>
           </a:p>
@@ -10273,7 +10279,7 @@
           <a:p>
             <a:fld id="{AC383B1E-3E1F-4FB8-B611-6F0F06E0FE57}" type="datetimeFigureOut">
               <a:rPr lang="en-US" smtClean="0"/>
-              <a:t>7/26/2023</a:t>
+              <a:t>7/27/2023</a:t>
             </a:fld>
             <a:endParaRPr lang="en-US"/>
           </a:p>
@@ -10538,7 +10544,7 @@
           <a:p>
             <a:fld id="{AC383B1E-3E1F-4FB8-B611-6F0F06E0FE57}" type="datetimeFigureOut">
               <a:rPr lang="en-US" smtClean="0"/>
-              <a:t>7/26/2023</a:t>
+              <a:t>7/27/2023</a:t>
             </a:fld>
             <a:endParaRPr lang="en-US"/>
           </a:p>
@@ -10950,7 +10956,7 @@
           <a:p>
             <a:fld id="{AC383B1E-3E1F-4FB8-B611-6F0F06E0FE57}" type="datetimeFigureOut">
               <a:rPr lang="en-US" smtClean="0"/>
-              <a:t>7/26/2023</a:t>
+              <a:t>7/27/2023</a:t>
             </a:fld>
             <a:endParaRPr lang="en-US"/>
           </a:p>
@@ -11091,7 +11097,7 @@
           <a:p>
             <a:fld id="{AC383B1E-3E1F-4FB8-B611-6F0F06E0FE57}" type="datetimeFigureOut">
               <a:rPr lang="en-US" smtClean="0"/>
-              <a:t>7/26/2023</a:t>
+              <a:t>7/27/2023</a:t>
             </a:fld>
             <a:endParaRPr lang="en-US"/>
           </a:p>
@@ -11204,7 +11210,7 @@
           <a:p>
             <a:fld id="{AC383B1E-3E1F-4FB8-B611-6F0F06E0FE57}" type="datetimeFigureOut">
               <a:rPr lang="en-US" smtClean="0"/>
-              <a:t>7/26/2023</a:t>
+              <a:t>7/27/2023</a:t>
             </a:fld>
             <a:endParaRPr lang="en-US"/>
           </a:p>
@@ -11515,7 +11521,7 @@
           <a:p>
             <a:fld id="{AC383B1E-3E1F-4FB8-B611-6F0F06E0FE57}" type="datetimeFigureOut">
               <a:rPr lang="en-US" smtClean="0"/>
-              <a:t>7/26/2023</a:t>
+              <a:t>7/27/2023</a:t>
             </a:fld>
             <a:endParaRPr lang="en-US"/>
           </a:p>
@@ -11803,7 +11809,7 @@
           <a:p>
             <a:fld id="{AC383B1E-3E1F-4FB8-B611-6F0F06E0FE57}" type="datetimeFigureOut">
               <a:rPr lang="en-US" smtClean="0"/>
-              <a:t>7/26/2023</a:t>
+              <a:t>7/27/2023</a:t>
             </a:fld>
             <a:endParaRPr lang="en-US"/>
           </a:p>
@@ -12044,7 +12050,7 @@
           <a:p>
             <a:fld id="{AC383B1E-3E1F-4FB8-B611-6F0F06E0FE57}" type="datetimeFigureOut">
               <a:rPr lang="en-US" smtClean="0"/>
-              <a:t>7/26/2023</a:t>
+              <a:t>7/27/2023</a:t>
             </a:fld>
             <a:endParaRPr lang="en-US"/>
           </a:p>
@@ -37673,6 +37679,1686 @@
 <file path=ppt/slides/slide82.xml><?xml version="1.0" encoding="utf-8"?>
 <p:sld xmlns:a="http://schemas.openxmlformats.org/drawingml/2006/main" xmlns:r="http://schemas.openxmlformats.org/officeDocument/2006/relationships" xmlns:p="http://schemas.openxmlformats.org/presentationml/2006/main">
   <p:cSld>
+    <p:spTree>
+      <p:nvGrpSpPr>
+        <p:cNvPr id="1" name=""/>
+        <p:cNvGrpSpPr/>
+        <p:nvPr/>
+      </p:nvGrpSpPr>
+      <p:grpSpPr>
+        <a:xfrm>
+          <a:off x="0" y="0"/>
+          <a:ext cx="0" cy="0"/>
+          <a:chOff x="0" y="0"/>
+          <a:chExt cx="0" cy="0"/>
+        </a:xfrm>
+      </p:grpSpPr>
+      <p:sp>
+        <p:nvSpPr>
+          <p:cNvPr id="2" name="Title 1">
+            <a:extLst>
+              <a:ext uri="{FF2B5EF4-FFF2-40B4-BE49-F238E27FC236}">
+                <a16:creationId xmlns:a16="http://schemas.microsoft.com/office/drawing/2014/main" id="{3E111E2F-B291-418C-841E-35D10A7537E1}"/>
+              </a:ext>
+            </a:extLst>
+          </p:cNvPr>
+          <p:cNvSpPr>
+            <a:spLocks noGrp="1"/>
+          </p:cNvSpPr>
+          <p:nvPr>
+            <p:ph type="title"/>
+          </p:nvPr>
+        </p:nvSpPr>
+        <p:spPr>
+          <a:xfrm>
+            <a:off x="645065" y="1097280"/>
+            <a:ext cx="3796306" cy="4666207"/>
+          </a:xfrm>
+        </p:spPr>
+        <p:txBody>
+          <a:bodyPr anchor="ctr">
+            <a:normAutofit/>
+          </a:bodyPr>
+          <a:lstStyle/>
+          <a:p>
+            <a:r>
+              <a:rPr lang="en-IN" sz="4800"/>
+              <a:t>Angular CLI (Commands)</a:t>
+            </a:r>
+          </a:p>
+        </p:txBody>
+      </p:sp>
+      <p:graphicFrame>
+        <p:nvGraphicFramePr>
+          <p:cNvPr id="7" name="Content Placeholder 6">
+            <a:extLst>
+              <a:ext uri="{FF2B5EF4-FFF2-40B4-BE49-F238E27FC236}">
+                <a16:creationId xmlns:a16="http://schemas.microsoft.com/office/drawing/2014/main" id="{3BD316A2-0619-463A-98AF-99E90FD451FD}"/>
+              </a:ext>
+            </a:extLst>
+          </p:cNvPr>
+          <p:cNvGraphicFramePr>
+            <a:graphicFrameLocks noGrp="1"/>
+          </p:cNvGraphicFramePr>
+          <p:nvPr>
+            <p:ph idx="1"/>
+          </p:nvPr>
+        </p:nvGraphicFramePr>
+        <p:xfrm>
+          <a:off x="5460411" y="354487"/>
+          <a:ext cx="5918185" cy="6149025"/>
+        </p:xfrm>
+        <a:graphic>
+          <a:graphicData uri="http://schemas.openxmlformats.org/drawingml/2006/table">
+            <a:tbl>
+              <a:tblPr>
+                <a:tableStyleId>{2D5ABB26-0587-4C30-8999-92F81FD0307C}</a:tableStyleId>
+              </a:tblPr>
+              <a:tblGrid>
+                <a:gridCol w="3113245">
+                  <a:extLst>
+                    <a:ext uri="{9D8B030D-6E8A-4147-A177-3AD203B41FA5}">
+                      <a16:colId xmlns:a16="http://schemas.microsoft.com/office/drawing/2014/main" val="3267156907"/>
+                    </a:ext>
+                  </a:extLst>
+                </a:gridCol>
+                <a:gridCol w="2804940">
+                  <a:extLst>
+                    <a:ext uri="{9D8B030D-6E8A-4147-A177-3AD203B41FA5}">
+                      <a16:colId xmlns:a16="http://schemas.microsoft.com/office/drawing/2014/main" val="4036792527"/>
+                    </a:ext>
+                  </a:extLst>
+                </a:gridCol>
+              </a:tblGrid>
+              <a:tr h="683225">
+                <a:tc>
+                  <a:txBody>
+                    <a:bodyPr/>
+                    <a:lstStyle/>
+                    <a:p>
+                      <a:pPr algn="l" fontAlgn="ctr">
+                        <a:spcBef>
+                          <a:spcPts val="0"/>
+                        </a:spcBef>
+                        <a:spcAft>
+                          <a:spcPts val="0"/>
+                        </a:spcAft>
+                      </a:pPr>
+                      <a:r>
+                        <a:rPr lang="en-IN" sz="2800" b="0" u="none" strike="noStrike">
+                          <a:solidFill>
+                            <a:srgbClr val="000000"/>
+                          </a:solidFill>
+                          <a:effectLst/>
+                        </a:rPr>
+                        <a:t>ng add</a:t>
+                      </a:r>
+                      <a:endParaRPr lang="en-IN" sz="2800" b="0" i="0" u="none" strike="noStrike">
+                        <a:effectLst/>
+                        <a:latin typeface="Arial" panose="020B0604020202020204" pitchFamily="34" charset="0"/>
+                      </a:endParaRPr>
+                    </a:p>
+                  </a:txBody>
+                  <a:tcPr marL="14226" marR="14226" marT="14226" marB="0" anchor="ctr"/>
+                </a:tc>
+                <a:tc>
+                  <a:txBody>
+                    <a:bodyPr/>
+                    <a:lstStyle/>
+                    <a:p>
+                      <a:pPr algn="l" fontAlgn="ctr">
+                        <a:spcBef>
+                          <a:spcPts val="0"/>
+                        </a:spcBef>
+                        <a:spcAft>
+                          <a:spcPts val="0"/>
+                        </a:spcAft>
+                      </a:pPr>
+                      <a:r>
+                        <a:rPr lang="en-IN" sz="2800" b="1" u="none" strike="noStrike" dirty="0">
+                          <a:solidFill>
+                            <a:srgbClr val="000000"/>
+                          </a:solidFill>
+                          <a:effectLst/>
+                        </a:rPr>
+                        <a:t>ng help</a:t>
+                      </a:r>
+                      <a:endParaRPr lang="en-IN" sz="2800" b="1" i="0" u="none" strike="noStrike" dirty="0">
+                        <a:effectLst/>
+                        <a:latin typeface="Arial" panose="020B0604020202020204" pitchFamily="34" charset="0"/>
+                      </a:endParaRPr>
+                    </a:p>
+                  </a:txBody>
+                  <a:tcPr marL="14226" marR="14226" marT="14226" marB="0" anchor="ctr"/>
+                </a:tc>
+                <a:extLst>
+                  <a:ext uri="{0D108BD9-81ED-4DB2-BD59-A6C34878D82A}">
+                    <a16:rowId xmlns:a16="http://schemas.microsoft.com/office/drawing/2014/main" val="2179050513"/>
+                  </a:ext>
+                </a:extLst>
+              </a:tr>
+              <a:tr h="683225">
+                <a:tc>
+                  <a:txBody>
+                    <a:bodyPr/>
+                    <a:lstStyle/>
+                    <a:p>
+                      <a:pPr algn="l" fontAlgn="ctr">
+                        <a:spcBef>
+                          <a:spcPts val="0"/>
+                        </a:spcBef>
+                        <a:spcAft>
+                          <a:spcPts val="0"/>
+                        </a:spcAft>
+                      </a:pPr>
+                      <a:r>
+                        <a:rPr lang="en-IN" sz="2800" b="0" u="none" strike="noStrike">
+                          <a:solidFill>
+                            <a:srgbClr val="000000"/>
+                          </a:solidFill>
+                          <a:effectLst/>
+                        </a:rPr>
+                        <a:t>ng analytics</a:t>
+                      </a:r>
+                      <a:endParaRPr lang="en-IN" sz="2800" b="0" i="0" u="none" strike="noStrike">
+                        <a:effectLst/>
+                        <a:latin typeface="Arial" panose="020B0604020202020204" pitchFamily="34" charset="0"/>
+                      </a:endParaRPr>
+                    </a:p>
+                  </a:txBody>
+                  <a:tcPr marL="14226" marR="14226" marT="14226" marB="0" anchor="ctr"/>
+                </a:tc>
+                <a:tc>
+                  <a:txBody>
+                    <a:bodyPr/>
+                    <a:lstStyle/>
+                    <a:p>
+                      <a:pPr algn="l" fontAlgn="ctr">
+                        <a:spcBef>
+                          <a:spcPts val="0"/>
+                        </a:spcBef>
+                        <a:spcAft>
+                          <a:spcPts val="0"/>
+                        </a:spcAft>
+                      </a:pPr>
+                      <a:r>
+                        <a:rPr lang="en-IN" sz="2800" b="0" u="none" strike="noStrike">
+                          <a:solidFill>
+                            <a:srgbClr val="000000"/>
+                          </a:solidFill>
+                          <a:effectLst/>
+                        </a:rPr>
+                        <a:t>ng lint</a:t>
+                      </a:r>
+                      <a:endParaRPr lang="en-IN" sz="2800" b="0" i="0" u="none" strike="noStrike">
+                        <a:effectLst/>
+                        <a:latin typeface="Arial" panose="020B0604020202020204" pitchFamily="34" charset="0"/>
+                      </a:endParaRPr>
+                    </a:p>
+                  </a:txBody>
+                  <a:tcPr marL="14226" marR="14226" marT="14226" marB="0" anchor="ctr"/>
+                </a:tc>
+                <a:extLst>
+                  <a:ext uri="{0D108BD9-81ED-4DB2-BD59-A6C34878D82A}">
+                    <a16:rowId xmlns:a16="http://schemas.microsoft.com/office/drawing/2014/main" val="2283873825"/>
+                  </a:ext>
+                </a:extLst>
+              </a:tr>
+              <a:tr h="683225">
+                <a:tc>
+                  <a:txBody>
+                    <a:bodyPr/>
+                    <a:lstStyle/>
+                    <a:p>
+                      <a:pPr algn="l" fontAlgn="ctr">
+                        <a:spcBef>
+                          <a:spcPts val="0"/>
+                        </a:spcBef>
+                        <a:spcAft>
+                          <a:spcPts val="0"/>
+                        </a:spcAft>
+                      </a:pPr>
+                      <a:r>
+                        <a:rPr lang="en-IN" sz="2800" b="0" u="none" strike="noStrike">
+                          <a:solidFill>
+                            <a:srgbClr val="000000"/>
+                          </a:solidFill>
+                          <a:effectLst/>
+                        </a:rPr>
+                        <a:t>ng build</a:t>
+                      </a:r>
+                      <a:endParaRPr lang="en-IN" sz="2800" b="0" i="0" u="none" strike="noStrike">
+                        <a:effectLst/>
+                        <a:latin typeface="Arial" panose="020B0604020202020204" pitchFamily="34" charset="0"/>
+                      </a:endParaRPr>
+                    </a:p>
+                  </a:txBody>
+                  <a:tcPr marL="14226" marR="14226" marT="14226" marB="0" anchor="ctr"/>
+                </a:tc>
+                <a:tc>
+                  <a:txBody>
+                    <a:bodyPr/>
+                    <a:lstStyle/>
+                    <a:p>
+                      <a:pPr algn="l" fontAlgn="ctr">
+                        <a:spcBef>
+                          <a:spcPts val="0"/>
+                        </a:spcBef>
+                        <a:spcAft>
+                          <a:spcPts val="0"/>
+                        </a:spcAft>
+                      </a:pPr>
+                      <a:r>
+                        <a:rPr lang="en-IN" sz="2800" b="0" u="none" strike="noStrike">
+                          <a:solidFill>
+                            <a:srgbClr val="000000"/>
+                          </a:solidFill>
+                          <a:effectLst/>
+                        </a:rPr>
+                        <a:t>ng new</a:t>
+                      </a:r>
+                      <a:endParaRPr lang="en-IN" sz="2800" b="0" i="0" u="none" strike="noStrike">
+                        <a:effectLst/>
+                        <a:latin typeface="Arial" panose="020B0604020202020204" pitchFamily="34" charset="0"/>
+                      </a:endParaRPr>
+                    </a:p>
+                  </a:txBody>
+                  <a:tcPr marL="14226" marR="14226" marT="14226" marB="0" anchor="ctr"/>
+                </a:tc>
+                <a:extLst>
+                  <a:ext uri="{0D108BD9-81ED-4DB2-BD59-A6C34878D82A}">
+                    <a16:rowId xmlns:a16="http://schemas.microsoft.com/office/drawing/2014/main" val="2072568804"/>
+                  </a:ext>
+                </a:extLst>
+              </a:tr>
+              <a:tr h="683225">
+                <a:tc>
+                  <a:txBody>
+                    <a:bodyPr/>
+                    <a:lstStyle/>
+                    <a:p>
+                      <a:pPr algn="l" fontAlgn="ctr">
+                        <a:spcBef>
+                          <a:spcPts val="0"/>
+                        </a:spcBef>
+                        <a:spcAft>
+                          <a:spcPts val="0"/>
+                        </a:spcAft>
+                      </a:pPr>
+                      <a:r>
+                        <a:rPr lang="en-IN" sz="2800" b="0" u="none" strike="noStrike">
+                          <a:solidFill>
+                            <a:srgbClr val="000000"/>
+                          </a:solidFill>
+                          <a:effectLst/>
+                        </a:rPr>
+                        <a:t>ng config</a:t>
+                      </a:r>
+                      <a:endParaRPr lang="en-IN" sz="2800" b="0" i="0" u="none" strike="noStrike">
+                        <a:effectLst/>
+                        <a:latin typeface="Arial" panose="020B0604020202020204" pitchFamily="34" charset="0"/>
+                      </a:endParaRPr>
+                    </a:p>
+                  </a:txBody>
+                  <a:tcPr marL="14226" marR="14226" marT="14226" marB="0" anchor="ctr"/>
+                </a:tc>
+                <a:tc>
+                  <a:txBody>
+                    <a:bodyPr/>
+                    <a:lstStyle/>
+                    <a:p>
+                      <a:pPr algn="l" fontAlgn="ctr">
+                        <a:spcBef>
+                          <a:spcPts val="0"/>
+                        </a:spcBef>
+                        <a:spcAft>
+                          <a:spcPts val="0"/>
+                        </a:spcAft>
+                      </a:pPr>
+                      <a:r>
+                        <a:rPr lang="en-IN" sz="2800" b="0" u="none" strike="noStrike">
+                          <a:solidFill>
+                            <a:srgbClr val="000000"/>
+                          </a:solidFill>
+                          <a:effectLst/>
+                        </a:rPr>
+                        <a:t>ng run</a:t>
+                      </a:r>
+                      <a:endParaRPr lang="en-IN" sz="2800" b="0" i="0" u="none" strike="noStrike">
+                        <a:effectLst/>
+                        <a:latin typeface="Arial" panose="020B0604020202020204" pitchFamily="34" charset="0"/>
+                      </a:endParaRPr>
+                    </a:p>
+                  </a:txBody>
+                  <a:tcPr marL="14226" marR="14226" marT="14226" marB="0" anchor="ctr"/>
+                </a:tc>
+                <a:extLst>
+                  <a:ext uri="{0D108BD9-81ED-4DB2-BD59-A6C34878D82A}">
+                    <a16:rowId xmlns:a16="http://schemas.microsoft.com/office/drawing/2014/main" val="2515149304"/>
+                  </a:ext>
+                </a:extLst>
+              </a:tr>
+              <a:tr h="683225">
+                <a:tc>
+                  <a:txBody>
+                    <a:bodyPr/>
+                    <a:lstStyle/>
+                    <a:p>
+                      <a:pPr algn="l" fontAlgn="ctr">
+                        <a:spcBef>
+                          <a:spcPts val="0"/>
+                        </a:spcBef>
+                        <a:spcAft>
+                          <a:spcPts val="0"/>
+                        </a:spcAft>
+                      </a:pPr>
+                      <a:r>
+                        <a:rPr lang="en-IN" sz="2800" b="0" u="none" strike="noStrike">
+                          <a:solidFill>
+                            <a:srgbClr val="000000"/>
+                          </a:solidFill>
+                          <a:effectLst/>
+                        </a:rPr>
+                        <a:t>ng deploy</a:t>
+                      </a:r>
+                      <a:endParaRPr lang="en-IN" sz="2800" b="0" i="0" u="none" strike="noStrike">
+                        <a:effectLst/>
+                        <a:latin typeface="Arial" panose="020B0604020202020204" pitchFamily="34" charset="0"/>
+                      </a:endParaRPr>
+                    </a:p>
+                  </a:txBody>
+                  <a:tcPr marL="14226" marR="14226" marT="14226" marB="0" anchor="ctr"/>
+                </a:tc>
+                <a:tc>
+                  <a:txBody>
+                    <a:bodyPr/>
+                    <a:lstStyle/>
+                    <a:p>
+                      <a:pPr algn="l" fontAlgn="ctr">
+                        <a:spcBef>
+                          <a:spcPts val="0"/>
+                        </a:spcBef>
+                        <a:spcAft>
+                          <a:spcPts val="0"/>
+                        </a:spcAft>
+                      </a:pPr>
+                      <a:r>
+                        <a:rPr lang="en-IN" sz="2800" b="0" u="none" strike="noStrike">
+                          <a:solidFill>
+                            <a:srgbClr val="000000"/>
+                          </a:solidFill>
+                          <a:effectLst/>
+                        </a:rPr>
+                        <a:t>ng serve</a:t>
+                      </a:r>
+                      <a:endParaRPr lang="en-IN" sz="2800" b="0" i="0" u="none" strike="noStrike">
+                        <a:effectLst/>
+                        <a:latin typeface="Arial" panose="020B0604020202020204" pitchFamily="34" charset="0"/>
+                      </a:endParaRPr>
+                    </a:p>
+                  </a:txBody>
+                  <a:tcPr marL="14226" marR="14226" marT="14226" marB="0" anchor="ctr"/>
+                </a:tc>
+                <a:extLst>
+                  <a:ext uri="{0D108BD9-81ED-4DB2-BD59-A6C34878D82A}">
+                    <a16:rowId xmlns:a16="http://schemas.microsoft.com/office/drawing/2014/main" val="3363396690"/>
+                  </a:ext>
+                </a:extLst>
+              </a:tr>
+              <a:tr h="683225">
+                <a:tc>
+                  <a:txBody>
+                    <a:bodyPr/>
+                    <a:lstStyle/>
+                    <a:p>
+                      <a:pPr algn="l" fontAlgn="ctr">
+                        <a:spcBef>
+                          <a:spcPts val="0"/>
+                        </a:spcBef>
+                        <a:spcAft>
+                          <a:spcPts val="0"/>
+                        </a:spcAft>
+                      </a:pPr>
+                      <a:r>
+                        <a:rPr lang="en-IN" sz="2800" b="0" u="none" strike="noStrike">
+                          <a:solidFill>
+                            <a:srgbClr val="000000"/>
+                          </a:solidFill>
+                          <a:effectLst/>
+                        </a:rPr>
+                        <a:t>ng doc</a:t>
+                      </a:r>
+                      <a:endParaRPr lang="en-IN" sz="2800" b="0" i="0" u="none" strike="noStrike">
+                        <a:effectLst/>
+                        <a:latin typeface="Arial" panose="020B0604020202020204" pitchFamily="34" charset="0"/>
+                      </a:endParaRPr>
+                    </a:p>
+                  </a:txBody>
+                  <a:tcPr marL="14226" marR="14226" marT="14226" marB="0" anchor="ctr"/>
+                </a:tc>
+                <a:tc>
+                  <a:txBody>
+                    <a:bodyPr/>
+                    <a:lstStyle/>
+                    <a:p>
+                      <a:pPr algn="l" fontAlgn="ctr">
+                        <a:spcBef>
+                          <a:spcPts val="0"/>
+                        </a:spcBef>
+                        <a:spcAft>
+                          <a:spcPts val="0"/>
+                        </a:spcAft>
+                      </a:pPr>
+                      <a:r>
+                        <a:rPr lang="en-IN" sz="2800" b="0" u="none" strike="noStrike">
+                          <a:solidFill>
+                            <a:srgbClr val="000000"/>
+                          </a:solidFill>
+                          <a:effectLst/>
+                        </a:rPr>
+                        <a:t>ng test</a:t>
+                      </a:r>
+                      <a:endParaRPr lang="en-IN" sz="2800" b="0" i="0" u="none" strike="noStrike">
+                        <a:effectLst/>
+                        <a:latin typeface="Arial" panose="020B0604020202020204" pitchFamily="34" charset="0"/>
+                      </a:endParaRPr>
+                    </a:p>
+                  </a:txBody>
+                  <a:tcPr marL="14226" marR="14226" marT="14226" marB="0" anchor="ctr"/>
+                </a:tc>
+                <a:extLst>
+                  <a:ext uri="{0D108BD9-81ED-4DB2-BD59-A6C34878D82A}">
+                    <a16:rowId xmlns:a16="http://schemas.microsoft.com/office/drawing/2014/main" val="442653746"/>
+                  </a:ext>
+                </a:extLst>
+              </a:tr>
+              <a:tr h="683225">
+                <a:tc>
+                  <a:txBody>
+                    <a:bodyPr/>
+                    <a:lstStyle/>
+                    <a:p>
+                      <a:pPr algn="l" fontAlgn="ctr">
+                        <a:spcBef>
+                          <a:spcPts val="0"/>
+                        </a:spcBef>
+                        <a:spcAft>
+                          <a:spcPts val="0"/>
+                        </a:spcAft>
+                      </a:pPr>
+                      <a:r>
+                        <a:rPr lang="en-IN" sz="2800" b="0" u="none" strike="noStrike">
+                          <a:solidFill>
+                            <a:srgbClr val="000000"/>
+                          </a:solidFill>
+                          <a:effectLst/>
+                        </a:rPr>
+                        <a:t>ng e2e</a:t>
+                      </a:r>
+                      <a:endParaRPr lang="en-IN" sz="2800" b="0" i="0" u="none" strike="noStrike">
+                        <a:effectLst/>
+                        <a:latin typeface="Arial" panose="020B0604020202020204" pitchFamily="34" charset="0"/>
+                      </a:endParaRPr>
+                    </a:p>
+                  </a:txBody>
+                  <a:tcPr marL="14226" marR="14226" marT="14226" marB="0" anchor="ctr"/>
+                </a:tc>
+                <a:tc>
+                  <a:txBody>
+                    <a:bodyPr/>
+                    <a:lstStyle/>
+                    <a:p>
+                      <a:pPr algn="l" fontAlgn="ctr">
+                        <a:spcBef>
+                          <a:spcPts val="0"/>
+                        </a:spcBef>
+                        <a:spcAft>
+                          <a:spcPts val="0"/>
+                        </a:spcAft>
+                      </a:pPr>
+                      <a:r>
+                        <a:rPr lang="en-IN" sz="2800" b="0" u="none" strike="noStrike">
+                          <a:solidFill>
+                            <a:srgbClr val="000000"/>
+                          </a:solidFill>
+                          <a:effectLst/>
+                        </a:rPr>
+                        <a:t>ng update</a:t>
+                      </a:r>
+                      <a:endParaRPr lang="en-IN" sz="2800" b="0" i="0" u="none" strike="noStrike">
+                        <a:effectLst/>
+                        <a:latin typeface="Arial" panose="020B0604020202020204" pitchFamily="34" charset="0"/>
+                      </a:endParaRPr>
+                    </a:p>
+                  </a:txBody>
+                  <a:tcPr marL="14226" marR="14226" marT="14226" marB="0" anchor="ctr"/>
+                </a:tc>
+                <a:extLst>
+                  <a:ext uri="{0D108BD9-81ED-4DB2-BD59-A6C34878D82A}">
+                    <a16:rowId xmlns:a16="http://schemas.microsoft.com/office/drawing/2014/main" val="361215275"/>
+                  </a:ext>
+                </a:extLst>
+              </a:tr>
+              <a:tr h="683225">
+                <a:tc>
+                  <a:txBody>
+                    <a:bodyPr/>
+                    <a:lstStyle/>
+                    <a:p>
+                      <a:pPr algn="l" fontAlgn="ctr">
+                        <a:spcBef>
+                          <a:spcPts val="0"/>
+                        </a:spcBef>
+                        <a:spcAft>
+                          <a:spcPts val="0"/>
+                        </a:spcAft>
+                      </a:pPr>
+                      <a:r>
+                        <a:rPr lang="en-IN" sz="2800" b="0" u="none" strike="noStrike">
+                          <a:solidFill>
+                            <a:srgbClr val="000000"/>
+                          </a:solidFill>
+                          <a:effectLst/>
+                        </a:rPr>
+                        <a:t>ng extract-i18n</a:t>
+                      </a:r>
+                      <a:endParaRPr lang="en-IN" sz="2800" b="0" i="0" u="none" strike="noStrike">
+                        <a:effectLst/>
+                        <a:latin typeface="Arial" panose="020B0604020202020204" pitchFamily="34" charset="0"/>
+                      </a:endParaRPr>
+                    </a:p>
+                  </a:txBody>
+                  <a:tcPr marL="14226" marR="14226" marT="14226" marB="0" anchor="ctr"/>
+                </a:tc>
+                <a:tc>
+                  <a:txBody>
+                    <a:bodyPr/>
+                    <a:lstStyle/>
+                    <a:p>
+                      <a:pPr algn="l" fontAlgn="ctr">
+                        <a:spcBef>
+                          <a:spcPts val="0"/>
+                        </a:spcBef>
+                        <a:spcAft>
+                          <a:spcPts val="0"/>
+                        </a:spcAft>
+                      </a:pPr>
+                      <a:r>
+                        <a:rPr lang="en-IN" sz="2800" b="1" u="none" strike="noStrike" dirty="0">
+                          <a:solidFill>
+                            <a:srgbClr val="000000"/>
+                          </a:solidFill>
+                          <a:effectLst/>
+                        </a:rPr>
+                        <a:t>ng version</a:t>
+                      </a:r>
+                      <a:endParaRPr lang="en-IN" sz="2800" b="1" i="0" u="none" strike="noStrike" dirty="0">
+                        <a:effectLst/>
+                        <a:latin typeface="Arial" panose="020B0604020202020204" pitchFamily="34" charset="0"/>
+                      </a:endParaRPr>
+                    </a:p>
+                  </a:txBody>
+                  <a:tcPr marL="14226" marR="14226" marT="14226" marB="0" anchor="ctr"/>
+                </a:tc>
+                <a:extLst>
+                  <a:ext uri="{0D108BD9-81ED-4DB2-BD59-A6C34878D82A}">
+                    <a16:rowId xmlns:a16="http://schemas.microsoft.com/office/drawing/2014/main" val="3594076237"/>
+                  </a:ext>
+                </a:extLst>
+              </a:tr>
+              <a:tr h="683225">
+                <a:tc>
+                  <a:txBody>
+                    <a:bodyPr/>
+                    <a:lstStyle/>
+                    <a:p>
+                      <a:pPr algn="l" fontAlgn="ctr">
+                        <a:spcBef>
+                          <a:spcPts val="0"/>
+                        </a:spcBef>
+                        <a:spcAft>
+                          <a:spcPts val="0"/>
+                        </a:spcAft>
+                      </a:pPr>
+                      <a:r>
+                        <a:rPr lang="en-IN" sz="2800" b="0" u="none" strike="noStrike">
+                          <a:solidFill>
+                            <a:srgbClr val="000000"/>
+                          </a:solidFill>
+                          <a:effectLst/>
+                        </a:rPr>
+                        <a:t>ng generate</a:t>
+                      </a:r>
+                      <a:endParaRPr lang="en-IN" sz="2800" b="0" i="0" u="none" strike="noStrike">
+                        <a:effectLst/>
+                        <a:latin typeface="Arial" panose="020B0604020202020204" pitchFamily="34" charset="0"/>
+                      </a:endParaRPr>
+                    </a:p>
+                  </a:txBody>
+                  <a:tcPr marL="14226" marR="14226" marT="14226" marB="0" anchor="ctr"/>
+                </a:tc>
+                <a:tc>
+                  <a:txBody>
+                    <a:bodyPr/>
+                    <a:lstStyle/>
+                    <a:p>
+                      <a:pPr algn="l" fontAlgn="b">
+                        <a:spcBef>
+                          <a:spcPts val="0"/>
+                        </a:spcBef>
+                        <a:spcAft>
+                          <a:spcPts val="0"/>
+                        </a:spcAft>
+                      </a:pPr>
+                      <a:endParaRPr lang="en-IN" sz="2800" b="0" i="0" u="none" strike="noStrike" dirty="0">
+                        <a:effectLst/>
+                        <a:latin typeface="Arial" panose="020B0604020202020204" pitchFamily="34" charset="0"/>
+                      </a:endParaRPr>
+                    </a:p>
+                  </a:txBody>
+                  <a:tcPr marL="14226" marR="14226" marT="14226" marB="0" anchor="b"/>
+                </a:tc>
+                <a:extLst>
+                  <a:ext uri="{0D108BD9-81ED-4DB2-BD59-A6C34878D82A}">
+                    <a16:rowId xmlns:a16="http://schemas.microsoft.com/office/drawing/2014/main" val="344538591"/>
+                  </a:ext>
+                </a:extLst>
+              </a:tr>
+            </a:tbl>
+          </a:graphicData>
+        </a:graphic>
+      </p:graphicFrame>
+    </p:spTree>
+    <p:extLst>
+      <p:ext uri="{BB962C8B-B14F-4D97-AF65-F5344CB8AC3E}">
+        <p14:creationId xmlns:p14="http://schemas.microsoft.com/office/powerpoint/2010/main" val="1828995850"/>
+      </p:ext>
+    </p:extLst>
+  </p:cSld>
+  <p:clrMapOvr>
+    <a:masterClrMapping/>
+  </p:clrMapOvr>
+</p:sld>
+</file>
+
+<file path=ppt/slides/slide83.xml><?xml version="1.0" encoding="utf-8"?>
+<p:sld xmlns:a="http://schemas.openxmlformats.org/drawingml/2006/main" xmlns:r="http://schemas.openxmlformats.org/officeDocument/2006/relationships" xmlns:p="http://schemas.openxmlformats.org/presentationml/2006/main">
+  <p:cSld>
+    <p:spTree>
+      <p:nvGrpSpPr>
+        <p:cNvPr id="1" name=""/>
+        <p:cNvGrpSpPr/>
+        <p:nvPr/>
+      </p:nvGrpSpPr>
+      <p:grpSpPr>
+        <a:xfrm>
+          <a:off x="0" y="0"/>
+          <a:ext cx="0" cy="0"/>
+          <a:chOff x="0" y="0"/>
+          <a:chExt cx="0" cy="0"/>
+        </a:xfrm>
+      </p:grpSpPr>
+      <p:sp>
+        <p:nvSpPr>
+          <p:cNvPr id="2" name="Title 1">
+            <a:extLst>
+              <a:ext uri="{FF2B5EF4-FFF2-40B4-BE49-F238E27FC236}">
+                <a16:creationId xmlns:a16="http://schemas.microsoft.com/office/drawing/2014/main" id="{CB623149-3569-BAB2-2EA6-BF45FAFBFB1E}"/>
+              </a:ext>
+            </a:extLst>
+          </p:cNvPr>
+          <p:cNvSpPr>
+            <a:spLocks noGrp="1"/>
+          </p:cNvSpPr>
+          <p:nvPr>
+            <p:ph type="title"/>
+          </p:nvPr>
+        </p:nvSpPr>
+        <p:spPr/>
+        <p:txBody>
+          <a:bodyPr/>
+          <a:lstStyle/>
+          <a:p>
+            <a:r>
+              <a:rPr lang="en-IN"/>
+              <a:t>Terminologies</a:t>
+            </a:r>
+          </a:p>
+        </p:txBody>
+      </p:sp>
+      <p:sp>
+        <p:nvSpPr>
+          <p:cNvPr id="3" name="Content Placeholder 2">
+            <a:extLst>
+              <a:ext uri="{FF2B5EF4-FFF2-40B4-BE49-F238E27FC236}">
+                <a16:creationId xmlns:a16="http://schemas.microsoft.com/office/drawing/2014/main" id="{20E8DDF9-D7ED-BF66-77BF-F6FA77065779}"/>
+              </a:ext>
+            </a:extLst>
+          </p:cNvPr>
+          <p:cNvSpPr>
+            <a:spLocks noGrp="1"/>
+          </p:cNvSpPr>
+          <p:nvPr>
+            <p:ph idx="1"/>
+          </p:nvPr>
+        </p:nvSpPr>
+        <p:spPr/>
+        <p:txBody>
+          <a:bodyPr>
+            <a:normAutofit lnSpcReduction="10000"/>
+          </a:bodyPr>
+          <a:lstStyle/>
+          <a:p>
+            <a:r>
+              <a:rPr lang="en-IN"/>
+              <a:t>Angular Workspace</a:t>
+            </a:r>
+          </a:p>
+          <a:p>
+            <a:pPr lvl="1"/>
+            <a:r>
+              <a:rPr lang="en-US"/>
+              <a:t>A workspace is a collection of different projects. The ng new command creates a new workspace.</a:t>
+            </a:r>
+          </a:p>
+          <a:p>
+            <a:r>
+              <a:rPr lang="en-US"/>
+              <a:t>Angular Projects</a:t>
+            </a:r>
+          </a:p>
+          <a:p>
+            <a:pPr lvl="1"/>
+            <a:r>
+              <a:rPr lang="en-IN"/>
+              <a:t>Angular Library</a:t>
+            </a:r>
+          </a:p>
+          <a:p>
+            <a:pPr lvl="2"/>
+            <a:r>
+              <a:rPr lang="en-US"/>
+              <a:t>A library is a collection of components, services, directives etc. that can be shared across different Angular projects.</a:t>
+            </a:r>
+          </a:p>
+          <a:p>
+            <a:pPr lvl="2"/>
+            <a:r>
+              <a:rPr lang="en-US"/>
+              <a:t>A library can be packaged and published</a:t>
+            </a:r>
+            <a:endParaRPr lang="en-IN"/>
+          </a:p>
+          <a:p>
+            <a:pPr lvl="1"/>
+            <a:r>
+              <a:rPr lang="en-IN"/>
+              <a:t>Angular Application</a:t>
+            </a:r>
+          </a:p>
+          <a:p>
+            <a:pPr lvl="2"/>
+            <a:r>
+              <a:rPr lang="en-US"/>
+              <a:t>An application is a collection of components, services, directives etc. that can be served as an output.</a:t>
+            </a:r>
+          </a:p>
+          <a:p>
+            <a:pPr lvl="2"/>
+            <a:r>
+              <a:rPr lang="en-US"/>
+              <a:t>An application can be built and deployed.</a:t>
+            </a:r>
+            <a:endParaRPr lang="en-IN"/>
+          </a:p>
+          <a:p>
+            <a:pPr lvl="2"/>
+            <a:endParaRPr lang="en-IN"/>
+          </a:p>
+        </p:txBody>
+      </p:sp>
+    </p:spTree>
+    <p:extLst>
+      <p:ext uri="{BB962C8B-B14F-4D97-AF65-F5344CB8AC3E}">
+        <p14:creationId xmlns:p14="http://schemas.microsoft.com/office/powerpoint/2010/main" val="3298109447"/>
+      </p:ext>
+    </p:extLst>
+  </p:cSld>
+  <p:clrMapOvr>
+    <a:masterClrMapping/>
+  </p:clrMapOvr>
+</p:sld>
+</file>
+
+<file path=ppt/slides/slide84.xml><?xml version="1.0" encoding="utf-8"?>
+<p:sld xmlns:a="http://schemas.openxmlformats.org/drawingml/2006/main" xmlns:r="http://schemas.openxmlformats.org/officeDocument/2006/relationships" xmlns:p="http://schemas.openxmlformats.org/presentationml/2006/main">
+  <p:cSld>
+    <p:spTree>
+      <p:nvGrpSpPr>
+        <p:cNvPr id="1" name=""/>
+        <p:cNvGrpSpPr/>
+        <p:nvPr/>
+      </p:nvGrpSpPr>
+      <p:grpSpPr>
+        <a:xfrm>
+          <a:off x="0" y="0"/>
+          <a:ext cx="0" cy="0"/>
+          <a:chOff x="0" y="0"/>
+          <a:chExt cx="0" cy="0"/>
+        </a:xfrm>
+      </p:grpSpPr>
+      <p:sp>
+        <p:nvSpPr>
+          <p:cNvPr id="2" name="Title 1">
+            <a:extLst>
+              <a:ext uri="{FF2B5EF4-FFF2-40B4-BE49-F238E27FC236}">
+                <a16:creationId xmlns:a16="http://schemas.microsoft.com/office/drawing/2014/main" id="{D34A3DE0-5B11-4A18-9368-A97790F6B4D4}"/>
+              </a:ext>
+            </a:extLst>
+          </p:cNvPr>
+          <p:cNvSpPr>
+            <a:spLocks noGrp="1"/>
+          </p:cNvSpPr>
+          <p:nvPr>
+            <p:ph type="title"/>
+          </p:nvPr>
+        </p:nvSpPr>
+        <p:spPr/>
+        <p:txBody>
+          <a:bodyPr/>
+          <a:lstStyle/>
+          <a:p>
+            <a:r>
+              <a:rPr lang="en-US"/>
+              <a:t>Creating Application</a:t>
+            </a:r>
+          </a:p>
+        </p:txBody>
+      </p:sp>
+      <p:sp>
+        <p:nvSpPr>
+          <p:cNvPr id="3" name="Content Placeholder 2">
+            <a:extLst>
+              <a:ext uri="{FF2B5EF4-FFF2-40B4-BE49-F238E27FC236}">
+                <a16:creationId xmlns:a16="http://schemas.microsoft.com/office/drawing/2014/main" id="{DB4144A5-1FEA-4E7F-966B-484A5CEC69D9}"/>
+              </a:ext>
+            </a:extLst>
+          </p:cNvPr>
+          <p:cNvSpPr>
+            <a:spLocks noGrp="1"/>
+          </p:cNvSpPr>
+          <p:nvPr>
+            <p:ph idx="1"/>
+          </p:nvPr>
+        </p:nvSpPr>
+        <p:spPr/>
+        <p:txBody>
+          <a:bodyPr/>
+          <a:lstStyle/>
+          <a:p>
+            <a:r>
+              <a:rPr lang="en-US" dirty="0"/>
+              <a:t>Single Project in Single Workspace</a:t>
+            </a:r>
+          </a:p>
+          <a:p>
+            <a:pPr lvl="1"/>
+            <a:r>
+              <a:rPr lang="en-US" dirty="0"/>
+              <a:t>ng new &lt;app-name&gt;</a:t>
+            </a:r>
+          </a:p>
+          <a:p>
+            <a:r>
+              <a:rPr lang="en-US" dirty="0"/>
+              <a:t>Run the Application</a:t>
+            </a:r>
+          </a:p>
+          <a:p>
+            <a:pPr lvl="1"/>
+            <a:r>
+              <a:rPr lang="en-US" dirty="0"/>
+              <a:t>ng serve – This command will run the project in development</a:t>
+            </a:r>
+          </a:p>
+          <a:p>
+            <a:pPr lvl="1"/>
+            <a:r>
+              <a:rPr lang="en-US" dirty="0"/>
+              <a:t>ng build – This command will create the production build</a:t>
+            </a:r>
+          </a:p>
+          <a:p>
+            <a:pPr lvl="1"/>
+            <a:r>
+              <a:rPr lang="en-US" dirty="0"/>
+              <a:t>ng test – This command will run the jasmine tests</a:t>
+            </a:r>
+          </a:p>
+        </p:txBody>
+      </p:sp>
+    </p:spTree>
+    <p:extLst>
+      <p:ext uri="{BB962C8B-B14F-4D97-AF65-F5344CB8AC3E}">
+        <p14:creationId xmlns:p14="http://schemas.microsoft.com/office/powerpoint/2010/main" val="1122893291"/>
+      </p:ext>
+    </p:extLst>
+  </p:cSld>
+  <p:clrMapOvr>
+    <a:masterClrMapping/>
+  </p:clrMapOvr>
+</p:sld>
+</file>
+
+<file path=ppt/slides/slide85.xml><?xml version="1.0" encoding="utf-8"?>
+<p:sld xmlns:a="http://schemas.openxmlformats.org/drawingml/2006/main" xmlns:r="http://schemas.openxmlformats.org/officeDocument/2006/relationships" xmlns:p="http://schemas.openxmlformats.org/presentationml/2006/main">
+  <p:cSld>
+    <p:spTree>
+      <p:nvGrpSpPr>
+        <p:cNvPr id="1" name=""/>
+        <p:cNvGrpSpPr/>
+        <p:nvPr/>
+      </p:nvGrpSpPr>
+      <p:grpSpPr>
+        <a:xfrm>
+          <a:off x="0" y="0"/>
+          <a:ext cx="0" cy="0"/>
+          <a:chOff x="0" y="0"/>
+          <a:chExt cx="0" cy="0"/>
+        </a:xfrm>
+      </p:grpSpPr>
+      <p:sp>
+        <p:nvSpPr>
+          <p:cNvPr id="2" name="Title 1">
+            <a:extLst>
+              <a:ext uri="{FF2B5EF4-FFF2-40B4-BE49-F238E27FC236}">
+                <a16:creationId xmlns:a16="http://schemas.microsoft.com/office/drawing/2014/main" id="{D34A3DE0-5B11-4A18-9368-A97790F6B4D4}"/>
+              </a:ext>
+            </a:extLst>
+          </p:cNvPr>
+          <p:cNvSpPr>
+            <a:spLocks noGrp="1"/>
+          </p:cNvSpPr>
+          <p:nvPr>
+            <p:ph type="title"/>
+          </p:nvPr>
+        </p:nvSpPr>
+        <p:spPr/>
+        <p:txBody>
+          <a:bodyPr/>
+          <a:lstStyle/>
+          <a:p>
+            <a:r>
+              <a:rPr lang="en-US"/>
+              <a:t>Creating Application</a:t>
+            </a:r>
+          </a:p>
+        </p:txBody>
+      </p:sp>
+      <p:sp>
+        <p:nvSpPr>
+          <p:cNvPr id="3" name="Content Placeholder 2">
+            <a:extLst>
+              <a:ext uri="{FF2B5EF4-FFF2-40B4-BE49-F238E27FC236}">
+                <a16:creationId xmlns:a16="http://schemas.microsoft.com/office/drawing/2014/main" id="{DB4144A5-1FEA-4E7F-966B-484A5CEC69D9}"/>
+              </a:ext>
+            </a:extLst>
+          </p:cNvPr>
+          <p:cNvSpPr>
+            <a:spLocks noGrp="1"/>
+          </p:cNvSpPr>
+          <p:nvPr>
+            <p:ph idx="1"/>
+          </p:nvPr>
+        </p:nvSpPr>
+        <p:spPr/>
+        <p:txBody>
+          <a:bodyPr vert="horz" lIns="91440" tIns="45720" rIns="91440" bIns="45720" rtlCol="0" anchor="t">
+            <a:normAutofit/>
+          </a:bodyPr>
+          <a:lstStyle/>
+          <a:p>
+            <a:r>
+              <a:rPr lang="en-US" dirty="0"/>
+              <a:t>Multiple Projects in Single Workspace</a:t>
+            </a:r>
+          </a:p>
+          <a:p>
+            <a:pPr lvl="1"/>
+            <a:r>
+              <a:rPr lang="en-US" dirty="0"/>
+              <a:t>ng new multi-apps --create-application=“false”</a:t>
+            </a:r>
+            <a:endParaRPr lang="en-US" dirty="0">
+              <a:cs typeface="Calibri"/>
+            </a:endParaRPr>
+          </a:p>
+          <a:p>
+            <a:pPr lvl="1"/>
+            <a:r>
+              <a:rPr lang="en-US" dirty="0"/>
+              <a:t>cd multi-apps</a:t>
+            </a:r>
+            <a:endParaRPr lang="en-US" dirty="0">
+              <a:cs typeface="Calibri"/>
+            </a:endParaRPr>
+          </a:p>
+          <a:p>
+            <a:pPr lvl="1"/>
+            <a:r>
+              <a:rPr lang="en-US" dirty="0"/>
+              <a:t>ng generate application app-one</a:t>
+            </a:r>
+            <a:endParaRPr lang="en-US" dirty="0">
+              <a:cs typeface="Calibri"/>
+            </a:endParaRPr>
+          </a:p>
+          <a:p>
+            <a:pPr lvl="1"/>
+            <a:r>
+              <a:rPr lang="en-US" dirty="0"/>
+              <a:t>ng generate application app-two</a:t>
+            </a:r>
+            <a:endParaRPr lang="en-US" dirty="0">
+              <a:cs typeface="Calibri"/>
+            </a:endParaRPr>
+          </a:p>
+          <a:p>
+            <a:pPr lvl="1"/>
+            <a:r>
+              <a:rPr lang="en-US" dirty="0"/>
+              <a:t>ng generate library my-lib</a:t>
+            </a:r>
+            <a:endParaRPr lang="en-US" dirty="0">
+              <a:cs typeface="Calibri"/>
+            </a:endParaRPr>
+          </a:p>
+          <a:p>
+            <a:r>
+              <a:rPr lang="en-US" dirty="0"/>
+              <a:t>Run the Application</a:t>
+            </a:r>
+            <a:endParaRPr lang="en-US" dirty="0">
+              <a:cs typeface="Calibri"/>
+            </a:endParaRPr>
+          </a:p>
+          <a:p>
+            <a:pPr lvl="1"/>
+            <a:r>
+              <a:rPr lang="en-US" dirty="0"/>
+              <a:t>ng serve --project=app-one – This command will run the application project in development named app-one</a:t>
+            </a:r>
+            <a:endParaRPr lang="en-US" dirty="0">
+              <a:cs typeface="Calibri"/>
+            </a:endParaRPr>
+          </a:p>
+          <a:p>
+            <a:pPr lvl="1"/>
+            <a:r>
+              <a:rPr lang="en-US" dirty="0"/>
+              <a:t>Only project of type application will be served</a:t>
+            </a:r>
+            <a:endParaRPr lang="en-US" dirty="0">
+              <a:cs typeface="Calibri"/>
+            </a:endParaRPr>
+          </a:p>
+        </p:txBody>
+      </p:sp>
+    </p:spTree>
+    <p:extLst>
+      <p:ext uri="{BB962C8B-B14F-4D97-AF65-F5344CB8AC3E}">
+        <p14:creationId xmlns:p14="http://schemas.microsoft.com/office/powerpoint/2010/main" val="1490411443"/>
+      </p:ext>
+    </p:extLst>
+  </p:cSld>
+  <p:clrMapOvr>
+    <a:masterClrMapping/>
+  </p:clrMapOvr>
+</p:sld>
+</file>
+
+<file path=ppt/slides/slide86.xml><?xml version="1.0" encoding="utf-8"?>
+<p:sld xmlns:a="http://schemas.openxmlformats.org/drawingml/2006/main" xmlns:r="http://schemas.openxmlformats.org/officeDocument/2006/relationships" xmlns:p="http://schemas.openxmlformats.org/presentationml/2006/main">
+  <p:cSld>
+    <p:spTree>
+      <p:nvGrpSpPr>
+        <p:cNvPr id="1" name=""/>
+        <p:cNvGrpSpPr/>
+        <p:nvPr/>
+      </p:nvGrpSpPr>
+      <p:grpSpPr>
+        <a:xfrm>
+          <a:off x="0" y="0"/>
+          <a:ext cx="0" cy="0"/>
+          <a:chOff x="0" y="0"/>
+          <a:chExt cx="0" cy="0"/>
+        </a:xfrm>
+      </p:grpSpPr>
+      <p:sp>
+        <p:nvSpPr>
+          <p:cNvPr id="2" name="Title 1">
+            <a:extLst>
+              <a:ext uri="{FF2B5EF4-FFF2-40B4-BE49-F238E27FC236}">
+                <a16:creationId xmlns:a16="http://schemas.microsoft.com/office/drawing/2014/main" id="{D4872C39-BF38-48DF-B1FD-09336D98B099}"/>
+              </a:ext>
+            </a:extLst>
+          </p:cNvPr>
+          <p:cNvSpPr>
+            <a:spLocks noGrp="1"/>
+          </p:cNvSpPr>
+          <p:nvPr>
+            <p:ph type="title"/>
+          </p:nvPr>
+        </p:nvSpPr>
+        <p:spPr/>
+        <p:txBody>
+          <a:bodyPr/>
+          <a:lstStyle/>
+          <a:p>
+            <a:r>
+              <a:rPr lang="en-IN"/>
+              <a:t>ng generate</a:t>
+            </a:r>
+          </a:p>
+        </p:txBody>
+      </p:sp>
+      <p:sp>
+        <p:nvSpPr>
+          <p:cNvPr id="3" name="Content Placeholder 2">
+            <a:extLst>
+              <a:ext uri="{FF2B5EF4-FFF2-40B4-BE49-F238E27FC236}">
+                <a16:creationId xmlns:a16="http://schemas.microsoft.com/office/drawing/2014/main" id="{CA089637-47F8-45CE-B796-37BE991E3843}"/>
+              </a:ext>
+            </a:extLst>
+          </p:cNvPr>
+          <p:cNvSpPr>
+            <a:spLocks noGrp="1"/>
+          </p:cNvSpPr>
+          <p:nvPr>
+            <p:ph idx="1"/>
+          </p:nvPr>
+        </p:nvSpPr>
+        <p:spPr/>
+        <p:txBody>
+          <a:bodyPr>
+            <a:normAutofit/>
+          </a:bodyPr>
+          <a:lstStyle/>
+          <a:p>
+            <a:r>
+              <a:rPr lang="en-US" dirty="0"/>
+              <a:t>Generates and/or modifies files based on a schematic.</a:t>
+            </a:r>
+          </a:p>
+          <a:p>
+            <a:pPr lvl="1"/>
+            <a:r>
+              <a:rPr lang="en-US" dirty="0"/>
+              <a:t>ng generate &lt;schematic&gt; [options]</a:t>
+            </a:r>
+          </a:p>
+          <a:p>
+            <a:pPr lvl="1"/>
+            <a:r>
+              <a:rPr lang="en-US" dirty="0"/>
+              <a:t>ng g &lt;schematic&gt; [options]</a:t>
+            </a:r>
+          </a:p>
+          <a:p>
+            <a:pPr lvl="1"/>
+            <a:r>
+              <a:rPr lang="en-US" dirty="0">
+                <a:hlinkClick r:id="rId2"/>
+              </a:rPr>
+              <a:t>https://angular.io/cli/generate</a:t>
+            </a:r>
+            <a:endParaRPr lang="en-US" dirty="0"/>
+          </a:p>
+          <a:p>
+            <a:r>
+              <a:rPr lang="en-US" dirty="0"/>
+              <a:t>Schematic</a:t>
+            </a:r>
+          </a:p>
+        </p:txBody>
+      </p:sp>
+      <p:graphicFrame>
+        <p:nvGraphicFramePr>
+          <p:cNvPr id="6" name="Table 6">
+            <a:extLst>
+              <a:ext uri="{FF2B5EF4-FFF2-40B4-BE49-F238E27FC236}">
+                <a16:creationId xmlns:a16="http://schemas.microsoft.com/office/drawing/2014/main" id="{445172B5-3A11-4284-A852-7B63E64E47F6}"/>
+              </a:ext>
+            </a:extLst>
+          </p:cNvPr>
+          <p:cNvGraphicFramePr>
+            <a:graphicFrameLocks noGrp="1"/>
+          </p:cNvGraphicFramePr>
+          <p:nvPr/>
+        </p:nvGraphicFramePr>
+        <p:xfrm>
+          <a:off x="1180829" y="4003727"/>
+          <a:ext cx="9923296" cy="2008944"/>
+        </p:xfrm>
+        <a:graphic>
+          <a:graphicData uri="http://schemas.openxmlformats.org/drawingml/2006/table">
+            <a:tbl>
+              <a:tblPr firstRow="1" bandRow="1">
+                <a:tableStyleId>{0505E3EF-67EA-436B-97B2-0124C06EBD24}</a:tableStyleId>
+              </a:tblPr>
+              <a:tblGrid>
+                <a:gridCol w="2480824">
+                  <a:extLst>
+                    <a:ext uri="{9D8B030D-6E8A-4147-A177-3AD203B41FA5}">
+                      <a16:colId xmlns:a16="http://schemas.microsoft.com/office/drawing/2014/main" val="35834621"/>
+                    </a:ext>
+                  </a:extLst>
+                </a:gridCol>
+                <a:gridCol w="2480824">
+                  <a:extLst>
+                    <a:ext uri="{9D8B030D-6E8A-4147-A177-3AD203B41FA5}">
+                      <a16:colId xmlns:a16="http://schemas.microsoft.com/office/drawing/2014/main" val="3804257837"/>
+                    </a:ext>
+                  </a:extLst>
+                </a:gridCol>
+                <a:gridCol w="2480824">
+                  <a:extLst>
+                    <a:ext uri="{9D8B030D-6E8A-4147-A177-3AD203B41FA5}">
+                      <a16:colId xmlns:a16="http://schemas.microsoft.com/office/drawing/2014/main" val="1849735432"/>
+                    </a:ext>
+                  </a:extLst>
+                </a:gridCol>
+                <a:gridCol w="2480824">
+                  <a:extLst>
+                    <a:ext uri="{9D8B030D-6E8A-4147-A177-3AD203B41FA5}">
+                      <a16:colId xmlns:a16="http://schemas.microsoft.com/office/drawing/2014/main" val="2258174611"/>
+                    </a:ext>
+                  </a:extLst>
+                </a:gridCol>
+              </a:tblGrid>
+              <a:tr h="502236">
+                <a:tc>
+                  <a:txBody>
+                    <a:bodyPr/>
+                    <a:lstStyle/>
+                    <a:p>
+                      <a:pPr algn="l"/>
+                      <a:r>
+                        <a:rPr lang="en-IN" sz="2400" b="0"/>
+                        <a:t>app-shell</a:t>
+                      </a:r>
+                    </a:p>
+                  </a:txBody>
+                  <a:tcPr anchor="ctr"/>
+                </a:tc>
+                <a:tc>
+                  <a:txBody>
+                    <a:bodyPr/>
+                    <a:lstStyle/>
+                    <a:p>
+                      <a:pPr algn="l"/>
+                      <a:r>
+                        <a:rPr lang="en-IN" sz="2400" b="0"/>
+                        <a:t>directive</a:t>
+                      </a:r>
+                    </a:p>
+                  </a:txBody>
+                  <a:tcPr anchor="ctr"/>
+                </a:tc>
+                <a:tc>
+                  <a:txBody>
+                    <a:bodyPr/>
+                    <a:lstStyle/>
+                    <a:p>
+                      <a:pPr algn="l"/>
+                      <a:r>
+                        <a:rPr lang="en-IN" sz="2400" b="0"/>
+                        <a:t>interface</a:t>
+                      </a:r>
+                    </a:p>
+                  </a:txBody>
+                  <a:tcPr anchor="ctr"/>
+                </a:tc>
+                <a:tc>
+                  <a:txBody>
+                    <a:bodyPr/>
+                    <a:lstStyle/>
+                    <a:p>
+                      <a:pPr algn="l"/>
+                      <a:r>
+                        <a:rPr lang="en-IN" sz="2400" b="0"/>
+                        <a:t>resolver</a:t>
+                      </a:r>
+                    </a:p>
+                  </a:txBody>
+                  <a:tcPr anchor="ctr"/>
+                </a:tc>
+                <a:extLst>
+                  <a:ext uri="{0D108BD9-81ED-4DB2-BD59-A6C34878D82A}">
+                    <a16:rowId xmlns:a16="http://schemas.microsoft.com/office/drawing/2014/main" val="1721436120"/>
+                  </a:ext>
+                </a:extLst>
+              </a:tr>
+              <a:tr h="502236">
+                <a:tc>
+                  <a:txBody>
+                    <a:bodyPr/>
+                    <a:lstStyle/>
+                    <a:p>
+                      <a:pPr algn="l"/>
+                      <a:r>
+                        <a:rPr lang="en-IN" sz="2400" b="1"/>
+                        <a:t>application</a:t>
+                      </a:r>
+                    </a:p>
+                  </a:txBody>
+                  <a:tcPr anchor="ctr"/>
+                </a:tc>
+                <a:tc>
+                  <a:txBody>
+                    <a:bodyPr/>
+                    <a:lstStyle/>
+                    <a:p>
+                      <a:pPr algn="l"/>
+                      <a:r>
+                        <a:rPr lang="en-IN" sz="2400" b="0" err="1"/>
+                        <a:t>enum</a:t>
+                      </a:r>
+                      <a:endParaRPr lang="en-IN" sz="2400" b="0"/>
+                    </a:p>
+                  </a:txBody>
+                  <a:tcPr anchor="ctr"/>
+                </a:tc>
+                <a:tc>
+                  <a:txBody>
+                    <a:bodyPr/>
+                    <a:lstStyle/>
+                    <a:p>
+                      <a:pPr algn="l"/>
+                      <a:r>
+                        <a:rPr lang="en-IN" sz="2400" b="1"/>
+                        <a:t>library</a:t>
+                      </a:r>
+                    </a:p>
+                  </a:txBody>
+                  <a:tcPr anchor="ctr"/>
+                </a:tc>
+                <a:tc>
+                  <a:txBody>
+                    <a:bodyPr/>
+                    <a:lstStyle/>
+                    <a:p>
+                      <a:pPr algn="l"/>
+                      <a:r>
+                        <a:rPr lang="en-IN" sz="2400" b="0"/>
+                        <a:t>service</a:t>
+                      </a:r>
+                    </a:p>
+                  </a:txBody>
+                  <a:tcPr anchor="ctr"/>
+                </a:tc>
+                <a:extLst>
+                  <a:ext uri="{0D108BD9-81ED-4DB2-BD59-A6C34878D82A}">
+                    <a16:rowId xmlns:a16="http://schemas.microsoft.com/office/drawing/2014/main" val="1510157445"/>
+                  </a:ext>
+                </a:extLst>
+              </a:tr>
+              <a:tr h="502236">
+                <a:tc>
+                  <a:txBody>
+                    <a:bodyPr/>
+                    <a:lstStyle/>
+                    <a:p>
+                      <a:pPr algn="l"/>
+                      <a:r>
+                        <a:rPr lang="en-IN" sz="2400" b="0"/>
+                        <a:t>class</a:t>
+                      </a:r>
+                    </a:p>
+                  </a:txBody>
+                  <a:tcPr anchor="ctr"/>
+                </a:tc>
+                <a:tc>
+                  <a:txBody>
+                    <a:bodyPr/>
+                    <a:lstStyle/>
+                    <a:p>
+                      <a:pPr algn="l"/>
+                      <a:r>
+                        <a:rPr lang="en-IN" sz="2400" b="0"/>
+                        <a:t>guard</a:t>
+                      </a:r>
+                    </a:p>
+                  </a:txBody>
+                  <a:tcPr anchor="ctr"/>
+                </a:tc>
+                <a:tc>
+                  <a:txBody>
+                    <a:bodyPr/>
+                    <a:lstStyle/>
+                    <a:p>
+                      <a:pPr algn="l"/>
+                      <a:r>
+                        <a:rPr lang="en-IN" sz="2400" b="0"/>
+                        <a:t>module</a:t>
+                      </a:r>
+                    </a:p>
+                  </a:txBody>
+                  <a:tcPr anchor="ctr"/>
+                </a:tc>
+                <a:tc>
+                  <a:txBody>
+                    <a:bodyPr/>
+                    <a:lstStyle/>
+                    <a:p>
+                      <a:pPr algn="l"/>
+                      <a:r>
+                        <a:rPr lang="en-IN" sz="2400" b="0"/>
+                        <a:t>service-worker</a:t>
+                      </a:r>
+                    </a:p>
+                  </a:txBody>
+                  <a:tcPr anchor="ctr"/>
+                </a:tc>
+                <a:extLst>
+                  <a:ext uri="{0D108BD9-81ED-4DB2-BD59-A6C34878D82A}">
+                    <a16:rowId xmlns:a16="http://schemas.microsoft.com/office/drawing/2014/main" val="2919183382"/>
+                  </a:ext>
+                </a:extLst>
+              </a:tr>
+              <a:tr h="502236">
+                <a:tc>
+                  <a:txBody>
+                    <a:bodyPr/>
+                    <a:lstStyle/>
+                    <a:p>
+                      <a:pPr algn="l"/>
+                      <a:r>
+                        <a:rPr lang="en-IN" sz="2400" b="0"/>
+                        <a:t>component</a:t>
+                      </a:r>
+                    </a:p>
+                  </a:txBody>
+                  <a:tcPr anchor="ctr"/>
+                </a:tc>
+                <a:tc>
+                  <a:txBody>
+                    <a:bodyPr/>
+                    <a:lstStyle/>
+                    <a:p>
+                      <a:pPr algn="l"/>
+                      <a:r>
+                        <a:rPr lang="en-IN" sz="2400" b="0"/>
+                        <a:t>interceptor</a:t>
+                      </a:r>
+                    </a:p>
+                  </a:txBody>
+                  <a:tcPr anchor="ctr"/>
+                </a:tc>
+                <a:tc>
+                  <a:txBody>
+                    <a:bodyPr/>
+                    <a:lstStyle/>
+                    <a:p>
+                      <a:pPr algn="l"/>
+                      <a:r>
+                        <a:rPr lang="en-IN" sz="2400" b="0"/>
+                        <a:t>pipe</a:t>
+                      </a:r>
+                    </a:p>
+                  </a:txBody>
+                  <a:tcPr anchor="ctr"/>
+                </a:tc>
+                <a:tc>
+                  <a:txBody>
+                    <a:bodyPr/>
+                    <a:lstStyle/>
+                    <a:p>
+                      <a:pPr algn="l"/>
+                      <a:r>
+                        <a:rPr lang="en-IN" sz="2400" b="0"/>
+                        <a:t>web-worker</a:t>
+                      </a:r>
+                    </a:p>
+                  </a:txBody>
+                  <a:tcPr anchor="ctr"/>
+                </a:tc>
+                <a:extLst>
+                  <a:ext uri="{0D108BD9-81ED-4DB2-BD59-A6C34878D82A}">
+                    <a16:rowId xmlns:a16="http://schemas.microsoft.com/office/drawing/2014/main" val="2288129455"/>
+                  </a:ext>
+                </a:extLst>
+              </a:tr>
+            </a:tbl>
+          </a:graphicData>
+        </a:graphic>
+      </p:graphicFrame>
+    </p:spTree>
+    <p:extLst>
+      <p:ext uri="{BB962C8B-B14F-4D97-AF65-F5344CB8AC3E}">
+        <p14:creationId xmlns:p14="http://schemas.microsoft.com/office/powerpoint/2010/main" val="2868707546"/>
+      </p:ext>
+    </p:extLst>
+  </p:cSld>
+  <p:clrMapOvr>
+    <a:masterClrMapping/>
+  </p:clrMapOvr>
+</p:sld>
+</file>
+
+<file path=ppt/slides/slide87.xml><?xml version="1.0" encoding="utf-8"?>
+<p:sld xmlns:a="http://schemas.openxmlformats.org/drawingml/2006/main" xmlns:r="http://schemas.openxmlformats.org/officeDocument/2006/relationships" xmlns:p="http://schemas.openxmlformats.org/presentationml/2006/main">
+  <p:cSld>
+    <p:spTree>
+      <p:nvGrpSpPr>
+        <p:cNvPr id="1" name=""/>
+        <p:cNvGrpSpPr/>
+        <p:nvPr/>
+      </p:nvGrpSpPr>
+      <p:grpSpPr>
+        <a:xfrm>
+          <a:off x="0" y="0"/>
+          <a:ext cx="0" cy="0"/>
+          <a:chOff x="0" y="0"/>
+          <a:chExt cx="0" cy="0"/>
+        </a:xfrm>
+      </p:grpSpPr>
+      <p:sp>
+        <p:nvSpPr>
+          <p:cNvPr id="2" name="Title 1">
+            <a:extLst>
+              <a:ext uri="{FF2B5EF4-FFF2-40B4-BE49-F238E27FC236}">
+                <a16:creationId xmlns:a16="http://schemas.microsoft.com/office/drawing/2014/main" id="{E52A3659-191C-C732-7A37-4038501EDE64}"/>
+              </a:ext>
+            </a:extLst>
+          </p:cNvPr>
+          <p:cNvSpPr>
+            <a:spLocks noGrp="1"/>
+          </p:cNvSpPr>
+          <p:nvPr>
+            <p:ph type="title"/>
+          </p:nvPr>
+        </p:nvSpPr>
+        <p:spPr/>
+        <p:txBody>
+          <a:bodyPr/>
+          <a:lstStyle/>
+          <a:p>
+            <a:r>
+              <a:rPr lang="en-IN" dirty="0"/>
+              <a:t>What is Angular </a:t>
+            </a:r>
+            <a:r>
+              <a:rPr lang="en-US" dirty="0"/>
+              <a:t>schematic?</a:t>
+            </a:r>
+            <a:endParaRPr lang="en-IN" dirty="0"/>
+          </a:p>
+        </p:txBody>
+      </p:sp>
+      <p:sp>
+        <p:nvSpPr>
+          <p:cNvPr id="3" name="Content Placeholder 2">
+            <a:extLst>
+              <a:ext uri="{FF2B5EF4-FFF2-40B4-BE49-F238E27FC236}">
+                <a16:creationId xmlns:a16="http://schemas.microsoft.com/office/drawing/2014/main" id="{6D8F479F-C147-495E-60D3-091D797D349A}"/>
+              </a:ext>
+            </a:extLst>
+          </p:cNvPr>
+          <p:cNvSpPr>
+            <a:spLocks noGrp="1"/>
+          </p:cNvSpPr>
+          <p:nvPr>
+            <p:ph idx="1"/>
+          </p:nvPr>
+        </p:nvSpPr>
+        <p:spPr/>
+        <p:txBody>
+          <a:bodyPr/>
+          <a:lstStyle/>
+          <a:p>
+            <a:r>
+              <a:rPr lang="en-US" dirty="0"/>
+              <a:t>A schematic is a command-line tool provided by the Angular CLI (Command Line Interface) that helps developers generate code and modify project files based on predefined templates. </a:t>
+            </a:r>
+          </a:p>
+          <a:p>
+            <a:r>
+              <a:rPr lang="en-US" dirty="0"/>
+              <a:t>It automates repetitive tasks and provides a consistent way to create components, modules, services, and other Angular artifacts.</a:t>
+            </a:r>
+          </a:p>
+          <a:p>
+            <a:r>
+              <a:rPr lang="en-US" dirty="0"/>
+              <a:t>The Angular CLI includes a set of built-in schematics that can be used to generate different parts of an Angular application.</a:t>
+            </a:r>
+          </a:p>
+          <a:p>
+            <a:r>
+              <a:rPr lang="en-US" dirty="0"/>
+              <a:t>Developers can create their own custom schematics to generate code specific to their project requirements.</a:t>
+            </a:r>
+            <a:endParaRPr lang="en-IN" dirty="0"/>
+          </a:p>
+        </p:txBody>
+      </p:sp>
+    </p:spTree>
+    <p:extLst>
+      <p:ext uri="{BB962C8B-B14F-4D97-AF65-F5344CB8AC3E}">
+        <p14:creationId xmlns:p14="http://schemas.microsoft.com/office/powerpoint/2010/main" val="2078831676"/>
+      </p:ext>
+    </p:extLst>
+  </p:cSld>
+  <p:clrMapOvr>
+    <a:masterClrMapping/>
+  </p:clrMapOvr>
+</p:sld>
+</file>
+
+<file path=ppt/slides/slide88.xml><?xml version="1.0" encoding="utf-8"?>
+<p:sld xmlns:a="http://schemas.openxmlformats.org/drawingml/2006/main" xmlns:r="http://schemas.openxmlformats.org/officeDocument/2006/relationships" xmlns:p="http://schemas.openxmlformats.org/presentationml/2006/main">
+  <p:cSld>
     <p:bg>
       <p:bgPr>
         <a:solidFill>

--- a/Ng-Byte.pptx
+++ b/Ng-Byte.pptx
@@ -5,7 +5,7 @@
     <p:sldMasterId id="2147483648" r:id="rId1"/>
   </p:sldMasterIdLst>
   <p:notesMasterIdLst>
-    <p:notesMasterId r:id="rId90"/>
+    <p:notesMasterId r:id="rId99"/>
   </p:notesMasterIdLst>
   <p:sldIdLst>
     <p:sldId id="257" r:id="rId2"/>
@@ -95,7 +95,16 @@
     <p:sldId id="378" r:id="rId86"/>
     <p:sldId id="282" r:id="rId87"/>
     <p:sldId id="460" r:id="rId88"/>
-    <p:sldId id="301" r:id="rId89"/>
+    <p:sldId id="541" r:id="rId89"/>
+    <p:sldId id="463" r:id="rId90"/>
+    <p:sldId id="381" r:id="rId91"/>
+    <p:sldId id="382" r:id="rId92"/>
+    <p:sldId id="287" r:id="rId93"/>
+    <p:sldId id="380" r:id="rId94"/>
+    <p:sldId id="464" r:id="rId95"/>
+    <p:sldId id="392" r:id="rId96"/>
+    <p:sldId id="393" r:id="rId97"/>
+    <p:sldId id="301" r:id="rId98"/>
   </p:sldIdLst>
   <p:sldSz cx="12192000" cy="6858000"/>
   <p:notesSz cx="6858000" cy="9144000"/>
@@ -39359,6 +39368,3303 @@
 <file path=ppt/slides/slide88.xml><?xml version="1.0" encoding="utf-8"?>
 <p:sld xmlns:a="http://schemas.openxmlformats.org/drawingml/2006/main" xmlns:r="http://schemas.openxmlformats.org/officeDocument/2006/relationships" xmlns:p="http://schemas.openxmlformats.org/presentationml/2006/main">
   <p:cSld>
+    <p:spTree>
+      <p:nvGrpSpPr>
+        <p:cNvPr id="1" name=""/>
+        <p:cNvGrpSpPr/>
+        <p:nvPr/>
+      </p:nvGrpSpPr>
+      <p:grpSpPr>
+        <a:xfrm>
+          <a:off x="0" y="0"/>
+          <a:ext cx="0" cy="0"/>
+          <a:chOff x="0" y="0"/>
+          <a:chExt cx="0" cy="0"/>
+        </a:xfrm>
+      </p:grpSpPr>
+      <p:sp>
+        <p:nvSpPr>
+          <p:cNvPr id="4" name="Rectangle 3">
+            <a:extLst>
+              <a:ext uri="{FF2B5EF4-FFF2-40B4-BE49-F238E27FC236}">
+                <a16:creationId xmlns:a16="http://schemas.microsoft.com/office/drawing/2014/main" id="{401EE783-3234-64C8-49F1-84C6D77D3646}"/>
+              </a:ext>
+            </a:extLst>
+          </p:cNvPr>
+          <p:cNvSpPr/>
+          <p:nvPr/>
+        </p:nvSpPr>
+        <p:spPr>
+          <a:xfrm>
+            <a:off x="4083423" y="515470"/>
+            <a:ext cx="4025153" cy="5827059"/>
+          </a:xfrm>
+          <a:prstGeom prst="rect">
+            <a:avLst/>
+          </a:prstGeom>
+        </p:spPr>
+        <p:style>
+          <a:lnRef idx="2">
+            <a:schemeClr val="accent1">
+              <a:shade val="15000"/>
+            </a:schemeClr>
+          </a:lnRef>
+          <a:fillRef idx="1">
+            <a:schemeClr val="accent1"/>
+          </a:fillRef>
+          <a:effectRef idx="0">
+            <a:schemeClr val="accent1"/>
+          </a:effectRef>
+          <a:fontRef idx="minor">
+            <a:schemeClr val="lt1"/>
+          </a:fontRef>
+        </p:style>
+        <p:txBody>
+          <a:bodyPr rtlCol="0" anchor="t" anchorCtr="0"/>
+          <a:lstStyle/>
+          <a:p>
+            <a:pPr algn="ctr"/>
+            <a:r>
+              <a:rPr lang="en-IN" sz="2400" b="1" dirty="0"/>
+              <a:t>MODULE</a:t>
+            </a:r>
+          </a:p>
+        </p:txBody>
+      </p:sp>
+      <p:sp>
+        <p:nvSpPr>
+          <p:cNvPr id="5" name="Rectangle 4">
+            <a:extLst>
+              <a:ext uri="{FF2B5EF4-FFF2-40B4-BE49-F238E27FC236}">
+                <a16:creationId xmlns:a16="http://schemas.microsoft.com/office/drawing/2014/main" id="{CA9BC1EB-02DC-8FEC-7713-F32CF60A2EA0}"/>
+              </a:ext>
+            </a:extLst>
+          </p:cNvPr>
+          <p:cNvSpPr/>
+          <p:nvPr/>
+        </p:nvSpPr>
+        <p:spPr>
+          <a:xfrm>
+            <a:off x="4314333" y="1046375"/>
+            <a:ext cx="3563332" cy="4911365"/>
+          </a:xfrm>
+          <a:prstGeom prst="rect">
+            <a:avLst/>
+          </a:prstGeom>
+        </p:spPr>
+        <p:style>
+          <a:lnRef idx="2">
+            <a:schemeClr val="accent4">
+              <a:shade val="15000"/>
+            </a:schemeClr>
+          </a:lnRef>
+          <a:fillRef idx="1">
+            <a:schemeClr val="accent4"/>
+          </a:fillRef>
+          <a:effectRef idx="0">
+            <a:schemeClr val="accent4"/>
+          </a:effectRef>
+          <a:fontRef idx="minor">
+            <a:schemeClr val="lt1"/>
+          </a:fontRef>
+        </p:style>
+        <p:txBody>
+          <a:bodyPr rtlCol="0" anchor="t" anchorCtr="0"/>
+          <a:lstStyle/>
+          <a:p>
+            <a:pPr algn="ctr"/>
+            <a:r>
+              <a:rPr lang="en-IN" sz="2400" b="1" dirty="0"/>
+              <a:t>COMPONENT</a:t>
+            </a:r>
+          </a:p>
+          <a:p>
+            <a:pPr algn="ctr"/>
+            <a:endParaRPr lang="en-IN" sz="2400" b="1" dirty="0"/>
+          </a:p>
+          <a:p>
+            <a:pPr algn="ctr"/>
+            <a:r>
+              <a:rPr lang="en-IN" sz="2400" dirty="0">
+                <a:solidFill>
+                  <a:srgbClr val="FF0000"/>
+                </a:solidFill>
+              </a:rPr>
+              <a:t>VIEW (UI) *</a:t>
+            </a:r>
+          </a:p>
+          <a:p>
+            <a:pPr algn="ctr"/>
+            <a:r>
+              <a:rPr lang="en-IN" sz="2400" dirty="0">
+                <a:solidFill>
+                  <a:srgbClr val="FF0000"/>
+                </a:solidFill>
+              </a:rPr>
+              <a:t>Template / Template URL</a:t>
+            </a:r>
+          </a:p>
+          <a:p>
+            <a:pPr algn="ctr"/>
+            <a:endParaRPr lang="en-IN" sz="2400" dirty="0">
+              <a:solidFill>
+                <a:schemeClr val="bg1"/>
+              </a:solidFill>
+            </a:endParaRPr>
+          </a:p>
+          <a:p>
+            <a:pPr algn="ctr"/>
+            <a:r>
+              <a:rPr lang="en-IN" sz="2400" dirty="0">
+                <a:solidFill>
+                  <a:schemeClr val="bg1"/>
+                </a:solidFill>
+              </a:rPr>
+              <a:t>STYLE (Inline/CSS)</a:t>
+            </a:r>
+          </a:p>
+          <a:p>
+            <a:pPr algn="ctr"/>
+            <a:r>
+              <a:rPr lang="en-IN" sz="2400" dirty="0">
+                <a:solidFill>
+                  <a:schemeClr val="bg1"/>
+                </a:solidFill>
+              </a:rPr>
+              <a:t>Style / Style URL</a:t>
+            </a:r>
+          </a:p>
+          <a:p>
+            <a:pPr algn="ctr"/>
+            <a:endParaRPr lang="en-IN" sz="2400" dirty="0">
+              <a:solidFill>
+                <a:schemeClr val="bg1"/>
+              </a:solidFill>
+            </a:endParaRPr>
+          </a:p>
+          <a:p>
+            <a:pPr algn="ctr"/>
+            <a:r>
+              <a:rPr lang="en-IN" sz="2400" dirty="0">
+                <a:solidFill>
+                  <a:schemeClr val="bg1"/>
+                </a:solidFill>
+              </a:rPr>
+              <a:t>DATA</a:t>
+            </a:r>
+          </a:p>
+          <a:p>
+            <a:pPr algn="ctr"/>
+            <a:r>
+              <a:rPr lang="en-IN" sz="2400" dirty="0">
+                <a:solidFill>
+                  <a:schemeClr val="bg1"/>
+                </a:solidFill>
+              </a:rPr>
+              <a:t>State (Inside)</a:t>
+            </a:r>
+          </a:p>
+          <a:p>
+            <a:pPr algn="ctr"/>
+            <a:r>
+              <a:rPr lang="en-IN" sz="2400" dirty="0">
+                <a:solidFill>
+                  <a:schemeClr val="bg1"/>
+                </a:solidFill>
+              </a:rPr>
+              <a:t>Properties (Outside)</a:t>
+            </a:r>
+          </a:p>
+          <a:p>
+            <a:pPr algn="ctr"/>
+            <a:endParaRPr lang="en-IN" sz="2400" dirty="0">
+              <a:solidFill>
+                <a:schemeClr val="bg1"/>
+              </a:solidFill>
+            </a:endParaRPr>
+          </a:p>
+          <a:p>
+            <a:pPr algn="ctr"/>
+            <a:r>
+              <a:rPr lang="en-IN" sz="2400" dirty="0">
+                <a:solidFill>
+                  <a:schemeClr val="bg1"/>
+                </a:solidFill>
+              </a:rPr>
+              <a:t>BEHAVIOUR (Methods)</a:t>
+            </a:r>
+          </a:p>
+        </p:txBody>
+      </p:sp>
+    </p:spTree>
+    <p:extLst>
+      <p:ext uri="{BB962C8B-B14F-4D97-AF65-F5344CB8AC3E}">
+        <p14:creationId xmlns:p14="http://schemas.microsoft.com/office/powerpoint/2010/main" val="1272715276"/>
+      </p:ext>
+    </p:extLst>
+  </p:cSld>
+  <p:clrMapOvr>
+    <a:masterClrMapping/>
+  </p:clrMapOvr>
+</p:sld>
+</file>
+
+<file path=ppt/slides/slide89.xml><?xml version="1.0" encoding="utf-8"?>
+<p:sld xmlns:a="http://schemas.openxmlformats.org/drawingml/2006/main" xmlns:r="http://schemas.openxmlformats.org/officeDocument/2006/relationships" xmlns:p="http://schemas.openxmlformats.org/presentationml/2006/main">
+  <p:cSld>
+    <p:spTree>
+      <p:nvGrpSpPr>
+        <p:cNvPr id="1" name=""/>
+        <p:cNvGrpSpPr/>
+        <p:nvPr/>
+      </p:nvGrpSpPr>
+      <p:grpSpPr>
+        <a:xfrm>
+          <a:off x="0" y="0"/>
+          <a:ext cx="0" cy="0"/>
+          <a:chOff x="0" y="0"/>
+          <a:chExt cx="0" cy="0"/>
+        </a:xfrm>
+      </p:grpSpPr>
+      <p:sp>
+        <p:nvSpPr>
+          <p:cNvPr id="2" name="Title 1">
+            <a:extLst>
+              <a:ext uri="{FF2B5EF4-FFF2-40B4-BE49-F238E27FC236}">
+                <a16:creationId xmlns:a16="http://schemas.microsoft.com/office/drawing/2014/main" id="{B016E263-613A-C8E8-3307-CFB27ABA8A6A}"/>
+              </a:ext>
+            </a:extLst>
+          </p:cNvPr>
+          <p:cNvSpPr>
+            <a:spLocks noGrp="1"/>
+          </p:cNvSpPr>
+          <p:nvPr>
+            <p:ph type="title"/>
+          </p:nvPr>
+        </p:nvSpPr>
+        <p:spPr/>
+        <p:txBody>
+          <a:bodyPr/>
+          <a:lstStyle/>
+          <a:p>
+            <a:r>
+              <a:rPr lang="en-IN" dirty="0"/>
+              <a:t>Composite UI</a:t>
+            </a:r>
+          </a:p>
+        </p:txBody>
+      </p:sp>
+      <p:sp>
+        <p:nvSpPr>
+          <p:cNvPr id="4" name="Rectangle 3">
+            <a:extLst>
+              <a:ext uri="{FF2B5EF4-FFF2-40B4-BE49-F238E27FC236}">
+                <a16:creationId xmlns:a16="http://schemas.microsoft.com/office/drawing/2014/main" id="{869B1189-40E7-103F-AAF1-7DF9EC75EB4F}"/>
+              </a:ext>
+            </a:extLst>
+          </p:cNvPr>
+          <p:cNvSpPr/>
+          <p:nvPr/>
+        </p:nvSpPr>
+        <p:spPr>
+          <a:xfrm>
+            <a:off x="7753575" y="1993187"/>
+            <a:ext cx="2514600" cy="4499687"/>
+          </a:xfrm>
+          <a:prstGeom prst="rect">
+            <a:avLst/>
+          </a:prstGeom>
+        </p:spPr>
+        <p:style>
+          <a:lnRef idx="2">
+            <a:schemeClr val="accent1">
+              <a:shade val="50000"/>
+            </a:schemeClr>
+          </a:lnRef>
+          <a:fillRef idx="1">
+            <a:schemeClr val="accent1"/>
+          </a:fillRef>
+          <a:effectRef idx="0">
+            <a:schemeClr val="accent1"/>
+          </a:effectRef>
+          <a:fontRef idx="minor">
+            <a:schemeClr val="lt1"/>
+          </a:fontRef>
+        </p:style>
+        <p:txBody>
+          <a:bodyPr rtlCol="0" anchor="ctr"/>
+          <a:lstStyle/>
+          <a:p>
+            <a:pPr algn="ctr"/>
+            <a:r>
+              <a:rPr lang="en-US"/>
+              <a:t>ADVERTISEMENT</a:t>
+            </a:r>
+          </a:p>
+          <a:p>
+            <a:pPr algn="ctr"/>
+            <a:r>
+              <a:rPr lang="en-US"/>
+              <a:t>COMPONENT</a:t>
+            </a:r>
+          </a:p>
+        </p:txBody>
+      </p:sp>
+      <p:sp>
+        <p:nvSpPr>
+          <p:cNvPr id="5" name="Rectangle 4">
+            <a:extLst>
+              <a:ext uri="{FF2B5EF4-FFF2-40B4-BE49-F238E27FC236}">
+                <a16:creationId xmlns:a16="http://schemas.microsoft.com/office/drawing/2014/main" id="{954E7879-E1DD-1CA1-4FEE-5471AA4EA493}"/>
+              </a:ext>
+            </a:extLst>
+          </p:cNvPr>
+          <p:cNvSpPr/>
+          <p:nvPr/>
+        </p:nvSpPr>
+        <p:spPr>
+          <a:xfrm>
+            <a:off x="2086252" y="1993188"/>
+            <a:ext cx="5527085" cy="4499687"/>
+          </a:xfrm>
+          <a:prstGeom prst="rect">
+            <a:avLst/>
+          </a:prstGeom>
+        </p:spPr>
+        <p:style>
+          <a:lnRef idx="2">
+            <a:schemeClr val="accent4">
+              <a:shade val="50000"/>
+            </a:schemeClr>
+          </a:lnRef>
+          <a:fillRef idx="1">
+            <a:schemeClr val="accent4"/>
+          </a:fillRef>
+          <a:effectRef idx="0">
+            <a:schemeClr val="accent4"/>
+          </a:effectRef>
+          <a:fontRef idx="minor">
+            <a:schemeClr val="lt1"/>
+          </a:fontRef>
+        </p:style>
+        <p:txBody>
+          <a:bodyPr rtlCol="0" anchor="t" anchorCtr="0"/>
+          <a:lstStyle/>
+          <a:p>
+            <a:pPr algn="ctr"/>
+            <a:r>
+              <a:rPr lang="en-IN"/>
+              <a:t>APP COMPONENT</a:t>
+            </a:r>
+          </a:p>
+        </p:txBody>
+      </p:sp>
+      <p:sp>
+        <p:nvSpPr>
+          <p:cNvPr id="6" name="Rectangle 5">
+            <a:extLst>
+              <a:ext uri="{FF2B5EF4-FFF2-40B4-BE49-F238E27FC236}">
+                <a16:creationId xmlns:a16="http://schemas.microsoft.com/office/drawing/2014/main" id="{B0941306-DF6F-14F7-3900-4F7594278F9D}"/>
+              </a:ext>
+            </a:extLst>
+          </p:cNvPr>
+          <p:cNvSpPr/>
+          <p:nvPr/>
+        </p:nvSpPr>
+        <p:spPr>
+          <a:xfrm>
+            <a:off x="2207909" y="2384350"/>
+            <a:ext cx="5286895" cy="490451"/>
+          </a:xfrm>
+          <a:prstGeom prst="rect">
+            <a:avLst/>
+          </a:prstGeom>
+        </p:spPr>
+        <p:style>
+          <a:lnRef idx="2">
+            <a:schemeClr val="accent1">
+              <a:shade val="50000"/>
+            </a:schemeClr>
+          </a:lnRef>
+          <a:fillRef idx="1">
+            <a:schemeClr val="accent1"/>
+          </a:fillRef>
+          <a:effectRef idx="0">
+            <a:schemeClr val="accent1"/>
+          </a:effectRef>
+          <a:fontRef idx="minor">
+            <a:schemeClr val="lt1"/>
+          </a:fontRef>
+        </p:style>
+        <p:txBody>
+          <a:bodyPr rtlCol="0" anchor="ctr"/>
+          <a:lstStyle/>
+          <a:p>
+            <a:pPr algn="ctr"/>
+            <a:r>
+              <a:rPr lang="en-IN" dirty="0"/>
+              <a:t>NAV COMPONENT + CSS</a:t>
+            </a:r>
+          </a:p>
+        </p:txBody>
+      </p:sp>
+      <p:sp>
+        <p:nvSpPr>
+          <p:cNvPr id="7" name="Rectangle 6">
+            <a:extLst>
+              <a:ext uri="{FF2B5EF4-FFF2-40B4-BE49-F238E27FC236}">
+                <a16:creationId xmlns:a16="http://schemas.microsoft.com/office/drawing/2014/main" id="{FDB5F6C1-BF95-016A-F350-95238A4F00A9}"/>
+              </a:ext>
+            </a:extLst>
+          </p:cNvPr>
+          <p:cNvSpPr/>
+          <p:nvPr/>
+        </p:nvSpPr>
+        <p:spPr>
+          <a:xfrm>
+            <a:off x="2207909" y="2949615"/>
+            <a:ext cx="1537855" cy="2876203"/>
+          </a:xfrm>
+          <a:prstGeom prst="rect">
+            <a:avLst/>
+          </a:prstGeom>
+        </p:spPr>
+        <p:style>
+          <a:lnRef idx="2">
+            <a:schemeClr val="accent1">
+              <a:shade val="50000"/>
+            </a:schemeClr>
+          </a:lnRef>
+          <a:fillRef idx="1">
+            <a:schemeClr val="accent1"/>
+          </a:fillRef>
+          <a:effectRef idx="0">
+            <a:schemeClr val="accent1"/>
+          </a:effectRef>
+          <a:fontRef idx="minor">
+            <a:schemeClr val="lt1"/>
+          </a:fontRef>
+        </p:style>
+        <p:txBody>
+          <a:bodyPr rtlCol="0" anchor="ctr"/>
+          <a:lstStyle/>
+          <a:p>
+            <a:pPr algn="ctr"/>
+            <a:r>
+              <a:rPr lang="en-IN"/>
+              <a:t>SIDE NAV COMPONENT</a:t>
+            </a:r>
+          </a:p>
+          <a:p>
+            <a:pPr algn="ctr"/>
+            <a:r>
+              <a:rPr lang="en-IN" dirty="0"/>
+              <a:t>+ CSS</a:t>
+            </a:r>
+          </a:p>
+        </p:txBody>
+      </p:sp>
+      <p:sp>
+        <p:nvSpPr>
+          <p:cNvPr id="8" name="Rectangle 7">
+            <a:extLst>
+              <a:ext uri="{FF2B5EF4-FFF2-40B4-BE49-F238E27FC236}">
+                <a16:creationId xmlns:a16="http://schemas.microsoft.com/office/drawing/2014/main" id="{F764357E-45CB-5E90-7C5E-825E7651ABE5}"/>
+              </a:ext>
+            </a:extLst>
+          </p:cNvPr>
+          <p:cNvSpPr/>
+          <p:nvPr/>
+        </p:nvSpPr>
+        <p:spPr>
+          <a:xfrm>
+            <a:off x="3843093" y="2949615"/>
+            <a:ext cx="3649287" cy="1371600"/>
+          </a:xfrm>
+          <a:prstGeom prst="rect">
+            <a:avLst/>
+          </a:prstGeom>
+        </p:spPr>
+        <p:style>
+          <a:lnRef idx="2">
+            <a:schemeClr val="accent3">
+              <a:shade val="50000"/>
+            </a:schemeClr>
+          </a:lnRef>
+          <a:fillRef idx="1">
+            <a:schemeClr val="accent3"/>
+          </a:fillRef>
+          <a:effectRef idx="0">
+            <a:schemeClr val="accent3"/>
+          </a:effectRef>
+          <a:fontRef idx="minor">
+            <a:schemeClr val="lt1"/>
+          </a:fontRef>
+        </p:style>
+        <p:txBody>
+          <a:bodyPr rtlCol="0" anchor="ctr"/>
+          <a:lstStyle/>
+          <a:p>
+            <a:pPr algn="ctr"/>
+            <a:r>
+              <a:rPr lang="en-IN"/>
+              <a:t>LIST COMPONENT</a:t>
+            </a:r>
+          </a:p>
+          <a:p>
+            <a:pPr algn="ctr"/>
+            <a:r>
+              <a:rPr lang="en-IN"/>
+              <a:t>+ CSS</a:t>
+            </a:r>
+          </a:p>
+        </p:txBody>
+      </p:sp>
+      <p:sp>
+        <p:nvSpPr>
+          <p:cNvPr id="9" name="Rectangle 8">
+            <a:extLst>
+              <a:ext uri="{FF2B5EF4-FFF2-40B4-BE49-F238E27FC236}">
+                <a16:creationId xmlns:a16="http://schemas.microsoft.com/office/drawing/2014/main" id="{9D350B3B-A5A3-7D85-AA5C-A36B0BA2C83E}"/>
+              </a:ext>
+            </a:extLst>
+          </p:cNvPr>
+          <p:cNvSpPr/>
+          <p:nvPr/>
+        </p:nvSpPr>
+        <p:spPr>
+          <a:xfrm>
+            <a:off x="3843093" y="4396029"/>
+            <a:ext cx="3649287" cy="1429789"/>
+          </a:xfrm>
+          <a:prstGeom prst="rect">
+            <a:avLst/>
+          </a:prstGeom>
+        </p:spPr>
+        <p:style>
+          <a:lnRef idx="2">
+            <a:schemeClr val="accent3">
+              <a:shade val="50000"/>
+            </a:schemeClr>
+          </a:lnRef>
+          <a:fillRef idx="1">
+            <a:schemeClr val="accent3"/>
+          </a:fillRef>
+          <a:effectRef idx="0">
+            <a:schemeClr val="accent3"/>
+          </a:effectRef>
+          <a:fontRef idx="minor">
+            <a:schemeClr val="lt1"/>
+          </a:fontRef>
+        </p:style>
+        <p:txBody>
+          <a:bodyPr rtlCol="0" anchor="ctr"/>
+          <a:lstStyle/>
+          <a:p>
+            <a:pPr algn="ctr"/>
+            <a:r>
+              <a:rPr lang="en-IN"/>
+              <a:t>DETAILS COMPONENT</a:t>
+            </a:r>
+          </a:p>
+          <a:p>
+            <a:pPr algn="ctr"/>
+            <a:r>
+              <a:rPr lang="en-IN"/>
+              <a:t>+ CSS</a:t>
+            </a:r>
+          </a:p>
+        </p:txBody>
+      </p:sp>
+      <p:sp>
+        <p:nvSpPr>
+          <p:cNvPr id="10" name="Rectangle 9">
+            <a:extLst>
+              <a:ext uri="{FF2B5EF4-FFF2-40B4-BE49-F238E27FC236}">
+                <a16:creationId xmlns:a16="http://schemas.microsoft.com/office/drawing/2014/main" id="{BE68E8B4-C2E3-4875-1A56-D4F6EC21CCDC}"/>
+              </a:ext>
+            </a:extLst>
+          </p:cNvPr>
+          <p:cNvSpPr/>
+          <p:nvPr/>
+        </p:nvSpPr>
+        <p:spPr>
+          <a:xfrm>
+            <a:off x="2207909" y="5894861"/>
+            <a:ext cx="5286895" cy="490451"/>
+          </a:xfrm>
+          <a:prstGeom prst="rect">
+            <a:avLst/>
+          </a:prstGeom>
+        </p:spPr>
+        <p:style>
+          <a:lnRef idx="2">
+            <a:schemeClr val="accent6">
+              <a:shade val="50000"/>
+            </a:schemeClr>
+          </a:lnRef>
+          <a:fillRef idx="1">
+            <a:schemeClr val="accent6"/>
+          </a:fillRef>
+          <a:effectRef idx="0">
+            <a:schemeClr val="accent6"/>
+          </a:effectRef>
+          <a:fontRef idx="minor">
+            <a:schemeClr val="lt1"/>
+          </a:fontRef>
+        </p:style>
+        <p:txBody>
+          <a:bodyPr rtlCol="0" anchor="ctr"/>
+          <a:lstStyle/>
+          <a:p>
+            <a:pPr algn="ctr"/>
+            <a:r>
+              <a:rPr lang="en-IN" dirty="0"/>
+              <a:t>STATUS COMPONENT + CSS</a:t>
+            </a:r>
+          </a:p>
+        </p:txBody>
+      </p:sp>
+    </p:spTree>
+    <p:extLst>
+      <p:ext uri="{BB962C8B-B14F-4D97-AF65-F5344CB8AC3E}">
+        <p14:creationId xmlns:p14="http://schemas.microsoft.com/office/powerpoint/2010/main" val="985421046"/>
+      </p:ext>
+    </p:extLst>
+  </p:cSld>
+  <p:clrMapOvr>
+    <a:masterClrMapping/>
+  </p:clrMapOvr>
+</p:sld>
+</file>
+
+<file path=ppt/slides/slide9.xml><?xml version="1.0" encoding="utf-8"?>
+<p:sld xmlns:a="http://schemas.openxmlformats.org/drawingml/2006/main" xmlns:r="http://schemas.openxmlformats.org/officeDocument/2006/relationships" xmlns:p="http://schemas.openxmlformats.org/presentationml/2006/main">
+  <p:cSld>
+    <p:spTree>
+      <p:nvGrpSpPr>
+        <p:cNvPr id="1" name=""/>
+        <p:cNvGrpSpPr/>
+        <p:nvPr/>
+      </p:nvGrpSpPr>
+      <p:grpSpPr>
+        <a:xfrm>
+          <a:off x="0" y="0"/>
+          <a:ext cx="0" cy="0"/>
+          <a:chOff x="0" y="0"/>
+          <a:chExt cx="0" cy="0"/>
+        </a:xfrm>
+      </p:grpSpPr>
+      <p:sp>
+        <p:nvSpPr>
+          <p:cNvPr id="4" name="Rectangle 3">
+            <a:extLst>
+              <a:ext uri="{FF2B5EF4-FFF2-40B4-BE49-F238E27FC236}">
+                <a16:creationId xmlns:a16="http://schemas.microsoft.com/office/drawing/2014/main" id="{190940D9-D33B-6BD7-334E-131E31BFEF5B}"/>
+              </a:ext>
+            </a:extLst>
+          </p:cNvPr>
+          <p:cNvSpPr/>
+          <p:nvPr/>
+        </p:nvSpPr>
+        <p:spPr>
+          <a:xfrm>
+            <a:off x="1388225" y="432262"/>
+            <a:ext cx="2144684" cy="706581"/>
+          </a:xfrm>
+          <a:prstGeom prst="rect">
+            <a:avLst/>
+          </a:prstGeom>
+        </p:spPr>
+        <p:style>
+          <a:lnRef idx="2">
+            <a:schemeClr val="accent1">
+              <a:shade val="50000"/>
+            </a:schemeClr>
+          </a:lnRef>
+          <a:fillRef idx="1">
+            <a:schemeClr val="accent1"/>
+          </a:fillRef>
+          <a:effectRef idx="0">
+            <a:schemeClr val="accent1"/>
+          </a:effectRef>
+          <a:fontRef idx="minor">
+            <a:schemeClr val="lt1"/>
+          </a:fontRef>
+        </p:style>
+        <p:txBody>
+          <a:bodyPr rtlCol="0" anchor="ctr"/>
+          <a:lstStyle/>
+          <a:p>
+            <a:pPr algn="ctr"/>
+            <a:r>
+              <a:rPr lang="en-US" dirty="0"/>
+              <a:t>.</a:t>
+            </a:r>
+            <a:r>
+              <a:rPr lang="en-US" dirty="0" err="1"/>
+              <a:t>ts</a:t>
+            </a:r>
+            <a:r>
+              <a:rPr lang="en-US" dirty="0"/>
+              <a:t> files</a:t>
+            </a:r>
+          </a:p>
+        </p:txBody>
+      </p:sp>
+      <p:sp>
+        <p:nvSpPr>
+          <p:cNvPr id="5" name="Rectangle: Rounded Corners 4">
+            <a:extLst>
+              <a:ext uri="{FF2B5EF4-FFF2-40B4-BE49-F238E27FC236}">
+                <a16:creationId xmlns:a16="http://schemas.microsoft.com/office/drawing/2014/main" id="{00FA7738-FD63-B8EE-03A6-367985E34D42}"/>
+              </a:ext>
+            </a:extLst>
+          </p:cNvPr>
+          <p:cNvSpPr/>
+          <p:nvPr/>
+        </p:nvSpPr>
+        <p:spPr>
+          <a:xfrm>
+            <a:off x="1388225" y="1803862"/>
+            <a:ext cx="2144684" cy="631767"/>
+          </a:xfrm>
+          <a:prstGeom prst="roundRect">
+            <a:avLst/>
+          </a:prstGeom>
+        </p:spPr>
+        <p:style>
+          <a:lnRef idx="2">
+            <a:schemeClr val="accent1">
+              <a:shade val="50000"/>
+            </a:schemeClr>
+          </a:lnRef>
+          <a:fillRef idx="1">
+            <a:schemeClr val="accent1"/>
+          </a:fillRef>
+          <a:effectRef idx="0">
+            <a:schemeClr val="accent1"/>
+          </a:effectRef>
+          <a:fontRef idx="minor">
+            <a:schemeClr val="lt1"/>
+          </a:fontRef>
+        </p:style>
+        <p:txBody>
+          <a:bodyPr rtlCol="0" anchor="ctr"/>
+          <a:lstStyle/>
+          <a:p>
+            <a:pPr algn="ctr"/>
+            <a:r>
+              <a:rPr lang="en-US" dirty="0" err="1"/>
+              <a:t>tsc</a:t>
+            </a:r>
+            <a:endParaRPr lang="en-US" dirty="0"/>
+          </a:p>
+        </p:txBody>
+      </p:sp>
+      <p:sp>
+        <p:nvSpPr>
+          <p:cNvPr id="6" name="Rectangle 5">
+            <a:extLst>
+              <a:ext uri="{FF2B5EF4-FFF2-40B4-BE49-F238E27FC236}">
+                <a16:creationId xmlns:a16="http://schemas.microsoft.com/office/drawing/2014/main" id="{D4E5429B-E415-62FA-26C1-C2BA52243D3E}"/>
+              </a:ext>
+            </a:extLst>
+          </p:cNvPr>
+          <p:cNvSpPr/>
+          <p:nvPr/>
+        </p:nvSpPr>
+        <p:spPr>
+          <a:xfrm>
+            <a:off x="1388225" y="3100648"/>
+            <a:ext cx="2144684" cy="706581"/>
+          </a:xfrm>
+          <a:prstGeom prst="rect">
+            <a:avLst/>
+          </a:prstGeom>
+        </p:spPr>
+        <p:style>
+          <a:lnRef idx="2">
+            <a:schemeClr val="accent1">
+              <a:shade val="50000"/>
+            </a:schemeClr>
+          </a:lnRef>
+          <a:fillRef idx="1">
+            <a:schemeClr val="accent1"/>
+          </a:fillRef>
+          <a:effectRef idx="0">
+            <a:schemeClr val="accent1"/>
+          </a:effectRef>
+          <a:fontRef idx="minor">
+            <a:schemeClr val="lt1"/>
+          </a:fontRef>
+        </p:style>
+        <p:txBody>
+          <a:bodyPr rtlCol="0" anchor="ctr"/>
+          <a:lstStyle/>
+          <a:p>
+            <a:pPr algn="ctr"/>
+            <a:r>
+              <a:rPr lang="en-US" dirty="0"/>
+              <a:t>.</a:t>
+            </a:r>
+            <a:r>
+              <a:rPr lang="en-US" dirty="0" err="1"/>
+              <a:t>js</a:t>
+            </a:r>
+            <a:r>
+              <a:rPr lang="en-US" dirty="0"/>
+              <a:t> files</a:t>
+            </a:r>
+          </a:p>
+        </p:txBody>
+      </p:sp>
+      <p:sp>
+        <p:nvSpPr>
+          <p:cNvPr id="7" name="Rectangle 6">
+            <a:extLst>
+              <a:ext uri="{FF2B5EF4-FFF2-40B4-BE49-F238E27FC236}">
+                <a16:creationId xmlns:a16="http://schemas.microsoft.com/office/drawing/2014/main" id="{E46D9551-67F0-EB5F-3FCB-755E3F843AAE}"/>
+              </a:ext>
+            </a:extLst>
+          </p:cNvPr>
+          <p:cNvSpPr/>
+          <p:nvPr/>
+        </p:nvSpPr>
+        <p:spPr>
+          <a:xfrm>
+            <a:off x="1388225" y="4472248"/>
+            <a:ext cx="2144684" cy="706581"/>
+          </a:xfrm>
+          <a:prstGeom prst="rect">
+            <a:avLst/>
+          </a:prstGeom>
+        </p:spPr>
+        <p:style>
+          <a:lnRef idx="2">
+            <a:schemeClr val="accent1">
+              <a:shade val="50000"/>
+            </a:schemeClr>
+          </a:lnRef>
+          <a:fillRef idx="1">
+            <a:schemeClr val="accent1"/>
+          </a:fillRef>
+          <a:effectRef idx="0">
+            <a:schemeClr val="accent1"/>
+          </a:effectRef>
+          <a:fontRef idx="minor">
+            <a:schemeClr val="lt1"/>
+          </a:fontRef>
+        </p:style>
+        <p:txBody>
+          <a:bodyPr rtlCol="0" anchor="ctr"/>
+          <a:lstStyle/>
+          <a:p>
+            <a:pPr algn="ctr"/>
+            <a:r>
+              <a:rPr lang="en-US" dirty="0"/>
+              <a:t>.html page</a:t>
+            </a:r>
+          </a:p>
+        </p:txBody>
+      </p:sp>
+      <p:cxnSp>
+        <p:nvCxnSpPr>
+          <p:cNvPr id="8" name="Straight Arrow Connector 7">
+            <a:extLst>
+              <a:ext uri="{FF2B5EF4-FFF2-40B4-BE49-F238E27FC236}">
+                <a16:creationId xmlns:a16="http://schemas.microsoft.com/office/drawing/2014/main" id="{5482207F-1128-10E6-94CF-008D8BB7A68E}"/>
+              </a:ext>
+            </a:extLst>
+          </p:cNvPr>
+          <p:cNvCxnSpPr>
+            <a:stCxn id="4" idx="2"/>
+            <a:endCxn id="5" idx="0"/>
+          </p:cNvCxnSpPr>
+          <p:nvPr/>
+        </p:nvCxnSpPr>
+        <p:spPr>
+          <a:xfrm>
+            <a:off x="2460567" y="1138843"/>
+            <a:ext cx="0" cy="665019"/>
+          </a:xfrm>
+          <a:prstGeom prst="straightConnector1">
+            <a:avLst/>
+          </a:prstGeom>
+          <a:ln>
+            <a:tailEnd type="triangle"/>
+          </a:ln>
+        </p:spPr>
+        <p:style>
+          <a:lnRef idx="1">
+            <a:schemeClr val="accent1"/>
+          </a:lnRef>
+          <a:fillRef idx="0">
+            <a:schemeClr val="accent1"/>
+          </a:fillRef>
+          <a:effectRef idx="0">
+            <a:schemeClr val="accent1"/>
+          </a:effectRef>
+          <a:fontRef idx="minor">
+            <a:schemeClr val="tx1"/>
+          </a:fontRef>
+        </p:style>
+      </p:cxnSp>
+      <p:sp>
+        <p:nvSpPr>
+          <p:cNvPr id="9" name="TextBox 8">
+            <a:extLst>
+              <a:ext uri="{FF2B5EF4-FFF2-40B4-BE49-F238E27FC236}">
+                <a16:creationId xmlns:a16="http://schemas.microsoft.com/office/drawing/2014/main" id="{41A10B9E-6A5B-A6FC-8C34-A9D9ED03E39F}"/>
+              </a:ext>
+            </a:extLst>
+          </p:cNvPr>
+          <p:cNvSpPr txBox="1"/>
+          <p:nvPr/>
+        </p:nvSpPr>
+        <p:spPr>
+          <a:xfrm>
+            <a:off x="2460567" y="1286686"/>
+            <a:ext cx="2036263" cy="369332"/>
+          </a:xfrm>
+          <a:prstGeom prst="rect">
+            <a:avLst/>
+          </a:prstGeom>
+          <a:noFill/>
+        </p:spPr>
+        <p:txBody>
+          <a:bodyPr wrap="none" rtlCol="0">
+            <a:spAutoFit/>
+          </a:bodyPr>
+          <a:lstStyle/>
+          <a:p>
+            <a:r>
+              <a:rPr lang="en-US" dirty="0"/>
+              <a:t>Will be compiled by</a:t>
+            </a:r>
+          </a:p>
+        </p:txBody>
+      </p:sp>
+      <p:cxnSp>
+        <p:nvCxnSpPr>
+          <p:cNvPr id="10" name="Straight Arrow Connector 9">
+            <a:extLst>
+              <a:ext uri="{FF2B5EF4-FFF2-40B4-BE49-F238E27FC236}">
+                <a16:creationId xmlns:a16="http://schemas.microsoft.com/office/drawing/2014/main" id="{48D85733-B13B-3384-DED7-84D1A15CBD84}"/>
+              </a:ext>
+            </a:extLst>
+          </p:cNvPr>
+          <p:cNvCxnSpPr>
+            <a:cxnSpLocks/>
+            <a:stCxn id="5" idx="2"/>
+            <a:endCxn id="6" idx="0"/>
+          </p:cNvCxnSpPr>
+          <p:nvPr/>
+        </p:nvCxnSpPr>
+        <p:spPr>
+          <a:xfrm>
+            <a:off x="2460567" y="2435629"/>
+            <a:ext cx="0" cy="665019"/>
+          </a:xfrm>
+          <a:prstGeom prst="straightConnector1">
+            <a:avLst/>
+          </a:prstGeom>
+          <a:ln>
+            <a:tailEnd type="triangle"/>
+          </a:ln>
+        </p:spPr>
+        <p:style>
+          <a:lnRef idx="1">
+            <a:schemeClr val="accent1"/>
+          </a:lnRef>
+          <a:fillRef idx="0">
+            <a:schemeClr val="accent1"/>
+          </a:fillRef>
+          <a:effectRef idx="0">
+            <a:schemeClr val="accent1"/>
+          </a:effectRef>
+          <a:fontRef idx="minor">
+            <a:schemeClr val="tx1"/>
+          </a:fontRef>
+        </p:style>
+      </p:cxnSp>
+      <p:sp>
+        <p:nvSpPr>
+          <p:cNvPr id="11" name="TextBox 10">
+            <a:extLst>
+              <a:ext uri="{FF2B5EF4-FFF2-40B4-BE49-F238E27FC236}">
+                <a16:creationId xmlns:a16="http://schemas.microsoft.com/office/drawing/2014/main" id="{DE137C97-95F7-CA46-C66D-A4B92364654D}"/>
+              </a:ext>
+            </a:extLst>
+          </p:cNvPr>
+          <p:cNvSpPr txBox="1"/>
+          <p:nvPr/>
+        </p:nvSpPr>
+        <p:spPr>
+          <a:xfrm>
+            <a:off x="2460567" y="2583472"/>
+            <a:ext cx="1171796" cy="369332"/>
+          </a:xfrm>
+          <a:prstGeom prst="rect">
+            <a:avLst/>
+          </a:prstGeom>
+          <a:noFill/>
+        </p:spPr>
+        <p:txBody>
+          <a:bodyPr wrap="none" rtlCol="0">
+            <a:spAutoFit/>
+          </a:bodyPr>
+          <a:lstStyle/>
+          <a:p>
+            <a:r>
+              <a:rPr lang="en-US" dirty="0"/>
+              <a:t>Convert to</a:t>
+            </a:r>
+          </a:p>
+        </p:txBody>
+      </p:sp>
+      <p:cxnSp>
+        <p:nvCxnSpPr>
+          <p:cNvPr id="12" name="Straight Arrow Connector 11">
+            <a:extLst>
+              <a:ext uri="{FF2B5EF4-FFF2-40B4-BE49-F238E27FC236}">
+                <a16:creationId xmlns:a16="http://schemas.microsoft.com/office/drawing/2014/main" id="{C26D9AA0-BB55-5875-AFC5-01E60E671714}"/>
+              </a:ext>
+            </a:extLst>
+          </p:cNvPr>
+          <p:cNvCxnSpPr>
+            <a:stCxn id="6" idx="2"/>
+            <a:endCxn id="7" idx="0"/>
+          </p:cNvCxnSpPr>
+          <p:nvPr/>
+        </p:nvCxnSpPr>
+        <p:spPr>
+          <a:xfrm>
+            <a:off x="2460567" y="3807229"/>
+            <a:ext cx="0" cy="665019"/>
+          </a:xfrm>
+          <a:prstGeom prst="straightConnector1">
+            <a:avLst/>
+          </a:prstGeom>
+          <a:ln>
+            <a:tailEnd type="triangle"/>
+          </a:ln>
+        </p:spPr>
+        <p:style>
+          <a:lnRef idx="1">
+            <a:schemeClr val="accent1"/>
+          </a:lnRef>
+          <a:fillRef idx="0">
+            <a:schemeClr val="accent1"/>
+          </a:fillRef>
+          <a:effectRef idx="0">
+            <a:schemeClr val="accent1"/>
+          </a:effectRef>
+          <a:fontRef idx="minor">
+            <a:schemeClr val="tx1"/>
+          </a:fontRef>
+        </p:style>
+      </p:cxnSp>
+      <p:sp>
+        <p:nvSpPr>
+          <p:cNvPr id="13" name="TextBox 12">
+            <a:extLst>
+              <a:ext uri="{FF2B5EF4-FFF2-40B4-BE49-F238E27FC236}">
+                <a16:creationId xmlns:a16="http://schemas.microsoft.com/office/drawing/2014/main" id="{DD0FC227-8B40-307D-C494-A7BCBD774AA0}"/>
+              </a:ext>
+            </a:extLst>
+          </p:cNvPr>
+          <p:cNvSpPr txBox="1"/>
+          <p:nvPr/>
+        </p:nvSpPr>
+        <p:spPr>
+          <a:xfrm>
+            <a:off x="2460567" y="3938446"/>
+            <a:ext cx="906980" cy="369332"/>
+          </a:xfrm>
+          <a:prstGeom prst="rect">
+            <a:avLst/>
+          </a:prstGeom>
+          <a:noFill/>
+        </p:spPr>
+        <p:txBody>
+          <a:bodyPr wrap="none" rtlCol="0">
+            <a:spAutoFit/>
+          </a:bodyPr>
+          <a:lstStyle/>
+          <a:p>
+            <a:r>
+              <a:rPr lang="en-US" dirty="0"/>
+              <a:t>Refer in</a:t>
+            </a:r>
+          </a:p>
+        </p:txBody>
+      </p:sp>
+      <p:sp>
+        <p:nvSpPr>
+          <p:cNvPr id="14" name="Rectangle 13">
+            <a:extLst>
+              <a:ext uri="{FF2B5EF4-FFF2-40B4-BE49-F238E27FC236}">
+                <a16:creationId xmlns:a16="http://schemas.microsoft.com/office/drawing/2014/main" id="{A5B0284F-4E42-81F2-A5C8-66D1A8F068F9}"/>
+              </a:ext>
+            </a:extLst>
+          </p:cNvPr>
+          <p:cNvSpPr/>
+          <p:nvPr/>
+        </p:nvSpPr>
+        <p:spPr>
+          <a:xfrm>
+            <a:off x="1388225" y="5843848"/>
+            <a:ext cx="2144684" cy="706581"/>
+          </a:xfrm>
+          <a:prstGeom prst="rect">
+            <a:avLst/>
+          </a:prstGeom>
+        </p:spPr>
+        <p:style>
+          <a:lnRef idx="2">
+            <a:schemeClr val="accent1">
+              <a:shade val="50000"/>
+            </a:schemeClr>
+          </a:lnRef>
+          <a:fillRef idx="1">
+            <a:schemeClr val="accent1"/>
+          </a:fillRef>
+          <a:effectRef idx="0">
+            <a:schemeClr val="accent1"/>
+          </a:effectRef>
+          <a:fontRef idx="minor">
+            <a:schemeClr val="lt1"/>
+          </a:fontRef>
+        </p:style>
+        <p:txBody>
+          <a:bodyPr rtlCol="0" anchor="ctr"/>
+          <a:lstStyle/>
+          <a:p>
+            <a:pPr algn="ctr"/>
+            <a:r>
+              <a:rPr lang="en-US" dirty="0"/>
+              <a:t>BROWSER</a:t>
+            </a:r>
+          </a:p>
+        </p:txBody>
+      </p:sp>
+      <p:cxnSp>
+        <p:nvCxnSpPr>
+          <p:cNvPr id="15" name="Straight Arrow Connector 14">
+            <a:extLst>
+              <a:ext uri="{FF2B5EF4-FFF2-40B4-BE49-F238E27FC236}">
+                <a16:creationId xmlns:a16="http://schemas.microsoft.com/office/drawing/2014/main" id="{0D137E99-3A5D-3A85-E821-17E1F8BF962E}"/>
+              </a:ext>
+            </a:extLst>
+          </p:cNvPr>
+          <p:cNvCxnSpPr>
+            <a:stCxn id="7" idx="2"/>
+            <a:endCxn id="14" idx="0"/>
+          </p:cNvCxnSpPr>
+          <p:nvPr/>
+        </p:nvCxnSpPr>
+        <p:spPr>
+          <a:xfrm>
+            <a:off x="2460567" y="5178829"/>
+            <a:ext cx="0" cy="665019"/>
+          </a:xfrm>
+          <a:prstGeom prst="straightConnector1">
+            <a:avLst/>
+          </a:prstGeom>
+          <a:ln>
+            <a:tailEnd type="triangle"/>
+          </a:ln>
+        </p:spPr>
+        <p:style>
+          <a:lnRef idx="1">
+            <a:schemeClr val="accent1"/>
+          </a:lnRef>
+          <a:fillRef idx="0">
+            <a:schemeClr val="accent1"/>
+          </a:fillRef>
+          <a:effectRef idx="0">
+            <a:schemeClr val="accent1"/>
+          </a:effectRef>
+          <a:fontRef idx="minor">
+            <a:schemeClr val="tx1"/>
+          </a:fontRef>
+        </p:style>
+      </p:cxnSp>
+      <p:sp>
+        <p:nvSpPr>
+          <p:cNvPr id="16" name="TextBox 15">
+            <a:extLst>
+              <a:ext uri="{FF2B5EF4-FFF2-40B4-BE49-F238E27FC236}">
+                <a16:creationId xmlns:a16="http://schemas.microsoft.com/office/drawing/2014/main" id="{8AB24F6D-A743-9317-1807-AD744C2B77C8}"/>
+              </a:ext>
+            </a:extLst>
+          </p:cNvPr>
+          <p:cNvSpPr txBox="1"/>
+          <p:nvPr/>
+        </p:nvSpPr>
+        <p:spPr>
+          <a:xfrm>
+            <a:off x="2460567" y="5326674"/>
+            <a:ext cx="923651" cy="369332"/>
+          </a:xfrm>
+          <a:prstGeom prst="rect">
+            <a:avLst/>
+          </a:prstGeom>
+          <a:noFill/>
+        </p:spPr>
+        <p:txBody>
+          <a:bodyPr wrap="none" rtlCol="0">
+            <a:spAutoFit/>
+          </a:bodyPr>
+          <a:lstStyle/>
+          <a:p>
+            <a:r>
+              <a:rPr lang="en-US" dirty="0"/>
+              <a:t>Open in</a:t>
+            </a:r>
+          </a:p>
+        </p:txBody>
+      </p:sp>
+      <p:sp>
+        <p:nvSpPr>
+          <p:cNvPr id="17" name="Rectangle 16">
+            <a:extLst>
+              <a:ext uri="{FF2B5EF4-FFF2-40B4-BE49-F238E27FC236}">
+                <a16:creationId xmlns:a16="http://schemas.microsoft.com/office/drawing/2014/main" id="{4249242A-8E9A-6018-BE6D-B8C6F618521E}"/>
+              </a:ext>
+            </a:extLst>
+          </p:cNvPr>
+          <p:cNvSpPr/>
+          <p:nvPr/>
+        </p:nvSpPr>
+        <p:spPr>
+          <a:xfrm>
+            <a:off x="7323366" y="432262"/>
+            <a:ext cx="2144684" cy="706581"/>
+          </a:xfrm>
+          <a:prstGeom prst="rect">
+            <a:avLst/>
+          </a:prstGeom>
+        </p:spPr>
+        <p:style>
+          <a:lnRef idx="2">
+            <a:schemeClr val="accent1">
+              <a:shade val="50000"/>
+            </a:schemeClr>
+          </a:lnRef>
+          <a:fillRef idx="1">
+            <a:schemeClr val="accent1"/>
+          </a:fillRef>
+          <a:effectRef idx="0">
+            <a:schemeClr val="accent1"/>
+          </a:effectRef>
+          <a:fontRef idx="minor">
+            <a:schemeClr val="lt1"/>
+          </a:fontRef>
+        </p:style>
+        <p:txBody>
+          <a:bodyPr rtlCol="0" anchor="ctr"/>
+          <a:lstStyle/>
+          <a:p>
+            <a:pPr algn="ctr"/>
+            <a:r>
+              <a:rPr lang="en-US" dirty="0"/>
+              <a:t>.</a:t>
+            </a:r>
+            <a:r>
+              <a:rPr lang="en-US" dirty="0" err="1"/>
+              <a:t>ts</a:t>
+            </a:r>
+            <a:r>
+              <a:rPr lang="en-US" dirty="0"/>
+              <a:t> files</a:t>
+            </a:r>
+          </a:p>
+        </p:txBody>
+      </p:sp>
+      <p:sp>
+        <p:nvSpPr>
+          <p:cNvPr id="18" name="Rectangle: Rounded Corners 17">
+            <a:extLst>
+              <a:ext uri="{FF2B5EF4-FFF2-40B4-BE49-F238E27FC236}">
+                <a16:creationId xmlns:a16="http://schemas.microsoft.com/office/drawing/2014/main" id="{76C958F3-846D-BA13-E1D6-643EDB586445}"/>
+              </a:ext>
+            </a:extLst>
+          </p:cNvPr>
+          <p:cNvSpPr/>
+          <p:nvPr/>
+        </p:nvSpPr>
+        <p:spPr>
+          <a:xfrm>
+            <a:off x="7323366" y="1803862"/>
+            <a:ext cx="2144684" cy="631767"/>
+          </a:xfrm>
+          <a:prstGeom prst="roundRect">
+            <a:avLst/>
+          </a:prstGeom>
+        </p:spPr>
+        <p:style>
+          <a:lnRef idx="2">
+            <a:schemeClr val="accent1">
+              <a:shade val="50000"/>
+            </a:schemeClr>
+          </a:lnRef>
+          <a:fillRef idx="1">
+            <a:schemeClr val="accent1"/>
+          </a:fillRef>
+          <a:effectRef idx="0">
+            <a:schemeClr val="accent1"/>
+          </a:effectRef>
+          <a:fontRef idx="minor">
+            <a:schemeClr val="lt1"/>
+          </a:fontRef>
+        </p:style>
+        <p:txBody>
+          <a:bodyPr rtlCol="0" anchor="ctr"/>
+          <a:lstStyle/>
+          <a:p>
+            <a:pPr algn="ctr"/>
+            <a:r>
+              <a:rPr lang="en-US" dirty="0" err="1"/>
+              <a:t>tsc</a:t>
+            </a:r>
+            <a:endParaRPr lang="en-US" dirty="0"/>
+          </a:p>
+        </p:txBody>
+      </p:sp>
+      <p:sp>
+        <p:nvSpPr>
+          <p:cNvPr id="19" name="Rectangle 18">
+            <a:extLst>
+              <a:ext uri="{FF2B5EF4-FFF2-40B4-BE49-F238E27FC236}">
+                <a16:creationId xmlns:a16="http://schemas.microsoft.com/office/drawing/2014/main" id="{51A0F073-6C13-B7C6-B5D8-0F2598085F31}"/>
+              </a:ext>
+            </a:extLst>
+          </p:cNvPr>
+          <p:cNvSpPr/>
+          <p:nvPr/>
+        </p:nvSpPr>
+        <p:spPr>
+          <a:xfrm>
+            <a:off x="7323366" y="3100648"/>
+            <a:ext cx="2144684" cy="706581"/>
+          </a:xfrm>
+          <a:prstGeom prst="rect">
+            <a:avLst/>
+          </a:prstGeom>
+        </p:spPr>
+        <p:style>
+          <a:lnRef idx="2">
+            <a:schemeClr val="accent1">
+              <a:shade val="50000"/>
+            </a:schemeClr>
+          </a:lnRef>
+          <a:fillRef idx="1">
+            <a:schemeClr val="accent1"/>
+          </a:fillRef>
+          <a:effectRef idx="0">
+            <a:schemeClr val="accent1"/>
+          </a:effectRef>
+          <a:fontRef idx="minor">
+            <a:schemeClr val="lt1"/>
+          </a:fontRef>
+        </p:style>
+        <p:txBody>
+          <a:bodyPr rtlCol="0" anchor="ctr"/>
+          <a:lstStyle/>
+          <a:p>
+            <a:pPr algn="ctr"/>
+            <a:r>
+              <a:rPr lang="en-US" dirty="0"/>
+              <a:t>.</a:t>
+            </a:r>
+            <a:r>
+              <a:rPr lang="en-US" dirty="0" err="1"/>
+              <a:t>js</a:t>
+            </a:r>
+            <a:r>
+              <a:rPr lang="en-US" dirty="0"/>
+              <a:t> files</a:t>
+            </a:r>
+          </a:p>
+        </p:txBody>
+      </p:sp>
+      <p:sp>
+        <p:nvSpPr>
+          <p:cNvPr id="20" name="Rectangle 19">
+            <a:extLst>
+              <a:ext uri="{FF2B5EF4-FFF2-40B4-BE49-F238E27FC236}">
+                <a16:creationId xmlns:a16="http://schemas.microsoft.com/office/drawing/2014/main" id="{465B32DC-747C-AA2C-579E-A94A5056C95D}"/>
+              </a:ext>
+            </a:extLst>
+          </p:cNvPr>
+          <p:cNvSpPr/>
+          <p:nvPr/>
+        </p:nvSpPr>
+        <p:spPr>
+          <a:xfrm>
+            <a:off x="7323366" y="4472248"/>
+            <a:ext cx="2144684" cy="706581"/>
+          </a:xfrm>
+          <a:prstGeom prst="rect">
+            <a:avLst/>
+          </a:prstGeom>
+        </p:spPr>
+        <p:style>
+          <a:lnRef idx="2">
+            <a:schemeClr val="accent1">
+              <a:shade val="50000"/>
+            </a:schemeClr>
+          </a:lnRef>
+          <a:fillRef idx="1">
+            <a:schemeClr val="accent1"/>
+          </a:fillRef>
+          <a:effectRef idx="0">
+            <a:schemeClr val="accent1"/>
+          </a:effectRef>
+          <a:fontRef idx="minor">
+            <a:schemeClr val="lt1"/>
+          </a:fontRef>
+        </p:style>
+        <p:txBody>
+          <a:bodyPr rtlCol="0" anchor="ctr"/>
+          <a:lstStyle/>
+          <a:p>
+            <a:pPr algn="ctr"/>
+            <a:r>
+              <a:rPr lang="en-US" dirty="0"/>
+              <a:t>.html page</a:t>
+            </a:r>
+          </a:p>
+        </p:txBody>
+      </p:sp>
+      <p:cxnSp>
+        <p:nvCxnSpPr>
+          <p:cNvPr id="21" name="Straight Arrow Connector 20">
+            <a:extLst>
+              <a:ext uri="{FF2B5EF4-FFF2-40B4-BE49-F238E27FC236}">
+                <a16:creationId xmlns:a16="http://schemas.microsoft.com/office/drawing/2014/main" id="{FD52C290-E404-EE8E-7E7D-EA5F08BAE100}"/>
+              </a:ext>
+            </a:extLst>
+          </p:cNvPr>
+          <p:cNvCxnSpPr>
+            <a:stCxn id="17" idx="2"/>
+            <a:endCxn id="18" idx="0"/>
+          </p:cNvCxnSpPr>
+          <p:nvPr/>
+        </p:nvCxnSpPr>
+        <p:spPr>
+          <a:xfrm>
+            <a:off x="8395708" y="1138843"/>
+            <a:ext cx="0" cy="665019"/>
+          </a:xfrm>
+          <a:prstGeom prst="straightConnector1">
+            <a:avLst/>
+          </a:prstGeom>
+          <a:ln>
+            <a:tailEnd type="triangle"/>
+          </a:ln>
+        </p:spPr>
+        <p:style>
+          <a:lnRef idx="1">
+            <a:schemeClr val="accent1"/>
+          </a:lnRef>
+          <a:fillRef idx="0">
+            <a:schemeClr val="accent1"/>
+          </a:fillRef>
+          <a:effectRef idx="0">
+            <a:schemeClr val="accent1"/>
+          </a:effectRef>
+          <a:fontRef idx="minor">
+            <a:schemeClr val="tx1"/>
+          </a:fontRef>
+        </p:style>
+      </p:cxnSp>
+      <p:sp>
+        <p:nvSpPr>
+          <p:cNvPr id="22" name="TextBox 21">
+            <a:extLst>
+              <a:ext uri="{FF2B5EF4-FFF2-40B4-BE49-F238E27FC236}">
+                <a16:creationId xmlns:a16="http://schemas.microsoft.com/office/drawing/2014/main" id="{491C59E9-D1F5-A434-0287-7051879A60A7}"/>
+              </a:ext>
+            </a:extLst>
+          </p:cNvPr>
+          <p:cNvSpPr txBox="1"/>
+          <p:nvPr/>
+        </p:nvSpPr>
+        <p:spPr>
+          <a:xfrm>
+            <a:off x="8395708" y="1286686"/>
+            <a:ext cx="2036263" cy="369332"/>
+          </a:xfrm>
+          <a:prstGeom prst="rect">
+            <a:avLst/>
+          </a:prstGeom>
+          <a:noFill/>
+        </p:spPr>
+        <p:txBody>
+          <a:bodyPr wrap="none" rtlCol="0">
+            <a:spAutoFit/>
+          </a:bodyPr>
+          <a:lstStyle/>
+          <a:p>
+            <a:r>
+              <a:rPr lang="en-US" dirty="0"/>
+              <a:t>Will be compiled by</a:t>
+            </a:r>
+          </a:p>
+        </p:txBody>
+      </p:sp>
+      <p:cxnSp>
+        <p:nvCxnSpPr>
+          <p:cNvPr id="23" name="Straight Arrow Connector 22">
+            <a:extLst>
+              <a:ext uri="{FF2B5EF4-FFF2-40B4-BE49-F238E27FC236}">
+                <a16:creationId xmlns:a16="http://schemas.microsoft.com/office/drawing/2014/main" id="{8668FB43-4303-CD6B-43DC-5ADD5F85BCAF}"/>
+              </a:ext>
+            </a:extLst>
+          </p:cNvPr>
+          <p:cNvCxnSpPr>
+            <a:cxnSpLocks/>
+            <a:stCxn id="18" idx="2"/>
+            <a:endCxn id="19" idx="0"/>
+          </p:cNvCxnSpPr>
+          <p:nvPr/>
+        </p:nvCxnSpPr>
+        <p:spPr>
+          <a:xfrm>
+            <a:off x="8395708" y="2435629"/>
+            <a:ext cx="0" cy="665019"/>
+          </a:xfrm>
+          <a:prstGeom prst="straightConnector1">
+            <a:avLst/>
+          </a:prstGeom>
+          <a:ln>
+            <a:tailEnd type="triangle"/>
+          </a:ln>
+        </p:spPr>
+        <p:style>
+          <a:lnRef idx="1">
+            <a:schemeClr val="accent1"/>
+          </a:lnRef>
+          <a:fillRef idx="0">
+            <a:schemeClr val="accent1"/>
+          </a:fillRef>
+          <a:effectRef idx="0">
+            <a:schemeClr val="accent1"/>
+          </a:effectRef>
+          <a:fontRef idx="minor">
+            <a:schemeClr val="tx1"/>
+          </a:fontRef>
+        </p:style>
+      </p:cxnSp>
+      <p:sp>
+        <p:nvSpPr>
+          <p:cNvPr id="24" name="TextBox 23">
+            <a:extLst>
+              <a:ext uri="{FF2B5EF4-FFF2-40B4-BE49-F238E27FC236}">
+                <a16:creationId xmlns:a16="http://schemas.microsoft.com/office/drawing/2014/main" id="{D5CEC224-1C4A-830E-E7DC-15447823056C}"/>
+              </a:ext>
+            </a:extLst>
+          </p:cNvPr>
+          <p:cNvSpPr txBox="1"/>
+          <p:nvPr/>
+        </p:nvSpPr>
+        <p:spPr>
+          <a:xfrm>
+            <a:off x="8395708" y="2583472"/>
+            <a:ext cx="1171796" cy="369332"/>
+          </a:xfrm>
+          <a:prstGeom prst="rect">
+            <a:avLst/>
+          </a:prstGeom>
+          <a:noFill/>
+        </p:spPr>
+        <p:txBody>
+          <a:bodyPr wrap="none" rtlCol="0">
+            <a:spAutoFit/>
+          </a:bodyPr>
+          <a:lstStyle/>
+          <a:p>
+            <a:r>
+              <a:rPr lang="en-US" dirty="0"/>
+              <a:t>Convert to</a:t>
+            </a:r>
+          </a:p>
+        </p:txBody>
+      </p:sp>
+      <p:cxnSp>
+        <p:nvCxnSpPr>
+          <p:cNvPr id="25" name="Straight Arrow Connector 24">
+            <a:extLst>
+              <a:ext uri="{FF2B5EF4-FFF2-40B4-BE49-F238E27FC236}">
+                <a16:creationId xmlns:a16="http://schemas.microsoft.com/office/drawing/2014/main" id="{CF199481-25FB-1392-04DA-EA6E63C995F0}"/>
+              </a:ext>
+            </a:extLst>
+          </p:cNvPr>
+          <p:cNvCxnSpPr>
+            <a:stCxn id="19" idx="2"/>
+            <a:endCxn id="20" idx="0"/>
+          </p:cNvCxnSpPr>
+          <p:nvPr/>
+        </p:nvCxnSpPr>
+        <p:spPr>
+          <a:xfrm>
+            <a:off x="8395708" y="3807229"/>
+            <a:ext cx="0" cy="665019"/>
+          </a:xfrm>
+          <a:prstGeom prst="straightConnector1">
+            <a:avLst/>
+          </a:prstGeom>
+          <a:ln>
+            <a:tailEnd type="triangle"/>
+          </a:ln>
+        </p:spPr>
+        <p:style>
+          <a:lnRef idx="1">
+            <a:schemeClr val="accent1"/>
+          </a:lnRef>
+          <a:fillRef idx="0">
+            <a:schemeClr val="accent1"/>
+          </a:fillRef>
+          <a:effectRef idx="0">
+            <a:schemeClr val="accent1"/>
+          </a:effectRef>
+          <a:fontRef idx="minor">
+            <a:schemeClr val="tx1"/>
+          </a:fontRef>
+        </p:style>
+      </p:cxnSp>
+      <p:sp>
+        <p:nvSpPr>
+          <p:cNvPr id="26" name="TextBox 25">
+            <a:extLst>
+              <a:ext uri="{FF2B5EF4-FFF2-40B4-BE49-F238E27FC236}">
+                <a16:creationId xmlns:a16="http://schemas.microsoft.com/office/drawing/2014/main" id="{B813E089-E738-2663-2411-0D02F3604C78}"/>
+              </a:ext>
+            </a:extLst>
+          </p:cNvPr>
+          <p:cNvSpPr txBox="1"/>
+          <p:nvPr/>
+        </p:nvSpPr>
+        <p:spPr>
+          <a:xfrm>
+            <a:off x="8395708" y="3938446"/>
+            <a:ext cx="906980" cy="369332"/>
+          </a:xfrm>
+          <a:prstGeom prst="rect">
+            <a:avLst/>
+          </a:prstGeom>
+          <a:noFill/>
+        </p:spPr>
+        <p:txBody>
+          <a:bodyPr wrap="none" rtlCol="0">
+            <a:spAutoFit/>
+          </a:bodyPr>
+          <a:lstStyle/>
+          <a:p>
+            <a:r>
+              <a:rPr lang="en-US" dirty="0"/>
+              <a:t>Refer in</a:t>
+            </a:r>
+          </a:p>
+        </p:txBody>
+      </p:sp>
+      <p:sp>
+        <p:nvSpPr>
+          <p:cNvPr id="27" name="Rectangle 26">
+            <a:extLst>
+              <a:ext uri="{FF2B5EF4-FFF2-40B4-BE49-F238E27FC236}">
+                <a16:creationId xmlns:a16="http://schemas.microsoft.com/office/drawing/2014/main" id="{EB164B65-ECBD-B852-5AF6-5E3009ED018B}"/>
+              </a:ext>
+            </a:extLst>
+          </p:cNvPr>
+          <p:cNvSpPr/>
+          <p:nvPr/>
+        </p:nvSpPr>
+        <p:spPr>
+          <a:xfrm>
+            <a:off x="7323366" y="5843848"/>
+            <a:ext cx="2144684" cy="706581"/>
+          </a:xfrm>
+          <a:prstGeom prst="rect">
+            <a:avLst/>
+          </a:prstGeom>
+        </p:spPr>
+        <p:style>
+          <a:lnRef idx="2">
+            <a:schemeClr val="accent1">
+              <a:shade val="50000"/>
+            </a:schemeClr>
+          </a:lnRef>
+          <a:fillRef idx="1">
+            <a:schemeClr val="accent1"/>
+          </a:fillRef>
+          <a:effectRef idx="0">
+            <a:schemeClr val="accent1"/>
+          </a:effectRef>
+          <a:fontRef idx="minor">
+            <a:schemeClr val="lt1"/>
+          </a:fontRef>
+        </p:style>
+        <p:txBody>
+          <a:bodyPr rtlCol="0" anchor="ctr"/>
+          <a:lstStyle/>
+          <a:p>
+            <a:pPr algn="ctr"/>
+            <a:r>
+              <a:rPr lang="en-US" dirty="0"/>
+              <a:t>BROWSER</a:t>
+            </a:r>
+          </a:p>
+        </p:txBody>
+      </p:sp>
+      <p:cxnSp>
+        <p:nvCxnSpPr>
+          <p:cNvPr id="28" name="Straight Arrow Connector 27">
+            <a:extLst>
+              <a:ext uri="{FF2B5EF4-FFF2-40B4-BE49-F238E27FC236}">
+                <a16:creationId xmlns:a16="http://schemas.microsoft.com/office/drawing/2014/main" id="{8DC1B0DE-6404-8849-3B9E-A1A75C1322FC}"/>
+              </a:ext>
+            </a:extLst>
+          </p:cNvPr>
+          <p:cNvCxnSpPr>
+            <a:stCxn id="20" idx="2"/>
+            <a:endCxn id="27" idx="0"/>
+          </p:cNvCxnSpPr>
+          <p:nvPr/>
+        </p:nvCxnSpPr>
+        <p:spPr>
+          <a:xfrm>
+            <a:off x="8395708" y="5178829"/>
+            <a:ext cx="0" cy="665019"/>
+          </a:xfrm>
+          <a:prstGeom prst="straightConnector1">
+            <a:avLst/>
+          </a:prstGeom>
+          <a:ln>
+            <a:tailEnd type="triangle"/>
+          </a:ln>
+        </p:spPr>
+        <p:style>
+          <a:lnRef idx="1">
+            <a:schemeClr val="accent1"/>
+          </a:lnRef>
+          <a:fillRef idx="0">
+            <a:schemeClr val="accent1"/>
+          </a:fillRef>
+          <a:effectRef idx="0">
+            <a:schemeClr val="accent1"/>
+          </a:effectRef>
+          <a:fontRef idx="minor">
+            <a:schemeClr val="tx1"/>
+          </a:fontRef>
+        </p:style>
+      </p:cxnSp>
+      <p:sp>
+        <p:nvSpPr>
+          <p:cNvPr id="29" name="TextBox 28">
+            <a:extLst>
+              <a:ext uri="{FF2B5EF4-FFF2-40B4-BE49-F238E27FC236}">
+                <a16:creationId xmlns:a16="http://schemas.microsoft.com/office/drawing/2014/main" id="{037E4CF5-D90A-2BB4-3ACD-86B4CBF028AE}"/>
+              </a:ext>
+            </a:extLst>
+          </p:cNvPr>
+          <p:cNvSpPr txBox="1"/>
+          <p:nvPr/>
+        </p:nvSpPr>
+        <p:spPr>
+          <a:xfrm>
+            <a:off x="8395708" y="5326674"/>
+            <a:ext cx="923651" cy="369332"/>
+          </a:xfrm>
+          <a:prstGeom prst="rect">
+            <a:avLst/>
+          </a:prstGeom>
+          <a:noFill/>
+        </p:spPr>
+        <p:txBody>
+          <a:bodyPr wrap="none" rtlCol="0">
+            <a:spAutoFit/>
+          </a:bodyPr>
+          <a:lstStyle/>
+          <a:p>
+            <a:r>
+              <a:rPr lang="en-US" dirty="0"/>
+              <a:t>Open in</a:t>
+            </a:r>
+          </a:p>
+        </p:txBody>
+      </p:sp>
+      <p:sp>
+        <p:nvSpPr>
+          <p:cNvPr id="30" name="Rectangle: Rounded Corners 29">
+            <a:extLst>
+              <a:ext uri="{FF2B5EF4-FFF2-40B4-BE49-F238E27FC236}">
+                <a16:creationId xmlns:a16="http://schemas.microsoft.com/office/drawing/2014/main" id="{3A6055E8-5C29-A579-1835-C95D9D3D13AE}"/>
+              </a:ext>
+            </a:extLst>
+          </p:cNvPr>
+          <p:cNvSpPr/>
+          <p:nvPr/>
+        </p:nvSpPr>
+        <p:spPr>
+          <a:xfrm>
+            <a:off x="6908808" y="307571"/>
+            <a:ext cx="3462866" cy="3630875"/>
+          </a:xfrm>
+          <a:prstGeom prst="roundRect">
+            <a:avLst/>
+          </a:prstGeom>
+          <a:noFill/>
+          <a:ln w="9525" cap="flat" cmpd="sng" algn="ctr">
+            <a:solidFill>
+              <a:schemeClr val="accent2"/>
+            </a:solidFill>
+            <a:prstDash val="solid"/>
+            <a:round/>
+            <a:headEnd type="none" w="med" len="med"/>
+            <a:tailEnd type="none" w="med" len="med"/>
+          </a:ln>
+        </p:spPr>
+        <p:style>
+          <a:lnRef idx="0">
+            <a:scrgbClr r="0" g="0" b="0"/>
+          </a:lnRef>
+          <a:fillRef idx="0">
+            <a:scrgbClr r="0" g="0" b="0"/>
+          </a:fillRef>
+          <a:effectRef idx="0">
+            <a:scrgbClr r="0" g="0" b="0"/>
+          </a:effectRef>
+          <a:fontRef idx="minor">
+            <a:schemeClr val="accent2"/>
+          </a:fontRef>
+        </p:style>
+        <p:txBody>
+          <a:bodyPr rtlCol="0" anchor="ctr"/>
+          <a:lstStyle/>
+          <a:p>
+            <a:pPr algn="ctr"/>
+            <a:endParaRPr lang="en-IN"/>
+          </a:p>
+        </p:txBody>
+      </p:sp>
+      <p:sp>
+        <p:nvSpPr>
+          <p:cNvPr id="31" name="TextBox 30">
+            <a:extLst>
+              <a:ext uri="{FF2B5EF4-FFF2-40B4-BE49-F238E27FC236}">
+                <a16:creationId xmlns:a16="http://schemas.microsoft.com/office/drawing/2014/main" id="{BCBEBB8B-480B-D125-58A2-59E914F37C55}"/>
+              </a:ext>
+            </a:extLst>
+          </p:cNvPr>
+          <p:cNvSpPr txBox="1"/>
+          <p:nvPr/>
+        </p:nvSpPr>
+        <p:spPr>
+          <a:xfrm>
+            <a:off x="10541534" y="1242582"/>
+            <a:ext cx="1444050" cy="1754326"/>
+          </a:xfrm>
+          <a:prstGeom prst="rect">
+            <a:avLst/>
+          </a:prstGeom>
+          <a:noFill/>
+        </p:spPr>
+        <p:txBody>
+          <a:bodyPr wrap="none" rtlCol="0">
+            <a:spAutoFit/>
+          </a:bodyPr>
+          <a:lstStyle/>
+          <a:p>
+            <a:r>
+              <a:rPr lang="en-US" dirty="0"/>
+              <a:t>Automate .</a:t>
+            </a:r>
+            <a:r>
+              <a:rPr lang="en-US" dirty="0" err="1"/>
+              <a:t>ts</a:t>
+            </a:r>
+            <a:r>
+              <a:rPr lang="en-US" dirty="0"/>
+              <a:t> </a:t>
+            </a:r>
+          </a:p>
+          <a:p>
+            <a:r>
+              <a:rPr lang="en-US" dirty="0"/>
+              <a:t>to .</a:t>
+            </a:r>
+            <a:r>
+              <a:rPr lang="en-US" dirty="0" err="1"/>
+              <a:t>js</a:t>
+            </a:r>
+            <a:r>
+              <a:rPr lang="en-US" dirty="0"/>
+              <a:t> file </a:t>
+            </a:r>
+          </a:p>
+          <a:p>
+            <a:r>
+              <a:rPr lang="en-US" dirty="0"/>
+              <a:t>Creation</a:t>
+            </a:r>
+          </a:p>
+          <a:p>
+            <a:endParaRPr lang="en-US" dirty="0"/>
+          </a:p>
+          <a:p>
+            <a:r>
+              <a:rPr lang="en-US" dirty="0"/>
+              <a:t>Run </a:t>
+            </a:r>
+            <a:r>
+              <a:rPr lang="en-US" dirty="0" err="1"/>
+              <a:t>tsc</a:t>
+            </a:r>
+            <a:r>
+              <a:rPr lang="en-US" dirty="0"/>
+              <a:t> in </a:t>
+            </a:r>
+          </a:p>
+          <a:p>
+            <a:r>
+              <a:rPr lang="en-US" dirty="0"/>
+              <a:t>Watch mode</a:t>
+            </a:r>
+          </a:p>
+        </p:txBody>
+      </p:sp>
+    </p:spTree>
+    <p:extLst>
+      <p:ext uri="{BB962C8B-B14F-4D97-AF65-F5344CB8AC3E}">
+        <p14:creationId xmlns:p14="http://schemas.microsoft.com/office/powerpoint/2010/main" val="4125275632"/>
+      </p:ext>
+    </p:extLst>
+  </p:cSld>
+  <p:clrMapOvr>
+    <a:masterClrMapping/>
+  </p:clrMapOvr>
+</p:sld>
+</file>
+
+<file path=ppt/slides/slide90.xml><?xml version="1.0" encoding="utf-8"?>
+<p:sld xmlns:a="http://schemas.openxmlformats.org/drawingml/2006/main" xmlns:r="http://schemas.openxmlformats.org/officeDocument/2006/relationships" xmlns:p="http://schemas.openxmlformats.org/presentationml/2006/main">
+  <p:cSld>
+    <p:spTree>
+      <p:nvGrpSpPr>
+        <p:cNvPr id="1" name=""/>
+        <p:cNvGrpSpPr/>
+        <p:nvPr/>
+      </p:nvGrpSpPr>
+      <p:grpSpPr>
+        <a:xfrm>
+          <a:off x="0" y="0"/>
+          <a:ext cx="0" cy="0"/>
+          <a:chOff x="0" y="0"/>
+          <a:chExt cx="0" cy="0"/>
+        </a:xfrm>
+      </p:grpSpPr>
+      <p:sp>
+        <p:nvSpPr>
+          <p:cNvPr id="2" name="Title 1">
+            <a:extLst>
+              <a:ext uri="{FF2B5EF4-FFF2-40B4-BE49-F238E27FC236}">
+                <a16:creationId xmlns:a16="http://schemas.microsoft.com/office/drawing/2014/main" id="{74DE987E-B3CA-4449-D712-61FD391CE6FE}"/>
+              </a:ext>
+            </a:extLst>
+          </p:cNvPr>
+          <p:cNvSpPr>
+            <a:spLocks noGrp="1"/>
+          </p:cNvSpPr>
+          <p:nvPr>
+            <p:ph type="title"/>
+          </p:nvPr>
+        </p:nvSpPr>
+        <p:spPr/>
+        <p:txBody>
+          <a:bodyPr/>
+          <a:lstStyle/>
+          <a:p>
+            <a:r>
+              <a:rPr lang="en-US"/>
+              <a:t>Steps to run the application</a:t>
+            </a:r>
+            <a:endParaRPr lang="en-IN"/>
+          </a:p>
+        </p:txBody>
+      </p:sp>
+      <p:sp>
+        <p:nvSpPr>
+          <p:cNvPr id="3" name="Content Placeholder 2">
+            <a:extLst>
+              <a:ext uri="{FF2B5EF4-FFF2-40B4-BE49-F238E27FC236}">
+                <a16:creationId xmlns:a16="http://schemas.microsoft.com/office/drawing/2014/main" id="{95BC6F0F-F6C2-BE81-BE75-007355A979D3}"/>
+              </a:ext>
+            </a:extLst>
+          </p:cNvPr>
+          <p:cNvSpPr>
+            <a:spLocks noGrp="1"/>
+          </p:cNvSpPr>
+          <p:nvPr>
+            <p:ph idx="1"/>
+          </p:nvPr>
+        </p:nvSpPr>
+        <p:spPr/>
+        <p:txBody>
+          <a:bodyPr/>
+          <a:lstStyle/>
+          <a:p>
+            <a:r>
+              <a:rPr lang="en-US" dirty="0"/>
+              <a:t>Download and Extract the zip file / Fork the Repo</a:t>
+            </a:r>
+          </a:p>
+          <a:p>
+            <a:r>
+              <a:rPr lang="en-US" dirty="0"/>
+              <a:t>Open the extracted folder in Visual Studio Code</a:t>
+            </a:r>
+          </a:p>
+          <a:p>
+            <a:r>
+              <a:rPr lang="en-US" dirty="0"/>
+              <a:t>Open the terminal window on the folder path and run</a:t>
+            </a:r>
+          </a:p>
+          <a:p>
+            <a:pPr lvl="1"/>
+            <a:r>
+              <a:rPr lang="en-US" dirty="0" err="1"/>
+              <a:t>npm</a:t>
+            </a:r>
+            <a:r>
+              <a:rPr lang="en-US" dirty="0"/>
+              <a:t> install</a:t>
+            </a:r>
+          </a:p>
+          <a:p>
+            <a:r>
+              <a:rPr lang="en-US" dirty="0"/>
+              <a:t>Once the installation completes, run</a:t>
+            </a:r>
+          </a:p>
+          <a:p>
+            <a:pPr lvl="1"/>
+            <a:r>
+              <a:rPr lang="en-US" dirty="0"/>
+              <a:t>ng serve – Starts the Development Server on port 3000 and opens the default browser on http://localhost:3000</a:t>
+            </a:r>
+          </a:p>
+          <a:p>
+            <a:endParaRPr lang="en-IN" dirty="0"/>
+          </a:p>
+        </p:txBody>
+      </p:sp>
+    </p:spTree>
+    <p:extLst>
+      <p:ext uri="{BB962C8B-B14F-4D97-AF65-F5344CB8AC3E}">
+        <p14:creationId xmlns:p14="http://schemas.microsoft.com/office/powerpoint/2010/main" val="4072476581"/>
+      </p:ext>
+    </p:extLst>
+  </p:cSld>
+  <p:clrMapOvr>
+    <a:masterClrMapping/>
+  </p:clrMapOvr>
+</p:sld>
+</file>
+
+<file path=ppt/slides/slide91.xml><?xml version="1.0" encoding="utf-8"?>
+<p:sld xmlns:a="http://schemas.openxmlformats.org/drawingml/2006/main" xmlns:r="http://schemas.openxmlformats.org/officeDocument/2006/relationships" xmlns:p="http://schemas.openxmlformats.org/presentationml/2006/main">
+  <p:cSld>
+    <p:spTree>
+      <p:nvGrpSpPr>
+        <p:cNvPr id="1" name=""/>
+        <p:cNvGrpSpPr/>
+        <p:nvPr/>
+      </p:nvGrpSpPr>
+      <p:grpSpPr>
+        <a:xfrm>
+          <a:off x="0" y="0"/>
+          <a:ext cx="0" cy="0"/>
+          <a:chOff x="0" y="0"/>
+          <a:chExt cx="0" cy="0"/>
+        </a:xfrm>
+      </p:grpSpPr>
+      <p:sp>
+        <p:nvSpPr>
+          <p:cNvPr id="2" name="Title 1">
+            <a:extLst>
+              <a:ext uri="{FF2B5EF4-FFF2-40B4-BE49-F238E27FC236}">
+                <a16:creationId xmlns:a16="http://schemas.microsoft.com/office/drawing/2014/main" id="{C37E1754-272B-461D-824A-D708404A4FA2}"/>
+              </a:ext>
+            </a:extLst>
+          </p:cNvPr>
+          <p:cNvSpPr>
+            <a:spLocks noGrp="1"/>
+          </p:cNvSpPr>
+          <p:nvPr>
+            <p:ph type="title"/>
+          </p:nvPr>
+        </p:nvSpPr>
+        <p:spPr/>
+        <p:txBody>
+          <a:bodyPr/>
+          <a:lstStyle/>
+          <a:p>
+            <a:r>
+              <a:rPr lang="en-IN"/>
+              <a:t>Modules</a:t>
+            </a:r>
+          </a:p>
+        </p:txBody>
+      </p:sp>
+      <p:sp>
+        <p:nvSpPr>
+          <p:cNvPr id="3" name="Content Placeholder 2">
+            <a:extLst>
+              <a:ext uri="{FF2B5EF4-FFF2-40B4-BE49-F238E27FC236}">
+                <a16:creationId xmlns:a16="http://schemas.microsoft.com/office/drawing/2014/main" id="{9B47E216-D977-4299-A560-9257FC0C8F98}"/>
+              </a:ext>
+            </a:extLst>
+          </p:cNvPr>
+          <p:cNvSpPr>
+            <a:spLocks noGrp="1"/>
+          </p:cNvSpPr>
+          <p:nvPr>
+            <p:ph idx="1"/>
+          </p:nvPr>
+        </p:nvSpPr>
+        <p:spPr/>
+        <p:txBody>
+          <a:bodyPr/>
+          <a:lstStyle/>
+          <a:p>
+            <a:r>
+              <a:rPr lang="en-US"/>
+              <a:t>Angular applications are modular and Angular has its own modularity system called </a:t>
+            </a:r>
+            <a:r>
+              <a:rPr lang="en-US" err="1"/>
+              <a:t>NgModules</a:t>
+            </a:r>
+            <a:r>
+              <a:rPr lang="en-US"/>
+              <a:t>. </a:t>
+            </a:r>
+          </a:p>
+          <a:p>
+            <a:r>
+              <a:rPr lang="en-US" err="1"/>
+              <a:t>NgModules</a:t>
+            </a:r>
+            <a:r>
+              <a:rPr lang="en-US"/>
+              <a:t> are containers for a cohesive block of code dedicated to an application domain, a workflow, or a closely related set of capabilities. </a:t>
+            </a:r>
+          </a:p>
+          <a:p>
+            <a:r>
+              <a:rPr lang="en-US"/>
+              <a:t>They can contain components, service providers, and other code files whose scope is defined by the containing </a:t>
+            </a:r>
+            <a:r>
+              <a:rPr lang="en-US" err="1"/>
+              <a:t>NgModule</a:t>
+            </a:r>
+            <a:r>
+              <a:rPr lang="en-US"/>
+              <a:t>. </a:t>
+            </a:r>
+          </a:p>
+          <a:p>
+            <a:r>
+              <a:rPr lang="en-US"/>
+              <a:t>They can import functionality that is exported from other </a:t>
+            </a:r>
+            <a:r>
+              <a:rPr lang="en-US" err="1"/>
+              <a:t>NgModules</a:t>
+            </a:r>
+            <a:r>
+              <a:rPr lang="en-US"/>
+              <a:t>, and export selected functionality for use by other </a:t>
+            </a:r>
+            <a:r>
+              <a:rPr lang="en-US" err="1"/>
+              <a:t>NgModules</a:t>
+            </a:r>
+            <a:r>
+              <a:rPr lang="en-US"/>
+              <a:t>.</a:t>
+            </a:r>
+          </a:p>
+        </p:txBody>
+      </p:sp>
+    </p:spTree>
+    <p:extLst>
+      <p:ext uri="{BB962C8B-B14F-4D97-AF65-F5344CB8AC3E}">
+        <p14:creationId xmlns:p14="http://schemas.microsoft.com/office/powerpoint/2010/main" val="3222575608"/>
+      </p:ext>
+    </p:extLst>
+  </p:cSld>
+  <p:clrMapOvr>
+    <a:masterClrMapping/>
+  </p:clrMapOvr>
+</p:sld>
+</file>
+
+<file path=ppt/slides/slide92.xml><?xml version="1.0" encoding="utf-8"?>
+<p:sld xmlns:a="http://schemas.openxmlformats.org/drawingml/2006/main" xmlns:r="http://schemas.openxmlformats.org/officeDocument/2006/relationships" xmlns:p="http://schemas.openxmlformats.org/presentationml/2006/main">
+  <p:cSld>
+    <p:spTree>
+      <p:nvGrpSpPr>
+        <p:cNvPr id="1" name=""/>
+        <p:cNvGrpSpPr/>
+        <p:nvPr/>
+      </p:nvGrpSpPr>
+      <p:grpSpPr>
+        <a:xfrm>
+          <a:off x="0" y="0"/>
+          <a:ext cx="0" cy="0"/>
+          <a:chOff x="0" y="0"/>
+          <a:chExt cx="0" cy="0"/>
+        </a:xfrm>
+      </p:grpSpPr>
+      <p:sp>
+        <p:nvSpPr>
+          <p:cNvPr id="2" name="Title 1">
+            <a:extLst>
+              <a:ext uri="{FF2B5EF4-FFF2-40B4-BE49-F238E27FC236}">
+                <a16:creationId xmlns:a16="http://schemas.microsoft.com/office/drawing/2014/main" id="{FF5309A7-3934-458E-A310-BF9ED615C3A6}"/>
+              </a:ext>
+            </a:extLst>
+          </p:cNvPr>
+          <p:cNvSpPr>
+            <a:spLocks noGrp="1"/>
+          </p:cNvSpPr>
+          <p:nvPr>
+            <p:ph type="title"/>
+          </p:nvPr>
+        </p:nvSpPr>
+        <p:spPr/>
+        <p:txBody>
+          <a:bodyPr/>
+          <a:lstStyle/>
+          <a:p>
+            <a:r>
+              <a:rPr lang="en-IN"/>
+              <a:t>Component</a:t>
+            </a:r>
+          </a:p>
+        </p:txBody>
+      </p:sp>
+      <p:sp>
+        <p:nvSpPr>
+          <p:cNvPr id="3" name="Content Placeholder 2">
+            <a:extLst>
+              <a:ext uri="{FF2B5EF4-FFF2-40B4-BE49-F238E27FC236}">
+                <a16:creationId xmlns:a16="http://schemas.microsoft.com/office/drawing/2014/main" id="{13102D06-0F50-47B7-9AF2-F086040546E9}"/>
+              </a:ext>
+            </a:extLst>
+          </p:cNvPr>
+          <p:cNvSpPr>
+            <a:spLocks noGrp="1"/>
+          </p:cNvSpPr>
+          <p:nvPr>
+            <p:ph idx="1"/>
+          </p:nvPr>
+        </p:nvSpPr>
+        <p:spPr/>
+        <p:txBody>
+          <a:bodyPr/>
+          <a:lstStyle/>
+          <a:p>
+            <a:r>
+              <a:rPr lang="en-US"/>
+              <a:t>Components are the most basic UI building block of an Angular app. An Angular app contains a tree of Angular components.</a:t>
+            </a:r>
+          </a:p>
+          <a:p>
+            <a:r>
+              <a:rPr lang="en-US"/>
+              <a:t>Angular components are a subset of directives, always associated with a template. </a:t>
+            </a:r>
+          </a:p>
+          <a:p>
+            <a:r>
+              <a:rPr lang="en-US"/>
+              <a:t>A component must belong to an </a:t>
+            </a:r>
+            <a:r>
+              <a:rPr lang="en-US" err="1"/>
+              <a:t>NgModule</a:t>
+            </a:r>
+            <a:r>
+              <a:rPr lang="en-US"/>
+              <a:t>, for it to be available to another component or application.</a:t>
+            </a:r>
+            <a:endParaRPr lang="en-IN"/>
+          </a:p>
+        </p:txBody>
+      </p:sp>
+    </p:spTree>
+    <p:extLst>
+      <p:ext uri="{BB962C8B-B14F-4D97-AF65-F5344CB8AC3E}">
+        <p14:creationId xmlns:p14="http://schemas.microsoft.com/office/powerpoint/2010/main" val="3166340807"/>
+      </p:ext>
+    </p:extLst>
+  </p:cSld>
+  <p:clrMapOvr>
+    <a:masterClrMapping/>
+  </p:clrMapOvr>
+</p:sld>
+</file>
+
+<file path=ppt/slides/slide93.xml><?xml version="1.0" encoding="utf-8"?>
+<p:sld xmlns:a="http://schemas.openxmlformats.org/drawingml/2006/main" xmlns:r="http://schemas.openxmlformats.org/officeDocument/2006/relationships" xmlns:p="http://schemas.openxmlformats.org/presentationml/2006/main">
+  <p:cSld>
+    <p:spTree>
+      <p:nvGrpSpPr>
+        <p:cNvPr id="1" name=""/>
+        <p:cNvGrpSpPr/>
+        <p:nvPr/>
+      </p:nvGrpSpPr>
+      <p:grpSpPr>
+        <a:xfrm>
+          <a:off x="0" y="0"/>
+          <a:ext cx="0" cy="0"/>
+          <a:chOff x="0" y="0"/>
+          <a:chExt cx="0" cy="0"/>
+        </a:xfrm>
+      </p:grpSpPr>
+      <p:sp>
+        <p:nvSpPr>
+          <p:cNvPr id="2" name="Title 1">
+            <a:extLst>
+              <a:ext uri="{FF2B5EF4-FFF2-40B4-BE49-F238E27FC236}">
+                <a16:creationId xmlns:a16="http://schemas.microsoft.com/office/drawing/2014/main" id="{9FDEF388-2706-4CE6-9AF9-48CE8D606B95}"/>
+              </a:ext>
+            </a:extLst>
+          </p:cNvPr>
+          <p:cNvSpPr>
+            <a:spLocks noGrp="1"/>
+          </p:cNvSpPr>
+          <p:nvPr>
+            <p:ph type="title"/>
+          </p:nvPr>
+        </p:nvSpPr>
+        <p:spPr/>
+        <p:txBody>
+          <a:bodyPr/>
+          <a:lstStyle/>
+          <a:p>
+            <a:r>
+              <a:rPr lang="en-IN"/>
+              <a:t>Angular Packages</a:t>
+            </a:r>
+          </a:p>
+        </p:txBody>
+      </p:sp>
+      <p:sp>
+        <p:nvSpPr>
+          <p:cNvPr id="3" name="Content Placeholder 2">
+            <a:extLst>
+              <a:ext uri="{FF2B5EF4-FFF2-40B4-BE49-F238E27FC236}">
+                <a16:creationId xmlns:a16="http://schemas.microsoft.com/office/drawing/2014/main" id="{D919D671-21F1-490C-8A34-9CB655A62128}"/>
+              </a:ext>
+            </a:extLst>
+          </p:cNvPr>
+          <p:cNvSpPr>
+            <a:spLocks noGrp="1"/>
+          </p:cNvSpPr>
+          <p:nvPr>
+            <p:ph idx="1"/>
+          </p:nvPr>
+        </p:nvSpPr>
+        <p:spPr/>
+        <p:txBody>
+          <a:bodyPr>
+            <a:normAutofit fontScale="62500" lnSpcReduction="20000"/>
+          </a:bodyPr>
+          <a:lstStyle/>
+          <a:p>
+            <a:pPr algn="just"/>
+            <a:r>
+              <a:rPr lang="en-US" b="1" dirty="0">
+                <a:solidFill>
+                  <a:srgbClr val="00B050"/>
+                </a:solidFill>
+              </a:rPr>
+              <a:t>@angular/core</a:t>
+            </a:r>
+            <a:r>
+              <a:rPr lang="en-US" b="1" dirty="0"/>
+              <a:t>: </a:t>
+            </a:r>
+            <a:r>
+              <a:rPr lang="en-US" dirty="0"/>
+              <a:t>Critical runtime parts of the framework needed by every application. Includes all metadata decorators, Component, Directive, dependency injection, and the component lifecycle hooks.</a:t>
+            </a:r>
+          </a:p>
+          <a:p>
+            <a:pPr algn="just"/>
+            <a:r>
+              <a:rPr lang="en-US" b="1" dirty="0">
+                <a:solidFill>
+                  <a:srgbClr val="00B050"/>
+                </a:solidFill>
+              </a:rPr>
+              <a:t>@angular/common</a:t>
+            </a:r>
+            <a:r>
+              <a:rPr lang="en-US" b="1" dirty="0"/>
+              <a:t>: </a:t>
+            </a:r>
+            <a:r>
+              <a:rPr lang="en-US" dirty="0"/>
+              <a:t>The commonly needed services, pipes, and directives provided by the Angular team.</a:t>
+            </a:r>
+          </a:p>
+          <a:p>
+            <a:pPr algn="just"/>
+            <a:r>
+              <a:rPr lang="en-US" b="1" dirty="0">
+                <a:solidFill>
+                  <a:srgbClr val="00B050"/>
+                </a:solidFill>
+              </a:rPr>
+              <a:t>@angular/compiler</a:t>
+            </a:r>
+            <a:r>
+              <a:rPr lang="en-US" b="1" dirty="0"/>
+              <a:t>: </a:t>
+            </a:r>
+            <a:r>
+              <a:rPr lang="en-US" dirty="0"/>
+              <a:t>Angular Template Compiler. It understands templates and can convert them to code that makes the application run and render. Typically, you don’t interact with the compiler directly; rather, you use it indirectly via platform-browser-dynamic when JIT compiling in the browser.</a:t>
+            </a:r>
+          </a:p>
+          <a:p>
+            <a:pPr algn="just"/>
+            <a:r>
+              <a:rPr lang="en-US" b="1" dirty="0">
+                <a:solidFill>
+                  <a:srgbClr val="00B050"/>
+                </a:solidFill>
+              </a:rPr>
+              <a:t>@angular/platform-browser</a:t>
+            </a:r>
+            <a:r>
+              <a:rPr lang="en-US" b="1" dirty="0"/>
+              <a:t>: </a:t>
+            </a:r>
+            <a:r>
+              <a:rPr lang="en-US" dirty="0"/>
+              <a:t>Everything DOM and browser related, especially the pieces that help render into the DOM. This package also includes the </a:t>
+            </a:r>
+            <a:r>
+              <a:rPr lang="en-US" dirty="0" err="1"/>
+              <a:t>bootstrapModuleFactory</a:t>
+            </a:r>
+            <a:r>
+              <a:rPr lang="en-US" dirty="0"/>
+              <a:t>() method for bootstrapping applications for production builds that pre-compile with AOT.</a:t>
+            </a:r>
+          </a:p>
+          <a:p>
+            <a:pPr algn="just"/>
+            <a:r>
+              <a:rPr lang="en-US" b="1" dirty="0">
+                <a:solidFill>
+                  <a:srgbClr val="00B050"/>
+                </a:solidFill>
+              </a:rPr>
+              <a:t>@angular/platform-browser-dynamic</a:t>
+            </a:r>
+            <a:r>
+              <a:rPr lang="en-US" b="1" dirty="0"/>
+              <a:t>: </a:t>
+            </a:r>
+            <a:r>
+              <a:rPr lang="en-US" dirty="0"/>
+              <a:t>Includes Providers and methods to compile and run the app on the client using the JIT compiler.</a:t>
+            </a:r>
+          </a:p>
+          <a:p>
+            <a:pPr algn="just"/>
+            <a:r>
+              <a:rPr lang="en-US" b="1" dirty="0"/>
+              <a:t>@angular/forms: </a:t>
+            </a:r>
+            <a:r>
+              <a:rPr lang="en-US" dirty="0"/>
+              <a:t>Support for both template-driven and reactive forms.</a:t>
+            </a:r>
+          </a:p>
+          <a:p>
+            <a:pPr algn="just"/>
+            <a:r>
+              <a:rPr lang="en-US" b="1" dirty="0"/>
+              <a:t>@angular/animations: </a:t>
+            </a:r>
+            <a:r>
+              <a:rPr lang="en-US" dirty="0"/>
+              <a:t>Angular animations library makes it easy to define and apply animation effects such as page and list transitions. Read about it in the Animations guide.</a:t>
+            </a:r>
+          </a:p>
+          <a:p>
+            <a:pPr algn="just"/>
+            <a:r>
+              <a:rPr lang="en-US" b="1" dirty="0"/>
+              <a:t>@angular/router: </a:t>
+            </a:r>
+            <a:r>
+              <a:rPr lang="en-US" dirty="0"/>
+              <a:t>The router module navigates among your app components/pages when the browser URL changes</a:t>
+            </a:r>
+          </a:p>
+        </p:txBody>
+      </p:sp>
+    </p:spTree>
+    <p:extLst>
+      <p:ext uri="{BB962C8B-B14F-4D97-AF65-F5344CB8AC3E}">
+        <p14:creationId xmlns:p14="http://schemas.microsoft.com/office/powerpoint/2010/main" val="2235251600"/>
+      </p:ext>
+    </p:extLst>
+  </p:cSld>
+  <p:clrMapOvr>
+    <a:masterClrMapping/>
+  </p:clrMapOvr>
+</p:sld>
+</file>
+
+<file path=ppt/slides/slide94.xml><?xml version="1.0" encoding="utf-8"?>
+<p:sld xmlns:a="http://schemas.openxmlformats.org/drawingml/2006/main" xmlns:r="http://schemas.openxmlformats.org/officeDocument/2006/relationships" xmlns:p="http://schemas.openxmlformats.org/presentationml/2006/main">
+  <p:cSld>
+    <p:spTree>
+      <p:nvGrpSpPr>
+        <p:cNvPr id="1" name=""/>
+        <p:cNvGrpSpPr/>
+        <p:nvPr/>
+      </p:nvGrpSpPr>
+      <p:grpSpPr>
+        <a:xfrm>
+          <a:off x="0" y="0"/>
+          <a:ext cx="0" cy="0"/>
+          <a:chOff x="0" y="0"/>
+          <a:chExt cx="0" cy="0"/>
+        </a:xfrm>
+      </p:grpSpPr>
+      <p:sp>
+        <p:nvSpPr>
+          <p:cNvPr id="4" name="Rectangle 3">
+            <a:extLst>
+              <a:ext uri="{FF2B5EF4-FFF2-40B4-BE49-F238E27FC236}">
+                <a16:creationId xmlns:a16="http://schemas.microsoft.com/office/drawing/2014/main" id="{578B57E3-ACBF-6DC1-92D7-FFFE7A7EA94F}"/>
+              </a:ext>
+            </a:extLst>
+          </p:cNvPr>
+          <p:cNvSpPr/>
+          <p:nvPr/>
+        </p:nvSpPr>
+        <p:spPr>
+          <a:xfrm>
+            <a:off x="3773136" y="390698"/>
+            <a:ext cx="4645727" cy="6076603"/>
+          </a:xfrm>
+          <a:prstGeom prst="rect">
+            <a:avLst/>
+          </a:prstGeom>
+        </p:spPr>
+        <p:style>
+          <a:lnRef idx="2">
+            <a:schemeClr val="accent1">
+              <a:shade val="50000"/>
+            </a:schemeClr>
+          </a:lnRef>
+          <a:fillRef idx="1">
+            <a:schemeClr val="accent1"/>
+          </a:fillRef>
+          <a:effectRef idx="0">
+            <a:schemeClr val="accent1"/>
+          </a:effectRef>
+          <a:fontRef idx="minor">
+            <a:schemeClr val="lt1"/>
+          </a:fontRef>
+        </p:style>
+        <p:txBody>
+          <a:bodyPr rtlCol="0" anchor="ctr"/>
+          <a:lstStyle/>
+          <a:p>
+            <a:pPr algn="ctr"/>
+            <a:endParaRPr lang="en-IN"/>
+          </a:p>
+        </p:txBody>
+      </p:sp>
+      <p:sp>
+        <p:nvSpPr>
+          <p:cNvPr id="5" name="Rectangle 4">
+            <a:extLst>
+              <a:ext uri="{FF2B5EF4-FFF2-40B4-BE49-F238E27FC236}">
+                <a16:creationId xmlns:a16="http://schemas.microsoft.com/office/drawing/2014/main" id="{FE947794-4477-ECDE-DFE5-7CA42D76B443}"/>
+              </a:ext>
+            </a:extLst>
+          </p:cNvPr>
+          <p:cNvSpPr/>
+          <p:nvPr/>
+        </p:nvSpPr>
+        <p:spPr>
+          <a:xfrm>
+            <a:off x="3979333" y="651933"/>
+            <a:ext cx="4182534" cy="5596467"/>
+          </a:xfrm>
+          <a:prstGeom prst="rect">
+            <a:avLst/>
+          </a:prstGeom>
+        </p:spPr>
+        <p:style>
+          <a:lnRef idx="2">
+            <a:schemeClr val="accent6">
+              <a:shade val="50000"/>
+            </a:schemeClr>
+          </a:lnRef>
+          <a:fillRef idx="1">
+            <a:schemeClr val="accent6"/>
+          </a:fillRef>
+          <a:effectRef idx="0">
+            <a:schemeClr val="accent6"/>
+          </a:effectRef>
+          <a:fontRef idx="minor">
+            <a:schemeClr val="lt1"/>
+          </a:fontRef>
+        </p:style>
+        <p:txBody>
+          <a:bodyPr rtlCol="0" anchor="t" anchorCtr="0"/>
+          <a:lstStyle/>
+          <a:p>
+            <a:pPr algn="ctr"/>
+            <a:r>
+              <a:rPr lang="en-US"/>
+              <a:t>RUNTIME</a:t>
+            </a:r>
+          </a:p>
+        </p:txBody>
+      </p:sp>
+      <p:sp>
+        <p:nvSpPr>
+          <p:cNvPr id="6" name="Rectangle 5">
+            <a:extLst>
+              <a:ext uri="{FF2B5EF4-FFF2-40B4-BE49-F238E27FC236}">
+                <a16:creationId xmlns:a16="http://schemas.microsoft.com/office/drawing/2014/main" id="{3844EB9E-021C-8F29-839C-6C5AFD4E9B58}"/>
+              </a:ext>
+            </a:extLst>
+          </p:cNvPr>
+          <p:cNvSpPr/>
+          <p:nvPr/>
+        </p:nvSpPr>
+        <p:spPr>
+          <a:xfrm>
+            <a:off x="4195233" y="1079500"/>
+            <a:ext cx="3750733" cy="431800"/>
+          </a:xfrm>
+          <a:prstGeom prst="rect">
+            <a:avLst/>
+          </a:prstGeom>
+        </p:spPr>
+        <p:style>
+          <a:lnRef idx="2">
+            <a:schemeClr val="accent3">
+              <a:shade val="50000"/>
+            </a:schemeClr>
+          </a:lnRef>
+          <a:fillRef idx="1">
+            <a:schemeClr val="accent3"/>
+          </a:fillRef>
+          <a:effectRef idx="0">
+            <a:schemeClr val="accent3"/>
+          </a:effectRef>
+          <a:fontRef idx="minor">
+            <a:schemeClr val="lt1"/>
+          </a:fontRef>
+        </p:style>
+        <p:txBody>
+          <a:bodyPr rtlCol="0" anchor="ctr"/>
+          <a:lstStyle/>
+          <a:p>
+            <a:pPr algn="ctr"/>
+            <a:r>
+              <a:rPr lang="en-US"/>
+              <a:t>Vendor (</a:t>
+            </a:r>
+            <a:r>
+              <a:rPr lang="en-US" err="1"/>
+              <a:t>Rxjs</a:t>
+            </a:r>
+            <a:r>
+              <a:rPr lang="en-US"/>
+              <a:t>, Angular Packages)</a:t>
+            </a:r>
+          </a:p>
+        </p:txBody>
+      </p:sp>
+      <p:sp>
+        <p:nvSpPr>
+          <p:cNvPr id="7" name="Rectangle 6">
+            <a:extLst>
+              <a:ext uri="{FF2B5EF4-FFF2-40B4-BE49-F238E27FC236}">
+                <a16:creationId xmlns:a16="http://schemas.microsoft.com/office/drawing/2014/main" id="{2542DA72-69A4-397B-16B5-1C79684F0281}"/>
+              </a:ext>
+            </a:extLst>
+          </p:cNvPr>
+          <p:cNvSpPr/>
+          <p:nvPr/>
+        </p:nvSpPr>
+        <p:spPr>
+          <a:xfrm>
+            <a:off x="4195232" y="1772535"/>
+            <a:ext cx="3750733" cy="431800"/>
+          </a:xfrm>
+          <a:prstGeom prst="rect">
+            <a:avLst/>
+          </a:prstGeom>
+        </p:spPr>
+        <p:style>
+          <a:lnRef idx="2">
+            <a:schemeClr val="accent3">
+              <a:shade val="50000"/>
+            </a:schemeClr>
+          </a:lnRef>
+          <a:fillRef idx="1">
+            <a:schemeClr val="accent3"/>
+          </a:fillRef>
+          <a:effectRef idx="0">
+            <a:schemeClr val="accent3"/>
+          </a:effectRef>
+          <a:fontRef idx="minor">
+            <a:schemeClr val="lt1"/>
+          </a:fontRef>
+        </p:style>
+        <p:txBody>
+          <a:bodyPr rtlCol="0" anchor="ctr"/>
+          <a:lstStyle/>
+          <a:p>
+            <a:pPr algn="ctr"/>
+            <a:r>
+              <a:rPr lang="en-US" dirty="0" err="1"/>
+              <a:t>Polyfills</a:t>
+            </a:r>
+            <a:r>
+              <a:rPr lang="en-US" dirty="0"/>
+              <a:t> (Zone.js) - </a:t>
+            </a:r>
+            <a:r>
+              <a:rPr lang="en-US" dirty="0" err="1"/>
+              <a:t>NgZone</a:t>
+            </a:r>
+            <a:endParaRPr lang="en-US" dirty="0"/>
+          </a:p>
+        </p:txBody>
+      </p:sp>
+      <p:sp>
+        <p:nvSpPr>
+          <p:cNvPr id="8" name="Rectangle 7">
+            <a:extLst>
+              <a:ext uri="{FF2B5EF4-FFF2-40B4-BE49-F238E27FC236}">
+                <a16:creationId xmlns:a16="http://schemas.microsoft.com/office/drawing/2014/main" id="{531256DA-2D5D-C7F2-C846-0E47162F6C38}"/>
+              </a:ext>
+            </a:extLst>
+          </p:cNvPr>
+          <p:cNvSpPr/>
+          <p:nvPr/>
+        </p:nvSpPr>
+        <p:spPr>
+          <a:xfrm>
+            <a:off x="4195232" y="2465570"/>
+            <a:ext cx="3750733" cy="3636433"/>
+          </a:xfrm>
+          <a:prstGeom prst="rect">
+            <a:avLst/>
+          </a:prstGeom>
+        </p:spPr>
+        <p:style>
+          <a:lnRef idx="2">
+            <a:schemeClr val="accent5">
+              <a:shade val="50000"/>
+            </a:schemeClr>
+          </a:lnRef>
+          <a:fillRef idx="1">
+            <a:schemeClr val="accent5"/>
+          </a:fillRef>
+          <a:effectRef idx="0">
+            <a:schemeClr val="accent5"/>
+          </a:effectRef>
+          <a:fontRef idx="minor">
+            <a:schemeClr val="lt1"/>
+          </a:fontRef>
+        </p:style>
+        <p:txBody>
+          <a:bodyPr rtlCol="0" anchor="t" anchorCtr="0"/>
+          <a:lstStyle/>
+          <a:p>
+            <a:pPr algn="ctr"/>
+            <a:r>
+              <a:rPr lang="en-US"/>
+              <a:t>MODULE</a:t>
+            </a:r>
+          </a:p>
+        </p:txBody>
+      </p:sp>
+      <p:sp>
+        <p:nvSpPr>
+          <p:cNvPr id="9" name="Rectangle 8">
+            <a:extLst>
+              <a:ext uri="{FF2B5EF4-FFF2-40B4-BE49-F238E27FC236}">
+                <a16:creationId xmlns:a16="http://schemas.microsoft.com/office/drawing/2014/main" id="{5D8BDA78-553C-5E2C-DC94-E93CD5459CA0}"/>
+              </a:ext>
+            </a:extLst>
+          </p:cNvPr>
+          <p:cNvSpPr/>
+          <p:nvPr/>
+        </p:nvSpPr>
+        <p:spPr>
+          <a:xfrm>
+            <a:off x="4550833" y="3035300"/>
+            <a:ext cx="3090334" cy="2743200"/>
+          </a:xfrm>
+          <a:prstGeom prst="rect">
+            <a:avLst/>
+          </a:prstGeom>
+        </p:spPr>
+        <p:style>
+          <a:lnRef idx="2">
+            <a:schemeClr val="accent2">
+              <a:shade val="50000"/>
+            </a:schemeClr>
+          </a:lnRef>
+          <a:fillRef idx="1">
+            <a:schemeClr val="accent2"/>
+          </a:fillRef>
+          <a:effectRef idx="0">
+            <a:schemeClr val="accent2"/>
+          </a:effectRef>
+          <a:fontRef idx="minor">
+            <a:schemeClr val="lt1"/>
+          </a:fontRef>
+        </p:style>
+        <p:txBody>
+          <a:bodyPr rtlCol="0" anchor="ctr"/>
+          <a:lstStyle/>
+          <a:p>
+            <a:pPr algn="ctr"/>
+            <a:r>
+              <a:rPr lang="en-US"/>
+              <a:t>COMPONENT</a:t>
+            </a:r>
+          </a:p>
+        </p:txBody>
+      </p:sp>
+    </p:spTree>
+    <p:extLst>
+      <p:ext uri="{BB962C8B-B14F-4D97-AF65-F5344CB8AC3E}">
+        <p14:creationId xmlns:p14="http://schemas.microsoft.com/office/powerpoint/2010/main" val="3123553880"/>
+      </p:ext>
+    </p:extLst>
+  </p:cSld>
+  <p:clrMapOvr>
+    <a:masterClrMapping/>
+  </p:clrMapOvr>
+</p:sld>
+</file>
+
+<file path=ppt/slides/slide95.xml><?xml version="1.0" encoding="utf-8"?>
+<p:sld xmlns:a="http://schemas.openxmlformats.org/drawingml/2006/main" xmlns:r="http://schemas.openxmlformats.org/officeDocument/2006/relationships" xmlns:p="http://schemas.openxmlformats.org/presentationml/2006/main">
+  <p:cSld>
+    <p:spTree>
+      <p:nvGrpSpPr>
+        <p:cNvPr id="1" name=""/>
+        <p:cNvGrpSpPr/>
+        <p:nvPr/>
+      </p:nvGrpSpPr>
+      <p:grpSpPr>
+        <a:xfrm>
+          <a:off x="0" y="0"/>
+          <a:ext cx="0" cy="0"/>
+          <a:chOff x="0" y="0"/>
+          <a:chExt cx="0" cy="0"/>
+        </a:xfrm>
+      </p:grpSpPr>
+      <p:sp>
+        <p:nvSpPr>
+          <p:cNvPr id="2" name="Title 1">
+            <a:extLst>
+              <a:ext uri="{FF2B5EF4-FFF2-40B4-BE49-F238E27FC236}">
+                <a16:creationId xmlns:a16="http://schemas.microsoft.com/office/drawing/2014/main" id="{A09EE48C-AA02-C51C-2666-870A63665795}"/>
+              </a:ext>
+            </a:extLst>
+          </p:cNvPr>
+          <p:cNvSpPr>
+            <a:spLocks noGrp="1"/>
+          </p:cNvSpPr>
+          <p:nvPr>
+            <p:ph type="title"/>
+          </p:nvPr>
+        </p:nvSpPr>
+        <p:spPr/>
+        <p:txBody>
+          <a:bodyPr/>
+          <a:lstStyle/>
+          <a:p>
+            <a:r>
+              <a:rPr lang="en-US" dirty="0"/>
+              <a:t>Adding Bootstrap </a:t>
+            </a:r>
+            <a:r>
+              <a:rPr lang="en-US"/>
+              <a:t>&amp; Icons</a:t>
+            </a:r>
+            <a:endParaRPr lang="en-IN"/>
+          </a:p>
+        </p:txBody>
+      </p:sp>
+      <p:sp>
+        <p:nvSpPr>
+          <p:cNvPr id="3" name="Content Placeholder 2">
+            <a:extLst>
+              <a:ext uri="{FF2B5EF4-FFF2-40B4-BE49-F238E27FC236}">
+                <a16:creationId xmlns:a16="http://schemas.microsoft.com/office/drawing/2014/main" id="{923948FD-F05D-2202-30D0-EAA9D546CB60}"/>
+              </a:ext>
+            </a:extLst>
+          </p:cNvPr>
+          <p:cNvSpPr>
+            <a:spLocks noGrp="1"/>
+          </p:cNvSpPr>
+          <p:nvPr>
+            <p:ph idx="1"/>
+          </p:nvPr>
+        </p:nvSpPr>
+        <p:spPr/>
+        <p:txBody>
+          <a:bodyPr vert="horz" lIns="91440" tIns="45720" rIns="91440" bIns="45720" rtlCol="0" anchor="t">
+            <a:normAutofit/>
+          </a:bodyPr>
+          <a:lstStyle/>
+          <a:p>
+            <a:r>
+              <a:rPr lang="en-US" dirty="0"/>
+              <a:t>Install Bootstrap and Bootstrap Icons</a:t>
+            </a:r>
+          </a:p>
+          <a:p>
+            <a:pPr lvl="1"/>
+            <a:r>
+              <a:rPr lang="en-IN" dirty="0" err="1"/>
+              <a:t>npm</a:t>
+            </a:r>
+            <a:r>
+              <a:rPr lang="en-IN" dirty="0"/>
+              <a:t> </a:t>
+            </a:r>
+            <a:r>
+              <a:rPr lang="en-IN" dirty="0" err="1"/>
+              <a:t>i</a:t>
+            </a:r>
+            <a:r>
+              <a:rPr lang="en-IN" dirty="0"/>
+              <a:t> bootstrap bootstrap-icons</a:t>
+            </a:r>
+            <a:endParaRPr lang="en-US" dirty="0"/>
+          </a:p>
+          <a:p>
+            <a:r>
+              <a:rPr lang="en-US" dirty="0"/>
+              <a:t>Include the CSS and JS files in </a:t>
+            </a:r>
+            <a:r>
+              <a:rPr lang="en-US" dirty="0" err="1"/>
+              <a:t>angular.json</a:t>
+            </a:r>
+            <a:endParaRPr lang="en-US" dirty="0"/>
+          </a:p>
+          <a:p>
+            <a:pPr lvl="1"/>
+            <a:r>
+              <a:rPr lang="en-US" dirty="0"/>
+              <a:t>styles: [</a:t>
+            </a:r>
+            <a:endParaRPr lang="en-US" dirty="0">
+              <a:cs typeface="Calibri"/>
+            </a:endParaRPr>
+          </a:p>
+          <a:p>
+            <a:pPr marL="457200" lvl="1" indent="0">
+              <a:buNone/>
+            </a:pPr>
+            <a:r>
+              <a:rPr lang="en-US" dirty="0"/>
+              <a:t>	 "</a:t>
+            </a:r>
+            <a:r>
+              <a:rPr lang="en-US" dirty="0" err="1"/>
+              <a:t>node_modules</a:t>
+            </a:r>
+            <a:r>
+              <a:rPr lang="en-US" dirty="0"/>
+              <a:t>/bootstrap/</a:t>
+            </a:r>
+            <a:r>
+              <a:rPr lang="en-US" dirty="0" err="1"/>
+              <a:t>dist</a:t>
+            </a:r>
+            <a:r>
+              <a:rPr lang="en-US" dirty="0"/>
+              <a:t>/</a:t>
+            </a:r>
+            <a:r>
+              <a:rPr lang="en-US" dirty="0" err="1"/>
+              <a:t>css</a:t>
+            </a:r>
+            <a:r>
+              <a:rPr lang="en-US" dirty="0"/>
+              <a:t>/bootstrap.css",</a:t>
+            </a:r>
+            <a:endParaRPr lang="en-US" dirty="0">
+              <a:cs typeface="Calibri"/>
+            </a:endParaRPr>
+          </a:p>
+          <a:p>
+            <a:pPr marL="457200" lvl="1" indent="0">
+              <a:buNone/>
+            </a:pPr>
+            <a:r>
+              <a:rPr lang="en-US" dirty="0"/>
+              <a:t>        "</a:t>
+            </a:r>
+            <a:r>
+              <a:rPr lang="en-US" dirty="0" err="1"/>
+              <a:t>node_modules</a:t>
+            </a:r>
+            <a:r>
+              <a:rPr lang="en-US" dirty="0"/>
+              <a:t>/bootstrap-icons/font/bootstrap-icons.css",</a:t>
+            </a:r>
+            <a:endParaRPr lang="en-US" dirty="0">
+              <a:cs typeface="Calibri"/>
+            </a:endParaRPr>
+          </a:p>
+          <a:p>
+            <a:pPr marL="457200" lvl="1" indent="0">
+              <a:buNone/>
+            </a:pPr>
+            <a:r>
+              <a:rPr lang="en-US" dirty="0"/>
+              <a:t>]</a:t>
+            </a:r>
+            <a:endParaRPr lang="en-US" dirty="0">
+              <a:cs typeface="Calibri"/>
+            </a:endParaRPr>
+          </a:p>
+          <a:p>
+            <a:pPr lvl="1"/>
+            <a:r>
+              <a:rPr lang="en-US" dirty="0"/>
+              <a:t>scripts: [</a:t>
+            </a:r>
+            <a:endParaRPr lang="en-US" dirty="0">
+              <a:cs typeface="Calibri"/>
+            </a:endParaRPr>
+          </a:p>
+          <a:p>
+            <a:pPr marL="457200" lvl="1" indent="0">
+              <a:buNone/>
+            </a:pPr>
+            <a:r>
+              <a:rPr lang="en-US" dirty="0"/>
+              <a:t>	</a:t>
+            </a:r>
+            <a:r>
+              <a:rPr lang="nl-NL" dirty="0">
+                <a:ea typeface="+mn-lt"/>
+                <a:cs typeface="+mn-lt"/>
+              </a:rPr>
+              <a:t>"</a:t>
+            </a:r>
+            <a:r>
+              <a:rPr lang="nl-NL" dirty="0" err="1">
+                <a:ea typeface="+mn-lt"/>
+                <a:cs typeface="+mn-lt"/>
+              </a:rPr>
+              <a:t>node_modules</a:t>
+            </a:r>
+            <a:r>
+              <a:rPr lang="nl-NL" dirty="0">
+                <a:ea typeface="+mn-lt"/>
+                <a:cs typeface="+mn-lt"/>
+              </a:rPr>
+              <a:t>/bootstrap/dist/</a:t>
+            </a:r>
+            <a:r>
+              <a:rPr lang="nl-NL" dirty="0" err="1">
+                <a:ea typeface="+mn-lt"/>
+                <a:cs typeface="+mn-lt"/>
+              </a:rPr>
+              <a:t>js</a:t>
+            </a:r>
+            <a:r>
+              <a:rPr lang="nl-NL" dirty="0">
+                <a:ea typeface="+mn-lt"/>
+                <a:cs typeface="+mn-lt"/>
+              </a:rPr>
+              <a:t>/bootstrap.js"</a:t>
+            </a:r>
+            <a:endParaRPr lang="en-US" dirty="0"/>
+          </a:p>
+          <a:p>
+            <a:pPr marL="457200" lvl="1" indent="0">
+              <a:buNone/>
+            </a:pPr>
+            <a:r>
+              <a:rPr lang="en-US" dirty="0"/>
+              <a:t>]</a:t>
+            </a:r>
+            <a:endParaRPr lang="en-IN" dirty="0"/>
+          </a:p>
+        </p:txBody>
+      </p:sp>
+    </p:spTree>
+    <p:extLst>
+      <p:ext uri="{BB962C8B-B14F-4D97-AF65-F5344CB8AC3E}">
+        <p14:creationId xmlns:p14="http://schemas.microsoft.com/office/powerpoint/2010/main" val="3346829864"/>
+      </p:ext>
+    </p:extLst>
+  </p:cSld>
+  <p:clrMapOvr>
+    <a:masterClrMapping/>
+  </p:clrMapOvr>
+</p:sld>
+</file>
+
+<file path=ppt/slides/slide96.xml><?xml version="1.0" encoding="utf-8"?>
+<p:sld xmlns:a="http://schemas.openxmlformats.org/drawingml/2006/main" xmlns:r="http://schemas.openxmlformats.org/officeDocument/2006/relationships" xmlns:p="http://schemas.openxmlformats.org/presentationml/2006/main">
+  <p:cSld>
+    <p:spTree>
+      <p:nvGrpSpPr>
+        <p:cNvPr id="1" name=""/>
+        <p:cNvGrpSpPr/>
+        <p:nvPr/>
+      </p:nvGrpSpPr>
+      <p:grpSpPr>
+        <a:xfrm>
+          <a:off x="0" y="0"/>
+          <a:ext cx="0" cy="0"/>
+          <a:chOff x="0" y="0"/>
+          <a:chExt cx="0" cy="0"/>
+        </a:xfrm>
+      </p:grpSpPr>
+      <p:sp>
+        <p:nvSpPr>
+          <p:cNvPr id="2" name="Title 1">
+            <a:extLst>
+              <a:ext uri="{FF2B5EF4-FFF2-40B4-BE49-F238E27FC236}">
+                <a16:creationId xmlns:a16="http://schemas.microsoft.com/office/drawing/2014/main" id="{03474DEF-0E6D-D028-CF07-0F2CEC7A9B0E}"/>
+              </a:ext>
+            </a:extLst>
+          </p:cNvPr>
+          <p:cNvSpPr>
+            <a:spLocks noGrp="1"/>
+          </p:cNvSpPr>
+          <p:nvPr>
+            <p:ph type="title"/>
+          </p:nvPr>
+        </p:nvSpPr>
+        <p:spPr/>
+        <p:txBody>
+          <a:bodyPr/>
+          <a:lstStyle/>
+          <a:p>
+            <a:r>
+              <a:rPr lang="en-US"/>
+              <a:t>Assignment</a:t>
+            </a:r>
+            <a:endParaRPr lang="en-IN"/>
+          </a:p>
+        </p:txBody>
+      </p:sp>
+      <p:sp>
+        <p:nvSpPr>
+          <p:cNvPr id="3" name="Content Placeholder 2">
+            <a:extLst>
+              <a:ext uri="{FF2B5EF4-FFF2-40B4-BE49-F238E27FC236}">
+                <a16:creationId xmlns:a16="http://schemas.microsoft.com/office/drawing/2014/main" id="{6DF42FF1-19F3-E05F-0A02-AF56C129DEE3}"/>
+              </a:ext>
+            </a:extLst>
+          </p:cNvPr>
+          <p:cNvSpPr>
+            <a:spLocks noGrp="1"/>
+          </p:cNvSpPr>
+          <p:nvPr>
+            <p:ph idx="1"/>
+          </p:nvPr>
+        </p:nvSpPr>
+        <p:spPr/>
+        <p:txBody>
+          <a:bodyPr/>
+          <a:lstStyle/>
+          <a:p>
+            <a:r>
+              <a:rPr lang="en-US" dirty="0"/>
+              <a:t>Create and Render the following Components in your application:</a:t>
+            </a:r>
+          </a:p>
+          <a:p>
+            <a:pPr lvl="1"/>
+            <a:r>
+              <a:rPr lang="en-US" dirty="0"/>
+              <a:t>Component One</a:t>
+            </a:r>
+          </a:p>
+          <a:p>
+            <a:pPr lvl="2"/>
+            <a:r>
+              <a:rPr lang="en-US" dirty="0"/>
+              <a:t>Hello from Component One (text-success)</a:t>
+            </a:r>
+            <a:endParaRPr lang="en-IN" dirty="0"/>
+          </a:p>
+          <a:p>
+            <a:pPr lvl="1"/>
+            <a:r>
+              <a:rPr lang="en-US" dirty="0"/>
+              <a:t>Component Two</a:t>
+            </a:r>
+          </a:p>
+          <a:p>
+            <a:pPr lvl="2"/>
+            <a:r>
+              <a:rPr lang="en-US" dirty="0"/>
+              <a:t>Hello from Component Two (text-primary)</a:t>
+            </a:r>
+          </a:p>
+        </p:txBody>
+      </p:sp>
+    </p:spTree>
+    <p:extLst>
+      <p:ext uri="{BB962C8B-B14F-4D97-AF65-F5344CB8AC3E}">
+        <p14:creationId xmlns:p14="http://schemas.microsoft.com/office/powerpoint/2010/main" val="768182514"/>
+      </p:ext>
+    </p:extLst>
+  </p:cSld>
+  <p:clrMapOvr>
+    <a:masterClrMapping/>
+  </p:clrMapOvr>
+</p:sld>
+</file>
+
+<file path=ppt/slides/slide97.xml><?xml version="1.0" encoding="utf-8"?>
+<p:sld xmlns:a="http://schemas.openxmlformats.org/drawingml/2006/main" xmlns:r="http://schemas.openxmlformats.org/officeDocument/2006/relationships" xmlns:p="http://schemas.openxmlformats.org/presentationml/2006/main">
+  <p:cSld>
     <p:bg>
       <p:bgPr>
         <a:solidFill>
@@ -39807,1318 +43113,6 @@
     <p:extLst>
       <p:ext uri="{BB962C8B-B14F-4D97-AF65-F5344CB8AC3E}">
         <p14:creationId xmlns:p14="http://schemas.microsoft.com/office/powerpoint/2010/main" val="631516676"/>
-      </p:ext>
-    </p:extLst>
-  </p:cSld>
-  <p:clrMapOvr>
-    <a:masterClrMapping/>
-  </p:clrMapOvr>
-</p:sld>
-</file>
-
-<file path=ppt/slides/slide9.xml><?xml version="1.0" encoding="utf-8"?>
-<p:sld xmlns:a="http://schemas.openxmlformats.org/drawingml/2006/main" xmlns:r="http://schemas.openxmlformats.org/officeDocument/2006/relationships" xmlns:p="http://schemas.openxmlformats.org/presentationml/2006/main">
-  <p:cSld>
-    <p:spTree>
-      <p:nvGrpSpPr>
-        <p:cNvPr id="1" name=""/>
-        <p:cNvGrpSpPr/>
-        <p:nvPr/>
-      </p:nvGrpSpPr>
-      <p:grpSpPr>
-        <a:xfrm>
-          <a:off x="0" y="0"/>
-          <a:ext cx="0" cy="0"/>
-          <a:chOff x="0" y="0"/>
-          <a:chExt cx="0" cy="0"/>
-        </a:xfrm>
-      </p:grpSpPr>
-      <p:sp>
-        <p:nvSpPr>
-          <p:cNvPr id="4" name="Rectangle 3">
-            <a:extLst>
-              <a:ext uri="{FF2B5EF4-FFF2-40B4-BE49-F238E27FC236}">
-                <a16:creationId xmlns:a16="http://schemas.microsoft.com/office/drawing/2014/main" id="{190940D9-D33B-6BD7-334E-131E31BFEF5B}"/>
-              </a:ext>
-            </a:extLst>
-          </p:cNvPr>
-          <p:cNvSpPr/>
-          <p:nvPr/>
-        </p:nvSpPr>
-        <p:spPr>
-          <a:xfrm>
-            <a:off x="1388225" y="432262"/>
-            <a:ext cx="2144684" cy="706581"/>
-          </a:xfrm>
-          <a:prstGeom prst="rect">
-            <a:avLst/>
-          </a:prstGeom>
-        </p:spPr>
-        <p:style>
-          <a:lnRef idx="2">
-            <a:schemeClr val="accent1">
-              <a:shade val="50000"/>
-            </a:schemeClr>
-          </a:lnRef>
-          <a:fillRef idx="1">
-            <a:schemeClr val="accent1"/>
-          </a:fillRef>
-          <a:effectRef idx="0">
-            <a:schemeClr val="accent1"/>
-          </a:effectRef>
-          <a:fontRef idx="minor">
-            <a:schemeClr val="lt1"/>
-          </a:fontRef>
-        </p:style>
-        <p:txBody>
-          <a:bodyPr rtlCol="0" anchor="ctr"/>
-          <a:lstStyle/>
-          <a:p>
-            <a:pPr algn="ctr"/>
-            <a:r>
-              <a:rPr lang="en-US" dirty="0"/>
-              <a:t>.</a:t>
-            </a:r>
-            <a:r>
-              <a:rPr lang="en-US" dirty="0" err="1"/>
-              <a:t>ts</a:t>
-            </a:r>
-            <a:r>
-              <a:rPr lang="en-US" dirty="0"/>
-              <a:t> files</a:t>
-            </a:r>
-          </a:p>
-        </p:txBody>
-      </p:sp>
-      <p:sp>
-        <p:nvSpPr>
-          <p:cNvPr id="5" name="Rectangle: Rounded Corners 4">
-            <a:extLst>
-              <a:ext uri="{FF2B5EF4-FFF2-40B4-BE49-F238E27FC236}">
-                <a16:creationId xmlns:a16="http://schemas.microsoft.com/office/drawing/2014/main" id="{00FA7738-FD63-B8EE-03A6-367985E34D42}"/>
-              </a:ext>
-            </a:extLst>
-          </p:cNvPr>
-          <p:cNvSpPr/>
-          <p:nvPr/>
-        </p:nvSpPr>
-        <p:spPr>
-          <a:xfrm>
-            <a:off x="1388225" y="1803862"/>
-            <a:ext cx="2144684" cy="631767"/>
-          </a:xfrm>
-          <a:prstGeom prst="roundRect">
-            <a:avLst/>
-          </a:prstGeom>
-        </p:spPr>
-        <p:style>
-          <a:lnRef idx="2">
-            <a:schemeClr val="accent1">
-              <a:shade val="50000"/>
-            </a:schemeClr>
-          </a:lnRef>
-          <a:fillRef idx="1">
-            <a:schemeClr val="accent1"/>
-          </a:fillRef>
-          <a:effectRef idx="0">
-            <a:schemeClr val="accent1"/>
-          </a:effectRef>
-          <a:fontRef idx="minor">
-            <a:schemeClr val="lt1"/>
-          </a:fontRef>
-        </p:style>
-        <p:txBody>
-          <a:bodyPr rtlCol="0" anchor="ctr"/>
-          <a:lstStyle/>
-          <a:p>
-            <a:pPr algn="ctr"/>
-            <a:r>
-              <a:rPr lang="en-US" dirty="0" err="1"/>
-              <a:t>tsc</a:t>
-            </a:r>
-            <a:endParaRPr lang="en-US" dirty="0"/>
-          </a:p>
-        </p:txBody>
-      </p:sp>
-      <p:sp>
-        <p:nvSpPr>
-          <p:cNvPr id="6" name="Rectangle 5">
-            <a:extLst>
-              <a:ext uri="{FF2B5EF4-FFF2-40B4-BE49-F238E27FC236}">
-                <a16:creationId xmlns:a16="http://schemas.microsoft.com/office/drawing/2014/main" id="{D4E5429B-E415-62FA-26C1-C2BA52243D3E}"/>
-              </a:ext>
-            </a:extLst>
-          </p:cNvPr>
-          <p:cNvSpPr/>
-          <p:nvPr/>
-        </p:nvSpPr>
-        <p:spPr>
-          <a:xfrm>
-            <a:off x="1388225" y="3100648"/>
-            <a:ext cx="2144684" cy="706581"/>
-          </a:xfrm>
-          <a:prstGeom prst="rect">
-            <a:avLst/>
-          </a:prstGeom>
-        </p:spPr>
-        <p:style>
-          <a:lnRef idx="2">
-            <a:schemeClr val="accent1">
-              <a:shade val="50000"/>
-            </a:schemeClr>
-          </a:lnRef>
-          <a:fillRef idx="1">
-            <a:schemeClr val="accent1"/>
-          </a:fillRef>
-          <a:effectRef idx="0">
-            <a:schemeClr val="accent1"/>
-          </a:effectRef>
-          <a:fontRef idx="minor">
-            <a:schemeClr val="lt1"/>
-          </a:fontRef>
-        </p:style>
-        <p:txBody>
-          <a:bodyPr rtlCol="0" anchor="ctr"/>
-          <a:lstStyle/>
-          <a:p>
-            <a:pPr algn="ctr"/>
-            <a:r>
-              <a:rPr lang="en-US" dirty="0"/>
-              <a:t>.</a:t>
-            </a:r>
-            <a:r>
-              <a:rPr lang="en-US" dirty="0" err="1"/>
-              <a:t>js</a:t>
-            </a:r>
-            <a:r>
-              <a:rPr lang="en-US" dirty="0"/>
-              <a:t> files</a:t>
-            </a:r>
-          </a:p>
-        </p:txBody>
-      </p:sp>
-      <p:sp>
-        <p:nvSpPr>
-          <p:cNvPr id="7" name="Rectangle 6">
-            <a:extLst>
-              <a:ext uri="{FF2B5EF4-FFF2-40B4-BE49-F238E27FC236}">
-                <a16:creationId xmlns:a16="http://schemas.microsoft.com/office/drawing/2014/main" id="{E46D9551-67F0-EB5F-3FCB-755E3F843AAE}"/>
-              </a:ext>
-            </a:extLst>
-          </p:cNvPr>
-          <p:cNvSpPr/>
-          <p:nvPr/>
-        </p:nvSpPr>
-        <p:spPr>
-          <a:xfrm>
-            <a:off x="1388225" y="4472248"/>
-            <a:ext cx="2144684" cy="706581"/>
-          </a:xfrm>
-          <a:prstGeom prst="rect">
-            <a:avLst/>
-          </a:prstGeom>
-        </p:spPr>
-        <p:style>
-          <a:lnRef idx="2">
-            <a:schemeClr val="accent1">
-              <a:shade val="50000"/>
-            </a:schemeClr>
-          </a:lnRef>
-          <a:fillRef idx="1">
-            <a:schemeClr val="accent1"/>
-          </a:fillRef>
-          <a:effectRef idx="0">
-            <a:schemeClr val="accent1"/>
-          </a:effectRef>
-          <a:fontRef idx="minor">
-            <a:schemeClr val="lt1"/>
-          </a:fontRef>
-        </p:style>
-        <p:txBody>
-          <a:bodyPr rtlCol="0" anchor="ctr"/>
-          <a:lstStyle/>
-          <a:p>
-            <a:pPr algn="ctr"/>
-            <a:r>
-              <a:rPr lang="en-US" dirty="0"/>
-              <a:t>.html page</a:t>
-            </a:r>
-          </a:p>
-        </p:txBody>
-      </p:sp>
-      <p:cxnSp>
-        <p:nvCxnSpPr>
-          <p:cNvPr id="8" name="Straight Arrow Connector 7">
-            <a:extLst>
-              <a:ext uri="{FF2B5EF4-FFF2-40B4-BE49-F238E27FC236}">
-                <a16:creationId xmlns:a16="http://schemas.microsoft.com/office/drawing/2014/main" id="{5482207F-1128-10E6-94CF-008D8BB7A68E}"/>
-              </a:ext>
-            </a:extLst>
-          </p:cNvPr>
-          <p:cNvCxnSpPr>
-            <a:stCxn id="4" idx="2"/>
-            <a:endCxn id="5" idx="0"/>
-          </p:cNvCxnSpPr>
-          <p:nvPr/>
-        </p:nvCxnSpPr>
-        <p:spPr>
-          <a:xfrm>
-            <a:off x="2460567" y="1138843"/>
-            <a:ext cx="0" cy="665019"/>
-          </a:xfrm>
-          <a:prstGeom prst="straightConnector1">
-            <a:avLst/>
-          </a:prstGeom>
-          <a:ln>
-            <a:tailEnd type="triangle"/>
-          </a:ln>
-        </p:spPr>
-        <p:style>
-          <a:lnRef idx="1">
-            <a:schemeClr val="accent1"/>
-          </a:lnRef>
-          <a:fillRef idx="0">
-            <a:schemeClr val="accent1"/>
-          </a:fillRef>
-          <a:effectRef idx="0">
-            <a:schemeClr val="accent1"/>
-          </a:effectRef>
-          <a:fontRef idx="minor">
-            <a:schemeClr val="tx1"/>
-          </a:fontRef>
-        </p:style>
-      </p:cxnSp>
-      <p:sp>
-        <p:nvSpPr>
-          <p:cNvPr id="9" name="TextBox 8">
-            <a:extLst>
-              <a:ext uri="{FF2B5EF4-FFF2-40B4-BE49-F238E27FC236}">
-                <a16:creationId xmlns:a16="http://schemas.microsoft.com/office/drawing/2014/main" id="{41A10B9E-6A5B-A6FC-8C34-A9D9ED03E39F}"/>
-              </a:ext>
-            </a:extLst>
-          </p:cNvPr>
-          <p:cNvSpPr txBox="1"/>
-          <p:nvPr/>
-        </p:nvSpPr>
-        <p:spPr>
-          <a:xfrm>
-            <a:off x="2460567" y="1286686"/>
-            <a:ext cx="2036263" cy="369332"/>
-          </a:xfrm>
-          <a:prstGeom prst="rect">
-            <a:avLst/>
-          </a:prstGeom>
-          <a:noFill/>
-        </p:spPr>
-        <p:txBody>
-          <a:bodyPr wrap="none" rtlCol="0">
-            <a:spAutoFit/>
-          </a:bodyPr>
-          <a:lstStyle/>
-          <a:p>
-            <a:r>
-              <a:rPr lang="en-US" dirty="0"/>
-              <a:t>Will be compiled by</a:t>
-            </a:r>
-          </a:p>
-        </p:txBody>
-      </p:sp>
-      <p:cxnSp>
-        <p:nvCxnSpPr>
-          <p:cNvPr id="10" name="Straight Arrow Connector 9">
-            <a:extLst>
-              <a:ext uri="{FF2B5EF4-FFF2-40B4-BE49-F238E27FC236}">
-                <a16:creationId xmlns:a16="http://schemas.microsoft.com/office/drawing/2014/main" id="{48D85733-B13B-3384-DED7-84D1A15CBD84}"/>
-              </a:ext>
-            </a:extLst>
-          </p:cNvPr>
-          <p:cNvCxnSpPr>
-            <a:cxnSpLocks/>
-            <a:stCxn id="5" idx="2"/>
-            <a:endCxn id="6" idx="0"/>
-          </p:cNvCxnSpPr>
-          <p:nvPr/>
-        </p:nvCxnSpPr>
-        <p:spPr>
-          <a:xfrm>
-            <a:off x="2460567" y="2435629"/>
-            <a:ext cx="0" cy="665019"/>
-          </a:xfrm>
-          <a:prstGeom prst="straightConnector1">
-            <a:avLst/>
-          </a:prstGeom>
-          <a:ln>
-            <a:tailEnd type="triangle"/>
-          </a:ln>
-        </p:spPr>
-        <p:style>
-          <a:lnRef idx="1">
-            <a:schemeClr val="accent1"/>
-          </a:lnRef>
-          <a:fillRef idx="0">
-            <a:schemeClr val="accent1"/>
-          </a:fillRef>
-          <a:effectRef idx="0">
-            <a:schemeClr val="accent1"/>
-          </a:effectRef>
-          <a:fontRef idx="minor">
-            <a:schemeClr val="tx1"/>
-          </a:fontRef>
-        </p:style>
-      </p:cxnSp>
-      <p:sp>
-        <p:nvSpPr>
-          <p:cNvPr id="11" name="TextBox 10">
-            <a:extLst>
-              <a:ext uri="{FF2B5EF4-FFF2-40B4-BE49-F238E27FC236}">
-                <a16:creationId xmlns:a16="http://schemas.microsoft.com/office/drawing/2014/main" id="{DE137C97-95F7-CA46-C66D-A4B92364654D}"/>
-              </a:ext>
-            </a:extLst>
-          </p:cNvPr>
-          <p:cNvSpPr txBox="1"/>
-          <p:nvPr/>
-        </p:nvSpPr>
-        <p:spPr>
-          <a:xfrm>
-            <a:off x="2460567" y="2583472"/>
-            <a:ext cx="1171796" cy="369332"/>
-          </a:xfrm>
-          <a:prstGeom prst="rect">
-            <a:avLst/>
-          </a:prstGeom>
-          <a:noFill/>
-        </p:spPr>
-        <p:txBody>
-          <a:bodyPr wrap="none" rtlCol="0">
-            <a:spAutoFit/>
-          </a:bodyPr>
-          <a:lstStyle/>
-          <a:p>
-            <a:r>
-              <a:rPr lang="en-US" dirty="0"/>
-              <a:t>Convert to</a:t>
-            </a:r>
-          </a:p>
-        </p:txBody>
-      </p:sp>
-      <p:cxnSp>
-        <p:nvCxnSpPr>
-          <p:cNvPr id="12" name="Straight Arrow Connector 11">
-            <a:extLst>
-              <a:ext uri="{FF2B5EF4-FFF2-40B4-BE49-F238E27FC236}">
-                <a16:creationId xmlns:a16="http://schemas.microsoft.com/office/drawing/2014/main" id="{C26D9AA0-BB55-5875-AFC5-01E60E671714}"/>
-              </a:ext>
-            </a:extLst>
-          </p:cNvPr>
-          <p:cNvCxnSpPr>
-            <a:stCxn id="6" idx="2"/>
-            <a:endCxn id="7" idx="0"/>
-          </p:cNvCxnSpPr>
-          <p:nvPr/>
-        </p:nvCxnSpPr>
-        <p:spPr>
-          <a:xfrm>
-            <a:off x="2460567" y="3807229"/>
-            <a:ext cx="0" cy="665019"/>
-          </a:xfrm>
-          <a:prstGeom prst="straightConnector1">
-            <a:avLst/>
-          </a:prstGeom>
-          <a:ln>
-            <a:tailEnd type="triangle"/>
-          </a:ln>
-        </p:spPr>
-        <p:style>
-          <a:lnRef idx="1">
-            <a:schemeClr val="accent1"/>
-          </a:lnRef>
-          <a:fillRef idx="0">
-            <a:schemeClr val="accent1"/>
-          </a:fillRef>
-          <a:effectRef idx="0">
-            <a:schemeClr val="accent1"/>
-          </a:effectRef>
-          <a:fontRef idx="minor">
-            <a:schemeClr val="tx1"/>
-          </a:fontRef>
-        </p:style>
-      </p:cxnSp>
-      <p:sp>
-        <p:nvSpPr>
-          <p:cNvPr id="13" name="TextBox 12">
-            <a:extLst>
-              <a:ext uri="{FF2B5EF4-FFF2-40B4-BE49-F238E27FC236}">
-                <a16:creationId xmlns:a16="http://schemas.microsoft.com/office/drawing/2014/main" id="{DD0FC227-8B40-307D-C494-A7BCBD774AA0}"/>
-              </a:ext>
-            </a:extLst>
-          </p:cNvPr>
-          <p:cNvSpPr txBox="1"/>
-          <p:nvPr/>
-        </p:nvSpPr>
-        <p:spPr>
-          <a:xfrm>
-            <a:off x="2460567" y="3938446"/>
-            <a:ext cx="906980" cy="369332"/>
-          </a:xfrm>
-          <a:prstGeom prst="rect">
-            <a:avLst/>
-          </a:prstGeom>
-          <a:noFill/>
-        </p:spPr>
-        <p:txBody>
-          <a:bodyPr wrap="none" rtlCol="0">
-            <a:spAutoFit/>
-          </a:bodyPr>
-          <a:lstStyle/>
-          <a:p>
-            <a:r>
-              <a:rPr lang="en-US" dirty="0"/>
-              <a:t>Refer in</a:t>
-            </a:r>
-          </a:p>
-        </p:txBody>
-      </p:sp>
-      <p:sp>
-        <p:nvSpPr>
-          <p:cNvPr id="14" name="Rectangle 13">
-            <a:extLst>
-              <a:ext uri="{FF2B5EF4-FFF2-40B4-BE49-F238E27FC236}">
-                <a16:creationId xmlns:a16="http://schemas.microsoft.com/office/drawing/2014/main" id="{A5B0284F-4E42-81F2-A5C8-66D1A8F068F9}"/>
-              </a:ext>
-            </a:extLst>
-          </p:cNvPr>
-          <p:cNvSpPr/>
-          <p:nvPr/>
-        </p:nvSpPr>
-        <p:spPr>
-          <a:xfrm>
-            <a:off x="1388225" y="5843848"/>
-            <a:ext cx="2144684" cy="706581"/>
-          </a:xfrm>
-          <a:prstGeom prst="rect">
-            <a:avLst/>
-          </a:prstGeom>
-        </p:spPr>
-        <p:style>
-          <a:lnRef idx="2">
-            <a:schemeClr val="accent1">
-              <a:shade val="50000"/>
-            </a:schemeClr>
-          </a:lnRef>
-          <a:fillRef idx="1">
-            <a:schemeClr val="accent1"/>
-          </a:fillRef>
-          <a:effectRef idx="0">
-            <a:schemeClr val="accent1"/>
-          </a:effectRef>
-          <a:fontRef idx="minor">
-            <a:schemeClr val="lt1"/>
-          </a:fontRef>
-        </p:style>
-        <p:txBody>
-          <a:bodyPr rtlCol="0" anchor="ctr"/>
-          <a:lstStyle/>
-          <a:p>
-            <a:pPr algn="ctr"/>
-            <a:r>
-              <a:rPr lang="en-US" dirty="0"/>
-              <a:t>BROWSER</a:t>
-            </a:r>
-          </a:p>
-        </p:txBody>
-      </p:sp>
-      <p:cxnSp>
-        <p:nvCxnSpPr>
-          <p:cNvPr id="15" name="Straight Arrow Connector 14">
-            <a:extLst>
-              <a:ext uri="{FF2B5EF4-FFF2-40B4-BE49-F238E27FC236}">
-                <a16:creationId xmlns:a16="http://schemas.microsoft.com/office/drawing/2014/main" id="{0D137E99-3A5D-3A85-E821-17E1F8BF962E}"/>
-              </a:ext>
-            </a:extLst>
-          </p:cNvPr>
-          <p:cNvCxnSpPr>
-            <a:stCxn id="7" idx="2"/>
-            <a:endCxn id="14" idx="0"/>
-          </p:cNvCxnSpPr>
-          <p:nvPr/>
-        </p:nvCxnSpPr>
-        <p:spPr>
-          <a:xfrm>
-            <a:off x="2460567" y="5178829"/>
-            <a:ext cx="0" cy="665019"/>
-          </a:xfrm>
-          <a:prstGeom prst="straightConnector1">
-            <a:avLst/>
-          </a:prstGeom>
-          <a:ln>
-            <a:tailEnd type="triangle"/>
-          </a:ln>
-        </p:spPr>
-        <p:style>
-          <a:lnRef idx="1">
-            <a:schemeClr val="accent1"/>
-          </a:lnRef>
-          <a:fillRef idx="0">
-            <a:schemeClr val="accent1"/>
-          </a:fillRef>
-          <a:effectRef idx="0">
-            <a:schemeClr val="accent1"/>
-          </a:effectRef>
-          <a:fontRef idx="minor">
-            <a:schemeClr val="tx1"/>
-          </a:fontRef>
-        </p:style>
-      </p:cxnSp>
-      <p:sp>
-        <p:nvSpPr>
-          <p:cNvPr id="16" name="TextBox 15">
-            <a:extLst>
-              <a:ext uri="{FF2B5EF4-FFF2-40B4-BE49-F238E27FC236}">
-                <a16:creationId xmlns:a16="http://schemas.microsoft.com/office/drawing/2014/main" id="{8AB24F6D-A743-9317-1807-AD744C2B77C8}"/>
-              </a:ext>
-            </a:extLst>
-          </p:cNvPr>
-          <p:cNvSpPr txBox="1"/>
-          <p:nvPr/>
-        </p:nvSpPr>
-        <p:spPr>
-          <a:xfrm>
-            <a:off x="2460567" y="5326674"/>
-            <a:ext cx="923651" cy="369332"/>
-          </a:xfrm>
-          <a:prstGeom prst="rect">
-            <a:avLst/>
-          </a:prstGeom>
-          <a:noFill/>
-        </p:spPr>
-        <p:txBody>
-          <a:bodyPr wrap="none" rtlCol="0">
-            <a:spAutoFit/>
-          </a:bodyPr>
-          <a:lstStyle/>
-          <a:p>
-            <a:r>
-              <a:rPr lang="en-US" dirty="0"/>
-              <a:t>Open in</a:t>
-            </a:r>
-          </a:p>
-        </p:txBody>
-      </p:sp>
-      <p:sp>
-        <p:nvSpPr>
-          <p:cNvPr id="17" name="Rectangle 16">
-            <a:extLst>
-              <a:ext uri="{FF2B5EF4-FFF2-40B4-BE49-F238E27FC236}">
-                <a16:creationId xmlns:a16="http://schemas.microsoft.com/office/drawing/2014/main" id="{4249242A-8E9A-6018-BE6D-B8C6F618521E}"/>
-              </a:ext>
-            </a:extLst>
-          </p:cNvPr>
-          <p:cNvSpPr/>
-          <p:nvPr/>
-        </p:nvSpPr>
-        <p:spPr>
-          <a:xfrm>
-            <a:off x="7323366" y="432262"/>
-            <a:ext cx="2144684" cy="706581"/>
-          </a:xfrm>
-          <a:prstGeom prst="rect">
-            <a:avLst/>
-          </a:prstGeom>
-        </p:spPr>
-        <p:style>
-          <a:lnRef idx="2">
-            <a:schemeClr val="accent1">
-              <a:shade val="50000"/>
-            </a:schemeClr>
-          </a:lnRef>
-          <a:fillRef idx="1">
-            <a:schemeClr val="accent1"/>
-          </a:fillRef>
-          <a:effectRef idx="0">
-            <a:schemeClr val="accent1"/>
-          </a:effectRef>
-          <a:fontRef idx="minor">
-            <a:schemeClr val="lt1"/>
-          </a:fontRef>
-        </p:style>
-        <p:txBody>
-          <a:bodyPr rtlCol="0" anchor="ctr"/>
-          <a:lstStyle/>
-          <a:p>
-            <a:pPr algn="ctr"/>
-            <a:r>
-              <a:rPr lang="en-US" dirty="0"/>
-              <a:t>.</a:t>
-            </a:r>
-            <a:r>
-              <a:rPr lang="en-US" dirty="0" err="1"/>
-              <a:t>ts</a:t>
-            </a:r>
-            <a:r>
-              <a:rPr lang="en-US" dirty="0"/>
-              <a:t> files</a:t>
-            </a:r>
-          </a:p>
-        </p:txBody>
-      </p:sp>
-      <p:sp>
-        <p:nvSpPr>
-          <p:cNvPr id="18" name="Rectangle: Rounded Corners 17">
-            <a:extLst>
-              <a:ext uri="{FF2B5EF4-FFF2-40B4-BE49-F238E27FC236}">
-                <a16:creationId xmlns:a16="http://schemas.microsoft.com/office/drawing/2014/main" id="{76C958F3-846D-BA13-E1D6-643EDB586445}"/>
-              </a:ext>
-            </a:extLst>
-          </p:cNvPr>
-          <p:cNvSpPr/>
-          <p:nvPr/>
-        </p:nvSpPr>
-        <p:spPr>
-          <a:xfrm>
-            <a:off x="7323366" y="1803862"/>
-            <a:ext cx="2144684" cy="631767"/>
-          </a:xfrm>
-          <a:prstGeom prst="roundRect">
-            <a:avLst/>
-          </a:prstGeom>
-        </p:spPr>
-        <p:style>
-          <a:lnRef idx="2">
-            <a:schemeClr val="accent1">
-              <a:shade val="50000"/>
-            </a:schemeClr>
-          </a:lnRef>
-          <a:fillRef idx="1">
-            <a:schemeClr val="accent1"/>
-          </a:fillRef>
-          <a:effectRef idx="0">
-            <a:schemeClr val="accent1"/>
-          </a:effectRef>
-          <a:fontRef idx="minor">
-            <a:schemeClr val="lt1"/>
-          </a:fontRef>
-        </p:style>
-        <p:txBody>
-          <a:bodyPr rtlCol="0" anchor="ctr"/>
-          <a:lstStyle/>
-          <a:p>
-            <a:pPr algn="ctr"/>
-            <a:r>
-              <a:rPr lang="en-US" dirty="0" err="1"/>
-              <a:t>tsc</a:t>
-            </a:r>
-            <a:endParaRPr lang="en-US" dirty="0"/>
-          </a:p>
-        </p:txBody>
-      </p:sp>
-      <p:sp>
-        <p:nvSpPr>
-          <p:cNvPr id="19" name="Rectangle 18">
-            <a:extLst>
-              <a:ext uri="{FF2B5EF4-FFF2-40B4-BE49-F238E27FC236}">
-                <a16:creationId xmlns:a16="http://schemas.microsoft.com/office/drawing/2014/main" id="{51A0F073-6C13-B7C6-B5D8-0F2598085F31}"/>
-              </a:ext>
-            </a:extLst>
-          </p:cNvPr>
-          <p:cNvSpPr/>
-          <p:nvPr/>
-        </p:nvSpPr>
-        <p:spPr>
-          <a:xfrm>
-            <a:off x="7323366" y="3100648"/>
-            <a:ext cx="2144684" cy="706581"/>
-          </a:xfrm>
-          <a:prstGeom prst="rect">
-            <a:avLst/>
-          </a:prstGeom>
-        </p:spPr>
-        <p:style>
-          <a:lnRef idx="2">
-            <a:schemeClr val="accent1">
-              <a:shade val="50000"/>
-            </a:schemeClr>
-          </a:lnRef>
-          <a:fillRef idx="1">
-            <a:schemeClr val="accent1"/>
-          </a:fillRef>
-          <a:effectRef idx="0">
-            <a:schemeClr val="accent1"/>
-          </a:effectRef>
-          <a:fontRef idx="minor">
-            <a:schemeClr val="lt1"/>
-          </a:fontRef>
-        </p:style>
-        <p:txBody>
-          <a:bodyPr rtlCol="0" anchor="ctr"/>
-          <a:lstStyle/>
-          <a:p>
-            <a:pPr algn="ctr"/>
-            <a:r>
-              <a:rPr lang="en-US" dirty="0"/>
-              <a:t>.</a:t>
-            </a:r>
-            <a:r>
-              <a:rPr lang="en-US" dirty="0" err="1"/>
-              <a:t>js</a:t>
-            </a:r>
-            <a:r>
-              <a:rPr lang="en-US" dirty="0"/>
-              <a:t> files</a:t>
-            </a:r>
-          </a:p>
-        </p:txBody>
-      </p:sp>
-      <p:sp>
-        <p:nvSpPr>
-          <p:cNvPr id="20" name="Rectangle 19">
-            <a:extLst>
-              <a:ext uri="{FF2B5EF4-FFF2-40B4-BE49-F238E27FC236}">
-                <a16:creationId xmlns:a16="http://schemas.microsoft.com/office/drawing/2014/main" id="{465B32DC-747C-AA2C-579E-A94A5056C95D}"/>
-              </a:ext>
-            </a:extLst>
-          </p:cNvPr>
-          <p:cNvSpPr/>
-          <p:nvPr/>
-        </p:nvSpPr>
-        <p:spPr>
-          <a:xfrm>
-            <a:off x="7323366" y="4472248"/>
-            <a:ext cx="2144684" cy="706581"/>
-          </a:xfrm>
-          <a:prstGeom prst="rect">
-            <a:avLst/>
-          </a:prstGeom>
-        </p:spPr>
-        <p:style>
-          <a:lnRef idx="2">
-            <a:schemeClr val="accent1">
-              <a:shade val="50000"/>
-            </a:schemeClr>
-          </a:lnRef>
-          <a:fillRef idx="1">
-            <a:schemeClr val="accent1"/>
-          </a:fillRef>
-          <a:effectRef idx="0">
-            <a:schemeClr val="accent1"/>
-          </a:effectRef>
-          <a:fontRef idx="minor">
-            <a:schemeClr val="lt1"/>
-          </a:fontRef>
-        </p:style>
-        <p:txBody>
-          <a:bodyPr rtlCol="0" anchor="ctr"/>
-          <a:lstStyle/>
-          <a:p>
-            <a:pPr algn="ctr"/>
-            <a:r>
-              <a:rPr lang="en-US" dirty="0"/>
-              <a:t>.html page</a:t>
-            </a:r>
-          </a:p>
-        </p:txBody>
-      </p:sp>
-      <p:cxnSp>
-        <p:nvCxnSpPr>
-          <p:cNvPr id="21" name="Straight Arrow Connector 20">
-            <a:extLst>
-              <a:ext uri="{FF2B5EF4-FFF2-40B4-BE49-F238E27FC236}">
-                <a16:creationId xmlns:a16="http://schemas.microsoft.com/office/drawing/2014/main" id="{FD52C290-E404-EE8E-7E7D-EA5F08BAE100}"/>
-              </a:ext>
-            </a:extLst>
-          </p:cNvPr>
-          <p:cNvCxnSpPr>
-            <a:stCxn id="17" idx="2"/>
-            <a:endCxn id="18" idx="0"/>
-          </p:cNvCxnSpPr>
-          <p:nvPr/>
-        </p:nvCxnSpPr>
-        <p:spPr>
-          <a:xfrm>
-            <a:off x="8395708" y="1138843"/>
-            <a:ext cx="0" cy="665019"/>
-          </a:xfrm>
-          <a:prstGeom prst="straightConnector1">
-            <a:avLst/>
-          </a:prstGeom>
-          <a:ln>
-            <a:tailEnd type="triangle"/>
-          </a:ln>
-        </p:spPr>
-        <p:style>
-          <a:lnRef idx="1">
-            <a:schemeClr val="accent1"/>
-          </a:lnRef>
-          <a:fillRef idx="0">
-            <a:schemeClr val="accent1"/>
-          </a:fillRef>
-          <a:effectRef idx="0">
-            <a:schemeClr val="accent1"/>
-          </a:effectRef>
-          <a:fontRef idx="minor">
-            <a:schemeClr val="tx1"/>
-          </a:fontRef>
-        </p:style>
-      </p:cxnSp>
-      <p:sp>
-        <p:nvSpPr>
-          <p:cNvPr id="22" name="TextBox 21">
-            <a:extLst>
-              <a:ext uri="{FF2B5EF4-FFF2-40B4-BE49-F238E27FC236}">
-                <a16:creationId xmlns:a16="http://schemas.microsoft.com/office/drawing/2014/main" id="{491C59E9-D1F5-A434-0287-7051879A60A7}"/>
-              </a:ext>
-            </a:extLst>
-          </p:cNvPr>
-          <p:cNvSpPr txBox="1"/>
-          <p:nvPr/>
-        </p:nvSpPr>
-        <p:spPr>
-          <a:xfrm>
-            <a:off x="8395708" y="1286686"/>
-            <a:ext cx="2036263" cy="369332"/>
-          </a:xfrm>
-          <a:prstGeom prst="rect">
-            <a:avLst/>
-          </a:prstGeom>
-          <a:noFill/>
-        </p:spPr>
-        <p:txBody>
-          <a:bodyPr wrap="none" rtlCol="0">
-            <a:spAutoFit/>
-          </a:bodyPr>
-          <a:lstStyle/>
-          <a:p>
-            <a:r>
-              <a:rPr lang="en-US" dirty="0"/>
-              <a:t>Will be compiled by</a:t>
-            </a:r>
-          </a:p>
-        </p:txBody>
-      </p:sp>
-      <p:cxnSp>
-        <p:nvCxnSpPr>
-          <p:cNvPr id="23" name="Straight Arrow Connector 22">
-            <a:extLst>
-              <a:ext uri="{FF2B5EF4-FFF2-40B4-BE49-F238E27FC236}">
-                <a16:creationId xmlns:a16="http://schemas.microsoft.com/office/drawing/2014/main" id="{8668FB43-4303-CD6B-43DC-5ADD5F85BCAF}"/>
-              </a:ext>
-            </a:extLst>
-          </p:cNvPr>
-          <p:cNvCxnSpPr>
-            <a:cxnSpLocks/>
-            <a:stCxn id="18" idx="2"/>
-            <a:endCxn id="19" idx="0"/>
-          </p:cNvCxnSpPr>
-          <p:nvPr/>
-        </p:nvCxnSpPr>
-        <p:spPr>
-          <a:xfrm>
-            <a:off x="8395708" y="2435629"/>
-            <a:ext cx="0" cy="665019"/>
-          </a:xfrm>
-          <a:prstGeom prst="straightConnector1">
-            <a:avLst/>
-          </a:prstGeom>
-          <a:ln>
-            <a:tailEnd type="triangle"/>
-          </a:ln>
-        </p:spPr>
-        <p:style>
-          <a:lnRef idx="1">
-            <a:schemeClr val="accent1"/>
-          </a:lnRef>
-          <a:fillRef idx="0">
-            <a:schemeClr val="accent1"/>
-          </a:fillRef>
-          <a:effectRef idx="0">
-            <a:schemeClr val="accent1"/>
-          </a:effectRef>
-          <a:fontRef idx="minor">
-            <a:schemeClr val="tx1"/>
-          </a:fontRef>
-        </p:style>
-      </p:cxnSp>
-      <p:sp>
-        <p:nvSpPr>
-          <p:cNvPr id="24" name="TextBox 23">
-            <a:extLst>
-              <a:ext uri="{FF2B5EF4-FFF2-40B4-BE49-F238E27FC236}">
-                <a16:creationId xmlns:a16="http://schemas.microsoft.com/office/drawing/2014/main" id="{D5CEC224-1C4A-830E-E7DC-15447823056C}"/>
-              </a:ext>
-            </a:extLst>
-          </p:cNvPr>
-          <p:cNvSpPr txBox="1"/>
-          <p:nvPr/>
-        </p:nvSpPr>
-        <p:spPr>
-          <a:xfrm>
-            <a:off x="8395708" y="2583472"/>
-            <a:ext cx="1171796" cy="369332"/>
-          </a:xfrm>
-          <a:prstGeom prst="rect">
-            <a:avLst/>
-          </a:prstGeom>
-          <a:noFill/>
-        </p:spPr>
-        <p:txBody>
-          <a:bodyPr wrap="none" rtlCol="0">
-            <a:spAutoFit/>
-          </a:bodyPr>
-          <a:lstStyle/>
-          <a:p>
-            <a:r>
-              <a:rPr lang="en-US" dirty="0"/>
-              <a:t>Convert to</a:t>
-            </a:r>
-          </a:p>
-        </p:txBody>
-      </p:sp>
-      <p:cxnSp>
-        <p:nvCxnSpPr>
-          <p:cNvPr id="25" name="Straight Arrow Connector 24">
-            <a:extLst>
-              <a:ext uri="{FF2B5EF4-FFF2-40B4-BE49-F238E27FC236}">
-                <a16:creationId xmlns:a16="http://schemas.microsoft.com/office/drawing/2014/main" id="{CF199481-25FB-1392-04DA-EA6E63C995F0}"/>
-              </a:ext>
-            </a:extLst>
-          </p:cNvPr>
-          <p:cNvCxnSpPr>
-            <a:stCxn id="19" idx="2"/>
-            <a:endCxn id="20" idx="0"/>
-          </p:cNvCxnSpPr>
-          <p:nvPr/>
-        </p:nvCxnSpPr>
-        <p:spPr>
-          <a:xfrm>
-            <a:off x="8395708" y="3807229"/>
-            <a:ext cx="0" cy="665019"/>
-          </a:xfrm>
-          <a:prstGeom prst="straightConnector1">
-            <a:avLst/>
-          </a:prstGeom>
-          <a:ln>
-            <a:tailEnd type="triangle"/>
-          </a:ln>
-        </p:spPr>
-        <p:style>
-          <a:lnRef idx="1">
-            <a:schemeClr val="accent1"/>
-          </a:lnRef>
-          <a:fillRef idx="0">
-            <a:schemeClr val="accent1"/>
-          </a:fillRef>
-          <a:effectRef idx="0">
-            <a:schemeClr val="accent1"/>
-          </a:effectRef>
-          <a:fontRef idx="minor">
-            <a:schemeClr val="tx1"/>
-          </a:fontRef>
-        </p:style>
-      </p:cxnSp>
-      <p:sp>
-        <p:nvSpPr>
-          <p:cNvPr id="26" name="TextBox 25">
-            <a:extLst>
-              <a:ext uri="{FF2B5EF4-FFF2-40B4-BE49-F238E27FC236}">
-                <a16:creationId xmlns:a16="http://schemas.microsoft.com/office/drawing/2014/main" id="{B813E089-E738-2663-2411-0D02F3604C78}"/>
-              </a:ext>
-            </a:extLst>
-          </p:cNvPr>
-          <p:cNvSpPr txBox="1"/>
-          <p:nvPr/>
-        </p:nvSpPr>
-        <p:spPr>
-          <a:xfrm>
-            <a:off x="8395708" y="3938446"/>
-            <a:ext cx="906980" cy="369332"/>
-          </a:xfrm>
-          <a:prstGeom prst="rect">
-            <a:avLst/>
-          </a:prstGeom>
-          <a:noFill/>
-        </p:spPr>
-        <p:txBody>
-          <a:bodyPr wrap="none" rtlCol="0">
-            <a:spAutoFit/>
-          </a:bodyPr>
-          <a:lstStyle/>
-          <a:p>
-            <a:r>
-              <a:rPr lang="en-US" dirty="0"/>
-              <a:t>Refer in</a:t>
-            </a:r>
-          </a:p>
-        </p:txBody>
-      </p:sp>
-      <p:sp>
-        <p:nvSpPr>
-          <p:cNvPr id="27" name="Rectangle 26">
-            <a:extLst>
-              <a:ext uri="{FF2B5EF4-FFF2-40B4-BE49-F238E27FC236}">
-                <a16:creationId xmlns:a16="http://schemas.microsoft.com/office/drawing/2014/main" id="{EB164B65-ECBD-B852-5AF6-5E3009ED018B}"/>
-              </a:ext>
-            </a:extLst>
-          </p:cNvPr>
-          <p:cNvSpPr/>
-          <p:nvPr/>
-        </p:nvSpPr>
-        <p:spPr>
-          <a:xfrm>
-            <a:off x="7323366" y="5843848"/>
-            <a:ext cx="2144684" cy="706581"/>
-          </a:xfrm>
-          <a:prstGeom prst="rect">
-            <a:avLst/>
-          </a:prstGeom>
-        </p:spPr>
-        <p:style>
-          <a:lnRef idx="2">
-            <a:schemeClr val="accent1">
-              <a:shade val="50000"/>
-            </a:schemeClr>
-          </a:lnRef>
-          <a:fillRef idx="1">
-            <a:schemeClr val="accent1"/>
-          </a:fillRef>
-          <a:effectRef idx="0">
-            <a:schemeClr val="accent1"/>
-          </a:effectRef>
-          <a:fontRef idx="minor">
-            <a:schemeClr val="lt1"/>
-          </a:fontRef>
-        </p:style>
-        <p:txBody>
-          <a:bodyPr rtlCol="0" anchor="ctr"/>
-          <a:lstStyle/>
-          <a:p>
-            <a:pPr algn="ctr"/>
-            <a:r>
-              <a:rPr lang="en-US" dirty="0"/>
-              <a:t>BROWSER</a:t>
-            </a:r>
-          </a:p>
-        </p:txBody>
-      </p:sp>
-      <p:cxnSp>
-        <p:nvCxnSpPr>
-          <p:cNvPr id="28" name="Straight Arrow Connector 27">
-            <a:extLst>
-              <a:ext uri="{FF2B5EF4-FFF2-40B4-BE49-F238E27FC236}">
-                <a16:creationId xmlns:a16="http://schemas.microsoft.com/office/drawing/2014/main" id="{8DC1B0DE-6404-8849-3B9E-A1A75C1322FC}"/>
-              </a:ext>
-            </a:extLst>
-          </p:cNvPr>
-          <p:cNvCxnSpPr>
-            <a:stCxn id="20" idx="2"/>
-            <a:endCxn id="27" idx="0"/>
-          </p:cNvCxnSpPr>
-          <p:nvPr/>
-        </p:nvCxnSpPr>
-        <p:spPr>
-          <a:xfrm>
-            <a:off x="8395708" y="5178829"/>
-            <a:ext cx="0" cy="665019"/>
-          </a:xfrm>
-          <a:prstGeom prst="straightConnector1">
-            <a:avLst/>
-          </a:prstGeom>
-          <a:ln>
-            <a:tailEnd type="triangle"/>
-          </a:ln>
-        </p:spPr>
-        <p:style>
-          <a:lnRef idx="1">
-            <a:schemeClr val="accent1"/>
-          </a:lnRef>
-          <a:fillRef idx="0">
-            <a:schemeClr val="accent1"/>
-          </a:fillRef>
-          <a:effectRef idx="0">
-            <a:schemeClr val="accent1"/>
-          </a:effectRef>
-          <a:fontRef idx="minor">
-            <a:schemeClr val="tx1"/>
-          </a:fontRef>
-        </p:style>
-      </p:cxnSp>
-      <p:sp>
-        <p:nvSpPr>
-          <p:cNvPr id="29" name="TextBox 28">
-            <a:extLst>
-              <a:ext uri="{FF2B5EF4-FFF2-40B4-BE49-F238E27FC236}">
-                <a16:creationId xmlns:a16="http://schemas.microsoft.com/office/drawing/2014/main" id="{037E4CF5-D90A-2BB4-3ACD-86B4CBF028AE}"/>
-              </a:ext>
-            </a:extLst>
-          </p:cNvPr>
-          <p:cNvSpPr txBox="1"/>
-          <p:nvPr/>
-        </p:nvSpPr>
-        <p:spPr>
-          <a:xfrm>
-            <a:off x="8395708" y="5326674"/>
-            <a:ext cx="923651" cy="369332"/>
-          </a:xfrm>
-          <a:prstGeom prst="rect">
-            <a:avLst/>
-          </a:prstGeom>
-          <a:noFill/>
-        </p:spPr>
-        <p:txBody>
-          <a:bodyPr wrap="none" rtlCol="0">
-            <a:spAutoFit/>
-          </a:bodyPr>
-          <a:lstStyle/>
-          <a:p>
-            <a:r>
-              <a:rPr lang="en-US" dirty="0"/>
-              <a:t>Open in</a:t>
-            </a:r>
-          </a:p>
-        </p:txBody>
-      </p:sp>
-      <p:sp>
-        <p:nvSpPr>
-          <p:cNvPr id="30" name="Rectangle: Rounded Corners 29">
-            <a:extLst>
-              <a:ext uri="{FF2B5EF4-FFF2-40B4-BE49-F238E27FC236}">
-                <a16:creationId xmlns:a16="http://schemas.microsoft.com/office/drawing/2014/main" id="{3A6055E8-5C29-A579-1835-C95D9D3D13AE}"/>
-              </a:ext>
-            </a:extLst>
-          </p:cNvPr>
-          <p:cNvSpPr/>
-          <p:nvPr/>
-        </p:nvSpPr>
-        <p:spPr>
-          <a:xfrm>
-            <a:off x="6908808" y="307571"/>
-            <a:ext cx="3462866" cy="3630875"/>
-          </a:xfrm>
-          <a:prstGeom prst="roundRect">
-            <a:avLst/>
-          </a:prstGeom>
-          <a:noFill/>
-          <a:ln w="9525" cap="flat" cmpd="sng" algn="ctr">
-            <a:solidFill>
-              <a:schemeClr val="accent2"/>
-            </a:solidFill>
-            <a:prstDash val="solid"/>
-            <a:round/>
-            <a:headEnd type="none" w="med" len="med"/>
-            <a:tailEnd type="none" w="med" len="med"/>
-          </a:ln>
-        </p:spPr>
-        <p:style>
-          <a:lnRef idx="0">
-            <a:scrgbClr r="0" g="0" b="0"/>
-          </a:lnRef>
-          <a:fillRef idx="0">
-            <a:scrgbClr r="0" g="0" b="0"/>
-          </a:fillRef>
-          <a:effectRef idx="0">
-            <a:scrgbClr r="0" g="0" b="0"/>
-          </a:effectRef>
-          <a:fontRef idx="minor">
-            <a:schemeClr val="accent2"/>
-          </a:fontRef>
-        </p:style>
-        <p:txBody>
-          <a:bodyPr rtlCol="0" anchor="ctr"/>
-          <a:lstStyle/>
-          <a:p>
-            <a:pPr algn="ctr"/>
-            <a:endParaRPr lang="en-IN"/>
-          </a:p>
-        </p:txBody>
-      </p:sp>
-      <p:sp>
-        <p:nvSpPr>
-          <p:cNvPr id="31" name="TextBox 30">
-            <a:extLst>
-              <a:ext uri="{FF2B5EF4-FFF2-40B4-BE49-F238E27FC236}">
-                <a16:creationId xmlns:a16="http://schemas.microsoft.com/office/drawing/2014/main" id="{BCBEBB8B-480B-D125-58A2-59E914F37C55}"/>
-              </a:ext>
-            </a:extLst>
-          </p:cNvPr>
-          <p:cNvSpPr txBox="1"/>
-          <p:nvPr/>
-        </p:nvSpPr>
-        <p:spPr>
-          <a:xfrm>
-            <a:off x="10541534" y="1242582"/>
-            <a:ext cx="1444050" cy="1754326"/>
-          </a:xfrm>
-          <a:prstGeom prst="rect">
-            <a:avLst/>
-          </a:prstGeom>
-          <a:noFill/>
-        </p:spPr>
-        <p:txBody>
-          <a:bodyPr wrap="none" rtlCol="0">
-            <a:spAutoFit/>
-          </a:bodyPr>
-          <a:lstStyle/>
-          <a:p>
-            <a:r>
-              <a:rPr lang="en-US" dirty="0"/>
-              <a:t>Automate .</a:t>
-            </a:r>
-            <a:r>
-              <a:rPr lang="en-US" dirty="0" err="1"/>
-              <a:t>ts</a:t>
-            </a:r>
-            <a:r>
-              <a:rPr lang="en-US" dirty="0"/>
-              <a:t> </a:t>
-            </a:r>
-          </a:p>
-          <a:p>
-            <a:r>
-              <a:rPr lang="en-US" dirty="0"/>
-              <a:t>to .</a:t>
-            </a:r>
-            <a:r>
-              <a:rPr lang="en-US" dirty="0" err="1"/>
-              <a:t>js</a:t>
-            </a:r>
-            <a:r>
-              <a:rPr lang="en-US" dirty="0"/>
-              <a:t> file </a:t>
-            </a:r>
-          </a:p>
-          <a:p>
-            <a:r>
-              <a:rPr lang="en-US" dirty="0"/>
-              <a:t>Creation</a:t>
-            </a:r>
-          </a:p>
-          <a:p>
-            <a:endParaRPr lang="en-US" dirty="0"/>
-          </a:p>
-          <a:p>
-            <a:r>
-              <a:rPr lang="en-US" dirty="0"/>
-              <a:t>Run </a:t>
-            </a:r>
-            <a:r>
-              <a:rPr lang="en-US" dirty="0" err="1"/>
-              <a:t>tsc</a:t>
-            </a:r>
-            <a:r>
-              <a:rPr lang="en-US" dirty="0"/>
-              <a:t> in </a:t>
-            </a:r>
-          </a:p>
-          <a:p>
-            <a:r>
-              <a:rPr lang="en-US" dirty="0"/>
-              <a:t>Watch mode</a:t>
-            </a:r>
-          </a:p>
-        </p:txBody>
-      </p:sp>
-    </p:spTree>
-    <p:extLst>
-      <p:ext uri="{BB962C8B-B14F-4D97-AF65-F5344CB8AC3E}">
-        <p14:creationId xmlns:p14="http://schemas.microsoft.com/office/powerpoint/2010/main" val="4125275632"/>
       </p:ext>
     </p:extLst>
   </p:cSld>

--- a/Ng-Byte.pptx
+++ b/Ng-Byte.pptx
@@ -5,7 +5,7 @@
     <p:sldMasterId id="2147483648" r:id="rId1"/>
   </p:sldMasterIdLst>
   <p:notesMasterIdLst>
-    <p:notesMasterId r:id="rId99"/>
+    <p:notesMasterId r:id="rId104"/>
   </p:notesMasterIdLst>
   <p:sldIdLst>
     <p:sldId id="257" r:id="rId2"/>
@@ -104,7 +104,12 @@
     <p:sldId id="464" r:id="rId95"/>
     <p:sldId id="392" r:id="rId96"/>
     <p:sldId id="393" r:id="rId97"/>
-    <p:sldId id="301" r:id="rId98"/>
+    <p:sldId id="394" r:id="rId98"/>
+    <p:sldId id="388" r:id="rId99"/>
+    <p:sldId id="395" r:id="rId100"/>
+    <p:sldId id="389" r:id="rId101"/>
+    <p:sldId id="396" r:id="rId102"/>
+    <p:sldId id="301" r:id="rId103"/>
   </p:sldIdLst>
   <p:sldSz cx="12192000" cy="6858000"/>
   <p:notesSz cx="6858000" cy="9144000"/>
@@ -12962,6 +12967,1273 @@
 </p:sld>
 </file>
 
+<file path=ppt/slides/slide100.xml><?xml version="1.0" encoding="utf-8"?>
+<p:sld xmlns:a="http://schemas.openxmlformats.org/drawingml/2006/main" xmlns:r="http://schemas.openxmlformats.org/officeDocument/2006/relationships" xmlns:p="http://schemas.openxmlformats.org/presentationml/2006/main">
+  <p:cSld>
+    <p:spTree>
+      <p:nvGrpSpPr>
+        <p:cNvPr id="1" name=""/>
+        <p:cNvGrpSpPr/>
+        <p:nvPr/>
+      </p:nvGrpSpPr>
+      <p:grpSpPr>
+        <a:xfrm>
+          <a:off x="0" y="0"/>
+          <a:ext cx="0" cy="0"/>
+          <a:chOff x="0" y="0"/>
+          <a:chExt cx="0" cy="0"/>
+        </a:xfrm>
+      </p:grpSpPr>
+      <p:sp>
+        <p:nvSpPr>
+          <p:cNvPr id="2" name="Title 1">
+            <a:extLst>
+              <a:ext uri="{FF2B5EF4-FFF2-40B4-BE49-F238E27FC236}">
+                <a16:creationId xmlns:a16="http://schemas.microsoft.com/office/drawing/2014/main" id="{BFD32830-ED00-4043-9B8C-8BB04A2966D8}"/>
+              </a:ext>
+            </a:extLst>
+          </p:cNvPr>
+          <p:cNvSpPr>
+            <a:spLocks noGrp="1"/>
+          </p:cNvSpPr>
+          <p:nvPr>
+            <p:ph type="title"/>
+          </p:nvPr>
+        </p:nvSpPr>
+        <p:spPr/>
+        <p:txBody>
+          <a:bodyPr/>
+          <a:lstStyle/>
+          <a:p>
+            <a:r>
+              <a:rPr lang="en-IN"/>
+              <a:t>More on Modules – Multi Modules</a:t>
+            </a:r>
+            <a:endParaRPr lang="en-US"/>
+          </a:p>
+        </p:txBody>
+      </p:sp>
+      <p:sp>
+        <p:nvSpPr>
+          <p:cNvPr id="4" name="Rectangle: Rounded Corners 3">
+            <a:extLst>
+              <a:ext uri="{FF2B5EF4-FFF2-40B4-BE49-F238E27FC236}">
+                <a16:creationId xmlns:a16="http://schemas.microsoft.com/office/drawing/2014/main" id="{FCF464AE-57AE-4450-935A-19EAB717186B}"/>
+              </a:ext>
+            </a:extLst>
+          </p:cNvPr>
+          <p:cNvSpPr/>
+          <p:nvPr/>
+        </p:nvSpPr>
+        <p:spPr>
+          <a:xfrm>
+            <a:off x="4760384" y="4663014"/>
+            <a:ext cx="2671233" cy="1325563"/>
+          </a:xfrm>
+          <a:prstGeom prst="roundRect">
+            <a:avLst/>
+          </a:prstGeom>
+        </p:spPr>
+        <p:style>
+          <a:lnRef idx="2">
+            <a:schemeClr val="accent1">
+              <a:shade val="50000"/>
+            </a:schemeClr>
+          </a:lnRef>
+          <a:fillRef idx="1">
+            <a:schemeClr val="accent1"/>
+          </a:fillRef>
+          <a:effectRef idx="0">
+            <a:schemeClr val="accent1"/>
+          </a:effectRef>
+          <a:fontRef idx="minor">
+            <a:schemeClr val="lt1"/>
+          </a:fontRef>
+        </p:style>
+        <p:txBody>
+          <a:bodyPr rtlCol="0" anchor="ctr"/>
+          <a:lstStyle/>
+          <a:p>
+            <a:pPr algn="ctr"/>
+            <a:r>
+              <a:rPr lang="en-IN" sz="2800"/>
+              <a:t>Angular Module</a:t>
+            </a:r>
+            <a:endParaRPr lang="en-US" sz="2800"/>
+          </a:p>
+        </p:txBody>
+      </p:sp>
+      <p:sp>
+        <p:nvSpPr>
+          <p:cNvPr id="5" name="Rectangle: Rounded Corners 4">
+            <a:extLst>
+              <a:ext uri="{FF2B5EF4-FFF2-40B4-BE49-F238E27FC236}">
+                <a16:creationId xmlns:a16="http://schemas.microsoft.com/office/drawing/2014/main" id="{396CCB52-43A4-4220-9B0C-3F21926BD321}"/>
+              </a:ext>
+            </a:extLst>
+          </p:cNvPr>
+          <p:cNvSpPr/>
+          <p:nvPr/>
+        </p:nvSpPr>
+        <p:spPr>
+          <a:xfrm>
+            <a:off x="838201" y="4663016"/>
+            <a:ext cx="2671233" cy="1325563"/>
+          </a:xfrm>
+          <a:prstGeom prst="roundRect">
+            <a:avLst/>
+          </a:prstGeom>
+        </p:spPr>
+        <p:style>
+          <a:lnRef idx="2">
+            <a:schemeClr val="accent2">
+              <a:shade val="50000"/>
+            </a:schemeClr>
+          </a:lnRef>
+          <a:fillRef idx="1">
+            <a:schemeClr val="accent2"/>
+          </a:fillRef>
+          <a:effectRef idx="0">
+            <a:schemeClr val="accent2"/>
+          </a:effectRef>
+          <a:fontRef idx="minor">
+            <a:schemeClr val="lt1"/>
+          </a:fontRef>
+        </p:style>
+        <p:txBody>
+          <a:bodyPr rtlCol="0" anchor="ctr"/>
+          <a:lstStyle/>
+          <a:p>
+            <a:pPr algn="ctr"/>
+            <a:r>
+              <a:rPr lang="en-IN" sz="2800"/>
+              <a:t>Other Modules</a:t>
+            </a:r>
+            <a:endParaRPr lang="en-US" sz="2800"/>
+          </a:p>
+        </p:txBody>
+      </p:sp>
+      <p:sp>
+        <p:nvSpPr>
+          <p:cNvPr id="6" name="Rectangle: Rounded Corners 5">
+            <a:extLst>
+              <a:ext uri="{FF2B5EF4-FFF2-40B4-BE49-F238E27FC236}">
+                <a16:creationId xmlns:a16="http://schemas.microsoft.com/office/drawing/2014/main" id="{907FA325-83D9-405B-8382-3DC60BF60F9E}"/>
+              </a:ext>
+            </a:extLst>
+          </p:cNvPr>
+          <p:cNvSpPr/>
+          <p:nvPr/>
+        </p:nvSpPr>
+        <p:spPr>
+          <a:xfrm>
+            <a:off x="8682567" y="4663014"/>
+            <a:ext cx="2671233" cy="1325563"/>
+          </a:xfrm>
+          <a:prstGeom prst="roundRect">
+            <a:avLst/>
+          </a:prstGeom>
+        </p:spPr>
+        <p:style>
+          <a:lnRef idx="2">
+            <a:schemeClr val="accent2">
+              <a:shade val="50000"/>
+            </a:schemeClr>
+          </a:lnRef>
+          <a:fillRef idx="1">
+            <a:schemeClr val="accent2"/>
+          </a:fillRef>
+          <a:effectRef idx="0">
+            <a:schemeClr val="accent2"/>
+          </a:effectRef>
+          <a:fontRef idx="minor">
+            <a:schemeClr val="lt1"/>
+          </a:fontRef>
+        </p:style>
+        <p:txBody>
+          <a:bodyPr rtlCol="0" anchor="ctr"/>
+          <a:lstStyle/>
+          <a:p>
+            <a:pPr algn="ctr"/>
+            <a:r>
+              <a:rPr lang="en-IN" sz="2800"/>
+              <a:t>Other Modules</a:t>
+            </a:r>
+            <a:endParaRPr lang="en-US" sz="2800"/>
+          </a:p>
+        </p:txBody>
+      </p:sp>
+      <p:sp>
+        <p:nvSpPr>
+          <p:cNvPr id="7" name="Rectangle: Rounded Corners 6">
+            <a:extLst>
+              <a:ext uri="{FF2B5EF4-FFF2-40B4-BE49-F238E27FC236}">
+                <a16:creationId xmlns:a16="http://schemas.microsoft.com/office/drawing/2014/main" id="{20566802-31D5-4623-BF65-91C722E5DAB9}"/>
+              </a:ext>
+            </a:extLst>
+          </p:cNvPr>
+          <p:cNvSpPr/>
+          <p:nvPr/>
+        </p:nvSpPr>
+        <p:spPr>
+          <a:xfrm>
+            <a:off x="2677585" y="2103437"/>
+            <a:ext cx="2671233" cy="1325563"/>
+          </a:xfrm>
+          <a:prstGeom prst="roundRect">
+            <a:avLst/>
+          </a:prstGeom>
+        </p:spPr>
+        <p:style>
+          <a:lnRef idx="2">
+            <a:schemeClr val="accent6">
+              <a:shade val="50000"/>
+            </a:schemeClr>
+          </a:lnRef>
+          <a:fillRef idx="1">
+            <a:schemeClr val="accent6"/>
+          </a:fillRef>
+          <a:effectRef idx="0">
+            <a:schemeClr val="accent6"/>
+          </a:effectRef>
+          <a:fontRef idx="minor">
+            <a:schemeClr val="lt1"/>
+          </a:fontRef>
+        </p:style>
+        <p:txBody>
+          <a:bodyPr rtlCol="0" anchor="ctr"/>
+          <a:lstStyle/>
+          <a:p>
+            <a:pPr algn="ctr"/>
+            <a:r>
+              <a:rPr lang="en-IN" sz="2800" dirty="0"/>
+              <a:t>Components, Directives, Pipes</a:t>
+            </a:r>
+            <a:endParaRPr lang="en-US" sz="2800" dirty="0"/>
+          </a:p>
+        </p:txBody>
+      </p:sp>
+      <p:sp>
+        <p:nvSpPr>
+          <p:cNvPr id="8" name="Rectangle: Rounded Corners 7">
+            <a:extLst>
+              <a:ext uri="{FF2B5EF4-FFF2-40B4-BE49-F238E27FC236}">
+                <a16:creationId xmlns:a16="http://schemas.microsoft.com/office/drawing/2014/main" id="{5AFB430E-3F64-4479-870C-FAB7BAE810E4}"/>
+              </a:ext>
+            </a:extLst>
+          </p:cNvPr>
+          <p:cNvSpPr/>
+          <p:nvPr/>
+        </p:nvSpPr>
+        <p:spPr>
+          <a:xfrm>
+            <a:off x="6648452" y="2103437"/>
+            <a:ext cx="2671233" cy="1325563"/>
+          </a:xfrm>
+          <a:prstGeom prst="roundRect">
+            <a:avLst/>
+          </a:prstGeom>
+        </p:spPr>
+        <p:style>
+          <a:lnRef idx="2">
+            <a:schemeClr val="accent6">
+              <a:shade val="50000"/>
+            </a:schemeClr>
+          </a:lnRef>
+          <a:fillRef idx="1">
+            <a:schemeClr val="accent6"/>
+          </a:fillRef>
+          <a:effectRef idx="0">
+            <a:schemeClr val="accent6"/>
+          </a:effectRef>
+          <a:fontRef idx="minor">
+            <a:schemeClr val="lt1"/>
+          </a:fontRef>
+        </p:style>
+        <p:txBody>
+          <a:bodyPr rtlCol="0" anchor="ctr"/>
+          <a:lstStyle/>
+          <a:p>
+            <a:pPr algn="ctr"/>
+            <a:r>
+              <a:rPr lang="en-IN" sz="2800"/>
+              <a:t>Services</a:t>
+            </a:r>
+            <a:endParaRPr lang="en-US" sz="2800"/>
+          </a:p>
+        </p:txBody>
+      </p:sp>
+      <p:cxnSp>
+        <p:nvCxnSpPr>
+          <p:cNvPr id="10" name="Straight Arrow Connector 9">
+            <a:extLst>
+              <a:ext uri="{FF2B5EF4-FFF2-40B4-BE49-F238E27FC236}">
+                <a16:creationId xmlns:a16="http://schemas.microsoft.com/office/drawing/2014/main" id="{CD1042DC-D5B8-416C-BC58-87E52ACC6C89}"/>
+              </a:ext>
+            </a:extLst>
+          </p:cNvPr>
+          <p:cNvCxnSpPr>
+            <a:stCxn id="5" idx="3"/>
+            <a:endCxn id="4" idx="1"/>
+          </p:cNvCxnSpPr>
+          <p:nvPr/>
+        </p:nvCxnSpPr>
+        <p:spPr>
+          <a:xfrm flipV="1">
+            <a:off x="3509434" y="5325796"/>
+            <a:ext cx="1250950" cy="2"/>
+          </a:xfrm>
+          <a:prstGeom prst="straightConnector1">
+            <a:avLst/>
+          </a:prstGeom>
+          <a:ln w="38100">
+            <a:prstDash val="sysDash"/>
+            <a:headEnd type="none" w="med" len="med"/>
+            <a:tailEnd type="arrow" w="med" len="med"/>
+          </a:ln>
+        </p:spPr>
+        <p:style>
+          <a:lnRef idx="3">
+            <a:schemeClr val="accent2"/>
+          </a:lnRef>
+          <a:fillRef idx="0">
+            <a:schemeClr val="accent2"/>
+          </a:fillRef>
+          <a:effectRef idx="2">
+            <a:schemeClr val="accent2"/>
+          </a:effectRef>
+          <a:fontRef idx="minor">
+            <a:schemeClr val="tx1"/>
+          </a:fontRef>
+        </p:style>
+      </p:cxnSp>
+      <p:cxnSp>
+        <p:nvCxnSpPr>
+          <p:cNvPr id="11" name="Straight Arrow Connector 10">
+            <a:extLst>
+              <a:ext uri="{FF2B5EF4-FFF2-40B4-BE49-F238E27FC236}">
+                <a16:creationId xmlns:a16="http://schemas.microsoft.com/office/drawing/2014/main" id="{D73C2850-7870-4F1A-AAD0-D8E48257E2A4}"/>
+              </a:ext>
+            </a:extLst>
+          </p:cNvPr>
+          <p:cNvCxnSpPr>
+            <a:cxnSpLocks/>
+            <a:stCxn id="4" idx="3"/>
+            <a:endCxn id="6" idx="1"/>
+          </p:cNvCxnSpPr>
+          <p:nvPr/>
+        </p:nvCxnSpPr>
+        <p:spPr>
+          <a:xfrm>
+            <a:off x="7431617" y="5325796"/>
+            <a:ext cx="1250950" cy="0"/>
+          </a:xfrm>
+          <a:prstGeom prst="straightConnector1">
+            <a:avLst/>
+          </a:prstGeom>
+          <a:ln w="38100">
+            <a:prstDash val="sysDash"/>
+            <a:headEnd type="none" w="med" len="med"/>
+            <a:tailEnd type="arrow" w="med" len="med"/>
+          </a:ln>
+        </p:spPr>
+        <p:style>
+          <a:lnRef idx="3">
+            <a:schemeClr val="accent2"/>
+          </a:lnRef>
+          <a:fillRef idx="0">
+            <a:schemeClr val="accent2"/>
+          </a:fillRef>
+          <a:effectRef idx="2">
+            <a:schemeClr val="accent2"/>
+          </a:effectRef>
+          <a:fontRef idx="minor">
+            <a:schemeClr val="tx1"/>
+          </a:fontRef>
+        </p:style>
+      </p:cxnSp>
+      <p:sp>
+        <p:nvSpPr>
+          <p:cNvPr id="14" name="TextBox 13">
+            <a:extLst>
+              <a:ext uri="{FF2B5EF4-FFF2-40B4-BE49-F238E27FC236}">
+                <a16:creationId xmlns:a16="http://schemas.microsoft.com/office/drawing/2014/main" id="{BF98D2AA-8A22-41ED-926F-40723405F987}"/>
+              </a:ext>
+            </a:extLst>
+          </p:cNvPr>
+          <p:cNvSpPr txBox="1"/>
+          <p:nvPr/>
+        </p:nvSpPr>
+        <p:spPr>
+          <a:xfrm>
+            <a:off x="3661060" y="5325795"/>
+            <a:ext cx="917239" cy="369332"/>
+          </a:xfrm>
+          <a:prstGeom prst="rect">
+            <a:avLst/>
+          </a:prstGeom>
+          <a:noFill/>
+        </p:spPr>
+        <p:txBody>
+          <a:bodyPr wrap="none" rtlCol="0">
+            <a:spAutoFit/>
+          </a:bodyPr>
+          <a:lstStyle/>
+          <a:p>
+            <a:pPr algn="ctr"/>
+            <a:r>
+              <a:rPr lang="en-IN"/>
+              <a:t>Imports</a:t>
+            </a:r>
+            <a:endParaRPr lang="en-US"/>
+          </a:p>
+        </p:txBody>
+      </p:sp>
+      <p:sp>
+        <p:nvSpPr>
+          <p:cNvPr id="15" name="TextBox 14">
+            <a:extLst>
+              <a:ext uri="{FF2B5EF4-FFF2-40B4-BE49-F238E27FC236}">
+                <a16:creationId xmlns:a16="http://schemas.microsoft.com/office/drawing/2014/main" id="{9DA3AD83-B044-47F0-B430-C0B195B0F5EA}"/>
+              </a:ext>
+            </a:extLst>
+          </p:cNvPr>
+          <p:cNvSpPr txBox="1"/>
+          <p:nvPr/>
+        </p:nvSpPr>
+        <p:spPr>
+          <a:xfrm>
+            <a:off x="7613702" y="5325795"/>
+            <a:ext cx="886781" cy="369332"/>
+          </a:xfrm>
+          <a:prstGeom prst="rect">
+            <a:avLst/>
+          </a:prstGeom>
+          <a:noFill/>
+        </p:spPr>
+        <p:txBody>
+          <a:bodyPr wrap="none" rtlCol="0">
+            <a:spAutoFit/>
+          </a:bodyPr>
+          <a:lstStyle/>
+          <a:p>
+            <a:pPr algn="ctr"/>
+            <a:r>
+              <a:rPr lang="en-IN"/>
+              <a:t>Exports</a:t>
+            </a:r>
+            <a:endParaRPr lang="en-US"/>
+          </a:p>
+        </p:txBody>
+      </p:sp>
+      <p:cxnSp>
+        <p:nvCxnSpPr>
+          <p:cNvPr id="16" name="Straight Arrow Connector 15">
+            <a:extLst>
+              <a:ext uri="{FF2B5EF4-FFF2-40B4-BE49-F238E27FC236}">
+                <a16:creationId xmlns:a16="http://schemas.microsoft.com/office/drawing/2014/main" id="{0A476E8D-EF08-40A3-A0E9-BA9841145CE2}"/>
+              </a:ext>
+            </a:extLst>
+          </p:cNvPr>
+          <p:cNvCxnSpPr>
+            <a:cxnSpLocks/>
+            <a:stCxn id="4" idx="0"/>
+            <a:endCxn id="8" idx="2"/>
+          </p:cNvCxnSpPr>
+          <p:nvPr/>
+        </p:nvCxnSpPr>
+        <p:spPr>
+          <a:xfrm flipV="1">
+            <a:off x="6096001" y="3429000"/>
+            <a:ext cx="1888068" cy="1234014"/>
+          </a:xfrm>
+          <a:prstGeom prst="straightConnector1">
+            <a:avLst/>
+          </a:prstGeom>
+          <a:ln w="38100">
+            <a:prstDash val="sysDash"/>
+            <a:headEnd type="none" w="med" len="med"/>
+            <a:tailEnd type="arrow" w="med" len="med"/>
+          </a:ln>
+        </p:spPr>
+        <p:style>
+          <a:lnRef idx="3">
+            <a:schemeClr val="accent2"/>
+          </a:lnRef>
+          <a:fillRef idx="0">
+            <a:schemeClr val="accent2"/>
+          </a:fillRef>
+          <a:effectRef idx="2">
+            <a:schemeClr val="accent2"/>
+          </a:effectRef>
+          <a:fontRef idx="minor">
+            <a:schemeClr val="tx1"/>
+          </a:fontRef>
+        </p:style>
+      </p:cxnSp>
+      <p:sp>
+        <p:nvSpPr>
+          <p:cNvPr id="19" name="TextBox 18">
+            <a:extLst>
+              <a:ext uri="{FF2B5EF4-FFF2-40B4-BE49-F238E27FC236}">
+                <a16:creationId xmlns:a16="http://schemas.microsoft.com/office/drawing/2014/main" id="{9D2413BD-3232-4E08-B9C1-D18F246E9642}"/>
+              </a:ext>
+            </a:extLst>
+          </p:cNvPr>
+          <p:cNvSpPr txBox="1"/>
+          <p:nvPr/>
+        </p:nvSpPr>
+        <p:spPr>
+          <a:xfrm>
+            <a:off x="7183779" y="3860651"/>
+            <a:ext cx="984629" cy="369332"/>
+          </a:xfrm>
+          <a:prstGeom prst="rect">
+            <a:avLst/>
+          </a:prstGeom>
+          <a:noFill/>
+        </p:spPr>
+        <p:txBody>
+          <a:bodyPr wrap="none" rtlCol="0">
+            <a:spAutoFit/>
+          </a:bodyPr>
+          <a:lstStyle/>
+          <a:p>
+            <a:pPr algn="ctr"/>
+            <a:r>
+              <a:rPr lang="en-IN"/>
+              <a:t>Provides</a:t>
+            </a:r>
+            <a:endParaRPr lang="en-US"/>
+          </a:p>
+        </p:txBody>
+      </p:sp>
+      <p:sp>
+        <p:nvSpPr>
+          <p:cNvPr id="20" name="TextBox 19">
+            <a:extLst>
+              <a:ext uri="{FF2B5EF4-FFF2-40B4-BE49-F238E27FC236}">
+                <a16:creationId xmlns:a16="http://schemas.microsoft.com/office/drawing/2014/main" id="{19588379-AA18-4B8F-980D-EE820C0620DB}"/>
+              </a:ext>
+            </a:extLst>
+          </p:cNvPr>
+          <p:cNvSpPr txBox="1"/>
+          <p:nvPr/>
+        </p:nvSpPr>
+        <p:spPr>
+          <a:xfrm>
+            <a:off x="3826989" y="3866750"/>
+            <a:ext cx="986360" cy="369332"/>
+          </a:xfrm>
+          <a:prstGeom prst="rect">
+            <a:avLst/>
+          </a:prstGeom>
+          <a:noFill/>
+        </p:spPr>
+        <p:txBody>
+          <a:bodyPr wrap="none" rtlCol="0">
+            <a:spAutoFit/>
+          </a:bodyPr>
+          <a:lstStyle/>
+          <a:p>
+            <a:pPr algn="ctr"/>
+            <a:r>
+              <a:rPr lang="en-IN"/>
+              <a:t>Declares</a:t>
+            </a:r>
+            <a:endParaRPr lang="en-US"/>
+          </a:p>
+        </p:txBody>
+      </p:sp>
+      <p:cxnSp>
+        <p:nvCxnSpPr>
+          <p:cNvPr id="21" name="Straight Arrow Connector 20">
+            <a:extLst>
+              <a:ext uri="{FF2B5EF4-FFF2-40B4-BE49-F238E27FC236}">
+                <a16:creationId xmlns:a16="http://schemas.microsoft.com/office/drawing/2014/main" id="{1F545225-7588-430C-B934-CB5D835C6FC3}"/>
+              </a:ext>
+            </a:extLst>
+          </p:cNvPr>
+          <p:cNvCxnSpPr>
+            <a:cxnSpLocks/>
+            <a:stCxn id="4" idx="0"/>
+            <a:endCxn id="7" idx="2"/>
+          </p:cNvCxnSpPr>
+          <p:nvPr/>
+        </p:nvCxnSpPr>
+        <p:spPr>
+          <a:xfrm flipH="1" flipV="1">
+            <a:off x="4013202" y="3429000"/>
+            <a:ext cx="2082799" cy="1234014"/>
+          </a:xfrm>
+          <a:prstGeom prst="straightConnector1">
+            <a:avLst/>
+          </a:prstGeom>
+          <a:ln w="38100">
+            <a:prstDash val="sysDash"/>
+            <a:headEnd type="none" w="med" len="med"/>
+            <a:tailEnd type="arrow" w="med" len="med"/>
+          </a:ln>
+        </p:spPr>
+        <p:style>
+          <a:lnRef idx="3">
+            <a:schemeClr val="accent2"/>
+          </a:lnRef>
+          <a:fillRef idx="0">
+            <a:schemeClr val="accent2"/>
+          </a:fillRef>
+          <a:effectRef idx="2">
+            <a:schemeClr val="accent2"/>
+          </a:effectRef>
+          <a:fontRef idx="minor">
+            <a:schemeClr val="tx1"/>
+          </a:fontRef>
+        </p:style>
+      </p:cxnSp>
+    </p:spTree>
+    <p:extLst>
+      <p:ext uri="{BB962C8B-B14F-4D97-AF65-F5344CB8AC3E}">
+        <p14:creationId xmlns:p14="http://schemas.microsoft.com/office/powerpoint/2010/main" val="2791342229"/>
+      </p:ext>
+    </p:extLst>
+  </p:cSld>
+  <p:clrMapOvr>
+    <a:masterClrMapping/>
+  </p:clrMapOvr>
+</p:sld>
+</file>
+
+<file path=ppt/slides/slide101.xml><?xml version="1.0" encoding="utf-8"?>
+<p:sld xmlns:a="http://schemas.openxmlformats.org/drawingml/2006/main" xmlns:r="http://schemas.openxmlformats.org/officeDocument/2006/relationships" xmlns:p="http://schemas.openxmlformats.org/presentationml/2006/main">
+  <p:cSld>
+    <p:spTree>
+      <p:nvGrpSpPr>
+        <p:cNvPr id="1" name=""/>
+        <p:cNvGrpSpPr/>
+        <p:nvPr/>
+      </p:nvGrpSpPr>
+      <p:grpSpPr>
+        <a:xfrm>
+          <a:off x="0" y="0"/>
+          <a:ext cx="0" cy="0"/>
+          <a:chOff x="0" y="0"/>
+          <a:chExt cx="0" cy="0"/>
+        </a:xfrm>
+      </p:grpSpPr>
+      <p:sp>
+        <p:nvSpPr>
+          <p:cNvPr id="2" name="Title 1">
+            <a:extLst>
+              <a:ext uri="{FF2B5EF4-FFF2-40B4-BE49-F238E27FC236}">
+                <a16:creationId xmlns:a16="http://schemas.microsoft.com/office/drawing/2014/main" id="{197ABA56-8E57-C226-CE34-99A59B282F1A}"/>
+              </a:ext>
+            </a:extLst>
+          </p:cNvPr>
+          <p:cNvSpPr>
+            <a:spLocks noGrp="1"/>
+          </p:cNvSpPr>
+          <p:nvPr>
+            <p:ph type="title"/>
+          </p:nvPr>
+        </p:nvSpPr>
+        <p:spPr/>
+        <p:txBody>
+          <a:bodyPr/>
+          <a:lstStyle/>
+          <a:p>
+            <a:r>
+              <a:rPr lang="en-US"/>
+              <a:t>Types of Module</a:t>
+            </a:r>
+            <a:endParaRPr lang="en-IN"/>
+          </a:p>
+        </p:txBody>
+      </p:sp>
+      <p:sp>
+        <p:nvSpPr>
+          <p:cNvPr id="3" name="Content Placeholder 2">
+            <a:extLst>
+              <a:ext uri="{FF2B5EF4-FFF2-40B4-BE49-F238E27FC236}">
+                <a16:creationId xmlns:a16="http://schemas.microsoft.com/office/drawing/2014/main" id="{8C961680-1D3A-ECBD-BD17-7B5C0460F182}"/>
+              </a:ext>
+            </a:extLst>
+          </p:cNvPr>
+          <p:cNvSpPr>
+            <a:spLocks noGrp="1"/>
+          </p:cNvSpPr>
+          <p:nvPr>
+            <p:ph idx="1"/>
+          </p:nvPr>
+        </p:nvSpPr>
+        <p:spPr/>
+        <p:txBody>
+          <a:bodyPr>
+            <a:normAutofit fontScale="92500" lnSpcReduction="20000"/>
+          </a:bodyPr>
+          <a:lstStyle/>
+          <a:p>
+            <a:r>
+              <a:rPr lang="en-US"/>
+              <a:t>We can break our application into following modules:</a:t>
+            </a:r>
+          </a:p>
+          <a:p>
+            <a:pPr lvl="1"/>
+            <a:r>
+              <a:rPr lang="en-IN"/>
+              <a:t>Root module</a:t>
+            </a:r>
+          </a:p>
+          <a:p>
+            <a:pPr lvl="2"/>
+            <a:r>
+              <a:rPr lang="en-US"/>
+              <a:t>The root module is the main module in an Angular application. It is generated by the Angular CLI as </a:t>
+            </a:r>
+            <a:r>
+              <a:rPr lang="en-US" err="1"/>
+              <a:t>AppModule</a:t>
+            </a:r>
+            <a:r>
+              <a:rPr lang="en-US"/>
+              <a:t> and bootstrapped when the application starts.</a:t>
+            </a:r>
+          </a:p>
+          <a:p>
+            <a:pPr lvl="2"/>
+            <a:r>
+              <a:rPr lang="en-US"/>
+              <a:t>Every other Angular module depends either directly or indirectly on the root module. Only one root module can exist in an Angular application.</a:t>
+            </a:r>
+            <a:endParaRPr lang="en-IN"/>
+          </a:p>
+          <a:p>
+            <a:pPr lvl="1"/>
+            <a:r>
+              <a:rPr lang="en-IN"/>
+              <a:t>Core module</a:t>
+            </a:r>
+          </a:p>
+          <a:p>
+            <a:pPr lvl="2"/>
+            <a:r>
+              <a:rPr lang="en-US"/>
+              <a:t>The core module usually contains components that are used once in an Angular application, such as a navigation bar, loader, footer, etc. </a:t>
+            </a:r>
+            <a:endParaRPr lang="en-IN"/>
+          </a:p>
+          <a:p>
+            <a:pPr lvl="1"/>
+            <a:r>
+              <a:rPr lang="en-IN"/>
+              <a:t>Shared module</a:t>
+            </a:r>
+          </a:p>
+          <a:p>
+            <a:pPr lvl="2"/>
+            <a:r>
+              <a:rPr lang="en-US"/>
+              <a:t>A shared module is made up of directives, pipes, and components that can be reused in feature modules.</a:t>
+            </a:r>
+            <a:endParaRPr lang="en-IN"/>
+          </a:p>
+          <a:p>
+            <a:pPr lvl="1"/>
+            <a:r>
+              <a:rPr lang="en-IN"/>
+              <a:t>Feature modules</a:t>
+            </a:r>
+          </a:p>
+          <a:p>
+            <a:pPr lvl="2"/>
+            <a:r>
+              <a:rPr lang="en-US"/>
+              <a:t>Feature modules house the main features of your Angular application.</a:t>
+            </a:r>
+          </a:p>
+          <a:p>
+            <a:pPr lvl="2"/>
+            <a:r>
+              <a:rPr lang="en-US"/>
+              <a:t>If you’re building an ecommerce application, for example, you might have specific sets of functionalities, such as orders, products, cart, customers, etc. </a:t>
+            </a:r>
+            <a:endParaRPr lang="en-IN"/>
+          </a:p>
+        </p:txBody>
+      </p:sp>
+    </p:spTree>
+    <p:extLst>
+      <p:ext uri="{BB962C8B-B14F-4D97-AF65-F5344CB8AC3E}">
+        <p14:creationId xmlns:p14="http://schemas.microsoft.com/office/powerpoint/2010/main" val="882040305"/>
+      </p:ext>
+    </p:extLst>
+  </p:cSld>
+  <p:clrMapOvr>
+    <a:masterClrMapping/>
+  </p:clrMapOvr>
+</p:sld>
+</file>
+
+<file path=ppt/slides/slide102.xml><?xml version="1.0" encoding="utf-8"?>
+<p:sld xmlns:a="http://schemas.openxmlformats.org/drawingml/2006/main" xmlns:r="http://schemas.openxmlformats.org/officeDocument/2006/relationships" xmlns:p="http://schemas.openxmlformats.org/presentationml/2006/main">
+  <p:cSld>
+    <p:bg>
+      <p:bgPr>
+        <a:solidFill>
+          <a:schemeClr val="bg1"/>
+        </a:solidFill>
+        <a:effectLst/>
+      </p:bgPr>
+    </p:bg>
+    <p:spTree>
+      <p:nvGrpSpPr>
+        <p:cNvPr id="1" name=""/>
+        <p:cNvGrpSpPr/>
+        <p:nvPr/>
+      </p:nvGrpSpPr>
+      <p:grpSpPr>
+        <a:xfrm>
+          <a:off x="0" y="0"/>
+          <a:ext cx="0" cy="0"/>
+          <a:chOff x="0" y="0"/>
+          <a:chExt cx="0" cy="0"/>
+        </a:xfrm>
+      </p:grpSpPr>
+      <p:sp useBgFill="1">
+        <p:nvSpPr>
+          <p:cNvPr id="65" name="Rectangle 47">
+            <a:extLst>
+              <a:ext uri="{FF2B5EF4-FFF2-40B4-BE49-F238E27FC236}">
+                <a16:creationId xmlns:a16="http://schemas.microsoft.com/office/drawing/2014/main" id="{9A724DBA-D2D9-471E-8ED7-2015DDD950DF}"/>
+              </a:ext>
+              <a:ext uri="{C183D7F6-B498-43B3-948B-1728B52AA6E4}">
+                <adec:decorative xmlns:adec="http://schemas.microsoft.com/office/drawing/2017/decorative" val="1"/>
+              </a:ext>
+            </a:extLst>
+          </p:cNvPr>
+          <p:cNvSpPr>
+            <a:spLocks noGrp="1" noRot="1" noChangeAspect="1" noMove="1" noResize="1" noEditPoints="1" noAdjustHandles="1" noChangeArrowheads="1" noChangeShapeType="1" noTextEdit="1"/>
+          </p:cNvSpPr>
+          <p:nvPr>
+            <p:extLst>
+              <p:ext uri="{386F3935-93C4-4BCD-93E2-E3B085C9AB24}">
+                <p16:designElem xmlns:p16="http://schemas.microsoft.com/office/powerpoint/2015/main" val="1"/>
+              </p:ext>
+            </p:extLst>
+          </p:nvPr>
+        </p:nvSpPr>
+        <p:spPr>
+          <a:xfrm>
+            <a:off x="0" y="0"/>
+            <a:ext cx="12191999" cy="6857365"/>
+          </a:xfrm>
+          <a:prstGeom prst="rect">
+            <a:avLst/>
+          </a:prstGeom>
+          <a:ln>
+            <a:noFill/>
+          </a:ln>
+        </p:spPr>
+        <p:style>
+          <a:lnRef idx="2">
+            <a:schemeClr val="accent1">
+              <a:shade val="50000"/>
+            </a:schemeClr>
+          </a:lnRef>
+          <a:fillRef idx="1">
+            <a:schemeClr val="accent1"/>
+          </a:fillRef>
+          <a:effectRef idx="0">
+            <a:schemeClr val="accent1"/>
+          </a:effectRef>
+          <a:fontRef idx="minor">
+            <a:schemeClr val="lt1"/>
+          </a:fontRef>
+        </p:style>
+        <p:txBody>
+          <a:bodyPr rtlCol="0" anchor="ctr"/>
+          <a:lstStyle/>
+          <a:p>
+            <a:pPr algn="ctr"/>
+            <a:endParaRPr lang="en-US"/>
+          </a:p>
+        </p:txBody>
+      </p:sp>
+      <p:sp>
+        <p:nvSpPr>
+          <p:cNvPr id="2" name="Title 1">
+            <a:extLst>
+              <a:ext uri="{FF2B5EF4-FFF2-40B4-BE49-F238E27FC236}">
+                <a16:creationId xmlns:a16="http://schemas.microsoft.com/office/drawing/2014/main" id="{F2BE5BA3-3D14-4CFA-9DDB-9248482CBE53}"/>
+              </a:ext>
+            </a:extLst>
+          </p:cNvPr>
+          <p:cNvSpPr>
+            <a:spLocks noGrp="1"/>
+          </p:cNvSpPr>
+          <p:nvPr>
+            <p:ph type="title"/>
+          </p:nvPr>
+        </p:nvSpPr>
+        <p:spPr>
+          <a:xfrm>
+            <a:off x="7239014" y="525982"/>
+            <a:ext cx="4282983" cy="1200361"/>
+          </a:xfrm>
+        </p:spPr>
+        <p:txBody>
+          <a:bodyPr anchor="b">
+            <a:normAutofit/>
+          </a:bodyPr>
+          <a:lstStyle/>
+          <a:p>
+            <a:r>
+              <a:rPr lang="en-US" sz="3600"/>
+              <a:t>Contact Me	</a:t>
+            </a:r>
+            <a:endParaRPr lang="en-IN" sz="3600"/>
+          </a:p>
+        </p:txBody>
+      </p:sp>
+      <p:sp>
+        <p:nvSpPr>
+          <p:cNvPr id="66" name="Rectangle 49">
+            <a:extLst>
+              <a:ext uri="{FF2B5EF4-FFF2-40B4-BE49-F238E27FC236}">
+                <a16:creationId xmlns:a16="http://schemas.microsoft.com/office/drawing/2014/main" id="{08980754-6F4B-43C9-B9BE-127B6BED6586}"/>
+              </a:ext>
+              <a:ext uri="{C183D7F6-B498-43B3-948B-1728B52AA6E4}">
+                <adec:decorative xmlns:adec="http://schemas.microsoft.com/office/drawing/2017/decorative" val="1"/>
+              </a:ext>
+            </a:extLst>
+          </p:cNvPr>
+          <p:cNvSpPr>
+            <a:spLocks noGrp="1" noRot="1" noChangeAspect="1" noMove="1" noResize="1" noEditPoints="1" noAdjustHandles="1" noChangeArrowheads="1" noChangeShapeType="1" noTextEdit="1"/>
+          </p:cNvSpPr>
+          <p:nvPr>
+            <p:extLst>
+              <p:ext uri="{386F3935-93C4-4BCD-93E2-E3B085C9AB24}">
+                <p16:designElem xmlns:p16="http://schemas.microsoft.com/office/powerpoint/2015/main" val="1"/>
+              </p:ext>
+            </p:extLst>
+          </p:nvPr>
+        </p:nvSpPr>
+        <p:spPr>
+          <a:xfrm rot="5400000">
+            <a:off x="5546413" y="215201"/>
+            <a:ext cx="740664" cy="11833491"/>
+          </a:xfrm>
+          <a:prstGeom prst="rect">
+            <a:avLst/>
+          </a:prstGeom>
+          <a:solidFill>
+            <a:schemeClr val="accent4"/>
+          </a:solidFill>
+          <a:ln>
+            <a:noFill/>
+          </a:ln>
+        </p:spPr>
+        <p:style>
+          <a:lnRef idx="2">
+            <a:schemeClr val="accent1">
+              <a:shade val="50000"/>
+            </a:schemeClr>
+          </a:lnRef>
+          <a:fillRef idx="1">
+            <a:schemeClr val="accent1"/>
+          </a:fillRef>
+          <a:effectRef idx="0">
+            <a:schemeClr val="accent1"/>
+          </a:effectRef>
+          <a:fontRef idx="minor">
+            <a:schemeClr val="lt1"/>
+          </a:fontRef>
+        </p:style>
+        <p:txBody>
+          <a:bodyPr rtlCol="0" anchor="ctr"/>
+          <a:lstStyle/>
+          <a:p>
+            <a:pPr algn="ctr"/>
+            <a:endParaRPr lang="en-US"/>
+          </a:p>
+        </p:txBody>
+      </p:sp>
+      <p:sp>
+        <p:nvSpPr>
+          <p:cNvPr id="67" name="Rectangle 51">
+            <a:extLst>
+              <a:ext uri="{FF2B5EF4-FFF2-40B4-BE49-F238E27FC236}">
+                <a16:creationId xmlns:a16="http://schemas.microsoft.com/office/drawing/2014/main" id="{2C1BBA94-3F40-40AA-8BB9-E69E25E537C1}"/>
+              </a:ext>
+              <a:ext uri="{C183D7F6-B498-43B3-948B-1728B52AA6E4}">
+                <adec:decorative xmlns:adec="http://schemas.microsoft.com/office/drawing/2017/decorative" val="1"/>
+              </a:ext>
+            </a:extLst>
+          </p:cNvPr>
+          <p:cNvSpPr>
+            <a:spLocks noGrp="1" noRot="1" noChangeAspect="1" noMove="1" noResize="1" noEditPoints="1" noAdjustHandles="1" noChangeArrowheads="1" noChangeShapeType="1" noTextEdit="1"/>
+          </p:cNvSpPr>
+          <p:nvPr>
+            <p:extLst>
+              <p:ext uri="{386F3935-93C4-4BCD-93E2-E3B085C9AB24}">
+                <p16:designElem xmlns:p16="http://schemas.microsoft.com/office/powerpoint/2015/main" val="1"/>
+              </p:ext>
+            </p:extLst>
+          </p:nvPr>
+        </p:nvSpPr>
+        <p:spPr>
+          <a:xfrm>
+            <a:off x="310234" y="354959"/>
+            <a:ext cx="6184973" cy="5915212"/>
+          </a:xfrm>
+          <a:prstGeom prst="rect">
+            <a:avLst/>
+          </a:prstGeom>
+          <a:solidFill>
+            <a:schemeClr val="bg1"/>
+          </a:solidFill>
+          <a:ln>
+            <a:noFill/>
+          </a:ln>
+          <a:effectLst>
+            <a:outerShdw blurRad="139700" dist="127000" dir="5400000" algn="t" rotWithShape="0">
+              <a:prstClr val="black">
+                <a:alpha val="15000"/>
+              </a:prstClr>
+            </a:outerShdw>
+          </a:effectLst>
+        </p:spPr>
+        <p:style>
+          <a:lnRef idx="2">
+            <a:schemeClr val="accent1">
+              <a:shade val="50000"/>
+            </a:schemeClr>
+          </a:lnRef>
+          <a:fillRef idx="1">
+            <a:schemeClr val="accent1"/>
+          </a:fillRef>
+          <a:effectRef idx="0">
+            <a:schemeClr val="accent1"/>
+          </a:effectRef>
+          <a:fontRef idx="minor">
+            <a:schemeClr val="lt1"/>
+          </a:fontRef>
+        </p:style>
+        <p:txBody>
+          <a:bodyPr rtlCol="0" anchor="ctr"/>
+          <a:lstStyle/>
+          <a:p>
+            <a:pPr algn="ctr"/>
+            <a:endParaRPr lang="en-US"/>
+          </a:p>
+        </p:txBody>
+      </p:sp>
+      <p:pic>
+        <p:nvPicPr>
+          <p:cNvPr id="10" name="Picture 9" descr="Logo&#10;&#10;Description automatically generated">
+            <a:extLst>
+              <a:ext uri="{FF2B5EF4-FFF2-40B4-BE49-F238E27FC236}">
+                <a16:creationId xmlns:a16="http://schemas.microsoft.com/office/drawing/2014/main" id="{1368364E-E78C-4AD6-AD3D-B975FF656F2E}"/>
+              </a:ext>
+            </a:extLst>
+          </p:cNvPr>
+          <p:cNvPicPr>
+            <a:picLocks noChangeAspect="1"/>
+          </p:cNvPicPr>
+          <p:nvPr/>
+        </p:nvPicPr>
+        <p:blipFill>
+          <a:blip r:embed="rId2">
+            <a:extLst>
+              <a:ext uri="{28A0092B-C50C-407E-A947-70E740481C1C}">
+                <a14:useLocalDpi xmlns:a14="http://schemas.microsoft.com/office/drawing/2010/main" val="0"/>
+              </a:ext>
+            </a:extLst>
+          </a:blip>
+          <a:stretch>
+            <a:fillRect/>
+          </a:stretch>
+        </p:blipFill>
+        <p:spPr>
+          <a:xfrm>
+            <a:off x="576244" y="1195023"/>
+            <a:ext cx="5628018" cy="4235083"/>
+          </a:xfrm>
+          <a:prstGeom prst="rect">
+            <a:avLst/>
+          </a:prstGeom>
+        </p:spPr>
+      </p:pic>
+      <p:sp>
+        <p:nvSpPr>
+          <p:cNvPr id="68" name="Rectangle 53">
+            <a:extLst>
+              <a:ext uri="{FF2B5EF4-FFF2-40B4-BE49-F238E27FC236}">
+                <a16:creationId xmlns:a16="http://schemas.microsoft.com/office/drawing/2014/main" id="{169CC832-2974-4E8D-90ED-3E2941BA7336}"/>
+              </a:ext>
+              <a:ext uri="{C183D7F6-B498-43B3-948B-1728B52AA6E4}">
+                <adec:decorative xmlns:adec="http://schemas.microsoft.com/office/drawing/2017/decorative" val="1"/>
+              </a:ext>
+            </a:extLst>
+          </p:cNvPr>
+          <p:cNvSpPr>
+            <a:spLocks noGrp="1" noRot="1" noChangeAspect="1" noMove="1" noResize="1" noEditPoints="1" noAdjustHandles="1" noChangeArrowheads="1" noChangeShapeType="1" noTextEdit="1"/>
+          </p:cNvSpPr>
+          <p:nvPr>
+            <p:extLst>
+              <p:ext uri="{386F3935-93C4-4BCD-93E2-E3B085C9AB24}">
+                <p16:designElem xmlns:p16="http://schemas.microsoft.com/office/powerpoint/2015/main" val="1"/>
+              </p:ext>
+            </p:extLst>
+          </p:nvPr>
+        </p:nvSpPr>
+        <p:spPr>
+          <a:xfrm flipH="1">
+            <a:off x="7277786" y="1944913"/>
+            <a:ext cx="4023360" cy="27432"/>
+          </a:xfrm>
+          <a:prstGeom prst="rect">
+            <a:avLst/>
+          </a:prstGeom>
+          <a:solidFill>
+            <a:schemeClr val="accent4"/>
+          </a:solidFill>
+          <a:ln>
+            <a:noFill/>
+          </a:ln>
+        </p:spPr>
+        <p:style>
+          <a:lnRef idx="2">
+            <a:schemeClr val="accent1">
+              <a:shade val="50000"/>
+            </a:schemeClr>
+          </a:lnRef>
+          <a:fillRef idx="1">
+            <a:schemeClr val="accent1"/>
+          </a:fillRef>
+          <a:effectRef idx="0">
+            <a:schemeClr val="accent1"/>
+          </a:effectRef>
+          <a:fontRef idx="minor">
+            <a:schemeClr val="lt1"/>
+          </a:fontRef>
+        </p:style>
+        <p:txBody>
+          <a:bodyPr rtlCol="0" anchor="ctr"/>
+          <a:lstStyle/>
+          <a:p>
+            <a:pPr algn="ctr"/>
+            <a:endParaRPr lang="en-US"/>
+          </a:p>
+        </p:txBody>
+      </p:sp>
+      <p:sp>
+        <p:nvSpPr>
+          <p:cNvPr id="69" name="Rectangle 55">
+            <a:extLst>
+              <a:ext uri="{FF2B5EF4-FFF2-40B4-BE49-F238E27FC236}">
+                <a16:creationId xmlns:a16="http://schemas.microsoft.com/office/drawing/2014/main" id="{55222F96-971A-4F90-B841-6BAB416C7AC1}"/>
+              </a:ext>
+              <a:ext uri="{C183D7F6-B498-43B3-948B-1728B52AA6E4}">
+                <adec:decorative xmlns:adec="http://schemas.microsoft.com/office/drawing/2017/decorative" val="1"/>
+              </a:ext>
+            </a:extLst>
+          </p:cNvPr>
+          <p:cNvSpPr>
+            <a:spLocks noGrp="1" noRot="1" noChangeAspect="1" noMove="1" noResize="1" noEditPoints="1" noAdjustHandles="1" noChangeArrowheads="1" noChangeShapeType="1" noTextEdit="1"/>
+          </p:cNvSpPr>
+          <p:nvPr>
+            <p:extLst>
+              <p:ext uri="{386F3935-93C4-4BCD-93E2-E3B085C9AB24}">
+                <p16:designElem xmlns:p16="http://schemas.microsoft.com/office/powerpoint/2015/main" val="1"/>
+              </p:ext>
+            </p:extLst>
+          </p:nvPr>
+        </p:nvSpPr>
+        <p:spPr>
+          <a:xfrm rot="5400000">
+            <a:off x="11677179" y="6053360"/>
+            <a:ext cx="740664" cy="154124"/>
+          </a:xfrm>
+          <a:prstGeom prst="rect">
+            <a:avLst/>
+          </a:prstGeom>
+          <a:solidFill>
+            <a:schemeClr val="accent4"/>
+          </a:solidFill>
+          <a:ln>
+            <a:noFill/>
+          </a:ln>
+        </p:spPr>
+        <p:style>
+          <a:lnRef idx="2">
+            <a:schemeClr val="accent1">
+              <a:shade val="50000"/>
+            </a:schemeClr>
+          </a:lnRef>
+          <a:fillRef idx="1">
+            <a:schemeClr val="accent1"/>
+          </a:fillRef>
+          <a:effectRef idx="0">
+            <a:schemeClr val="accent1"/>
+          </a:effectRef>
+          <a:fontRef idx="minor">
+            <a:schemeClr val="lt1"/>
+          </a:fontRef>
+        </p:style>
+        <p:txBody>
+          <a:bodyPr rtlCol="0" anchor="ctr"/>
+          <a:lstStyle/>
+          <a:p>
+            <a:pPr algn="ctr"/>
+            <a:endParaRPr lang="en-US"/>
+          </a:p>
+        </p:txBody>
+      </p:sp>
+      <p:graphicFrame>
+        <p:nvGraphicFramePr>
+          <p:cNvPr id="28" name="Content Placeholder 2">
+            <a:extLst>
+              <a:ext uri="{FF2B5EF4-FFF2-40B4-BE49-F238E27FC236}">
+                <a16:creationId xmlns:a16="http://schemas.microsoft.com/office/drawing/2014/main" id="{FC65EEBD-5589-48DB-A356-9E3C0495B2F7}"/>
+              </a:ext>
+            </a:extLst>
+          </p:cNvPr>
+          <p:cNvGraphicFramePr>
+            <a:graphicFrameLocks noGrp="1"/>
+          </p:cNvGraphicFramePr>
+          <p:nvPr>
+            <p:ph idx="1"/>
+            <p:extLst>
+              <p:ext uri="{D42A27DB-BD31-4B8C-83A1-F6EECF244321}">
+                <p14:modId xmlns:p14="http://schemas.microsoft.com/office/powerpoint/2010/main" val="586811489"/>
+              </p:ext>
+            </p:extLst>
+          </p:nvPr>
+        </p:nvGraphicFramePr>
+        <p:xfrm>
+          <a:off x="7239012" y="2031101"/>
+          <a:ext cx="4282984" cy="3511943"/>
+        </p:xfrm>
+        <a:graphic>
+          <a:graphicData uri="http://schemas.openxmlformats.org/drawingml/2006/diagram">
+            <dgm:relIds xmlns:dgm="http://schemas.openxmlformats.org/drawingml/2006/diagram" xmlns:r="http://schemas.openxmlformats.org/officeDocument/2006/relationships" r:dm="rId3" r:lo="rId4" r:qs="rId5" r:cs="rId6"/>
+          </a:graphicData>
+        </a:graphic>
+      </p:graphicFrame>
+    </p:spTree>
+    <p:extLst>
+      <p:ext uri="{BB962C8B-B14F-4D97-AF65-F5344CB8AC3E}">
+        <p14:creationId xmlns:p14="http://schemas.microsoft.com/office/powerpoint/2010/main" val="631516676"/>
+      </p:ext>
+    </p:extLst>
+  </p:cSld>
+  <p:clrMapOvr>
+    <a:masterClrMapping/>
+  </p:clrMapOvr>
+</p:sld>
+</file>
+
 <file path=ppt/slides/slide11.xml><?xml version="1.0" encoding="utf-8"?>
 <p:sld xmlns:a="http://schemas.openxmlformats.org/drawingml/2006/main" xmlns:r="http://schemas.openxmlformats.org/officeDocument/2006/relationships" xmlns:p="http://schemas.openxmlformats.org/presentationml/2006/main">
   <p:cSld>
@@ -42319,13 +43591,9 @@
           <a:p>
             <a:r>
               <a:rPr lang="en-US" dirty="0"/>
-              <a:t>Adding Bootstrap </a:t>
-            </a:r>
-            <a:r>
-              <a:rPr lang="en-US"/>
-              <a:t>&amp; Icons</a:t>
-            </a:r>
-            <a:endParaRPr lang="en-IN"/>
+              <a:t>Adding Bootstrap &amp; Icons</a:t>
+            </a:r>
+            <a:endParaRPr lang="en-IN" dirty="0"/>
           </a:p>
         </p:txBody>
       </p:sp>
@@ -42665,14 +43933,6 @@
 <file path=ppt/slides/slide97.xml><?xml version="1.0" encoding="utf-8"?>
 <p:sld xmlns:a="http://schemas.openxmlformats.org/drawingml/2006/main" xmlns:r="http://schemas.openxmlformats.org/officeDocument/2006/relationships" xmlns:p="http://schemas.openxmlformats.org/presentationml/2006/main">
   <p:cSld>
-    <p:bg>
-      <p:bgPr>
-        <a:solidFill>
-          <a:schemeClr val="bg1"/>
-        </a:solidFill>
-        <a:effectLst/>
-      </p:bgPr>
-    </p:bg>
     <p:spTree>
       <p:nvGrpSpPr>
         <p:cNvPr id="1" name=""/>
@@ -42687,72 +43947,12 @@
           <a:chExt cx="0" cy="0"/>
         </a:xfrm>
       </p:grpSpPr>
-      <p:sp useBgFill="1">
-        <p:nvSpPr>
-          <p:cNvPr id="65" name="Rectangle 47">
-            <a:extLst>
-              <a:ext uri="{FF2B5EF4-FFF2-40B4-BE49-F238E27FC236}">
-                <a16:creationId xmlns:a16="http://schemas.microsoft.com/office/drawing/2014/main" id="{9A724DBA-D2D9-471E-8ED7-2015DDD950DF}"/>
-              </a:ext>
-              <a:ext uri="{C183D7F6-B498-43B3-948B-1728B52AA6E4}">
-                <adec:decorative xmlns:adec="http://schemas.microsoft.com/office/drawing/2017/decorative" val="1"/>
-              </a:ext>
-            </a:extLst>
-          </p:cNvPr>
-          <p:cNvSpPr>
-            <a:spLocks noGrp="1" noRot="1" noChangeAspect="1" noMove="1" noResize="1" noEditPoints="1" noAdjustHandles="1" noChangeArrowheads="1" noChangeShapeType="1" noTextEdit="1"/>
-          </p:cNvSpPr>
-          <p:nvPr>
-            <p:extLst>
-              <p:ext uri="{386F3935-93C4-4BCD-93E2-E3B085C9AB24}">
-                <p16:designElem xmlns:p16="http://schemas.microsoft.com/office/powerpoint/2015/main" val="1"/>
-              </p:ext>
-            </p:extLst>
-          </p:nvPr>
-        </p:nvSpPr>
-        <p:spPr>
-          <a:xfrm>
-            <a:off x="0" y="0"/>
-            <a:ext cx="12191999" cy="6857365"/>
-          </a:xfrm>
-          <a:prstGeom prst="rect">
-            <a:avLst/>
-          </a:prstGeom>
-          <a:ln>
-            <a:noFill/>
-          </a:ln>
-        </p:spPr>
-        <p:style>
-          <a:lnRef idx="2">
-            <a:schemeClr val="accent1">
-              <a:shade val="50000"/>
-            </a:schemeClr>
-          </a:lnRef>
-          <a:fillRef idx="1">
-            <a:schemeClr val="accent1"/>
-          </a:fillRef>
-          <a:effectRef idx="0">
-            <a:schemeClr val="accent1"/>
-          </a:effectRef>
-          <a:fontRef idx="minor">
-            <a:schemeClr val="lt1"/>
-          </a:fontRef>
-        </p:style>
-        <p:txBody>
-          <a:bodyPr rtlCol="0" anchor="ctr"/>
-          <a:lstStyle/>
-          <a:p>
-            <a:pPr algn="ctr"/>
-            <a:endParaRPr lang="en-US"/>
-          </a:p>
-        </p:txBody>
-      </p:sp>
       <p:sp>
         <p:nvSpPr>
           <p:cNvPr id="2" name="Title 1">
             <a:extLst>
               <a:ext uri="{FF2B5EF4-FFF2-40B4-BE49-F238E27FC236}">
-                <a16:creationId xmlns:a16="http://schemas.microsoft.com/office/drawing/2014/main" id="{F2BE5BA3-3D14-4CFA-9DDB-9248482CBE53}"/>
+                <a16:creationId xmlns:a16="http://schemas.microsoft.com/office/drawing/2014/main" id="{DD4B1251-513C-46A8-9D07-BBAC8DB55D7D}"/>
               </a:ext>
             </a:extLst>
           </p:cNvPr>
@@ -42763,356 +43963,354 @@
             <p:ph type="title"/>
           </p:nvPr>
         </p:nvSpPr>
-        <p:spPr>
-          <a:xfrm>
-            <a:off x="7239014" y="525982"/>
-            <a:ext cx="4282983" cy="1200361"/>
-          </a:xfrm>
-        </p:spPr>
+        <p:spPr/>
         <p:txBody>
-          <a:bodyPr anchor="b">
-            <a:normAutofit/>
-          </a:bodyPr>
+          <a:bodyPr/>
           <a:lstStyle/>
           <a:p>
             <a:r>
-              <a:rPr lang="en-US" sz="3600"/>
-              <a:t>Contact Me	</a:t>
-            </a:r>
-            <a:endParaRPr lang="en-IN" sz="3600"/>
+              <a:rPr lang="en-IN"/>
+              <a:t>Angular Providers</a:t>
+            </a:r>
           </a:p>
         </p:txBody>
       </p:sp>
       <p:sp>
         <p:nvSpPr>
-          <p:cNvPr id="66" name="Rectangle 49">
-            <a:extLst>
-              <a:ext uri="{FF2B5EF4-FFF2-40B4-BE49-F238E27FC236}">
-                <a16:creationId xmlns:a16="http://schemas.microsoft.com/office/drawing/2014/main" id="{08980754-6F4B-43C9-B9BE-127B6BED6586}"/>
-              </a:ext>
-              <a:ext uri="{C183D7F6-B498-43B3-948B-1728B52AA6E4}">
-                <adec:decorative xmlns:adec="http://schemas.microsoft.com/office/drawing/2017/decorative" val="1"/>
+          <p:cNvPr id="3" name="Content Placeholder 2">
+            <a:extLst>
+              <a:ext uri="{FF2B5EF4-FFF2-40B4-BE49-F238E27FC236}">
+                <a16:creationId xmlns:a16="http://schemas.microsoft.com/office/drawing/2014/main" id="{C74E155F-81EE-4ACF-821C-096576623FFC}"/>
               </a:ext>
             </a:extLst>
           </p:cNvPr>
           <p:cNvSpPr>
-            <a:spLocks noGrp="1" noRot="1" noChangeAspect="1" noMove="1" noResize="1" noEditPoints="1" noAdjustHandles="1" noChangeArrowheads="1" noChangeShapeType="1" noTextEdit="1"/>
+            <a:spLocks noGrp="1"/>
           </p:cNvSpPr>
           <p:nvPr>
-            <p:extLst>
-              <p:ext uri="{386F3935-93C4-4BCD-93E2-E3B085C9AB24}">
-                <p16:designElem xmlns:p16="http://schemas.microsoft.com/office/powerpoint/2015/main" val="1"/>
-              </p:ext>
-            </p:extLst>
+            <p:ph idx="1"/>
           </p:nvPr>
         </p:nvSpPr>
-        <p:spPr>
-          <a:xfrm rot="5400000">
-            <a:off x="5546413" y="215201"/>
-            <a:ext cx="740664" cy="11833491"/>
-          </a:xfrm>
-          <a:prstGeom prst="rect">
-            <a:avLst/>
-          </a:prstGeom>
-          <a:solidFill>
-            <a:schemeClr val="accent4"/>
-          </a:solidFill>
-          <a:ln>
-            <a:noFill/>
-          </a:ln>
-        </p:spPr>
-        <p:style>
-          <a:lnRef idx="2">
-            <a:schemeClr val="accent1">
-              <a:shade val="50000"/>
-            </a:schemeClr>
-          </a:lnRef>
-          <a:fillRef idx="1">
-            <a:schemeClr val="accent1"/>
-          </a:fillRef>
-          <a:effectRef idx="0">
-            <a:schemeClr val="accent1"/>
-          </a:effectRef>
-          <a:fontRef idx="minor">
-            <a:schemeClr val="lt1"/>
-          </a:fontRef>
-        </p:style>
+        <p:spPr/>
         <p:txBody>
-          <a:bodyPr rtlCol="0" anchor="ctr"/>
+          <a:bodyPr/>
           <a:lstStyle/>
           <a:p>
-            <a:pPr algn="ctr"/>
+            <a:r>
+              <a:rPr lang="en-US"/>
+              <a:t>The </a:t>
+            </a:r>
+            <a:r>
+              <a:rPr lang="en-US" b="1"/>
+              <a:t>Angular Provider </a:t>
+            </a:r>
+            <a:r>
+              <a:rPr lang="en-US"/>
+              <a:t>is an instruction (or recipe) that describes how an object for a certain </a:t>
+            </a:r>
+            <a:r>
+              <a:rPr lang="en-US" b="1"/>
+              <a:t>token</a:t>
+            </a:r>
+            <a:r>
+              <a:rPr lang="en-US"/>
+              <a:t> is created. </a:t>
+            </a:r>
+          </a:p>
+          <a:p>
+            <a:r>
+              <a:rPr lang="en-US"/>
+              <a:t>The </a:t>
+            </a:r>
+            <a:r>
+              <a:rPr lang="en-US" b="1"/>
+              <a:t>Angular Providers </a:t>
+            </a:r>
+            <a:r>
+              <a:rPr lang="en-US"/>
+              <a:t>is an array of such instructions (Provider). Each provider is uniquely identified by a token (or DI  Token ) in the Providers Array.</a:t>
+            </a:r>
+            <a:endParaRPr lang="en-IN"/>
+          </a:p>
+        </p:txBody>
+      </p:sp>
+    </p:spTree>
+    <p:extLst>
+      <p:ext uri="{BB962C8B-B14F-4D97-AF65-F5344CB8AC3E}">
+        <p14:creationId xmlns:p14="http://schemas.microsoft.com/office/powerpoint/2010/main" val="2390603842"/>
+      </p:ext>
+    </p:extLst>
+  </p:cSld>
+  <p:clrMapOvr>
+    <a:masterClrMapping/>
+  </p:clrMapOvr>
+</p:sld>
+</file>
+
+<file path=ppt/slides/slide98.xml><?xml version="1.0" encoding="utf-8"?>
+<p:sld xmlns:a="http://schemas.openxmlformats.org/drawingml/2006/main" xmlns:r="http://schemas.openxmlformats.org/officeDocument/2006/relationships" xmlns:p="http://schemas.openxmlformats.org/presentationml/2006/main">
+  <p:cSld>
+    <p:spTree>
+      <p:nvGrpSpPr>
+        <p:cNvPr id="1" name=""/>
+        <p:cNvGrpSpPr/>
+        <p:nvPr/>
+      </p:nvGrpSpPr>
+      <p:grpSpPr>
+        <a:xfrm>
+          <a:off x="0" y="0"/>
+          <a:ext cx="0" cy="0"/>
+          <a:chOff x="0" y="0"/>
+          <a:chExt cx="0" cy="0"/>
+        </a:xfrm>
+      </p:grpSpPr>
+      <p:sp>
+        <p:nvSpPr>
+          <p:cNvPr id="2" name="Title 1">
+            <a:extLst>
+              <a:ext uri="{FF2B5EF4-FFF2-40B4-BE49-F238E27FC236}">
+                <a16:creationId xmlns:a16="http://schemas.microsoft.com/office/drawing/2014/main" id="{9326B9CB-CE0C-4AEE-B2D2-AFD3D48DF7E9}"/>
+              </a:ext>
+            </a:extLst>
+          </p:cNvPr>
+          <p:cNvSpPr>
+            <a:spLocks noGrp="1"/>
+          </p:cNvSpPr>
+          <p:nvPr>
+            <p:ph type="title"/>
+          </p:nvPr>
+        </p:nvSpPr>
+        <p:spPr/>
+        <p:txBody>
+          <a:bodyPr/>
+          <a:lstStyle/>
+          <a:p>
+            <a:r>
+              <a:rPr lang="en-IN"/>
+              <a:t>More on Modules – Multi Modules</a:t>
+            </a:r>
             <a:endParaRPr lang="en-US"/>
           </a:p>
         </p:txBody>
       </p:sp>
       <p:sp>
         <p:nvSpPr>
-          <p:cNvPr id="67" name="Rectangle 51">
-            <a:extLst>
-              <a:ext uri="{FF2B5EF4-FFF2-40B4-BE49-F238E27FC236}">
-                <a16:creationId xmlns:a16="http://schemas.microsoft.com/office/drawing/2014/main" id="{2C1BBA94-3F40-40AA-8BB9-E69E25E537C1}"/>
-              </a:ext>
-              <a:ext uri="{C183D7F6-B498-43B3-948B-1728B52AA6E4}">
-                <adec:decorative xmlns:adec="http://schemas.microsoft.com/office/drawing/2017/decorative" val="1"/>
+          <p:cNvPr id="3" name="Content Placeholder 2">
+            <a:extLst>
+              <a:ext uri="{FF2B5EF4-FFF2-40B4-BE49-F238E27FC236}">
+                <a16:creationId xmlns:a16="http://schemas.microsoft.com/office/drawing/2014/main" id="{7FA4AB94-CA75-4D04-A33E-2B573ED699B9}"/>
               </a:ext>
             </a:extLst>
           </p:cNvPr>
           <p:cNvSpPr>
-            <a:spLocks noGrp="1" noRot="1" noChangeAspect="1" noMove="1" noResize="1" noEditPoints="1" noAdjustHandles="1" noChangeArrowheads="1" noChangeShapeType="1" noTextEdit="1"/>
+            <a:spLocks noGrp="1"/>
           </p:cNvSpPr>
           <p:nvPr>
-            <p:extLst>
-              <p:ext uri="{386F3935-93C4-4BCD-93E2-E3B085C9AB24}">
-                <p16:designElem xmlns:p16="http://schemas.microsoft.com/office/powerpoint/2015/main" val="1"/>
-              </p:ext>
-            </p:extLst>
+            <p:ph idx="1"/>
           </p:nvPr>
         </p:nvSpPr>
-        <p:spPr>
-          <a:xfrm>
-            <a:off x="310234" y="354959"/>
-            <a:ext cx="6184973" cy="5915212"/>
-          </a:xfrm>
-          <a:prstGeom prst="rect">
-            <a:avLst/>
-          </a:prstGeom>
-          <a:solidFill>
-            <a:schemeClr val="bg1"/>
-          </a:solidFill>
-          <a:ln>
-            <a:noFill/>
-          </a:ln>
-          <a:effectLst>
-            <a:outerShdw blurRad="139700" dist="127000" dir="5400000" algn="t" rotWithShape="0">
-              <a:prstClr val="black">
-                <a:alpha val="15000"/>
-              </a:prstClr>
-            </a:outerShdw>
-          </a:effectLst>
-        </p:spPr>
-        <p:style>
-          <a:lnRef idx="2">
-            <a:schemeClr val="accent1">
-              <a:shade val="50000"/>
-            </a:schemeClr>
-          </a:lnRef>
-          <a:fillRef idx="1">
-            <a:schemeClr val="accent1"/>
-          </a:fillRef>
-          <a:effectRef idx="0">
-            <a:schemeClr val="accent1"/>
-          </a:effectRef>
-          <a:fontRef idx="minor">
-            <a:schemeClr val="lt1"/>
-          </a:fontRef>
-        </p:style>
+        <p:spPr/>
         <p:txBody>
-          <a:bodyPr rtlCol="0" anchor="ctr"/>
+          <a:bodyPr/>
           <a:lstStyle/>
           <a:p>
-            <a:pPr algn="ctr"/>
-            <a:endParaRPr lang="en-US"/>
+            <a:r>
+              <a:rPr lang="en-US"/>
+              <a:t>Every Angular application has at least one </a:t>
+            </a:r>
+            <a:r>
+              <a:rPr lang="en-US" err="1"/>
+              <a:t>NgModule</a:t>
+            </a:r>
+            <a:r>
+              <a:rPr lang="en-US"/>
+              <a:t> class, the </a:t>
+            </a:r>
+            <a:r>
+              <a:rPr lang="en-US" b="1"/>
+              <a:t>root module</a:t>
+            </a:r>
+            <a:r>
+              <a:rPr lang="en-US"/>
+              <a:t>, which is conventionally named </a:t>
+            </a:r>
+            <a:r>
+              <a:rPr lang="en-US" b="1" err="1"/>
+              <a:t>AppModule</a:t>
+            </a:r>
+            <a:r>
+              <a:rPr lang="en-US"/>
+              <a:t> and resides in a file named </a:t>
+            </a:r>
+            <a:r>
+              <a:rPr lang="en-US" b="1" err="1"/>
+              <a:t>app.module.ts</a:t>
+            </a:r>
+            <a:r>
+              <a:rPr lang="en-US"/>
+              <a:t>. You launch your application by bootstrapping the root </a:t>
+            </a:r>
+            <a:r>
+              <a:rPr lang="en-US" err="1"/>
+              <a:t>NgModule</a:t>
+            </a:r>
+            <a:r>
+              <a:rPr lang="en-US"/>
+              <a:t>.</a:t>
+            </a:r>
+          </a:p>
+          <a:p>
+            <a:r>
+              <a:rPr lang="en-US"/>
+              <a:t>While a small application might have only one </a:t>
+            </a:r>
+            <a:r>
+              <a:rPr lang="en-US" err="1"/>
+              <a:t>NgModule</a:t>
+            </a:r>
+            <a:r>
+              <a:rPr lang="en-US"/>
+              <a:t>, most applications have many more feature modules. </a:t>
+            </a:r>
+          </a:p>
+          <a:p>
+            <a:r>
+              <a:rPr lang="en-US"/>
+              <a:t>Modules in angular are a great way to share and reuse code across your application.</a:t>
+            </a:r>
           </a:p>
         </p:txBody>
       </p:sp>
-      <p:pic>
-        <p:nvPicPr>
-          <p:cNvPr id="10" name="Picture 9" descr="Logo&#10;&#10;Description automatically generated">
-            <a:extLst>
-              <a:ext uri="{FF2B5EF4-FFF2-40B4-BE49-F238E27FC236}">
-                <a16:creationId xmlns:a16="http://schemas.microsoft.com/office/drawing/2014/main" id="{1368364E-E78C-4AD6-AD3D-B975FF656F2E}"/>
-              </a:ext>
-            </a:extLst>
-          </p:cNvPr>
-          <p:cNvPicPr>
-            <a:picLocks noChangeAspect="1"/>
-          </p:cNvPicPr>
-          <p:nvPr/>
-        </p:nvPicPr>
-        <p:blipFill>
-          <a:blip r:embed="rId2">
-            <a:extLst>
-              <a:ext uri="{28A0092B-C50C-407E-A947-70E740481C1C}">
-                <a14:useLocalDpi xmlns:a14="http://schemas.microsoft.com/office/drawing/2010/main" val="0"/>
-              </a:ext>
-            </a:extLst>
-          </a:blip>
-          <a:stretch>
-            <a:fillRect/>
-          </a:stretch>
-        </p:blipFill>
-        <p:spPr>
-          <a:xfrm>
-            <a:off x="576244" y="1195023"/>
-            <a:ext cx="5628018" cy="4235083"/>
-          </a:xfrm>
-          <a:prstGeom prst="rect">
-            <a:avLst/>
-          </a:prstGeom>
-        </p:spPr>
-      </p:pic>
+    </p:spTree>
+    <p:extLst>
+      <p:ext uri="{BB962C8B-B14F-4D97-AF65-F5344CB8AC3E}">
+        <p14:creationId xmlns:p14="http://schemas.microsoft.com/office/powerpoint/2010/main" val="4262467837"/>
+      </p:ext>
+    </p:extLst>
+  </p:cSld>
+  <p:clrMapOvr>
+    <a:masterClrMapping/>
+  </p:clrMapOvr>
+</p:sld>
+</file>
+
+<file path=ppt/slides/slide99.xml><?xml version="1.0" encoding="utf-8"?>
+<p:sld xmlns:a="http://schemas.openxmlformats.org/drawingml/2006/main" xmlns:r="http://schemas.openxmlformats.org/officeDocument/2006/relationships" xmlns:p="http://schemas.openxmlformats.org/presentationml/2006/main">
+  <p:cSld>
+    <p:spTree>
+      <p:nvGrpSpPr>
+        <p:cNvPr id="1" name=""/>
+        <p:cNvGrpSpPr/>
+        <p:nvPr/>
+      </p:nvGrpSpPr>
+      <p:grpSpPr>
+        <a:xfrm>
+          <a:off x="0" y="0"/>
+          <a:ext cx="0" cy="0"/>
+          <a:chOff x="0" y="0"/>
+          <a:chExt cx="0" cy="0"/>
+        </a:xfrm>
+      </p:grpSpPr>
       <p:sp>
         <p:nvSpPr>
-          <p:cNvPr id="68" name="Rectangle 53">
-            <a:extLst>
-              <a:ext uri="{FF2B5EF4-FFF2-40B4-BE49-F238E27FC236}">
-                <a16:creationId xmlns:a16="http://schemas.microsoft.com/office/drawing/2014/main" id="{169CC832-2974-4E8D-90ED-3E2941BA7336}"/>
-              </a:ext>
-              <a:ext uri="{C183D7F6-B498-43B3-948B-1728B52AA6E4}">
-                <adec:decorative xmlns:adec="http://schemas.microsoft.com/office/drawing/2017/decorative" val="1"/>
+          <p:cNvPr id="2" name="Title 1">
+            <a:extLst>
+              <a:ext uri="{FF2B5EF4-FFF2-40B4-BE49-F238E27FC236}">
+                <a16:creationId xmlns:a16="http://schemas.microsoft.com/office/drawing/2014/main" id="{DF8581F9-3EEB-1749-2B56-C9E49D98E605}"/>
               </a:ext>
             </a:extLst>
           </p:cNvPr>
           <p:cNvSpPr>
-            <a:spLocks noGrp="1" noRot="1" noChangeAspect="1" noMove="1" noResize="1" noEditPoints="1" noAdjustHandles="1" noChangeArrowheads="1" noChangeShapeType="1" noTextEdit="1"/>
+            <a:spLocks noGrp="1"/>
           </p:cNvSpPr>
           <p:nvPr>
-            <p:extLst>
-              <p:ext uri="{386F3935-93C4-4BCD-93E2-E3B085C9AB24}">
-                <p16:designElem xmlns:p16="http://schemas.microsoft.com/office/powerpoint/2015/main" val="1"/>
-              </p:ext>
-            </p:extLst>
+            <p:ph type="title"/>
           </p:nvPr>
         </p:nvSpPr>
-        <p:spPr>
-          <a:xfrm flipH="1">
-            <a:off x="7277786" y="1944913"/>
-            <a:ext cx="4023360" cy="27432"/>
-          </a:xfrm>
-          <a:prstGeom prst="rect">
-            <a:avLst/>
-          </a:prstGeom>
-          <a:solidFill>
-            <a:schemeClr val="accent4"/>
-          </a:solidFill>
-          <a:ln>
-            <a:noFill/>
-          </a:ln>
-        </p:spPr>
-        <p:style>
-          <a:lnRef idx="2">
-            <a:schemeClr val="accent1">
-              <a:shade val="50000"/>
-            </a:schemeClr>
-          </a:lnRef>
-          <a:fillRef idx="1">
-            <a:schemeClr val="accent1"/>
-          </a:fillRef>
-          <a:effectRef idx="0">
-            <a:schemeClr val="accent1"/>
-          </a:effectRef>
-          <a:fontRef idx="minor">
-            <a:schemeClr val="lt1"/>
-          </a:fontRef>
-        </p:style>
+        <p:spPr/>
         <p:txBody>
-          <a:bodyPr rtlCol="0" anchor="ctr"/>
+          <a:bodyPr/>
           <a:lstStyle/>
           <a:p>
-            <a:pPr algn="ctr"/>
-            <a:endParaRPr lang="en-US"/>
+            <a:r>
+              <a:rPr lang="en-US"/>
+              <a:t>Why use modules in Angular?</a:t>
+            </a:r>
+            <a:endParaRPr lang="en-IN"/>
           </a:p>
         </p:txBody>
       </p:sp>
       <p:sp>
         <p:nvSpPr>
-          <p:cNvPr id="69" name="Rectangle 55">
-            <a:extLst>
-              <a:ext uri="{FF2B5EF4-FFF2-40B4-BE49-F238E27FC236}">
-                <a16:creationId xmlns:a16="http://schemas.microsoft.com/office/drawing/2014/main" id="{55222F96-971A-4F90-B841-6BAB416C7AC1}"/>
-              </a:ext>
-              <a:ext uri="{C183D7F6-B498-43B3-948B-1728B52AA6E4}">
-                <adec:decorative xmlns:adec="http://schemas.microsoft.com/office/drawing/2017/decorative" val="1"/>
+          <p:cNvPr id="3" name="Content Placeholder 2">
+            <a:extLst>
+              <a:ext uri="{FF2B5EF4-FFF2-40B4-BE49-F238E27FC236}">
+                <a16:creationId xmlns:a16="http://schemas.microsoft.com/office/drawing/2014/main" id="{58210C36-C248-B4A5-0279-A700A45ECC45}"/>
               </a:ext>
             </a:extLst>
           </p:cNvPr>
           <p:cNvSpPr>
-            <a:spLocks noGrp="1" noRot="1" noChangeAspect="1" noMove="1" noResize="1" noEditPoints="1" noAdjustHandles="1" noChangeArrowheads="1" noChangeShapeType="1" noTextEdit="1"/>
+            <a:spLocks noGrp="1"/>
           </p:cNvSpPr>
           <p:nvPr>
-            <p:extLst>
-              <p:ext uri="{386F3935-93C4-4BCD-93E2-E3B085C9AB24}">
-                <p16:designElem xmlns:p16="http://schemas.microsoft.com/office/powerpoint/2015/main" val="1"/>
-              </p:ext>
-            </p:extLst>
+            <p:ph idx="1"/>
           </p:nvPr>
         </p:nvSpPr>
-        <p:spPr>
-          <a:xfrm rot="5400000">
-            <a:off x="11677179" y="6053360"/>
-            <a:ext cx="740664" cy="154124"/>
-          </a:xfrm>
-          <a:prstGeom prst="rect">
-            <a:avLst/>
-          </a:prstGeom>
-          <a:solidFill>
-            <a:schemeClr val="accent4"/>
-          </a:solidFill>
-          <a:ln>
-            <a:noFill/>
-          </a:ln>
-        </p:spPr>
-        <p:style>
-          <a:lnRef idx="2">
-            <a:schemeClr val="accent1">
-              <a:shade val="50000"/>
-            </a:schemeClr>
-          </a:lnRef>
-          <a:fillRef idx="1">
-            <a:schemeClr val="accent1"/>
-          </a:fillRef>
-          <a:effectRef idx="0">
-            <a:schemeClr val="accent1"/>
-          </a:effectRef>
-          <a:fontRef idx="minor">
-            <a:schemeClr val="lt1"/>
-          </a:fontRef>
-        </p:style>
+        <p:spPr/>
         <p:txBody>
-          <a:bodyPr rtlCol="0" anchor="ctr"/>
+          <a:bodyPr>
+            <a:normAutofit lnSpcReduction="10000"/>
+          </a:bodyPr>
           <a:lstStyle/>
           <a:p>
-            <a:pPr algn="ctr"/>
-            <a:endParaRPr lang="en-US"/>
+            <a:r>
+              <a:rPr lang="en-US" dirty="0"/>
+              <a:t>Develop a particular piece of functionality independently from the others</a:t>
+            </a:r>
+          </a:p>
+          <a:p>
+            <a:r>
+              <a:rPr lang="en-US" dirty="0"/>
+              <a:t>Manage teams more easily by enabling each development team to work on a separate feature</a:t>
+            </a:r>
+          </a:p>
+          <a:p>
+            <a:r>
+              <a:rPr lang="en-US" dirty="0"/>
+              <a:t>Explicitly define the list of modules that the current one requires to function</a:t>
+            </a:r>
+          </a:p>
+          <a:p>
+            <a:r>
+              <a:rPr lang="en-US" dirty="0"/>
+              <a:t>Deploy features gradually</a:t>
+            </a:r>
+          </a:p>
+          <a:p>
+            <a:r>
+              <a:rPr lang="en-US" dirty="0"/>
+              <a:t>Build scalable applications</a:t>
+            </a:r>
+          </a:p>
+          <a:p>
+            <a:r>
+              <a:rPr lang="en-US" dirty="0"/>
+              <a:t>Write tests easily</a:t>
+            </a:r>
+          </a:p>
+          <a:p>
+            <a:r>
+              <a:rPr lang="en-US" dirty="0"/>
+              <a:t>Enable Lazy Loading</a:t>
+            </a:r>
+            <a:endParaRPr lang="en-IN" dirty="0"/>
           </a:p>
         </p:txBody>
       </p:sp>
-      <p:graphicFrame>
-        <p:nvGraphicFramePr>
-          <p:cNvPr id="28" name="Content Placeholder 2">
-            <a:extLst>
-              <a:ext uri="{FF2B5EF4-FFF2-40B4-BE49-F238E27FC236}">
-                <a16:creationId xmlns:a16="http://schemas.microsoft.com/office/drawing/2014/main" id="{FC65EEBD-5589-48DB-A356-9E3C0495B2F7}"/>
-              </a:ext>
-            </a:extLst>
-          </p:cNvPr>
-          <p:cNvGraphicFramePr>
-            <a:graphicFrameLocks noGrp="1"/>
-          </p:cNvGraphicFramePr>
-          <p:nvPr>
-            <p:ph idx="1"/>
-            <p:extLst>
-              <p:ext uri="{D42A27DB-BD31-4B8C-83A1-F6EECF244321}">
-                <p14:modId xmlns:p14="http://schemas.microsoft.com/office/powerpoint/2010/main" val="586811489"/>
-              </p:ext>
-            </p:extLst>
-          </p:nvPr>
-        </p:nvGraphicFramePr>
-        <p:xfrm>
-          <a:off x="7239012" y="2031101"/>
-          <a:ext cx="4282984" cy="3511943"/>
-        </p:xfrm>
-        <a:graphic>
-          <a:graphicData uri="http://schemas.openxmlformats.org/drawingml/2006/diagram">
-            <dgm:relIds xmlns:dgm="http://schemas.openxmlformats.org/drawingml/2006/diagram" xmlns:r="http://schemas.openxmlformats.org/officeDocument/2006/relationships" r:dm="rId3" r:lo="rId4" r:qs="rId5" r:cs="rId6"/>
-          </a:graphicData>
-        </a:graphic>
-      </p:graphicFrame>
     </p:spTree>
     <p:extLst>
       <p:ext uri="{BB962C8B-B14F-4D97-AF65-F5344CB8AC3E}">
-        <p14:creationId xmlns:p14="http://schemas.microsoft.com/office/powerpoint/2010/main" val="631516676"/>
+        <p14:creationId xmlns:p14="http://schemas.microsoft.com/office/powerpoint/2010/main" val="3841044751"/>
       </p:ext>
     </p:extLst>
   </p:cSld>

--- a/Ng-Byte.pptx
+++ b/Ng-Byte.pptx
@@ -5,7 +5,7 @@
     <p:sldMasterId id="2147483648" r:id="rId1"/>
   </p:sldMasterIdLst>
   <p:notesMasterIdLst>
-    <p:notesMasterId r:id="rId140"/>
+    <p:notesMasterId r:id="rId141"/>
   </p:notesMasterIdLst>
   <p:sldIdLst>
     <p:sldId id="257" r:id="rId2"/>
@@ -145,7 +145,8 @@
     <p:sldId id="558" r:id="rId136"/>
     <p:sldId id="559" r:id="rId137"/>
     <p:sldId id="560" r:id="rId138"/>
-    <p:sldId id="301" r:id="rId139"/>
+    <p:sldId id="297" r:id="rId139"/>
+    <p:sldId id="301" r:id="rId140"/>
   </p:sldIdLst>
   <p:sldSz cx="12192000" cy="6858000"/>
   <p:notesSz cx="6858000" cy="9144000"/>
@@ -26182,6 +26183,169 @@
 <file path=ppt/slides/slide138.xml><?xml version="1.0" encoding="utf-8"?>
 <p:sld xmlns:a="http://schemas.openxmlformats.org/drawingml/2006/main" xmlns:r="http://schemas.openxmlformats.org/officeDocument/2006/relationships" xmlns:p="http://schemas.openxmlformats.org/presentationml/2006/main">
   <p:cSld>
+    <p:spTree>
+      <p:nvGrpSpPr>
+        <p:cNvPr id="1" name=""/>
+        <p:cNvGrpSpPr/>
+        <p:nvPr/>
+      </p:nvGrpSpPr>
+      <p:grpSpPr>
+        <a:xfrm>
+          <a:off x="0" y="0"/>
+          <a:ext cx="0" cy="0"/>
+          <a:chOff x="0" y="0"/>
+          <a:chExt cx="0" cy="0"/>
+        </a:xfrm>
+      </p:grpSpPr>
+      <p:sp>
+        <p:nvSpPr>
+          <p:cNvPr id="2" name="Title 1">
+            <a:extLst>
+              <a:ext uri="{FF2B5EF4-FFF2-40B4-BE49-F238E27FC236}">
+                <a16:creationId xmlns:a16="http://schemas.microsoft.com/office/drawing/2014/main" id="{410E5D96-9FCA-4CD2-99F3-A2CBBA71555F}"/>
+              </a:ext>
+            </a:extLst>
+          </p:cNvPr>
+          <p:cNvSpPr>
+            <a:spLocks noGrp="1"/>
+          </p:cNvSpPr>
+          <p:nvPr>
+            <p:ph type="title"/>
+          </p:nvPr>
+        </p:nvSpPr>
+        <p:spPr/>
+        <p:txBody>
+          <a:bodyPr/>
+          <a:lstStyle/>
+          <a:p>
+            <a:r>
+              <a:rPr lang="en-US"/>
+              <a:t>Pipes</a:t>
+            </a:r>
+            <a:endParaRPr lang="en-IN"/>
+          </a:p>
+        </p:txBody>
+      </p:sp>
+      <p:sp>
+        <p:nvSpPr>
+          <p:cNvPr id="3" name="Content Placeholder 2">
+            <a:extLst>
+              <a:ext uri="{FF2B5EF4-FFF2-40B4-BE49-F238E27FC236}">
+                <a16:creationId xmlns:a16="http://schemas.microsoft.com/office/drawing/2014/main" id="{BBFA6DBE-1FB8-475B-A03C-E1C8DF9F19E8}"/>
+              </a:ext>
+            </a:extLst>
+          </p:cNvPr>
+          <p:cNvSpPr>
+            <a:spLocks noGrp="1"/>
+          </p:cNvSpPr>
+          <p:nvPr>
+            <p:ph idx="1"/>
+          </p:nvPr>
+        </p:nvSpPr>
+        <p:spPr/>
+        <p:txBody>
+          <a:bodyPr>
+            <a:normAutofit fontScale="92500" lnSpcReduction="10000"/>
+          </a:bodyPr>
+          <a:lstStyle/>
+          <a:p>
+            <a:pPr algn="just"/>
+            <a:r>
+              <a:rPr lang="en-US" sz="2400"/>
+              <a:t>Angular provides built-in pipes for typical data transformations, including transformations for internationalization (i18n), which use locale information to format data. </a:t>
+            </a:r>
+          </a:p>
+          <a:p>
+            <a:pPr algn="just"/>
+            <a:r>
+              <a:rPr lang="en-US" sz="2400"/>
+              <a:t>The following are commonly used built-in pipes for data formatting:</a:t>
+            </a:r>
+          </a:p>
+          <a:p>
+            <a:pPr lvl="1" algn="just"/>
+            <a:r>
+              <a:rPr lang="en-US" err="1"/>
+              <a:t>DatePipe</a:t>
+            </a:r>
+            <a:r>
+              <a:rPr lang="en-US"/>
+              <a:t>: Formats a date value according to locale rules.</a:t>
+            </a:r>
+          </a:p>
+          <a:p>
+            <a:pPr lvl="1" algn="just"/>
+            <a:r>
+              <a:rPr lang="en-US" err="1"/>
+              <a:t>UpperCasePipe</a:t>
+            </a:r>
+            <a:r>
+              <a:rPr lang="en-US"/>
+              <a:t>: Transforms text to all upper case.</a:t>
+            </a:r>
+          </a:p>
+          <a:p>
+            <a:pPr lvl="1" algn="just"/>
+            <a:r>
+              <a:rPr lang="en-US" err="1"/>
+              <a:t>LowerCasePipe</a:t>
+            </a:r>
+            <a:r>
+              <a:rPr lang="en-US"/>
+              <a:t>: Transforms text to all lower case.</a:t>
+            </a:r>
+          </a:p>
+          <a:p>
+            <a:pPr lvl="1" algn="just"/>
+            <a:r>
+              <a:rPr lang="en-US" err="1"/>
+              <a:t>CurrencyPipe</a:t>
+            </a:r>
+            <a:r>
+              <a:rPr lang="en-US"/>
+              <a:t>: Transforms a number to a currency string, formatted according to locale rules.</a:t>
+            </a:r>
+          </a:p>
+          <a:p>
+            <a:pPr lvl="1" algn="just"/>
+            <a:r>
+              <a:rPr lang="en-US" err="1"/>
+              <a:t>DecimalPipe</a:t>
+            </a:r>
+            <a:r>
+              <a:rPr lang="en-US"/>
+              <a:t>: Transforms a number into a string with a decimal point, formatted according to locale rules.</a:t>
+            </a:r>
+          </a:p>
+          <a:p>
+            <a:pPr lvl="1" algn="just"/>
+            <a:r>
+              <a:rPr lang="en-US" err="1"/>
+              <a:t>PercentPipe</a:t>
+            </a:r>
+            <a:r>
+              <a:rPr lang="en-US"/>
+              <a:t>: Transforms a number to a percentage string, formatted according to locale rules.</a:t>
+            </a:r>
+          </a:p>
+        </p:txBody>
+      </p:sp>
+    </p:spTree>
+    <p:extLst>
+      <p:ext uri="{BB962C8B-B14F-4D97-AF65-F5344CB8AC3E}">
+        <p14:creationId xmlns:p14="http://schemas.microsoft.com/office/powerpoint/2010/main" val="3655672511"/>
+      </p:ext>
+    </p:extLst>
+  </p:cSld>
+  <p:clrMapOvr>
+    <a:masterClrMapping/>
+  </p:clrMapOvr>
+</p:sld>
+</file>
+
+<file path=ppt/slides/slide139.xml><?xml version="1.0" encoding="utf-8"?>
+<p:sld xmlns:a="http://schemas.openxmlformats.org/drawingml/2006/main" xmlns:r="http://schemas.openxmlformats.org/officeDocument/2006/relationships" xmlns:p="http://schemas.openxmlformats.org/presentationml/2006/main">
+  <p:cSld>
     <p:bg>
       <p:bgPr>
         <a:solidFill>

--- a/Ng-Byte.pptx
+++ b/Ng-Byte.pptx
@@ -5,7 +5,7 @@
     <p:sldMasterId id="2147483648" r:id="rId1"/>
   </p:sldMasterIdLst>
   <p:notesMasterIdLst>
-    <p:notesMasterId r:id="rId141"/>
+    <p:notesMasterId r:id="rId147"/>
   </p:notesMasterIdLst>
   <p:sldIdLst>
     <p:sldId id="257" r:id="rId2"/>
@@ -146,7 +146,13 @@
     <p:sldId id="559" r:id="rId137"/>
     <p:sldId id="560" r:id="rId138"/>
     <p:sldId id="297" r:id="rId139"/>
-    <p:sldId id="301" r:id="rId140"/>
+    <p:sldId id="406" r:id="rId140"/>
+    <p:sldId id="407" r:id="rId141"/>
+    <p:sldId id="408" r:id="rId142"/>
+    <p:sldId id="298" r:id="rId143"/>
+    <p:sldId id="561" r:id="rId144"/>
+    <p:sldId id="562" r:id="rId145"/>
+    <p:sldId id="301" r:id="rId146"/>
   </p:sldIdLst>
   <p:sldSz cx="12192000" cy="6858000"/>
   <p:notesSz cx="6858000" cy="9144000"/>
@@ -26346,6 +26352,1255 @@
 <file path=ppt/slides/slide139.xml><?xml version="1.0" encoding="utf-8"?>
 <p:sld xmlns:a="http://schemas.openxmlformats.org/drawingml/2006/main" xmlns:r="http://schemas.openxmlformats.org/officeDocument/2006/relationships" xmlns:p="http://schemas.openxmlformats.org/presentationml/2006/main">
   <p:cSld>
+    <p:spTree>
+      <p:nvGrpSpPr>
+        <p:cNvPr id="1" name=""/>
+        <p:cNvGrpSpPr/>
+        <p:nvPr/>
+      </p:nvGrpSpPr>
+      <p:grpSpPr>
+        <a:xfrm>
+          <a:off x="0" y="0"/>
+          <a:ext cx="0" cy="0"/>
+          <a:chOff x="0" y="0"/>
+          <a:chExt cx="0" cy="0"/>
+        </a:xfrm>
+      </p:grpSpPr>
+      <p:sp>
+        <p:nvSpPr>
+          <p:cNvPr id="2" name="Title 1">
+            <a:extLst>
+              <a:ext uri="{FF2B5EF4-FFF2-40B4-BE49-F238E27FC236}">
+                <a16:creationId xmlns:a16="http://schemas.microsoft.com/office/drawing/2014/main" id="{DCDD08EF-252F-45B0-9A75-3B37BEE50932}"/>
+              </a:ext>
+            </a:extLst>
+          </p:cNvPr>
+          <p:cNvSpPr>
+            <a:spLocks noGrp="1"/>
+          </p:cNvSpPr>
+          <p:nvPr>
+            <p:ph type="title"/>
+          </p:nvPr>
+        </p:nvSpPr>
+        <p:spPr>
+          <a:xfrm>
+            <a:off x="838200" y="365125"/>
+            <a:ext cx="10515600" cy="1325563"/>
+          </a:xfrm>
+        </p:spPr>
+        <p:txBody>
+          <a:bodyPr>
+            <a:normAutofit/>
+          </a:bodyPr>
+          <a:lstStyle/>
+          <a:p>
+            <a:r>
+              <a:rPr lang="en-IN" sz="5400"/>
+              <a:t>Forms</a:t>
+            </a:r>
+          </a:p>
+        </p:txBody>
+      </p:sp>
+      <p:sp>
+        <p:nvSpPr>
+          <p:cNvPr id="3" name="Content Placeholder 2">
+            <a:extLst>
+              <a:ext uri="{FF2B5EF4-FFF2-40B4-BE49-F238E27FC236}">
+                <a16:creationId xmlns:a16="http://schemas.microsoft.com/office/drawing/2014/main" id="{2CA259F3-745E-40DC-82F2-EA3F89A34C77}"/>
+              </a:ext>
+            </a:extLst>
+          </p:cNvPr>
+          <p:cNvSpPr>
+            <a:spLocks noGrp="1"/>
+          </p:cNvSpPr>
+          <p:nvPr>
+            <p:ph idx="1"/>
+          </p:nvPr>
+        </p:nvSpPr>
+        <p:spPr>
+          <a:xfrm>
+            <a:off x="838200" y="1929384"/>
+            <a:ext cx="10515600" cy="4251960"/>
+          </a:xfrm>
+        </p:spPr>
+        <p:txBody>
+          <a:bodyPr>
+            <a:normAutofit fontScale="92500" lnSpcReduction="10000"/>
+          </a:bodyPr>
+          <a:lstStyle/>
+          <a:p>
+            <a:pPr algn="just"/>
+            <a:r>
+              <a:rPr lang="en-US" b="1"/>
+              <a:t>Reactive forms </a:t>
+            </a:r>
+            <a:r>
+              <a:rPr lang="en-US"/>
+              <a:t>provide direct, explicit access to the underlying forms object model. Compared to template-driven forms, they are more robust: they're more scalable, reusable, and testable. If forms are a key part of your application, or you're already using reactive patterns for building your application, use reactive forms.</a:t>
+            </a:r>
+          </a:p>
+          <a:p>
+            <a:pPr algn="just"/>
+            <a:endParaRPr lang="en-US"/>
+          </a:p>
+          <a:p>
+            <a:pPr algn="just"/>
+            <a:r>
+              <a:rPr lang="en-US" b="1"/>
+              <a:t>Template-driven forms </a:t>
+            </a:r>
+            <a:r>
+              <a:rPr lang="en-US"/>
+              <a:t>rely on directives in the template to create and manipulate the underlying object model. They are useful for adding a simple form to an app, such as an email list signup form. They're easy to add to an app, but they don't scale as well as reactive forms. If you have very basic form requirements and logic that can be managed solely in the template, template-driven forms could be a good fit.</a:t>
+            </a:r>
+            <a:endParaRPr lang="en-IN"/>
+          </a:p>
+        </p:txBody>
+      </p:sp>
+    </p:spTree>
+    <p:extLst>
+      <p:ext uri="{BB962C8B-B14F-4D97-AF65-F5344CB8AC3E}">
+        <p14:creationId xmlns:p14="http://schemas.microsoft.com/office/powerpoint/2010/main" val="2384314681"/>
+      </p:ext>
+    </p:extLst>
+  </p:cSld>
+  <p:clrMapOvr>
+    <a:masterClrMapping/>
+  </p:clrMapOvr>
+</p:sld>
+</file>
+
+<file path=ppt/slides/slide14.xml><?xml version="1.0" encoding="utf-8"?>
+<p:sld xmlns:a="http://schemas.openxmlformats.org/drawingml/2006/main" xmlns:r="http://schemas.openxmlformats.org/officeDocument/2006/relationships" xmlns:p="http://schemas.openxmlformats.org/presentationml/2006/main">
+  <p:cSld>
+    <p:spTree>
+      <p:nvGrpSpPr>
+        <p:cNvPr id="1" name=""/>
+        <p:cNvGrpSpPr/>
+        <p:nvPr/>
+      </p:nvGrpSpPr>
+      <p:grpSpPr>
+        <a:xfrm>
+          <a:off x="0" y="0"/>
+          <a:ext cx="0" cy="0"/>
+          <a:chOff x="0" y="0"/>
+          <a:chExt cx="0" cy="0"/>
+        </a:xfrm>
+      </p:grpSpPr>
+      <p:sp>
+        <p:nvSpPr>
+          <p:cNvPr id="4" name="Title 3">
+            <a:extLst>
+              <a:ext uri="{FF2B5EF4-FFF2-40B4-BE49-F238E27FC236}">
+                <a16:creationId xmlns:a16="http://schemas.microsoft.com/office/drawing/2014/main" id="{8CE8A3E8-C20B-4C17-865A-9C314E57E281}"/>
+              </a:ext>
+            </a:extLst>
+          </p:cNvPr>
+          <p:cNvSpPr>
+            <a:spLocks noGrp="1"/>
+          </p:cNvSpPr>
+          <p:nvPr>
+            <p:ph type="title"/>
+          </p:nvPr>
+        </p:nvSpPr>
+        <p:spPr/>
+        <p:txBody>
+          <a:bodyPr/>
+          <a:lstStyle/>
+          <a:p>
+            <a:r>
+              <a:rPr lang="en-IN" dirty="0"/>
+              <a:t>TypeScript Features</a:t>
+            </a:r>
+          </a:p>
+        </p:txBody>
+      </p:sp>
+      <p:sp>
+        <p:nvSpPr>
+          <p:cNvPr id="5" name="Content Placeholder 4">
+            <a:extLst>
+              <a:ext uri="{FF2B5EF4-FFF2-40B4-BE49-F238E27FC236}">
+                <a16:creationId xmlns:a16="http://schemas.microsoft.com/office/drawing/2014/main" id="{A83F59D2-F12B-4477-B802-834CF654C6C3}"/>
+              </a:ext>
+            </a:extLst>
+          </p:cNvPr>
+          <p:cNvSpPr>
+            <a:spLocks noGrp="1"/>
+          </p:cNvSpPr>
+          <p:nvPr>
+            <p:ph idx="1"/>
+          </p:nvPr>
+        </p:nvSpPr>
+        <p:spPr/>
+        <p:txBody>
+          <a:bodyPr>
+            <a:normAutofit lnSpcReduction="10000"/>
+          </a:bodyPr>
+          <a:lstStyle/>
+          <a:p>
+            <a:r>
+              <a:rPr lang="en-IN" dirty="0"/>
+              <a:t>Data Types Supported</a:t>
+            </a:r>
+          </a:p>
+          <a:p>
+            <a:r>
+              <a:rPr lang="en-IN" dirty="0"/>
+              <a:t>Optional Static Type Annotation</a:t>
+            </a:r>
+          </a:p>
+          <a:p>
+            <a:r>
+              <a:rPr lang="en-IN" dirty="0"/>
+              <a:t>Classes</a:t>
+            </a:r>
+          </a:p>
+          <a:p>
+            <a:r>
+              <a:rPr lang="en-IN" dirty="0"/>
+              <a:t>Interface</a:t>
+            </a:r>
+          </a:p>
+          <a:p>
+            <a:r>
+              <a:rPr lang="en-IN" dirty="0"/>
+              <a:t>Modules</a:t>
+            </a:r>
+          </a:p>
+          <a:p>
+            <a:r>
+              <a:rPr lang="en-IN" dirty="0"/>
+              <a:t>Arrow Expressions</a:t>
+            </a:r>
+          </a:p>
+          <a:p>
+            <a:r>
+              <a:rPr lang="en-IN" dirty="0"/>
+              <a:t>Type Assertions</a:t>
+            </a:r>
+          </a:p>
+          <a:p>
+            <a:r>
+              <a:rPr lang="en-IN" dirty="0"/>
+              <a:t>Ambient Declarations</a:t>
+            </a:r>
+          </a:p>
+          <a:p>
+            <a:r>
+              <a:rPr lang="en-IN" dirty="0"/>
+              <a:t>Source File Dependencies</a:t>
+            </a:r>
+          </a:p>
+        </p:txBody>
+      </p:sp>
+    </p:spTree>
+    <p:extLst>
+      <p:ext uri="{BB962C8B-B14F-4D97-AF65-F5344CB8AC3E}">
+        <p14:creationId xmlns:p14="http://schemas.microsoft.com/office/powerpoint/2010/main" val="354889720"/>
+      </p:ext>
+    </p:extLst>
+  </p:cSld>
+  <p:clrMapOvr>
+    <a:masterClrMapping/>
+  </p:clrMapOvr>
+</p:sld>
+</file>
+
+<file path=ppt/slides/slide140.xml><?xml version="1.0" encoding="utf-8"?>
+<p:sld xmlns:a="http://schemas.openxmlformats.org/drawingml/2006/main" xmlns:r="http://schemas.openxmlformats.org/officeDocument/2006/relationships" xmlns:p="http://schemas.openxmlformats.org/presentationml/2006/main">
+  <p:cSld>
+    <p:spTree>
+      <p:nvGrpSpPr>
+        <p:cNvPr id="1" name=""/>
+        <p:cNvGrpSpPr/>
+        <p:nvPr/>
+      </p:nvGrpSpPr>
+      <p:grpSpPr>
+        <a:xfrm>
+          <a:off x="0" y="0"/>
+          <a:ext cx="0" cy="0"/>
+          <a:chOff x="0" y="0"/>
+          <a:chExt cx="0" cy="0"/>
+        </a:xfrm>
+      </p:grpSpPr>
+      <p:sp>
+        <p:nvSpPr>
+          <p:cNvPr id="16" name="Title 1">
+            <a:extLst>
+              <a:ext uri="{FF2B5EF4-FFF2-40B4-BE49-F238E27FC236}">
+                <a16:creationId xmlns:a16="http://schemas.microsoft.com/office/drawing/2014/main" id="{38554845-5B8D-42F7-B117-9A4F02F9BC2A}"/>
+              </a:ext>
+            </a:extLst>
+          </p:cNvPr>
+          <p:cNvSpPr>
+            <a:spLocks noGrp="1"/>
+          </p:cNvSpPr>
+          <p:nvPr>
+            <p:ph type="title"/>
+          </p:nvPr>
+        </p:nvSpPr>
+        <p:spPr>
+          <a:xfrm>
+            <a:off x="396573" y="320675"/>
+            <a:ext cx="11407487" cy="1325563"/>
+          </a:xfrm>
+        </p:spPr>
+        <p:txBody>
+          <a:bodyPr vert="horz" lIns="91440" tIns="45720" rIns="91440" bIns="45720" rtlCol="0">
+            <a:normAutofit/>
+          </a:bodyPr>
+          <a:lstStyle/>
+          <a:p>
+            <a:r>
+              <a:rPr lang="en-US" sz="5400"/>
+              <a:t>Key Differences</a:t>
+            </a:r>
+            <a:endParaRPr lang="en-US" sz="5400" kern="1200">
+              <a:latin typeface="+mj-lt"/>
+              <a:ea typeface="+mj-ea"/>
+              <a:cs typeface="+mj-cs"/>
+            </a:endParaRPr>
+          </a:p>
+        </p:txBody>
+      </p:sp>
+      <p:graphicFrame>
+        <p:nvGraphicFramePr>
+          <p:cNvPr id="4" name="Content Placeholder 3">
+            <a:extLst>
+              <a:ext uri="{FF2B5EF4-FFF2-40B4-BE49-F238E27FC236}">
+                <a16:creationId xmlns:a16="http://schemas.microsoft.com/office/drawing/2014/main" id="{09553322-79FA-4335-B67E-47EF33A7EC3B}"/>
+              </a:ext>
+            </a:extLst>
+          </p:cNvPr>
+          <p:cNvGraphicFramePr>
+            <a:graphicFrameLocks noGrp="1"/>
+          </p:cNvGraphicFramePr>
+          <p:nvPr>
+            <p:ph idx="1"/>
+          </p:nvPr>
+        </p:nvGraphicFramePr>
+        <p:xfrm>
+          <a:off x="396574" y="2003199"/>
+          <a:ext cx="11407488" cy="3603470"/>
+        </p:xfrm>
+        <a:graphic>
+          <a:graphicData uri="http://schemas.openxmlformats.org/drawingml/2006/table">
+            <a:tbl>
+              <a:tblPr firstRow="1" bandRow="1">
+                <a:tableStyleId>{BDBED569-4797-4DF1-A0F4-6AAB3CD982D8}</a:tableStyleId>
+              </a:tblPr>
+              <a:tblGrid>
+                <a:gridCol w="3061521">
+                  <a:extLst>
+                    <a:ext uri="{9D8B030D-6E8A-4147-A177-3AD203B41FA5}">
+                      <a16:colId xmlns:a16="http://schemas.microsoft.com/office/drawing/2014/main" val="1216696705"/>
+                    </a:ext>
+                  </a:extLst>
+                </a:gridCol>
+                <a:gridCol w="4106487">
+                  <a:extLst>
+                    <a:ext uri="{9D8B030D-6E8A-4147-A177-3AD203B41FA5}">
+                      <a16:colId xmlns:a16="http://schemas.microsoft.com/office/drawing/2014/main" val="629224696"/>
+                    </a:ext>
+                  </a:extLst>
+                </a:gridCol>
+                <a:gridCol w="4239480">
+                  <a:extLst>
+                    <a:ext uri="{9D8B030D-6E8A-4147-A177-3AD203B41FA5}">
+                      <a16:colId xmlns:a16="http://schemas.microsoft.com/office/drawing/2014/main" val="2695309759"/>
+                    </a:ext>
+                  </a:extLst>
+                </a:gridCol>
+              </a:tblGrid>
+              <a:tr h="720694">
+                <a:tc>
+                  <a:txBody>
+                    <a:bodyPr/>
+                    <a:lstStyle/>
+                    <a:p>
+                      <a:pPr algn="ctr"/>
+                      <a:endParaRPr lang="en-IN" sz="2400" b="0" cap="all">
+                        <a:solidFill>
+                          <a:schemeClr val="bg1"/>
+                        </a:solidFill>
+                        <a:effectLst/>
+                      </a:endParaRPr>
+                    </a:p>
+                  </a:txBody>
+                  <a:tcPr marL="168205" marR="168205" marT="56068" marB="56068" anchor="ctr">
+                    <a:solidFill>
+                      <a:srgbClr val="0070C0"/>
+                    </a:solidFill>
+                  </a:tcPr>
+                </a:tc>
+                <a:tc>
+                  <a:txBody>
+                    <a:bodyPr/>
+                    <a:lstStyle/>
+                    <a:p>
+                      <a:pPr algn="ctr"/>
+                      <a:r>
+                        <a:rPr lang="en-IN" sz="2800" b="0" cap="all">
+                          <a:solidFill>
+                            <a:schemeClr val="bg1"/>
+                          </a:solidFill>
+                          <a:effectLst/>
+                        </a:rPr>
+                        <a:t>REACTIVE</a:t>
+                      </a:r>
+                    </a:p>
+                  </a:txBody>
+                  <a:tcPr marL="168205" marR="168205" marT="56068" marB="56068" anchor="ctr">
+                    <a:solidFill>
+                      <a:srgbClr val="0070C0"/>
+                    </a:solidFill>
+                  </a:tcPr>
+                </a:tc>
+                <a:tc>
+                  <a:txBody>
+                    <a:bodyPr/>
+                    <a:lstStyle/>
+                    <a:p>
+                      <a:pPr marL="0" marR="0" lvl="0" indent="0" algn="ctr" defTabSz="914400" rtl="0" eaLnBrk="1" fontAlgn="auto" latinLnBrk="0" hangingPunct="1">
+                        <a:lnSpc>
+                          <a:spcPct val="100000"/>
+                        </a:lnSpc>
+                        <a:spcBef>
+                          <a:spcPts val="0"/>
+                        </a:spcBef>
+                        <a:spcAft>
+                          <a:spcPts val="0"/>
+                        </a:spcAft>
+                        <a:buClrTx/>
+                        <a:buSzTx/>
+                        <a:buFontTx/>
+                        <a:buNone/>
+                        <a:tabLst/>
+                        <a:defRPr/>
+                      </a:pPr>
+                      <a:r>
+                        <a:rPr lang="en-IN" sz="2800" b="0" cap="all">
+                          <a:solidFill>
+                            <a:schemeClr val="bg1"/>
+                          </a:solidFill>
+                          <a:effectLst/>
+                        </a:rPr>
+                        <a:t>TEMPLATE-DRIVEN</a:t>
+                      </a:r>
+                    </a:p>
+                  </a:txBody>
+                  <a:tcPr marL="134565" marR="134565" marT="67282" marB="67282" anchor="ctr">
+                    <a:solidFill>
+                      <a:srgbClr val="0070C0"/>
+                    </a:solidFill>
+                  </a:tcPr>
+                </a:tc>
+                <a:extLst>
+                  <a:ext uri="{0D108BD9-81ED-4DB2-BD59-A6C34878D82A}">
+                    <a16:rowId xmlns:a16="http://schemas.microsoft.com/office/drawing/2014/main" val="1855359472"/>
+                  </a:ext>
+                </a:extLst>
+              </a:tr>
+              <a:tr h="720694">
+                <a:tc>
+                  <a:txBody>
+                    <a:bodyPr/>
+                    <a:lstStyle/>
+                    <a:p>
+                      <a:pPr algn="l" fontAlgn="t"/>
+                      <a:r>
+                        <a:rPr lang="en-IN" sz="2400" b="0" u="none" strike="noStrike">
+                          <a:solidFill>
+                            <a:schemeClr val="bg1"/>
+                          </a:solidFill>
+                          <a:effectLst/>
+                        </a:rPr>
+                        <a:t>Setup of form model</a:t>
+                      </a:r>
+                      <a:endParaRPr lang="en-IN" sz="2400" b="0">
+                        <a:solidFill>
+                          <a:schemeClr val="bg1"/>
+                        </a:solidFill>
+                        <a:effectLst/>
+                      </a:endParaRPr>
+                    </a:p>
+                  </a:txBody>
+                  <a:tcPr marL="112138" marR="112138" marT="112138" marB="112138" anchor="ctr">
+                    <a:solidFill>
+                      <a:srgbClr val="0070C0"/>
+                    </a:solidFill>
+                  </a:tcPr>
+                </a:tc>
+                <a:tc>
+                  <a:txBody>
+                    <a:bodyPr/>
+                    <a:lstStyle/>
+                    <a:p>
+                      <a:pPr algn="l" fontAlgn="t"/>
+                      <a:r>
+                        <a:rPr lang="en-US" sz="2000" b="0">
+                          <a:effectLst/>
+                        </a:rPr>
+                        <a:t>Explicit, created in component class</a:t>
+                      </a:r>
+                    </a:p>
+                  </a:txBody>
+                  <a:tcPr marL="112138" marR="112138" marT="112138" marB="112138" anchor="ctr"/>
+                </a:tc>
+                <a:tc>
+                  <a:txBody>
+                    <a:bodyPr/>
+                    <a:lstStyle/>
+                    <a:p>
+                      <a:pPr algn="l" fontAlgn="t"/>
+                      <a:r>
+                        <a:rPr lang="en-IN" sz="2000" b="0">
+                          <a:effectLst/>
+                        </a:rPr>
+                        <a:t>Implicit, created by directives</a:t>
+                      </a:r>
+                    </a:p>
+                  </a:txBody>
+                  <a:tcPr marL="112138" marR="112138" marT="112138" marB="112138" anchor="ctr"/>
+                </a:tc>
+                <a:extLst>
+                  <a:ext uri="{0D108BD9-81ED-4DB2-BD59-A6C34878D82A}">
+                    <a16:rowId xmlns:a16="http://schemas.microsoft.com/office/drawing/2014/main" val="45851353"/>
+                  </a:ext>
+                </a:extLst>
+              </a:tr>
+              <a:tr h="720694">
+                <a:tc>
+                  <a:txBody>
+                    <a:bodyPr/>
+                    <a:lstStyle/>
+                    <a:p>
+                      <a:pPr algn="l" fontAlgn="t"/>
+                      <a:r>
+                        <a:rPr lang="en-IN" sz="2400" b="0" u="none" strike="noStrike">
+                          <a:solidFill>
+                            <a:schemeClr val="bg1"/>
+                          </a:solidFill>
+                          <a:effectLst/>
+                        </a:rPr>
+                        <a:t>Data model</a:t>
+                      </a:r>
+                      <a:endParaRPr lang="en-IN" sz="2400" b="0">
+                        <a:solidFill>
+                          <a:schemeClr val="bg1"/>
+                        </a:solidFill>
+                        <a:effectLst/>
+                      </a:endParaRPr>
+                    </a:p>
+                  </a:txBody>
+                  <a:tcPr marL="112138" marR="112138" marT="112138" marB="112138" anchor="ctr">
+                    <a:solidFill>
+                      <a:srgbClr val="0070C0"/>
+                    </a:solidFill>
+                  </a:tcPr>
+                </a:tc>
+                <a:tc>
+                  <a:txBody>
+                    <a:bodyPr/>
+                    <a:lstStyle/>
+                    <a:p>
+                      <a:pPr algn="l" fontAlgn="t"/>
+                      <a:r>
+                        <a:rPr lang="en-IN" sz="2000" b="0">
+                          <a:effectLst/>
+                        </a:rPr>
+                        <a:t>Structured and immutable</a:t>
+                      </a:r>
+                    </a:p>
+                  </a:txBody>
+                  <a:tcPr marL="112138" marR="112138" marT="112138" marB="112138" anchor="ctr"/>
+                </a:tc>
+                <a:tc>
+                  <a:txBody>
+                    <a:bodyPr/>
+                    <a:lstStyle/>
+                    <a:p>
+                      <a:pPr algn="l" fontAlgn="t"/>
+                      <a:r>
+                        <a:rPr lang="en-IN" sz="2000" b="0">
+                          <a:effectLst/>
+                        </a:rPr>
+                        <a:t>Unstructured and mutable</a:t>
+                      </a:r>
+                    </a:p>
+                  </a:txBody>
+                  <a:tcPr marL="112138" marR="112138" marT="112138" marB="112138" anchor="ctr"/>
+                </a:tc>
+                <a:extLst>
+                  <a:ext uri="{0D108BD9-81ED-4DB2-BD59-A6C34878D82A}">
+                    <a16:rowId xmlns:a16="http://schemas.microsoft.com/office/drawing/2014/main" val="2847624665"/>
+                  </a:ext>
+                </a:extLst>
+              </a:tr>
+              <a:tr h="720694">
+                <a:tc>
+                  <a:txBody>
+                    <a:bodyPr/>
+                    <a:lstStyle/>
+                    <a:p>
+                      <a:pPr algn="l" fontAlgn="t"/>
+                      <a:r>
+                        <a:rPr lang="en-IN" sz="2400" b="0">
+                          <a:solidFill>
+                            <a:schemeClr val="bg1"/>
+                          </a:solidFill>
+                          <a:effectLst/>
+                        </a:rPr>
+                        <a:t>Predictability</a:t>
+                      </a:r>
+                    </a:p>
+                  </a:txBody>
+                  <a:tcPr marL="112138" marR="112138" marT="112138" marB="112138" anchor="ctr">
+                    <a:solidFill>
+                      <a:srgbClr val="0070C0"/>
+                    </a:solidFill>
+                  </a:tcPr>
+                </a:tc>
+                <a:tc>
+                  <a:txBody>
+                    <a:bodyPr/>
+                    <a:lstStyle/>
+                    <a:p>
+                      <a:pPr algn="l" fontAlgn="t"/>
+                      <a:r>
+                        <a:rPr lang="en-IN" sz="2000" b="0">
+                          <a:effectLst/>
+                        </a:rPr>
+                        <a:t>Synchronous</a:t>
+                      </a:r>
+                    </a:p>
+                  </a:txBody>
+                  <a:tcPr marL="112138" marR="112138" marT="112138" marB="112138" anchor="ctr"/>
+                </a:tc>
+                <a:tc>
+                  <a:txBody>
+                    <a:bodyPr/>
+                    <a:lstStyle/>
+                    <a:p>
+                      <a:pPr algn="l" fontAlgn="t"/>
+                      <a:r>
+                        <a:rPr lang="en-IN" sz="2000" b="0">
+                          <a:effectLst/>
+                        </a:rPr>
+                        <a:t>Asynchronous</a:t>
+                      </a:r>
+                    </a:p>
+                  </a:txBody>
+                  <a:tcPr marL="112138" marR="112138" marT="112138" marB="112138" anchor="ctr"/>
+                </a:tc>
+                <a:extLst>
+                  <a:ext uri="{0D108BD9-81ED-4DB2-BD59-A6C34878D82A}">
+                    <a16:rowId xmlns:a16="http://schemas.microsoft.com/office/drawing/2014/main" val="4071954668"/>
+                  </a:ext>
+                </a:extLst>
+              </a:tr>
+              <a:tr h="720694">
+                <a:tc>
+                  <a:txBody>
+                    <a:bodyPr/>
+                    <a:lstStyle/>
+                    <a:p>
+                      <a:pPr algn="l" fontAlgn="t"/>
+                      <a:r>
+                        <a:rPr lang="en-IN" sz="2400" b="0" u="none" strike="noStrike">
+                          <a:solidFill>
+                            <a:schemeClr val="bg1"/>
+                          </a:solidFill>
+                          <a:effectLst/>
+                        </a:rPr>
+                        <a:t>Form validation</a:t>
+                      </a:r>
+                      <a:endParaRPr lang="en-IN" sz="2400" b="0">
+                        <a:solidFill>
+                          <a:schemeClr val="bg1"/>
+                        </a:solidFill>
+                        <a:effectLst/>
+                      </a:endParaRPr>
+                    </a:p>
+                  </a:txBody>
+                  <a:tcPr marL="112138" marR="112138" marT="112138" marB="112138" anchor="ctr">
+                    <a:solidFill>
+                      <a:srgbClr val="0070C0"/>
+                    </a:solidFill>
+                  </a:tcPr>
+                </a:tc>
+                <a:tc>
+                  <a:txBody>
+                    <a:bodyPr/>
+                    <a:lstStyle/>
+                    <a:p>
+                      <a:pPr algn="l" fontAlgn="t"/>
+                      <a:r>
+                        <a:rPr lang="en-IN" sz="2000" b="0">
+                          <a:effectLst/>
+                        </a:rPr>
+                        <a:t>Functions</a:t>
+                      </a:r>
+                    </a:p>
+                  </a:txBody>
+                  <a:tcPr marL="112138" marR="112138" marT="112138" marB="112138" anchor="ctr"/>
+                </a:tc>
+                <a:tc>
+                  <a:txBody>
+                    <a:bodyPr/>
+                    <a:lstStyle/>
+                    <a:p>
+                      <a:pPr algn="l" fontAlgn="t"/>
+                      <a:r>
+                        <a:rPr lang="en-IN" sz="2000" b="0">
+                          <a:effectLst/>
+                        </a:rPr>
+                        <a:t>Directives</a:t>
+                      </a:r>
+                    </a:p>
+                  </a:txBody>
+                  <a:tcPr marL="112138" marR="112138" marT="112138" marB="112138" anchor="ctr"/>
+                </a:tc>
+                <a:extLst>
+                  <a:ext uri="{0D108BD9-81ED-4DB2-BD59-A6C34878D82A}">
+                    <a16:rowId xmlns:a16="http://schemas.microsoft.com/office/drawing/2014/main" val="2699337602"/>
+                  </a:ext>
+                </a:extLst>
+              </a:tr>
+            </a:tbl>
+          </a:graphicData>
+        </a:graphic>
+      </p:graphicFrame>
+    </p:spTree>
+    <p:extLst>
+      <p:ext uri="{BB962C8B-B14F-4D97-AF65-F5344CB8AC3E}">
+        <p14:creationId xmlns:p14="http://schemas.microsoft.com/office/powerpoint/2010/main" val="3578060852"/>
+      </p:ext>
+    </p:extLst>
+  </p:cSld>
+  <p:clrMapOvr>
+    <a:masterClrMapping/>
+  </p:clrMapOvr>
+</p:sld>
+</file>
+
+<file path=ppt/slides/slide141.xml><?xml version="1.0" encoding="utf-8"?>
+<p:sld xmlns:a="http://schemas.openxmlformats.org/drawingml/2006/main" xmlns:r="http://schemas.openxmlformats.org/officeDocument/2006/relationships" xmlns:p="http://schemas.openxmlformats.org/presentationml/2006/main">
+  <p:cSld>
+    <p:spTree>
+      <p:nvGrpSpPr>
+        <p:cNvPr id="1" name=""/>
+        <p:cNvGrpSpPr/>
+        <p:nvPr/>
+      </p:nvGrpSpPr>
+      <p:grpSpPr>
+        <a:xfrm>
+          <a:off x="0" y="0"/>
+          <a:ext cx="0" cy="0"/>
+          <a:chOff x="0" y="0"/>
+          <a:chExt cx="0" cy="0"/>
+        </a:xfrm>
+      </p:grpSpPr>
+      <p:sp>
+        <p:nvSpPr>
+          <p:cNvPr id="2" name="Title 1">
+            <a:extLst>
+              <a:ext uri="{FF2B5EF4-FFF2-40B4-BE49-F238E27FC236}">
+                <a16:creationId xmlns:a16="http://schemas.microsoft.com/office/drawing/2014/main" id="{6B065EF2-342C-41E8-96A1-E1BC27ED16C3}"/>
+              </a:ext>
+            </a:extLst>
+          </p:cNvPr>
+          <p:cNvSpPr>
+            <a:spLocks noGrp="1"/>
+          </p:cNvSpPr>
+          <p:nvPr>
+            <p:ph type="title"/>
+          </p:nvPr>
+        </p:nvSpPr>
+        <p:spPr/>
+        <p:txBody>
+          <a:bodyPr/>
+          <a:lstStyle/>
+          <a:p>
+            <a:r>
+              <a:rPr lang="en-US"/>
+              <a:t>Form Builder</a:t>
+            </a:r>
+          </a:p>
+        </p:txBody>
+      </p:sp>
+      <p:sp>
+        <p:nvSpPr>
+          <p:cNvPr id="3" name="Content Placeholder 2">
+            <a:extLst>
+              <a:ext uri="{FF2B5EF4-FFF2-40B4-BE49-F238E27FC236}">
+                <a16:creationId xmlns:a16="http://schemas.microsoft.com/office/drawing/2014/main" id="{070CD7B2-031B-4FD8-AD1B-7D544D05004D}"/>
+              </a:ext>
+            </a:extLst>
+          </p:cNvPr>
+          <p:cNvSpPr>
+            <a:spLocks noGrp="1"/>
+          </p:cNvSpPr>
+          <p:nvPr>
+            <p:ph idx="1"/>
+          </p:nvPr>
+        </p:nvSpPr>
+        <p:spPr/>
+        <p:txBody>
+          <a:bodyPr/>
+          <a:lstStyle/>
+          <a:p>
+            <a:r>
+              <a:rPr lang="en-US"/>
+              <a:t>Creates an </a:t>
+            </a:r>
+            <a:r>
+              <a:rPr lang="en-US" err="1"/>
+              <a:t>AbstractControl</a:t>
+            </a:r>
+            <a:r>
+              <a:rPr lang="en-US"/>
+              <a:t> from a user-specified configuration.</a:t>
+            </a:r>
+          </a:p>
+          <a:p>
+            <a:r>
+              <a:rPr lang="en-US"/>
+              <a:t>The </a:t>
+            </a:r>
+            <a:r>
+              <a:rPr lang="en-US" err="1"/>
+              <a:t>FormBuilder</a:t>
+            </a:r>
+            <a:r>
+              <a:rPr lang="en-US"/>
+              <a:t> provides syntactic sugar that shortens creating instances of a </a:t>
+            </a:r>
+            <a:r>
+              <a:rPr lang="en-US" err="1"/>
+              <a:t>FormControl</a:t>
+            </a:r>
+            <a:r>
+              <a:rPr lang="en-US"/>
+              <a:t>, </a:t>
+            </a:r>
+            <a:r>
+              <a:rPr lang="en-US" err="1"/>
+              <a:t>FormGroup</a:t>
+            </a:r>
+            <a:r>
+              <a:rPr lang="en-US"/>
+              <a:t>, or </a:t>
+            </a:r>
+            <a:r>
+              <a:rPr lang="en-US" err="1"/>
+              <a:t>FormArray</a:t>
+            </a:r>
+            <a:r>
+              <a:rPr lang="en-US"/>
+              <a:t>. </a:t>
+            </a:r>
+          </a:p>
+          <a:p>
+            <a:r>
+              <a:rPr lang="en-US"/>
+              <a:t>It reduces the amount of boilerplate needed to build complex forms.</a:t>
+            </a:r>
+          </a:p>
+        </p:txBody>
+      </p:sp>
+    </p:spTree>
+    <p:extLst>
+      <p:ext uri="{BB962C8B-B14F-4D97-AF65-F5344CB8AC3E}">
+        <p14:creationId xmlns:p14="http://schemas.microsoft.com/office/powerpoint/2010/main" val="2021387729"/>
+      </p:ext>
+    </p:extLst>
+  </p:cSld>
+  <p:clrMapOvr>
+    <a:masterClrMapping/>
+  </p:clrMapOvr>
+</p:sld>
+</file>
+
+<file path=ppt/slides/slide142.xml><?xml version="1.0" encoding="utf-8"?>
+<p:sld xmlns:a="http://schemas.openxmlformats.org/drawingml/2006/main" xmlns:r="http://schemas.openxmlformats.org/officeDocument/2006/relationships" xmlns:p="http://schemas.openxmlformats.org/presentationml/2006/main">
+  <p:cSld>
+    <p:spTree>
+      <p:nvGrpSpPr>
+        <p:cNvPr id="1" name=""/>
+        <p:cNvGrpSpPr/>
+        <p:nvPr/>
+      </p:nvGrpSpPr>
+      <p:grpSpPr>
+        <a:xfrm>
+          <a:off x="0" y="0"/>
+          <a:ext cx="0" cy="0"/>
+          <a:chOff x="0" y="0"/>
+          <a:chExt cx="0" cy="0"/>
+        </a:xfrm>
+      </p:grpSpPr>
+      <p:sp>
+        <p:nvSpPr>
+          <p:cNvPr id="2" name="Title 1">
+            <a:extLst>
+              <a:ext uri="{FF2B5EF4-FFF2-40B4-BE49-F238E27FC236}">
+                <a16:creationId xmlns:a16="http://schemas.microsoft.com/office/drawing/2014/main" id="{34EA4EA0-A619-4FC6-B7F3-B638AC58CD32}"/>
+              </a:ext>
+            </a:extLst>
+          </p:cNvPr>
+          <p:cNvSpPr>
+            <a:spLocks noGrp="1"/>
+          </p:cNvSpPr>
+          <p:nvPr>
+            <p:ph type="title"/>
+          </p:nvPr>
+        </p:nvSpPr>
+        <p:spPr/>
+        <p:txBody>
+          <a:bodyPr/>
+          <a:lstStyle/>
+          <a:p>
+            <a:r>
+              <a:rPr lang="en-IN"/>
+              <a:t>Built in Validators</a:t>
+            </a:r>
+          </a:p>
+        </p:txBody>
+      </p:sp>
+      <p:sp>
+        <p:nvSpPr>
+          <p:cNvPr id="3" name="Content Placeholder 2">
+            <a:extLst>
+              <a:ext uri="{FF2B5EF4-FFF2-40B4-BE49-F238E27FC236}">
+                <a16:creationId xmlns:a16="http://schemas.microsoft.com/office/drawing/2014/main" id="{3297DD3A-2137-4CC2-B597-020416726FE6}"/>
+              </a:ext>
+            </a:extLst>
+          </p:cNvPr>
+          <p:cNvSpPr>
+            <a:spLocks noGrp="1"/>
+          </p:cNvSpPr>
+          <p:nvPr>
+            <p:ph idx="1"/>
+          </p:nvPr>
+        </p:nvSpPr>
+        <p:spPr/>
+        <p:txBody>
+          <a:bodyPr>
+            <a:normAutofit fontScale="85000" lnSpcReduction="20000"/>
+          </a:bodyPr>
+          <a:lstStyle/>
+          <a:p>
+            <a:r>
+              <a:rPr lang="en-US"/>
+              <a:t>min</a:t>
+            </a:r>
+          </a:p>
+          <a:p>
+            <a:r>
+              <a:rPr lang="en-US"/>
+              <a:t>max</a:t>
+            </a:r>
+          </a:p>
+          <a:p>
+            <a:r>
+              <a:rPr lang="en-US"/>
+              <a:t>required</a:t>
+            </a:r>
+          </a:p>
+          <a:p>
+            <a:r>
+              <a:rPr lang="en-US" err="1"/>
+              <a:t>requiredTrue</a:t>
+            </a:r>
+            <a:endParaRPr lang="en-US"/>
+          </a:p>
+          <a:p>
+            <a:r>
+              <a:rPr lang="en-US"/>
+              <a:t>email</a:t>
+            </a:r>
+          </a:p>
+          <a:p>
+            <a:r>
+              <a:rPr lang="en-US" err="1"/>
+              <a:t>minLength</a:t>
+            </a:r>
+            <a:endParaRPr lang="en-US"/>
+          </a:p>
+          <a:p>
+            <a:r>
+              <a:rPr lang="en-US" err="1"/>
+              <a:t>maxLength</a:t>
+            </a:r>
+            <a:endParaRPr lang="en-US"/>
+          </a:p>
+          <a:p>
+            <a:r>
+              <a:rPr lang="en-US"/>
+              <a:t>pattern</a:t>
+            </a:r>
+          </a:p>
+          <a:p>
+            <a:r>
+              <a:rPr lang="en-US" err="1"/>
+              <a:t>nullValidator</a:t>
+            </a:r>
+            <a:endParaRPr lang="en-US"/>
+          </a:p>
+          <a:p>
+            <a:r>
+              <a:rPr lang="en-US"/>
+              <a:t>compose</a:t>
+            </a:r>
+          </a:p>
+          <a:p>
+            <a:r>
+              <a:rPr lang="en-US" err="1"/>
+              <a:t>composeAsync</a:t>
+            </a:r>
+            <a:endParaRPr lang="en-IN"/>
+          </a:p>
+        </p:txBody>
+      </p:sp>
+    </p:spTree>
+    <p:extLst>
+      <p:ext uri="{BB962C8B-B14F-4D97-AF65-F5344CB8AC3E}">
+        <p14:creationId xmlns:p14="http://schemas.microsoft.com/office/powerpoint/2010/main" val="2048991383"/>
+      </p:ext>
+    </p:extLst>
+  </p:cSld>
+  <p:clrMapOvr>
+    <a:masterClrMapping/>
+  </p:clrMapOvr>
+</p:sld>
+</file>
+
+<file path=ppt/slides/slide143.xml><?xml version="1.0" encoding="utf-8"?>
+<p:sld xmlns:a="http://schemas.openxmlformats.org/drawingml/2006/main" xmlns:r="http://schemas.openxmlformats.org/officeDocument/2006/relationships" xmlns:p="http://schemas.openxmlformats.org/presentationml/2006/main">
+  <p:cSld>
+    <p:spTree>
+      <p:nvGrpSpPr>
+        <p:cNvPr id="1" name=""/>
+        <p:cNvGrpSpPr/>
+        <p:nvPr/>
+      </p:nvGrpSpPr>
+      <p:grpSpPr>
+        <a:xfrm>
+          <a:off x="0" y="0"/>
+          <a:ext cx="0" cy="0"/>
+          <a:chOff x="0" y="0"/>
+          <a:chExt cx="0" cy="0"/>
+        </a:xfrm>
+      </p:grpSpPr>
+      <p:sp>
+        <p:nvSpPr>
+          <p:cNvPr id="2" name="Title 1">
+            <a:extLst>
+              <a:ext uri="{FF2B5EF4-FFF2-40B4-BE49-F238E27FC236}">
+                <a16:creationId xmlns:a16="http://schemas.microsoft.com/office/drawing/2014/main" id="{4158C489-52BE-4B37-B045-E4AEE2EEB5B4}"/>
+              </a:ext>
+            </a:extLst>
+          </p:cNvPr>
+          <p:cNvSpPr>
+            <a:spLocks noGrp="1"/>
+          </p:cNvSpPr>
+          <p:nvPr>
+            <p:ph type="title"/>
+          </p:nvPr>
+        </p:nvSpPr>
+        <p:spPr/>
+        <p:txBody>
+          <a:bodyPr/>
+          <a:lstStyle/>
+          <a:p>
+            <a:r>
+              <a:rPr lang="en-US"/>
+              <a:t>Assignment</a:t>
+            </a:r>
+            <a:endParaRPr lang="en-IN"/>
+          </a:p>
+        </p:txBody>
+      </p:sp>
+      <p:pic>
+        <p:nvPicPr>
+          <p:cNvPr id="5" name="Content Placeholder 4" descr="Graphical user interface, application&#10;&#10;Description automatically generated">
+            <a:extLst>
+              <a:ext uri="{FF2B5EF4-FFF2-40B4-BE49-F238E27FC236}">
+                <a16:creationId xmlns:a16="http://schemas.microsoft.com/office/drawing/2014/main" id="{70317B35-51A4-40C6-BFB6-FF878C11EC8D}"/>
+              </a:ext>
+            </a:extLst>
+          </p:cNvPr>
+          <p:cNvPicPr>
+            <a:picLocks noGrp="1" noChangeAspect="1"/>
+          </p:cNvPicPr>
+          <p:nvPr>
+            <p:ph idx="1"/>
+          </p:nvPr>
+        </p:nvPicPr>
+        <p:blipFill>
+          <a:blip r:embed="rId2">
+            <a:extLst>
+              <a:ext uri="{28A0092B-C50C-407E-A947-70E740481C1C}">
+                <a14:useLocalDpi xmlns:a14="http://schemas.microsoft.com/office/drawing/2010/main" val="0"/>
+              </a:ext>
+            </a:extLst>
+          </a:blip>
+          <a:stretch>
+            <a:fillRect/>
+          </a:stretch>
+        </p:blipFill>
+        <p:spPr>
+          <a:xfrm>
+            <a:off x="2399929" y="1681734"/>
+            <a:ext cx="7392142" cy="4639120"/>
+          </a:xfrm>
+        </p:spPr>
+      </p:pic>
+    </p:spTree>
+    <p:extLst>
+      <p:ext uri="{BB962C8B-B14F-4D97-AF65-F5344CB8AC3E}">
+        <p14:creationId xmlns:p14="http://schemas.microsoft.com/office/powerpoint/2010/main" val="2737212266"/>
+      </p:ext>
+    </p:extLst>
+  </p:cSld>
+  <p:clrMapOvr>
+    <a:masterClrMapping/>
+  </p:clrMapOvr>
+</p:sld>
+</file>
+
+<file path=ppt/slides/slide144.xml><?xml version="1.0" encoding="utf-8"?>
+<p:sld xmlns:a="http://schemas.openxmlformats.org/drawingml/2006/main" xmlns:r="http://schemas.openxmlformats.org/officeDocument/2006/relationships" xmlns:p="http://schemas.openxmlformats.org/presentationml/2006/main">
+  <p:cSld>
+    <p:spTree>
+      <p:nvGrpSpPr>
+        <p:cNvPr id="1" name=""/>
+        <p:cNvGrpSpPr/>
+        <p:nvPr/>
+      </p:nvGrpSpPr>
+      <p:grpSpPr>
+        <a:xfrm>
+          <a:off x="0" y="0"/>
+          <a:ext cx="0" cy="0"/>
+          <a:chOff x="0" y="0"/>
+          <a:chExt cx="0" cy="0"/>
+        </a:xfrm>
+      </p:grpSpPr>
+      <p:sp>
+        <p:nvSpPr>
+          <p:cNvPr id="2" name="Title 1">
+            <a:extLst>
+              <a:ext uri="{FF2B5EF4-FFF2-40B4-BE49-F238E27FC236}">
+                <a16:creationId xmlns:a16="http://schemas.microsoft.com/office/drawing/2014/main" id="{9D22B850-92E8-A15C-15E6-4CE198D1290C}"/>
+              </a:ext>
+            </a:extLst>
+          </p:cNvPr>
+          <p:cNvSpPr>
+            <a:spLocks noGrp="1"/>
+          </p:cNvSpPr>
+          <p:nvPr>
+            <p:ph type="title"/>
+          </p:nvPr>
+        </p:nvSpPr>
+        <p:spPr/>
+        <p:txBody>
+          <a:bodyPr/>
+          <a:lstStyle/>
+          <a:p>
+            <a:r>
+              <a:rPr lang="en-US" dirty="0"/>
+              <a:t>Assignment</a:t>
+            </a:r>
+            <a:endParaRPr lang="en-IN" dirty="0"/>
+          </a:p>
+        </p:txBody>
+      </p:sp>
+      <p:sp>
+        <p:nvSpPr>
+          <p:cNvPr id="3" name="Content Placeholder 2">
+            <a:extLst>
+              <a:ext uri="{FF2B5EF4-FFF2-40B4-BE49-F238E27FC236}">
+                <a16:creationId xmlns:a16="http://schemas.microsoft.com/office/drawing/2014/main" id="{5AB2B90A-6F47-0661-C5D9-CFD638C9DD67}"/>
+              </a:ext>
+            </a:extLst>
+          </p:cNvPr>
+          <p:cNvSpPr>
+            <a:spLocks noGrp="1"/>
+          </p:cNvSpPr>
+          <p:nvPr>
+            <p:ph idx="1"/>
+          </p:nvPr>
+        </p:nvSpPr>
+        <p:spPr/>
+        <p:txBody>
+          <a:bodyPr/>
+          <a:lstStyle/>
+          <a:p>
+            <a:r>
+              <a:rPr lang="en-IN" dirty="0"/>
+              <a:t>Complete the CRUD assignment as per the screenshot shared in the previous slide, use array to keep the data.</a:t>
+            </a:r>
+          </a:p>
+          <a:p>
+            <a:pPr lvl="1"/>
+            <a:r>
+              <a:rPr lang="en-IN" dirty="0"/>
+              <a:t>Create form-component and data-table-component as sibling components.</a:t>
+            </a:r>
+          </a:p>
+          <a:p>
+            <a:pPr lvl="1"/>
+            <a:r>
+              <a:rPr lang="en-IN" dirty="0"/>
+              <a:t>Id should be auto generated after every insert, update and delete</a:t>
+            </a:r>
+          </a:p>
+          <a:p>
+            <a:pPr lvl="1"/>
+            <a:r>
+              <a:rPr lang="en-IN" dirty="0"/>
+              <a:t>When we click details or edit, data will be displayed in Form Component.</a:t>
+            </a:r>
+          </a:p>
+          <a:p>
+            <a:pPr lvl="1"/>
+            <a:r>
+              <a:rPr lang="en-IN" strike="sngStrike" dirty="0">
+                <a:solidFill>
+                  <a:srgbClr val="FF0000"/>
+                </a:solidFill>
+              </a:rPr>
+              <a:t>In Details, Form should display data but will be disabled for editing.</a:t>
+            </a:r>
+          </a:p>
+          <a:p>
+            <a:pPr lvl="1"/>
+            <a:r>
+              <a:rPr lang="en-IN" dirty="0"/>
+              <a:t>On delete, ask for confirmation, before delete</a:t>
+            </a:r>
+          </a:p>
+          <a:p>
+            <a:endParaRPr lang="en-IN" dirty="0"/>
+          </a:p>
+        </p:txBody>
+      </p:sp>
+    </p:spTree>
+    <p:extLst>
+      <p:ext uri="{BB962C8B-B14F-4D97-AF65-F5344CB8AC3E}">
+        <p14:creationId xmlns:p14="http://schemas.microsoft.com/office/powerpoint/2010/main" val="1219229817"/>
+      </p:ext>
+    </p:extLst>
+  </p:cSld>
+  <p:clrMapOvr>
+    <a:masterClrMapping/>
+  </p:clrMapOvr>
+</p:sld>
+</file>
+
+<file path=ppt/slides/slide145.xml><?xml version="1.0" encoding="utf-8"?>
+<p:sld xmlns:a="http://schemas.openxmlformats.org/drawingml/2006/main" xmlns:r="http://schemas.openxmlformats.org/officeDocument/2006/relationships" xmlns:p="http://schemas.openxmlformats.org/presentationml/2006/main">
+  <p:cSld>
     <p:bg>
       <p:bgPr>
         <a:solidFill>
@@ -26794,142 +28049,6 @@
     <p:extLst>
       <p:ext uri="{BB962C8B-B14F-4D97-AF65-F5344CB8AC3E}">
         <p14:creationId xmlns:p14="http://schemas.microsoft.com/office/powerpoint/2010/main" val="631516676"/>
-      </p:ext>
-    </p:extLst>
-  </p:cSld>
-  <p:clrMapOvr>
-    <a:masterClrMapping/>
-  </p:clrMapOvr>
-</p:sld>
-</file>
-
-<file path=ppt/slides/slide14.xml><?xml version="1.0" encoding="utf-8"?>
-<p:sld xmlns:a="http://schemas.openxmlformats.org/drawingml/2006/main" xmlns:r="http://schemas.openxmlformats.org/officeDocument/2006/relationships" xmlns:p="http://schemas.openxmlformats.org/presentationml/2006/main">
-  <p:cSld>
-    <p:spTree>
-      <p:nvGrpSpPr>
-        <p:cNvPr id="1" name=""/>
-        <p:cNvGrpSpPr/>
-        <p:nvPr/>
-      </p:nvGrpSpPr>
-      <p:grpSpPr>
-        <a:xfrm>
-          <a:off x="0" y="0"/>
-          <a:ext cx="0" cy="0"/>
-          <a:chOff x="0" y="0"/>
-          <a:chExt cx="0" cy="0"/>
-        </a:xfrm>
-      </p:grpSpPr>
-      <p:sp>
-        <p:nvSpPr>
-          <p:cNvPr id="4" name="Title 3">
-            <a:extLst>
-              <a:ext uri="{FF2B5EF4-FFF2-40B4-BE49-F238E27FC236}">
-                <a16:creationId xmlns:a16="http://schemas.microsoft.com/office/drawing/2014/main" id="{8CE8A3E8-C20B-4C17-865A-9C314E57E281}"/>
-              </a:ext>
-            </a:extLst>
-          </p:cNvPr>
-          <p:cNvSpPr>
-            <a:spLocks noGrp="1"/>
-          </p:cNvSpPr>
-          <p:nvPr>
-            <p:ph type="title"/>
-          </p:nvPr>
-        </p:nvSpPr>
-        <p:spPr/>
-        <p:txBody>
-          <a:bodyPr/>
-          <a:lstStyle/>
-          <a:p>
-            <a:r>
-              <a:rPr lang="en-IN" dirty="0"/>
-              <a:t>TypeScript Features</a:t>
-            </a:r>
-          </a:p>
-        </p:txBody>
-      </p:sp>
-      <p:sp>
-        <p:nvSpPr>
-          <p:cNvPr id="5" name="Content Placeholder 4">
-            <a:extLst>
-              <a:ext uri="{FF2B5EF4-FFF2-40B4-BE49-F238E27FC236}">
-                <a16:creationId xmlns:a16="http://schemas.microsoft.com/office/drawing/2014/main" id="{A83F59D2-F12B-4477-B802-834CF654C6C3}"/>
-              </a:ext>
-            </a:extLst>
-          </p:cNvPr>
-          <p:cNvSpPr>
-            <a:spLocks noGrp="1"/>
-          </p:cNvSpPr>
-          <p:nvPr>
-            <p:ph idx="1"/>
-          </p:nvPr>
-        </p:nvSpPr>
-        <p:spPr/>
-        <p:txBody>
-          <a:bodyPr>
-            <a:normAutofit lnSpcReduction="10000"/>
-          </a:bodyPr>
-          <a:lstStyle/>
-          <a:p>
-            <a:r>
-              <a:rPr lang="en-IN" dirty="0"/>
-              <a:t>Data Types Supported</a:t>
-            </a:r>
-          </a:p>
-          <a:p>
-            <a:r>
-              <a:rPr lang="en-IN" dirty="0"/>
-              <a:t>Optional Static Type Annotation</a:t>
-            </a:r>
-          </a:p>
-          <a:p>
-            <a:r>
-              <a:rPr lang="en-IN" dirty="0"/>
-              <a:t>Classes</a:t>
-            </a:r>
-          </a:p>
-          <a:p>
-            <a:r>
-              <a:rPr lang="en-IN" dirty="0"/>
-              <a:t>Interface</a:t>
-            </a:r>
-          </a:p>
-          <a:p>
-            <a:r>
-              <a:rPr lang="en-IN" dirty="0"/>
-              <a:t>Modules</a:t>
-            </a:r>
-          </a:p>
-          <a:p>
-            <a:r>
-              <a:rPr lang="en-IN" dirty="0"/>
-              <a:t>Arrow Expressions</a:t>
-            </a:r>
-          </a:p>
-          <a:p>
-            <a:r>
-              <a:rPr lang="en-IN" dirty="0"/>
-              <a:t>Type Assertions</a:t>
-            </a:r>
-          </a:p>
-          <a:p>
-            <a:r>
-              <a:rPr lang="en-IN" dirty="0"/>
-              <a:t>Ambient Declarations</a:t>
-            </a:r>
-          </a:p>
-          <a:p>
-            <a:r>
-              <a:rPr lang="en-IN" dirty="0"/>
-              <a:t>Source File Dependencies</a:t>
-            </a:r>
-          </a:p>
-        </p:txBody>
-      </p:sp>
-    </p:spTree>
-    <p:extLst>
-      <p:ext uri="{BB962C8B-B14F-4D97-AF65-F5344CB8AC3E}">
-        <p14:creationId xmlns:p14="http://schemas.microsoft.com/office/powerpoint/2010/main" val="354889720"/>
       </p:ext>
     </p:extLst>
   </p:cSld>
